--- a/Python-Data-Analysis.pptx
+++ b/Python-Data-Analysis.pptx
@@ -5,7 +5,7 @@
     <p:sldMasterId id="2147483648" r:id="rId1"/>
   </p:sldMasterIdLst>
   <p:notesMasterIdLst>
-    <p:notesMasterId r:id="rId14"/>
+    <p:notesMasterId r:id="rId15"/>
   </p:notesMasterIdLst>
   <p:sldIdLst>
     <p:sldId id="256" r:id="rId2"/>
@@ -15,11 +15,12 @@
     <p:sldId id="262" r:id="rId6"/>
     <p:sldId id="263" r:id="rId7"/>
     <p:sldId id="264" r:id="rId8"/>
-    <p:sldId id="268" r:id="rId9"/>
-    <p:sldId id="265" r:id="rId10"/>
-    <p:sldId id="266" r:id="rId11"/>
-    <p:sldId id="267" r:id="rId12"/>
-    <p:sldId id="259" r:id="rId13"/>
+    <p:sldId id="269" r:id="rId9"/>
+    <p:sldId id="268" r:id="rId10"/>
+    <p:sldId id="265" r:id="rId11"/>
+    <p:sldId id="266" r:id="rId12"/>
+    <p:sldId id="267" r:id="rId13"/>
+    <p:sldId id="259" r:id="rId14"/>
   </p:sldIdLst>
   <p:sldSz cx="9144000" cy="6858000" type="screen4x3"/>
   <p:notesSz cx="6858000" cy="9144000"/>
@@ -203,7 +204,7 @@
           <a:p>
             <a:fld id="{9B9BB65A-9694-4378-BFCD-AAC1A36774CD}" type="datetimeFigureOut">
               <a:rPr lang="zh-CN" altLang="en-US" smtClean="0"/>
-              <a:t>2020/9/14</a:t>
+              <a:t>2020/9/15</a:t>
             </a:fld>
             <a:endParaRPr lang="zh-CN" altLang="en-US"/>
           </a:p>
@@ -891,6 +892,90 @@
 </p:notes>
 </file>
 
+<file path=ppt/notesSlides/notesSlide6.xml><?xml version="1.0" encoding="utf-8"?>
+<p:notes xmlns:a="http://schemas.openxmlformats.org/drawingml/2006/main" xmlns:r="http://schemas.openxmlformats.org/officeDocument/2006/relationships" xmlns:p="http://schemas.openxmlformats.org/presentationml/2006/main">
+  <p:cSld>
+    <p:spTree>
+      <p:nvGrpSpPr>
+        <p:cNvPr id="1" name=""/>
+        <p:cNvGrpSpPr/>
+        <p:nvPr/>
+      </p:nvGrpSpPr>
+      <p:grpSpPr>
+        <a:xfrm>
+          <a:off x="0" y="0"/>
+          <a:ext cx="0" cy="0"/>
+          <a:chOff x="0" y="0"/>
+          <a:chExt cx="0" cy="0"/>
+        </a:xfrm>
+      </p:grpSpPr>
+      <p:sp>
+        <p:nvSpPr>
+          <p:cNvPr id="2" name="幻灯片图像占位符 1"/>
+          <p:cNvSpPr>
+            <a:spLocks noGrp="1" noRot="1" noChangeAspect="1"/>
+          </p:cNvSpPr>
+          <p:nvPr>
+            <p:ph type="sldImg"/>
+          </p:nvPr>
+        </p:nvSpPr>
+        <p:spPr/>
+      </p:sp>
+      <p:sp>
+        <p:nvSpPr>
+          <p:cNvPr id="3" name="备注占位符 2"/>
+          <p:cNvSpPr>
+            <a:spLocks noGrp="1"/>
+          </p:cNvSpPr>
+          <p:nvPr>
+            <p:ph type="body" idx="1"/>
+          </p:nvPr>
+        </p:nvSpPr>
+        <p:spPr/>
+        <p:txBody>
+          <a:bodyPr/>
+          <a:lstStyle/>
+          <a:p>
+            <a:endParaRPr lang="zh-CN" altLang="en-US"/>
+          </a:p>
+        </p:txBody>
+      </p:sp>
+      <p:sp>
+        <p:nvSpPr>
+          <p:cNvPr id="4" name="灯片编号占位符 3"/>
+          <p:cNvSpPr>
+            <a:spLocks noGrp="1"/>
+          </p:cNvSpPr>
+          <p:nvPr>
+            <p:ph type="sldNum" sz="quarter" idx="10"/>
+          </p:nvPr>
+        </p:nvSpPr>
+        <p:spPr/>
+        <p:txBody>
+          <a:bodyPr/>
+          <a:lstStyle/>
+          <a:p>
+            <a:fld id="{F4C61C4C-4C18-4A01-AD54-50B462009B3C}" type="slidenum">
+              <a:rPr lang="zh-CN" altLang="en-US" smtClean="0"/>
+              <a:t>12</a:t>
+            </a:fld>
+            <a:endParaRPr lang="zh-CN" altLang="en-US"/>
+          </a:p>
+        </p:txBody>
+      </p:sp>
+    </p:spTree>
+    <p:extLst>
+      <p:ext uri="{BB962C8B-B14F-4D97-AF65-F5344CB8AC3E}">
+        <p14:creationId xmlns:p14="http://schemas.microsoft.com/office/powerpoint/2010/main" val="1668979526"/>
+      </p:ext>
+    </p:extLst>
+  </p:cSld>
+  <p:clrMapOvr>
+    <a:masterClrMapping/>
+  </p:clrMapOvr>
+</p:notes>
+</file>
+
 <file path=ppt/slideLayouts/slideLayout1.xml><?xml version="1.0" encoding="utf-8"?>
 <p:sldLayout xmlns:a="http://schemas.openxmlformats.org/drawingml/2006/main" xmlns:r="http://schemas.openxmlformats.org/officeDocument/2006/relationships" xmlns:p="http://schemas.openxmlformats.org/presentationml/2006/main" preserve="1" userDrawn="1">
   <p:cSld name="제목 슬라이드">
@@ -1647,7 +1732,7 @@
         <p:spPr>
           <a:xfrm>
             <a:off x="467544" y="908720"/>
-            <a:ext cx="8208912" cy="2908489"/>
+            <a:ext cx="8208912" cy="1754326"/>
           </a:xfrm>
           <a:prstGeom prst="rect">
             <a:avLst/>
@@ -1675,6 +1760,1115 @@
                 <a:latin typeface="微软雅黑" pitchFamily="34" charset="-122"/>
                 <a:ea typeface="微软雅黑" pitchFamily="34" charset="-122"/>
               </a:rPr>
+              <a:t>使用</a:t>
+            </a:r>
+            <a:r>
+              <a:rPr lang="en-US" altLang="zh-CN" b="1">
+                <a:solidFill>
+                  <a:schemeClr val="accent5">
+                    <a:lumMod val="50000"/>
+                  </a:schemeClr>
+                </a:solidFill>
+                <a:latin typeface="微软雅黑" pitchFamily="34" charset="-122"/>
+                <a:ea typeface="微软雅黑" pitchFamily="34" charset="-122"/>
+              </a:rPr>
+              <a:t>VSCode</a:t>
+            </a:r>
+            <a:r>
+              <a:rPr lang="zh-CN" altLang="en-US" b="1">
+                <a:solidFill>
+                  <a:schemeClr val="accent5">
+                    <a:lumMod val="50000"/>
+                  </a:schemeClr>
+                </a:solidFill>
+                <a:latin typeface="微软雅黑" pitchFamily="34" charset="-122"/>
+                <a:ea typeface="微软雅黑" pitchFamily="34" charset="-122"/>
+              </a:rPr>
+              <a:t>编写</a:t>
+            </a:r>
+            <a:r>
+              <a:rPr lang="en-US" altLang="zh-CN" b="1">
+                <a:solidFill>
+                  <a:schemeClr val="accent5">
+                    <a:lumMod val="50000"/>
+                  </a:schemeClr>
+                </a:solidFill>
+                <a:latin typeface="微软雅黑" pitchFamily="34" charset="-122"/>
+                <a:ea typeface="微软雅黑" pitchFamily="34" charset="-122"/>
+              </a:rPr>
+              <a:t>Python</a:t>
+            </a:r>
+            <a:r>
+              <a:rPr lang="zh-CN" altLang="en-US" b="1">
+                <a:solidFill>
+                  <a:schemeClr val="accent5">
+                    <a:lumMod val="50000"/>
+                  </a:schemeClr>
+                </a:solidFill>
+                <a:latin typeface="微软雅黑" pitchFamily="34" charset="-122"/>
+                <a:ea typeface="微软雅黑" pitchFamily="34" charset="-122"/>
+              </a:rPr>
+              <a:t>程序</a:t>
+            </a:r>
+          </a:p>
+          <a:p>
+            <a:pPr indent="342900">
+              <a:lnSpc>
+                <a:spcPct val="150000"/>
+              </a:lnSpc>
+            </a:pPr>
+            <a:r>
+              <a:rPr lang="zh-CN" altLang="en-US" sz="1600" b="1" smtClean="0">
+                <a:solidFill>
+                  <a:schemeClr val="accent5">
+                    <a:lumMod val="75000"/>
+                  </a:schemeClr>
+                </a:solidFill>
+                <a:latin typeface="微软雅黑" pitchFamily="34" charset="-122"/>
+                <a:ea typeface="微软雅黑" pitchFamily="34" charset="-122"/>
+              </a:rPr>
+              <a:t>例</a:t>
+            </a:r>
+            <a:r>
+              <a:rPr lang="en-US" altLang="zh-CN" sz="1600" smtClean="0">
+                <a:solidFill>
+                  <a:schemeClr val="accent5">
+                    <a:lumMod val="75000"/>
+                  </a:schemeClr>
+                </a:solidFill>
+                <a:latin typeface="微软雅黑" pitchFamily="34" charset="-122"/>
+                <a:ea typeface="微软雅黑" pitchFamily="34" charset="-122"/>
+              </a:rPr>
+              <a:t> </a:t>
+            </a:r>
+            <a:r>
+              <a:rPr lang="zh-CN" altLang="en-US" sz="1600">
+                <a:solidFill>
+                  <a:schemeClr val="accent5">
+                    <a:lumMod val="75000"/>
+                  </a:schemeClr>
+                </a:solidFill>
+                <a:latin typeface="微软雅黑" pitchFamily="34" charset="-122"/>
+                <a:ea typeface="微软雅黑" pitchFamily="34" charset="-122"/>
+              </a:rPr>
+              <a:t>有两个向量</a:t>
+            </a:r>
+            <a:r>
+              <a:rPr lang="en-US" altLang="zh-CN" sz="1600">
+                <a:solidFill>
+                  <a:schemeClr val="accent5">
+                    <a:lumMod val="75000"/>
+                  </a:schemeClr>
+                </a:solidFill>
+                <a:latin typeface="微软雅黑" pitchFamily="34" charset="-122"/>
+                <a:ea typeface="微软雅黑" pitchFamily="34" charset="-122"/>
+              </a:rPr>
+              <a:t>a</a:t>
+            </a:r>
+            <a:r>
+              <a:rPr lang="zh-CN" altLang="en-US" sz="1600">
+                <a:solidFill>
+                  <a:schemeClr val="accent5">
+                    <a:lumMod val="75000"/>
+                  </a:schemeClr>
+                </a:solidFill>
+                <a:latin typeface="微软雅黑" pitchFamily="34" charset="-122"/>
+                <a:ea typeface="微软雅黑" pitchFamily="34" charset="-122"/>
+              </a:rPr>
+              <a:t>和</a:t>
+            </a:r>
+            <a:r>
+              <a:rPr lang="en-US" altLang="zh-CN" sz="1600">
+                <a:solidFill>
+                  <a:schemeClr val="accent5">
+                    <a:lumMod val="75000"/>
+                  </a:schemeClr>
+                </a:solidFill>
+                <a:latin typeface="微软雅黑" pitchFamily="34" charset="-122"/>
+                <a:ea typeface="微软雅黑" pitchFamily="34" charset="-122"/>
+              </a:rPr>
+              <a:t>b</a:t>
+            </a:r>
+            <a:r>
+              <a:rPr lang="zh-CN" altLang="en-US" sz="1600">
+                <a:solidFill>
+                  <a:schemeClr val="accent5">
+                    <a:lumMod val="75000"/>
+                  </a:schemeClr>
+                </a:solidFill>
+                <a:latin typeface="微软雅黑" pitchFamily="34" charset="-122"/>
+                <a:ea typeface="微软雅黑" pitchFamily="34" charset="-122"/>
+              </a:rPr>
+              <a:t>，其中</a:t>
+            </a:r>
+            <a:r>
+              <a:rPr lang="en-US" altLang="zh-CN" sz="1600">
+                <a:solidFill>
+                  <a:schemeClr val="accent5">
+                    <a:lumMod val="75000"/>
+                  </a:schemeClr>
+                </a:solidFill>
+                <a:latin typeface="微软雅黑" pitchFamily="34" charset="-122"/>
+                <a:ea typeface="微软雅黑" pitchFamily="34" charset="-122"/>
+              </a:rPr>
+              <a:t>a</a:t>
+            </a:r>
+            <a:r>
+              <a:rPr lang="zh-CN" altLang="en-US" sz="1600">
+                <a:solidFill>
+                  <a:schemeClr val="accent5">
+                    <a:lumMod val="75000"/>
+                  </a:schemeClr>
+                </a:solidFill>
+                <a:latin typeface="微软雅黑" pitchFamily="34" charset="-122"/>
+                <a:ea typeface="微软雅黑" pitchFamily="34" charset="-122"/>
+              </a:rPr>
+              <a:t>保存的是</a:t>
+            </a:r>
+            <a:r>
+              <a:rPr lang="en-US" altLang="zh-CN" sz="1600">
+                <a:solidFill>
+                  <a:schemeClr val="accent5">
+                    <a:lumMod val="75000"/>
+                  </a:schemeClr>
+                </a:solidFill>
+                <a:latin typeface="微软雅黑" pitchFamily="34" charset="-122"/>
+                <a:ea typeface="微软雅黑" pitchFamily="34" charset="-122"/>
+              </a:rPr>
+              <a:t>(0 ~ n-1)</a:t>
+            </a:r>
+            <a:r>
+              <a:rPr lang="zh-CN" altLang="en-US" sz="1600">
+                <a:solidFill>
+                  <a:schemeClr val="accent5">
+                    <a:lumMod val="75000"/>
+                  </a:schemeClr>
+                </a:solidFill>
+                <a:latin typeface="微软雅黑" pitchFamily="34" charset="-122"/>
+                <a:ea typeface="微软雅黑" pitchFamily="34" charset="-122"/>
+              </a:rPr>
+              <a:t>的</a:t>
+            </a:r>
+            <a:r>
+              <a:rPr lang="en-US" altLang="zh-CN" sz="1600">
+                <a:solidFill>
+                  <a:schemeClr val="accent5">
+                    <a:lumMod val="75000"/>
+                  </a:schemeClr>
+                </a:solidFill>
+                <a:latin typeface="微软雅黑" pitchFamily="34" charset="-122"/>
+                <a:ea typeface="微软雅黑" pitchFamily="34" charset="-122"/>
+              </a:rPr>
+              <a:t>2</a:t>
+            </a:r>
+            <a:r>
+              <a:rPr lang="zh-CN" altLang="en-US" sz="1600">
+                <a:solidFill>
+                  <a:schemeClr val="accent5">
+                    <a:lumMod val="75000"/>
+                  </a:schemeClr>
+                </a:solidFill>
+                <a:latin typeface="微软雅黑" pitchFamily="34" charset="-122"/>
+                <a:ea typeface="微软雅黑" pitchFamily="34" charset="-122"/>
+              </a:rPr>
+              <a:t>次幂，</a:t>
+            </a:r>
+            <a:r>
+              <a:rPr lang="en-US" altLang="zh-CN" sz="1600">
+                <a:solidFill>
+                  <a:schemeClr val="accent5">
+                    <a:lumMod val="75000"/>
+                  </a:schemeClr>
+                </a:solidFill>
+                <a:latin typeface="微软雅黑" pitchFamily="34" charset="-122"/>
+                <a:ea typeface="微软雅黑" pitchFamily="34" charset="-122"/>
+              </a:rPr>
+              <a:t>b</a:t>
+            </a:r>
+            <a:r>
+              <a:rPr lang="zh-CN" altLang="en-US" sz="1600">
+                <a:solidFill>
+                  <a:schemeClr val="accent5">
+                    <a:lumMod val="75000"/>
+                  </a:schemeClr>
+                </a:solidFill>
+                <a:latin typeface="微软雅黑" pitchFamily="34" charset="-122"/>
+                <a:ea typeface="微软雅黑" pitchFamily="34" charset="-122"/>
+              </a:rPr>
+              <a:t>保存的</a:t>
+            </a:r>
+            <a:r>
+              <a:rPr lang="zh-CN" altLang="en-US" sz="1600" smtClean="0">
+                <a:solidFill>
+                  <a:schemeClr val="accent5">
+                    <a:lumMod val="75000"/>
+                  </a:schemeClr>
+                </a:solidFill>
+                <a:latin typeface="微软雅黑" pitchFamily="34" charset="-122"/>
+                <a:ea typeface="微软雅黑" pitchFamily="34" charset="-122"/>
+              </a:rPr>
+              <a:t>是</a:t>
+            </a:r>
+            <a:r>
+              <a:rPr lang="en-US" altLang="zh-CN" sz="1600" smtClean="0">
+                <a:solidFill>
+                  <a:schemeClr val="accent5">
+                    <a:lumMod val="75000"/>
+                  </a:schemeClr>
+                </a:solidFill>
+                <a:latin typeface="微软雅黑" pitchFamily="34" charset="-122"/>
+                <a:ea typeface="微软雅黑" pitchFamily="34" charset="-122"/>
+              </a:rPr>
+              <a:t>(0 </a:t>
+            </a:r>
+            <a:r>
+              <a:rPr lang="en-US" altLang="zh-CN" sz="1600">
+                <a:solidFill>
+                  <a:schemeClr val="accent5">
+                    <a:lumMod val="75000"/>
+                  </a:schemeClr>
+                </a:solidFill>
+                <a:latin typeface="微软雅黑" pitchFamily="34" charset="-122"/>
+                <a:ea typeface="微软雅黑" pitchFamily="34" charset="-122"/>
+              </a:rPr>
+              <a:t>~ </a:t>
+            </a:r>
+            <a:r>
+              <a:rPr lang="en-US" altLang="zh-CN" sz="1600" smtClean="0">
+                <a:solidFill>
+                  <a:schemeClr val="accent5">
+                    <a:lumMod val="75000"/>
+                  </a:schemeClr>
+                </a:solidFill>
+                <a:latin typeface="微软雅黑" pitchFamily="34" charset="-122"/>
+                <a:ea typeface="微软雅黑" pitchFamily="34" charset="-122"/>
+              </a:rPr>
+              <a:t>n)</a:t>
+            </a:r>
+            <a:r>
+              <a:rPr lang="zh-CN" altLang="en-US" sz="1600" smtClean="0">
+                <a:solidFill>
+                  <a:schemeClr val="accent5">
+                    <a:lumMod val="75000"/>
+                  </a:schemeClr>
+                </a:solidFill>
+                <a:latin typeface="微软雅黑" pitchFamily="34" charset="-122"/>
+                <a:ea typeface="微软雅黑" pitchFamily="34" charset="-122"/>
+              </a:rPr>
+              <a:t>的</a:t>
+            </a:r>
+            <a:r>
+              <a:rPr lang="en-US" altLang="zh-CN" sz="1600">
+                <a:solidFill>
+                  <a:schemeClr val="accent5">
+                    <a:lumMod val="75000"/>
+                  </a:schemeClr>
+                </a:solidFill>
+                <a:latin typeface="微软雅黑" pitchFamily="34" charset="-122"/>
+                <a:ea typeface="微软雅黑" pitchFamily="34" charset="-122"/>
+              </a:rPr>
+              <a:t>3</a:t>
+            </a:r>
+            <a:r>
+              <a:rPr lang="zh-CN" altLang="en-US" sz="1600">
+                <a:solidFill>
+                  <a:schemeClr val="accent5">
+                    <a:lumMod val="75000"/>
+                  </a:schemeClr>
+                </a:solidFill>
+                <a:latin typeface="微软雅黑" pitchFamily="34" charset="-122"/>
+                <a:ea typeface="微软雅黑" pitchFamily="34" charset="-122"/>
+              </a:rPr>
+              <a:t>次幂；求</a:t>
+            </a:r>
+            <a:r>
+              <a:rPr lang="en-US" altLang="zh-CN" sz="1600">
+                <a:solidFill>
+                  <a:schemeClr val="accent5">
+                    <a:lumMod val="75000"/>
+                  </a:schemeClr>
+                </a:solidFill>
+                <a:latin typeface="微软雅黑" pitchFamily="34" charset="-122"/>
+                <a:ea typeface="微软雅黑" pitchFamily="34" charset="-122"/>
+              </a:rPr>
+              <a:t>a</a:t>
+            </a:r>
+            <a:r>
+              <a:rPr lang="zh-CN" altLang="en-US" sz="1600">
+                <a:solidFill>
+                  <a:schemeClr val="accent5">
+                    <a:lumMod val="75000"/>
+                  </a:schemeClr>
+                </a:solidFill>
+                <a:latin typeface="微软雅黑" pitchFamily="34" charset="-122"/>
+                <a:ea typeface="微软雅黑" pitchFamily="34" charset="-122"/>
+              </a:rPr>
+              <a:t>与</a:t>
+            </a:r>
+            <a:r>
+              <a:rPr lang="en-US" altLang="zh-CN" sz="1600">
+                <a:solidFill>
+                  <a:schemeClr val="accent5">
+                    <a:lumMod val="75000"/>
+                  </a:schemeClr>
+                </a:solidFill>
+                <a:latin typeface="微软雅黑" pitchFamily="34" charset="-122"/>
+                <a:ea typeface="微软雅黑" pitchFamily="34" charset="-122"/>
+              </a:rPr>
+              <a:t>b</a:t>
+            </a:r>
+            <a:r>
+              <a:rPr lang="zh-CN" altLang="en-US" sz="1600">
+                <a:solidFill>
+                  <a:schemeClr val="accent5">
+                    <a:lumMod val="75000"/>
+                  </a:schemeClr>
+                </a:solidFill>
+                <a:latin typeface="微软雅黑" pitchFamily="34" charset="-122"/>
+                <a:ea typeface="微软雅黑" pitchFamily="34" charset="-122"/>
+              </a:rPr>
+              <a:t>的向量积</a:t>
+            </a:r>
+            <a:r>
+              <a:rPr lang="zh-CN" altLang="en-US" sz="1600" smtClean="0">
+                <a:solidFill>
+                  <a:schemeClr val="accent5">
+                    <a:lumMod val="75000"/>
+                  </a:schemeClr>
+                </a:solidFill>
+                <a:latin typeface="微软雅黑" pitchFamily="34" charset="-122"/>
+                <a:ea typeface="微软雅黑" pitchFamily="34" charset="-122"/>
+              </a:rPr>
+              <a:t>。</a:t>
+            </a:r>
+            <a:endParaRPr lang="en-US" altLang="zh-CN" sz="1600" smtClean="0">
+              <a:solidFill>
+                <a:schemeClr val="accent5">
+                  <a:lumMod val="75000"/>
+                </a:schemeClr>
+              </a:solidFill>
+              <a:latin typeface="微软雅黑" pitchFamily="34" charset="-122"/>
+              <a:ea typeface="微软雅黑" pitchFamily="34" charset="-122"/>
+            </a:endParaRPr>
+          </a:p>
+          <a:p>
+            <a:pPr indent="342900">
+              <a:lnSpc>
+                <a:spcPct val="150000"/>
+              </a:lnSpc>
+            </a:pPr>
+            <a:r>
+              <a:rPr lang="zh-CN" altLang="en-US" sz="1600" smtClean="0">
+                <a:solidFill>
+                  <a:schemeClr val="accent5">
+                    <a:lumMod val="75000"/>
+                  </a:schemeClr>
+                </a:solidFill>
+                <a:latin typeface="微软雅黑" pitchFamily="34" charset="-122"/>
+                <a:ea typeface="微软雅黑" pitchFamily="34" charset="-122"/>
+              </a:rPr>
+              <a:t>这里我们使用两种方式实现：</a:t>
+            </a:r>
+            <a:endParaRPr lang="zh-CN" altLang="en-US" sz="1600">
+              <a:solidFill>
+                <a:schemeClr val="accent5">
+                  <a:lumMod val="75000"/>
+                </a:schemeClr>
+              </a:solidFill>
+              <a:latin typeface="微软雅黑" pitchFamily="34" charset="-122"/>
+              <a:ea typeface="微软雅黑" pitchFamily="34" charset="-122"/>
+            </a:endParaRPr>
+          </a:p>
+        </p:txBody>
+      </p:sp>
+      <p:pic>
+        <p:nvPicPr>
+          <p:cNvPr id="3076" name="Picture 4"/>
+          <p:cNvPicPr>
+            <a:picLocks noChangeAspect="1" noChangeArrowheads="1"/>
+          </p:cNvPicPr>
+          <p:nvPr/>
+        </p:nvPicPr>
+        <p:blipFill>
+          <a:blip r:embed="rId3">
+            <a:extLst>
+              <a:ext uri="{28A0092B-C50C-407E-A947-70E740481C1C}">
+                <a14:useLocalDpi xmlns:a14="http://schemas.microsoft.com/office/drawing/2010/main" val="0"/>
+              </a:ext>
+            </a:extLst>
+          </a:blip>
+          <a:srcRect/>
+          <a:stretch>
+            <a:fillRect/>
+          </a:stretch>
+        </p:blipFill>
+        <p:spPr bwMode="auto">
+          <a:xfrm>
+            <a:off x="3563888" y="2287520"/>
+            <a:ext cx="3006651" cy="4021800"/>
+          </a:xfrm>
+          <a:prstGeom prst="rect">
+            <a:avLst/>
+          </a:prstGeom>
+          <a:noFill/>
+          <a:ln>
+            <a:noFill/>
+          </a:ln>
+          <a:effectLst/>
+          <a:extLst>
+            <a:ext uri="{909E8E84-426E-40DD-AFC4-6F175D3DCCD1}">
+              <a14:hiddenFill xmlns:a14="http://schemas.microsoft.com/office/drawing/2010/main">
+                <a:solidFill>
+                  <a:schemeClr val="accent1"/>
+                </a:solidFill>
+              </a14:hiddenFill>
+            </a:ext>
+            <a:ext uri="{91240B29-F687-4F45-9708-019B960494DF}">
+              <a14:hiddenLine xmlns:a14="http://schemas.microsoft.com/office/drawing/2010/main" w="9525">
+                <a:solidFill>
+                  <a:schemeClr val="tx1"/>
+                </a:solidFill>
+                <a:miter lim="800000"/>
+                <a:headEnd/>
+                <a:tailEnd/>
+              </a14:hiddenLine>
+            </a:ext>
+            <a:ext uri="{AF507438-7753-43E0-B8FC-AC1667EBCBE1}">
+              <a14:hiddenEffects xmlns:a14="http://schemas.microsoft.com/office/drawing/2010/main">
+                <a:effectLst>
+                  <a:outerShdw dist="35921" dir="2700000" algn="ctr" rotWithShape="0">
+                    <a:schemeClr val="bg2"/>
+                  </a:outerShdw>
+                </a:effectLst>
+              </a14:hiddenEffects>
+            </a:ext>
+          </a:extLst>
+        </p:spPr>
+      </p:pic>
+      <p:sp>
+        <p:nvSpPr>
+          <p:cNvPr id="2" name="TextBox 1"/>
+          <p:cNvSpPr txBox="1"/>
+          <p:nvPr/>
+        </p:nvSpPr>
+        <p:spPr>
+          <a:xfrm>
+            <a:off x="467544" y="2604309"/>
+            <a:ext cx="2952328" cy="1938992"/>
+          </a:xfrm>
+          <a:prstGeom prst="rect">
+            <a:avLst/>
+          </a:prstGeom>
+          <a:noFill/>
+        </p:spPr>
+        <p:txBody>
+          <a:bodyPr wrap="square" rtlCol="0">
+            <a:spAutoFit/>
+          </a:bodyPr>
+          <a:lstStyle/>
+          <a:p>
+            <a:pPr indent="342900">
+              <a:lnSpc>
+                <a:spcPct val="150000"/>
+              </a:lnSpc>
+            </a:pPr>
+            <a:r>
+              <a:rPr lang="zh-CN" altLang="en-US" sz="1600">
+                <a:solidFill>
+                  <a:schemeClr val="accent5">
+                    <a:lumMod val="75000"/>
+                  </a:schemeClr>
+                </a:solidFill>
+                <a:latin typeface="微软雅黑" pitchFamily="34" charset="-122"/>
+                <a:ea typeface="微软雅黑" pitchFamily="34" charset="-122"/>
+              </a:rPr>
+              <a:t>从执行</a:t>
+            </a:r>
+            <a:r>
+              <a:rPr lang="zh-CN" altLang="en-US" sz="1600" smtClean="0">
+                <a:solidFill>
+                  <a:schemeClr val="accent5">
+                    <a:lumMod val="75000"/>
+                  </a:schemeClr>
+                </a:solidFill>
+                <a:latin typeface="微软雅黑" pitchFamily="34" charset="-122"/>
+                <a:ea typeface="微软雅黑" pitchFamily="34" charset="-122"/>
+              </a:rPr>
+              <a:t>结果可以看出，当</a:t>
+            </a:r>
+            <a:r>
+              <a:rPr lang="en-US" altLang="zh-CN" sz="1600" smtClean="0">
+                <a:solidFill>
+                  <a:schemeClr val="accent5">
+                    <a:lumMod val="75000"/>
+                  </a:schemeClr>
+                </a:solidFill>
+                <a:latin typeface="微软雅黑" pitchFamily="34" charset="-122"/>
+                <a:ea typeface="微软雅黑" pitchFamily="34" charset="-122"/>
+              </a:rPr>
+              <a:t>n</a:t>
+            </a:r>
+            <a:r>
+              <a:rPr lang="zh-CN" altLang="en-US" sz="1600" smtClean="0">
+                <a:solidFill>
+                  <a:schemeClr val="accent5">
+                    <a:lumMod val="75000"/>
+                  </a:schemeClr>
+                </a:solidFill>
+                <a:latin typeface="微软雅黑" pitchFamily="34" charset="-122"/>
+                <a:ea typeface="微软雅黑" pitchFamily="34" charset="-122"/>
+              </a:rPr>
+              <a:t>较大时，使用</a:t>
+            </a:r>
+            <a:r>
+              <a:rPr lang="en-US" altLang="zh-CN" sz="1600" smtClean="0">
+                <a:solidFill>
+                  <a:schemeClr val="accent5">
+                    <a:lumMod val="75000"/>
+                  </a:schemeClr>
+                </a:solidFill>
+                <a:latin typeface="微软雅黑" pitchFamily="34" charset="-122"/>
+                <a:ea typeface="微软雅黑" pitchFamily="34" charset="-122"/>
+              </a:rPr>
+              <a:t>NumPy</a:t>
+            </a:r>
+            <a:r>
+              <a:rPr lang="zh-CN" altLang="en-US" sz="1600" smtClean="0">
+                <a:solidFill>
+                  <a:schemeClr val="accent5">
+                    <a:lumMod val="75000"/>
+                  </a:schemeClr>
+                </a:solidFill>
+                <a:latin typeface="微软雅黑" pitchFamily="34" charset="-122"/>
+                <a:ea typeface="微软雅黑" pitchFamily="34" charset="-122"/>
+              </a:rPr>
+              <a:t>库时程序运行的性能远超过直接手写。这也说明，</a:t>
+            </a:r>
+            <a:r>
+              <a:rPr lang="en-US" altLang="zh-CN" sz="1600" smtClean="0">
+                <a:solidFill>
+                  <a:schemeClr val="accent5">
+                    <a:lumMod val="75000"/>
+                  </a:schemeClr>
+                </a:solidFill>
+                <a:latin typeface="微软雅黑" pitchFamily="34" charset="-122"/>
+                <a:ea typeface="微软雅黑" pitchFamily="34" charset="-122"/>
+              </a:rPr>
+              <a:t>NumPy</a:t>
+            </a:r>
+            <a:r>
+              <a:rPr lang="zh-CN" altLang="en-US" sz="1600" smtClean="0">
+                <a:solidFill>
+                  <a:schemeClr val="accent5">
+                    <a:lumMod val="75000"/>
+                  </a:schemeClr>
+                </a:solidFill>
+                <a:latin typeface="微软雅黑" pitchFamily="34" charset="-122"/>
+                <a:ea typeface="微软雅黑" pitchFamily="34" charset="-122"/>
+              </a:rPr>
+              <a:t>库底层做了很多的性能优化工作。</a:t>
+            </a:r>
+            <a:endParaRPr lang="zh-CN" altLang="en-US" sz="1600">
+              <a:solidFill>
+                <a:schemeClr val="accent5">
+                  <a:lumMod val="75000"/>
+                </a:schemeClr>
+              </a:solidFill>
+              <a:latin typeface="微软雅黑" pitchFamily="34" charset="-122"/>
+              <a:ea typeface="微软雅黑" pitchFamily="34" charset="-122"/>
+            </a:endParaRPr>
+          </a:p>
+        </p:txBody>
+      </p:sp>
+    </p:spTree>
+    <p:extLst>
+      <p:ext uri="{BB962C8B-B14F-4D97-AF65-F5344CB8AC3E}">
+        <p14:creationId xmlns:p14="http://schemas.microsoft.com/office/powerpoint/2010/main" val="1789413052"/>
+      </p:ext>
+    </p:extLst>
+  </p:cSld>
+  <p:clrMapOvr>
+    <a:masterClrMapping/>
+  </p:clrMapOvr>
+  <p:timing>
+    <p:tnLst>
+      <p:par>
+        <p:cTn id="1" dur="indefinite" restart="never" nodeType="tmRoot">
+          <p:childTnLst>
+            <p:seq concurrent="1" nextAc="seek">
+              <p:cTn id="2" dur="indefinite" nodeType="mainSeq">
+                <p:childTnLst>
+                  <p:par>
+                    <p:cTn id="3" fill="hold">
+                      <p:stCondLst>
+                        <p:cond delay="indefinite"/>
+                      </p:stCondLst>
+                      <p:childTnLst>
+                        <p:par>
+                          <p:cTn id="4" fill="hold">
+                            <p:stCondLst>
+                              <p:cond delay="0"/>
+                            </p:stCondLst>
+                            <p:childTnLst>
+                              <p:par>
+                                <p:cTn id="5" presetID="14" presetClass="entr" presetSubtype="10" fill="hold" grpId="0" nodeType="clickEffect">
+                                  <p:stCondLst>
+                                    <p:cond delay="0"/>
+                                  </p:stCondLst>
+                                  <p:childTnLst>
+                                    <p:set>
+                                      <p:cBhvr>
+                                        <p:cTn id="6" dur="1" fill="hold">
+                                          <p:stCondLst>
+                                            <p:cond delay="0"/>
+                                          </p:stCondLst>
+                                        </p:cTn>
+                                        <p:tgtEl>
+                                          <p:spTgt spid="5"/>
+                                        </p:tgtEl>
+                                        <p:attrNameLst>
+                                          <p:attrName>style.visibility</p:attrName>
+                                        </p:attrNameLst>
+                                      </p:cBhvr>
+                                      <p:to>
+                                        <p:strVal val="visible"/>
+                                      </p:to>
+                                    </p:set>
+                                    <p:animEffect transition="in" filter="randombar(horizontal)">
+                                      <p:cBhvr>
+                                        <p:cTn id="7" dur="500"/>
+                                        <p:tgtEl>
+                                          <p:spTgt spid="5"/>
+                                        </p:tgtEl>
+                                      </p:cBhvr>
+                                    </p:animEffect>
+                                  </p:childTnLst>
+                                </p:cTn>
+                              </p:par>
+                            </p:childTnLst>
+                          </p:cTn>
+                        </p:par>
+                      </p:childTnLst>
+                    </p:cTn>
+                  </p:par>
+                  <p:par>
+                    <p:cTn id="8" fill="hold">
+                      <p:stCondLst>
+                        <p:cond delay="indefinite"/>
+                      </p:stCondLst>
+                      <p:childTnLst>
+                        <p:par>
+                          <p:cTn id="9" fill="hold">
+                            <p:stCondLst>
+                              <p:cond delay="0"/>
+                            </p:stCondLst>
+                            <p:childTnLst>
+                              <p:par>
+                                <p:cTn id="10" presetID="14" presetClass="entr" presetSubtype="10" fill="hold" nodeType="clickEffect">
+                                  <p:stCondLst>
+                                    <p:cond delay="0"/>
+                                  </p:stCondLst>
+                                  <p:childTnLst>
+                                    <p:set>
+                                      <p:cBhvr>
+                                        <p:cTn id="11" dur="1" fill="hold">
+                                          <p:stCondLst>
+                                            <p:cond delay="0"/>
+                                          </p:stCondLst>
+                                        </p:cTn>
+                                        <p:tgtEl>
+                                          <p:spTgt spid="5">
+                                            <p:txEl>
+                                              <p:pRg st="0" end="0"/>
+                                            </p:txEl>
+                                          </p:spTgt>
+                                        </p:tgtEl>
+                                        <p:attrNameLst>
+                                          <p:attrName>style.visibility</p:attrName>
+                                        </p:attrNameLst>
+                                      </p:cBhvr>
+                                      <p:to>
+                                        <p:strVal val="visible"/>
+                                      </p:to>
+                                    </p:set>
+                                    <p:animEffect transition="in" filter="randombar(horizontal)">
+                                      <p:cBhvr>
+                                        <p:cTn id="12" dur="500"/>
+                                        <p:tgtEl>
+                                          <p:spTgt spid="5">
+                                            <p:txEl>
+                                              <p:pRg st="0" end="0"/>
+                                            </p:txEl>
+                                          </p:spTgt>
+                                        </p:tgtEl>
+                                      </p:cBhvr>
+                                    </p:animEffect>
+                                  </p:childTnLst>
+                                </p:cTn>
+                              </p:par>
+                            </p:childTnLst>
+                          </p:cTn>
+                        </p:par>
+                      </p:childTnLst>
+                    </p:cTn>
+                  </p:par>
+                  <p:par>
+                    <p:cTn id="13" fill="hold">
+                      <p:stCondLst>
+                        <p:cond delay="indefinite"/>
+                      </p:stCondLst>
+                      <p:childTnLst>
+                        <p:par>
+                          <p:cTn id="14" fill="hold">
+                            <p:stCondLst>
+                              <p:cond delay="0"/>
+                            </p:stCondLst>
+                            <p:childTnLst>
+                              <p:par>
+                                <p:cTn id="15" presetID="14" presetClass="entr" presetSubtype="10" fill="hold" nodeType="clickEffect">
+                                  <p:stCondLst>
+                                    <p:cond delay="0"/>
+                                  </p:stCondLst>
+                                  <p:childTnLst>
+                                    <p:set>
+                                      <p:cBhvr>
+                                        <p:cTn id="16" dur="1" fill="hold">
+                                          <p:stCondLst>
+                                            <p:cond delay="0"/>
+                                          </p:stCondLst>
+                                        </p:cTn>
+                                        <p:tgtEl>
+                                          <p:spTgt spid="5">
+                                            <p:txEl>
+                                              <p:pRg st="1" end="1"/>
+                                            </p:txEl>
+                                          </p:spTgt>
+                                        </p:tgtEl>
+                                        <p:attrNameLst>
+                                          <p:attrName>style.visibility</p:attrName>
+                                        </p:attrNameLst>
+                                      </p:cBhvr>
+                                      <p:to>
+                                        <p:strVal val="visible"/>
+                                      </p:to>
+                                    </p:set>
+                                    <p:animEffect transition="in" filter="randombar(horizontal)">
+                                      <p:cBhvr>
+                                        <p:cTn id="17" dur="500"/>
+                                        <p:tgtEl>
+                                          <p:spTgt spid="5">
+                                            <p:txEl>
+                                              <p:pRg st="1" end="1"/>
+                                            </p:txEl>
+                                          </p:spTgt>
+                                        </p:tgtEl>
+                                      </p:cBhvr>
+                                    </p:animEffect>
+                                  </p:childTnLst>
+                                </p:cTn>
+                              </p:par>
+                            </p:childTnLst>
+                          </p:cTn>
+                        </p:par>
+                      </p:childTnLst>
+                    </p:cTn>
+                  </p:par>
+                  <p:par>
+                    <p:cTn id="18" fill="hold">
+                      <p:stCondLst>
+                        <p:cond delay="indefinite"/>
+                      </p:stCondLst>
+                      <p:childTnLst>
+                        <p:par>
+                          <p:cTn id="19" fill="hold">
+                            <p:stCondLst>
+                              <p:cond delay="0"/>
+                            </p:stCondLst>
+                            <p:childTnLst>
+                              <p:par>
+                                <p:cTn id="20" presetID="14" presetClass="entr" presetSubtype="10" fill="hold" nodeType="clickEffect">
+                                  <p:stCondLst>
+                                    <p:cond delay="0"/>
+                                  </p:stCondLst>
+                                  <p:childTnLst>
+                                    <p:set>
+                                      <p:cBhvr>
+                                        <p:cTn id="21" dur="1" fill="hold">
+                                          <p:stCondLst>
+                                            <p:cond delay="0"/>
+                                          </p:stCondLst>
+                                        </p:cTn>
+                                        <p:tgtEl>
+                                          <p:spTgt spid="5">
+                                            <p:txEl>
+                                              <p:pRg st="2" end="2"/>
+                                            </p:txEl>
+                                          </p:spTgt>
+                                        </p:tgtEl>
+                                        <p:attrNameLst>
+                                          <p:attrName>style.visibility</p:attrName>
+                                        </p:attrNameLst>
+                                      </p:cBhvr>
+                                      <p:to>
+                                        <p:strVal val="visible"/>
+                                      </p:to>
+                                    </p:set>
+                                    <p:animEffect transition="in" filter="randombar(horizontal)">
+                                      <p:cBhvr>
+                                        <p:cTn id="22" dur="500"/>
+                                        <p:tgtEl>
+                                          <p:spTgt spid="5">
+                                            <p:txEl>
+                                              <p:pRg st="2" end="2"/>
+                                            </p:txEl>
+                                          </p:spTgt>
+                                        </p:tgtEl>
+                                      </p:cBhvr>
+                                    </p:animEffect>
+                                  </p:childTnLst>
+                                </p:cTn>
+                              </p:par>
+                            </p:childTnLst>
+                          </p:cTn>
+                        </p:par>
+                      </p:childTnLst>
+                    </p:cTn>
+                  </p:par>
+                  <p:par>
+                    <p:cTn id="23" fill="hold">
+                      <p:stCondLst>
+                        <p:cond delay="indefinite"/>
+                      </p:stCondLst>
+                      <p:childTnLst>
+                        <p:par>
+                          <p:cTn id="24" fill="hold">
+                            <p:stCondLst>
+                              <p:cond delay="0"/>
+                            </p:stCondLst>
+                            <p:childTnLst>
+                              <p:par>
+                                <p:cTn id="25" presetID="53" presetClass="entr" presetSubtype="16" fill="hold" nodeType="clickEffect">
+                                  <p:stCondLst>
+                                    <p:cond delay="0"/>
+                                  </p:stCondLst>
+                                  <p:childTnLst>
+                                    <p:set>
+                                      <p:cBhvr>
+                                        <p:cTn id="26" dur="1" fill="hold">
+                                          <p:stCondLst>
+                                            <p:cond delay="0"/>
+                                          </p:stCondLst>
+                                        </p:cTn>
+                                        <p:tgtEl>
+                                          <p:spTgt spid="3076"/>
+                                        </p:tgtEl>
+                                        <p:attrNameLst>
+                                          <p:attrName>style.visibility</p:attrName>
+                                        </p:attrNameLst>
+                                      </p:cBhvr>
+                                      <p:to>
+                                        <p:strVal val="visible"/>
+                                      </p:to>
+                                    </p:set>
+                                    <p:anim calcmode="lin" valueType="num">
+                                      <p:cBhvr>
+                                        <p:cTn id="27" dur="500" fill="hold"/>
+                                        <p:tgtEl>
+                                          <p:spTgt spid="3076"/>
+                                        </p:tgtEl>
+                                        <p:attrNameLst>
+                                          <p:attrName>ppt_w</p:attrName>
+                                        </p:attrNameLst>
+                                      </p:cBhvr>
+                                      <p:tavLst>
+                                        <p:tav tm="0">
+                                          <p:val>
+                                            <p:fltVal val="0"/>
+                                          </p:val>
+                                        </p:tav>
+                                        <p:tav tm="100000">
+                                          <p:val>
+                                            <p:strVal val="#ppt_w"/>
+                                          </p:val>
+                                        </p:tav>
+                                      </p:tavLst>
+                                    </p:anim>
+                                    <p:anim calcmode="lin" valueType="num">
+                                      <p:cBhvr>
+                                        <p:cTn id="28" dur="500" fill="hold"/>
+                                        <p:tgtEl>
+                                          <p:spTgt spid="3076"/>
+                                        </p:tgtEl>
+                                        <p:attrNameLst>
+                                          <p:attrName>ppt_h</p:attrName>
+                                        </p:attrNameLst>
+                                      </p:cBhvr>
+                                      <p:tavLst>
+                                        <p:tav tm="0">
+                                          <p:val>
+                                            <p:fltVal val="0"/>
+                                          </p:val>
+                                        </p:tav>
+                                        <p:tav tm="100000">
+                                          <p:val>
+                                            <p:strVal val="#ppt_h"/>
+                                          </p:val>
+                                        </p:tav>
+                                      </p:tavLst>
+                                    </p:anim>
+                                    <p:animEffect transition="in" filter="fade">
+                                      <p:cBhvr>
+                                        <p:cTn id="29" dur="500"/>
+                                        <p:tgtEl>
+                                          <p:spTgt spid="3076"/>
+                                        </p:tgtEl>
+                                      </p:cBhvr>
+                                    </p:animEffect>
+                                  </p:childTnLst>
+                                </p:cTn>
+                              </p:par>
+                            </p:childTnLst>
+                          </p:cTn>
+                        </p:par>
+                      </p:childTnLst>
+                    </p:cTn>
+                  </p:par>
+                  <p:par>
+                    <p:cTn id="30" fill="hold">
+                      <p:stCondLst>
+                        <p:cond delay="indefinite"/>
+                      </p:stCondLst>
+                      <p:childTnLst>
+                        <p:par>
+                          <p:cTn id="31" fill="hold">
+                            <p:stCondLst>
+                              <p:cond delay="0"/>
+                            </p:stCondLst>
+                            <p:childTnLst>
+                              <p:par>
+                                <p:cTn id="32" presetID="14" presetClass="entr" presetSubtype="10" fill="hold" grpId="0" nodeType="clickEffect">
+                                  <p:stCondLst>
+                                    <p:cond delay="0"/>
+                                  </p:stCondLst>
+                                  <p:childTnLst>
+                                    <p:set>
+                                      <p:cBhvr>
+                                        <p:cTn id="33" dur="1" fill="hold">
+                                          <p:stCondLst>
+                                            <p:cond delay="0"/>
+                                          </p:stCondLst>
+                                        </p:cTn>
+                                        <p:tgtEl>
+                                          <p:spTgt spid="2"/>
+                                        </p:tgtEl>
+                                        <p:attrNameLst>
+                                          <p:attrName>style.visibility</p:attrName>
+                                        </p:attrNameLst>
+                                      </p:cBhvr>
+                                      <p:to>
+                                        <p:strVal val="visible"/>
+                                      </p:to>
+                                    </p:set>
+                                    <p:animEffect transition="in" filter="randombar(horizontal)">
+                                      <p:cBhvr>
+                                        <p:cTn id="34" dur="500"/>
+                                        <p:tgtEl>
+                                          <p:spTgt spid="2"/>
+                                        </p:tgtEl>
+                                      </p:cBhvr>
+                                    </p:animEffect>
+                                  </p:childTnLst>
+                                </p:cTn>
+                              </p:par>
+                            </p:childTnLst>
+                          </p:cTn>
+                        </p:par>
+                      </p:childTnLst>
+                    </p:cTn>
+                  </p:par>
+                </p:childTnLst>
+              </p:cTn>
+              <p:prevCondLst>
+                <p:cond evt="onPrev" delay="0">
+                  <p:tgtEl>
+                    <p:sldTgt/>
+                  </p:tgtEl>
+                </p:cond>
+              </p:prevCondLst>
+              <p:nextCondLst>
+                <p:cond evt="onNext" delay="0">
+                  <p:tgtEl>
+                    <p:sldTgt/>
+                  </p:tgtEl>
+                </p:cond>
+              </p:nextCondLst>
+            </p:seq>
+          </p:childTnLst>
+        </p:cTn>
+      </p:par>
+    </p:tnLst>
+    <p:bldLst>
+      <p:bldP spid="5" grpId="0"/>
+      <p:bldP spid="2" grpId="0"/>
+    </p:bldLst>
+  </p:timing>
+</p:sld>
+</file>
+
+<file path=ppt/slides/slide11.xml><?xml version="1.0" encoding="utf-8"?>
+<p:sld xmlns:a="http://schemas.openxmlformats.org/drawingml/2006/main" xmlns:r="http://schemas.openxmlformats.org/officeDocument/2006/relationships" xmlns:p="http://schemas.openxmlformats.org/presentationml/2006/main">
+  <p:cSld>
+    <p:spTree>
+      <p:nvGrpSpPr>
+        <p:cNvPr id="1" name=""/>
+        <p:cNvGrpSpPr/>
+        <p:nvPr/>
+      </p:nvGrpSpPr>
+      <p:grpSpPr>
+        <a:xfrm>
+          <a:off x="0" y="0"/>
+          <a:ext cx="0" cy="0"/>
+          <a:chOff x="0" y="0"/>
+          <a:chExt cx="0" cy="0"/>
+        </a:xfrm>
+      </p:grpSpPr>
+      <p:sp>
+        <p:nvSpPr>
+          <p:cNvPr id="5" name="TextBox 4"/>
+          <p:cNvSpPr txBox="1"/>
+          <p:nvPr/>
+        </p:nvSpPr>
+        <p:spPr>
+          <a:xfrm>
+            <a:off x="467544" y="908720"/>
+            <a:ext cx="8208912" cy="3462486"/>
+          </a:xfrm>
+          <a:prstGeom prst="rect">
+            <a:avLst/>
+          </a:prstGeom>
+          <a:noFill/>
+        </p:spPr>
+        <p:txBody>
+          <a:bodyPr wrap="square" rtlCol="0">
+            <a:spAutoFit/>
+          </a:bodyPr>
+          <a:lstStyle/>
+          <a:p>
+            <a:pPr>
+              <a:lnSpc>
+                <a:spcPct val="200000"/>
+              </a:lnSpc>
+            </a:pPr>
+            <a:r>
+              <a:rPr lang="zh-CN" altLang="en-US" b="1" smtClean="0">
+                <a:solidFill>
+                  <a:schemeClr val="accent5">
+                    <a:lumMod val="50000"/>
+                  </a:schemeClr>
+                </a:solidFill>
+                <a:latin typeface="微软雅黑" pitchFamily="34" charset="-122"/>
+                <a:ea typeface="微软雅黑" pitchFamily="34" charset="-122"/>
+              </a:rPr>
               <a:t>在</a:t>
             </a:r>
             <a:r>
@@ -1730,7 +2924,7 @@
               </a:lnSpc>
             </a:pPr>
             <a:r>
-              <a:rPr lang="zh-CN" altLang="en-US" sz="1400" smtClean="0">
+              <a:rPr lang="zh-CN" altLang="en-US" sz="1600" smtClean="0">
                 <a:solidFill>
                   <a:schemeClr val="accent5">
                     <a:lumMod val="75000"/>
@@ -1742,7 +2936,7 @@
               <a:t>使用</a:t>
             </a:r>
             <a:r>
-              <a:rPr lang="zh-CN" altLang="en-US" sz="1400">
+              <a:rPr lang="zh-CN" altLang="en-US" sz="1600">
                 <a:solidFill>
                   <a:schemeClr val="accent5">
                     <a:lumMod val="75000"/>
@@ -1754,7 +2948,7 @@
               <a:t>快捷键</a:t>
             </a:r>
             <a:r>
-              <a:rPr lang="en-US" altLang="zh-CN" sz="1400">
+              <a:rPr lang="en-US" altLang="zh-CN" sz="1600">
                 <a:solidFill>
                   <a:schemeClr val="accent5">
                     <a:lumMod val="75000"/>
@@ -1766,7 +2960,7 @@
               <a:t>`ctrl + shift + p`</a:t>
             </a:r>
             <a:r>
-              <a:rPr lang="zh-CN" altLang="en-US" sz="1400">
+              <a:rPr lang="zh-CN" altLang="en-US" sz="1600">
                 <a:solidFill>
                   <a:schemeClr val="accent5">
                     <a:lumMod val="75000"/>
@@ -1778,7 +2972,7 @@
               <a:t>打开命令输入框，搜索</a:t>
             </a:r>
             <a:r>
-              <a:rPr lang="en-US" altLang="zh-CN" sz="1400">
+              <a:rPr lang="en-US" altLang="zh-CN" sz="1600">
                 <a:solidFill>
                   <a:schemeClr val="accent5">
                     <a:lumMod val="75000"/>
@@ -1790,7 +2984,7 @@
               <a:t>`jupyter notebook`</a:t>
             </a:r>
             <a:r>
-              <a:rPr lang="zh-CN" altLang="en-US" sz="1400">
+              <a:rPr lang="zh-CN" altLang="en-US" sz="1600">
                 <a:solidFill>
                   <a:schemeClr val="accent5">
                     <a:lumMod val="75000"/>
@@ -1802,7 +2996,7 @@
               <a:t>找到</a:t>
             </a:r>
             <a:r>
-              <a:rPr lang="en-US" altLang="zh-CN" sz="1400">
+              <a:rPr lang="en-US" altLang="zh-CN" sz="1600">
                 <a:solidFill>
                   <a:schemeClr val="accent5">
                     <a:lumMod val="75000"/>
@@ -1814,7 +3008,7 @@
               <a:t>`Python: Create New Blank Jupyter Notebook`</a:t>
             </a:r>
             <a:r>
-              <a:rPr lang="zh-CN" altLang="en-US" sz="1400">
+              <a:rPr lang="zh-CN" altLang="en-US" sz="1600">
                 <a:solidFill>
                   <a:schemeClr val="accent5">
                     <a:lumMod val="75000"/>
@@ -1826,7 +3020,7 @@
               <a:t>并打开，然后便可在</a:t>
             </a:r>
             <a:r>
-              <a:rPr lang="en-US" altLang="zh-CN" sz="1400">
+              <a:rPr lang="en-US" altLang="zh-CN" sz="1600">
                 <a:solidFill>
                   <a:schemeClr val="accent5">
                     <a:lumMod val="75000"/>
@@ -1838,7 +3032,7 @@
               <a:t>VSCode</a:t>
             </a:r>
             <a:r>
-              <a:rPr lang="zh-CN" altLang="en-US" sz="1400">
+              <a:rPr lang="zh-CN" altLang="en-US" sz="1600">
                 <a:solidFill>
                   <a:schemeClr val="accent5">
                     <a:lumMod val="75000"/>
@@ -1850,31 +3044,19 @@
               <a:t>中编写</a:t>
             </a:r>
             <a:r>
-              <a:rPr lang="en-US" altLang="zh-CN" sz="1400">
-                <a:solidFill>
-                  <a:schemeClr val="accent5">
-                    <a:lumMod val="75000"/>
-                  </a:schemeClr>
-                </a:solidFill>
-                <a:latin typeface="微软雅黑" pitchFamily="34" charset="-122"/>
-                <a:ea typeface="微软雅黑" pitchFamily="34" charset="-122"/>
-              </a:rPr>
-              <a:t>Jupyter </a:t>
-            </a:r>
-            <a:r>
-              <a:rPr lang="en-US" altLang="zh-CN" sz="1400">
-                <a:solidFill>
-                  <a:schemeClr val="accent5">
-                    <a:lumMod val="75000"/>
-                  </a:schemeClr>
-                </a:solidFill>
-                <a:latin typeface="微软雅黑" pitchFamily="34" charset="-122"/>
-                <a:ea typeface="微软雅黑" pitchFamily="34" charset="-122"/>
-              </a:rPr>
-              <a:t>Notebook</a:t>
-            </a:r>
-            <a:r>
-              <a:rPr lang="zh-CN" altLang="en-US" sz="1400" smtClean="0">
+              <a:rPr lang="en-US" altLang="zh-CN" sz="1600">
+                <a:solidFill>
+                  <a:schemeClr val="accent5">
+                    <a:lumMod val="75000"/>
+                  </a:schemeClr>
+                </a:solidFill>
+                <a:latin typeface="微软雅黑" pitchFamily="34" charset="-122"/>
+                <a:ea typeface="微软雅黑" pitchFamily="34" charset="-122"/>
+              </a:rPr>
+              <a:t>Jupyter Notebook</a:t>
+            </a:r>
+            <a:r>
+              <a:rPr lang="zh-CN" altLang="en-US" sz="1600" smtClean="0">
                 <a:solidFill>
                   <a:schemeClr val="accent5">
                     <a:lumMod val="75000"/>
@@ -1885,7 +3067,7 @@
               </a:rPr>
               <a:t>。</a:t>
             </a:r>
-            <a:endParaRPr lang="en-US" altLang="zh-CN" sz="1400" smtClean="0">
+            <a:endParaRPr lang="en-US" altLang="zh-CN" sz="1600" smtClean="0">
               <a:solidFill>
                 <a:schemeClr val="accent5">
                   <a:lumMod val="75000"/>
@@ -1950,7 +3132,7 @@
               </a:lnSpc>
             </a:pPr>
             <a:r>
-              <a:rPr lang="zh-CN" altLang="en-US" sz="1400">
+              <a:rPr lang="zh-CN" altLang="en-US" sz="1600">
                 <a:solidFill>
                   <a:schemeClr val="accent5">
                     <a:lumMod val="75000"/>
@@ -1962,7 +3144,7 @@
               <a:t>接下来，我们将通过编写</a:t>
             </a:r>
             <a:r>
-              <a:rPr lang="en-US" altLang="zh-CN" sz="1400">
+              <a:rPr lang="en-US" altLang="zh-CN" sz="1600">
                 <a:solidFill>
                   <a:schemeClr val="accent5">
                     <a:lumMod val="75000"/>
@@ -1974,7 +3156,7 @@
               <a:t>Jupyter Notebook</a:t>
             </a:r>
             <a:r>
-              <a:rPr lang="zh-CN" altLang="en-US" sz="1400">
+              <a:rPr lang="zh-CN" altLang="en-US" sz="1600">
                 <a:solidFill>
                   <a:schemeClr val="accent5">
                     <a:lumMod val="75000"/>
@@ -1986,7 +3168,7 @@
               <a:t>，来演示有关</a:t>
             </a:r>
             <a:r>
-              <a:rPr lang="en-US" altLang="zh-CN" sz="1400">
+              <a:rPr lang="en-US" altLang="zh-CN" sz="1600">
                 <a:solidFill>
                   <a:schemeClr val="accent5">
                     <a:lumMod val="75000"/>
@@ -1998,7 +3180,7 @@
               <a:t>Matplotlib</a:t>
             </a:r>
             <a:r>
-              <a:rPr lang="zh-CN" altLang="en-US" sz="1400">
+              <a:rPr lang="zh-CN" altLang="en-US" sz="1600">
                 <a:solidFill>
                   <a:schemeClr val="accent5">
                     <a:lumMod val="75000"/>
@@ -2010,7 +3192,7 @@
               <a:t>库针对</a:t>
             </a:r>
             <a:r>
-              <a:rPr lang="en-US" altLang="zh-CN" sz="1400">
+              <a:rPr lang="en-US" altLang="zh-CN" sz="1600">
                 <a:solidFill>
                   <a:schemeClr val="accent5">
                     <a:lumMod val="75000"/>
@@ -2022,31 +3204,19 @@
               <a:t>sklearn</a:t>
             </a:r>
             <a:r>
-              <a:rPr lang="zh-CN" altLang="en-US" sz="1400">
-                <a:solidFill>
-                  <a:schemeClr val="accent5">
-                    <a:lumMod val="75000"/>
-                  </a:schemeClr>
-                </a:solidFill>
-                <a:latin typeface="微软雅黑" pitchFamily="34" charset="-122"/>
-                <a:ea typeface="微软雅黑" pitchFamily="34" charset="-122"/>
-              </a:rPr>
-              <a:t>数据集进行可视化</a:t>
-            </a:r>
-            <a:r>
-              <a:rPr lang="zh-CN" altLang="en-US" sz="1400">
-                <a:solidFill>
-                  <a:schemeClr val="accent5">
-                    <a:lumMod val="75000"/>
-                  </a:schemeClr>
-                </a:solidFill>
-                <a:latin typeface="微软雅黑" pitchFamily="34" charset="-122"/>
-                <a:ea typeface="微软雅黑" pitchFamily="34" charset="-122"/>
-              </a:rPr>
-              <a:t>的</a:t>
-            </a:r>
-            <a:r>
-              <a:rPr lang="zh-CN" altLang="en-US" sz="1400" smtClean="0">
+              <a:rPr lang="zh-CN" altLang="en-US" sz="1600">
+                <a:solidFill>
+                  <a:schemeClr val="accent5">
+                    <a:lumMod val="75000"/>
+                  </a:schemeClr>
+                </a:solidFill>
+                <a:latin typeface="微软雅黑" pitchFamily="34" charset="-122"/>
+                <a:ea typeface="微软雅黑" pitchFamily="34" charset="-122"/>
+              </a:rPr>
+              <a:t>数据集进行可视化的</a:t>
+            </a:r>
+            <a:r>
+              <a:rPr lang="zh-CN" altLang="en-US" sz="1600" smtClean="0">
                 <a:solidFill>
                   <a:schemeClr val="accent5">
                     <a:lumMod val="75000"/>
@@ -2057,7 +3227,7 @@
               </a:rPr>
               <a:t>功能。</a:t>
             </a:r>
-            <a:endParaRPr lang="zh-CN" altLang="en-US" sz="1400">
+            <a:endParaRPr lang="zh-CN" altLang="en-US" sz="1600">
               <a:solidFill>
                 <a:schemeClr val="accent5">
                   <a:lumMod val="75000"/>
@@ -2092,7 +3262,7 @@
         </p:blipFill>
         <p:spPr bwMode="auto">
           <a:xfrm>
-            <a:off x="1662112" y="2185442"/>
+            <a:off x="1662112" y="2577083"/>
             <a:ext cx="5819775" cy="923925"/>
           </a:xfrm>
           <a:prstGeom prst="rect">
@@ -2514,7 +3684,7 @@
 </p:sld>
 </file>
 
-<file path=ppt/slides/slide11.xml><?xml version="1.0" encoding="utf-8"?>
+<file path=ppt/slides/slide12.xml><?xml version="1.0" encoding="utf-8"?>
 <p:sld xmlns:a="http://schemas.openxmlformats.org/drawingml/2006/main" xmlns:r="http://schemas.openxmlformats.org/officeDocument/2006/relationships" xmlns:p="http://schemas.openxmlformats.org/presentationml/2006/main">
   <p:cSld>
     <p:spTree>
@@ -2533,7 +3703,7 @@
       </p:grpSpPr>
       <p:pic>
         <p:nvPicPr>
-          <p:cNvPr id="4098" name="Picture 2"/>
+          <p:cNvPr id="1027" name="Picture 3"/>
           <p:cNvPicPr>
             <a:picLocks noChangeAspect="1" noChangeArrowheads="1"/>
           </p:cNvPicPr>
@@ -2554,8 +3724,8 @@
         </p:blipFill>
         <p:spPr bwMode="auto">
           <a:xfrm>
-            <a:off x="1950078" y="499683"/>
-            <a:ext cx="5243845" cy="5858634"/>
+            <a:off x="1952625" y="495300"/>
+            <a:ext cx="5238750" cy="5867400"/>
           </a:xfrm>
           <a:prstGeom prst="rect">
             <a:avLst/>
@@ -2608,136 +3778,14 @@
   <p:timing>
     <p:tnLst>
       <p:par>
-        <p:cTn id="1" dur="indefinite" restart="never" nodeType="tmRoot">
-          <p:childTnLst>
-            <p:seq concurrent="1" nextAc="seek">
-              <p:cTn id="2" dur="indefinite" nodeType="mainSeq">
-                <p:childTnLst>
-                  <p:par>
-                    <p:cTn id="3" fill="hold">
-                      <p:stCondLst>
-                        <p:cond delay="indefinite"/>
-                      </p:stCondLst>
-                      <p:childTnLst>
-                        <p:par>
-                          <p:cTn id="4" fill="hold">
-                            <p:stCondLst>
-                              <p:cond delay="0"/>
-                            </p:stCondLst>
-                            <p:childTnLst>
-                              <p:par>
-                                <p:cTn id="5" presetID="53" presetClass="entr" presetSubtype="16" fill="hold" nodeType="clickEffect">
-                                  <p:stCondLst>
-                                    <p:cond delay="0"/>
-                                  </p:stCondLst>
-                                  <p:childTnLst>
-                                    <p:set>
-                                      <p:cBhvr>
-                                        <p:cTn id="6" dur="1" fill="hold">
-                                          <p:stCondLst>
-                                            <p:cond delay="0"/>
-                                          </p:stCondLst>
-                                        </p:cTn>
-                                        <p:tgtEl>
-                                          <p:spTgt spid="4098"/>
-                                        </p:tgtEl>
-                                        <p:attrNameLst>
-                                          <p:attrName>style.visibility</p:attrName>
-                                        </p:attrNameLst>
-                                      </p:cBhvr>
-                                      <p:to>
-                                        <p:strVal val="visible"/>
-                                      </p:to>
-                                    </p:set>
-                                    <p:anim calcmode="lin" valueType="num">
-                                      <p:cBhvr>
-                                        <p:cTn id="7" dur="500" fill="hold"/>
-                                        <p:tgtEl>
-                                          <p:spTgt spid="4098"/>
-                                        </p:tgtEl>
-                                        <p:attrNameLst>
-                                          <p:attrName>ppt_w</p:attrName>
-                                        </p:attrNameLst>
-                                      </p:cBhvr>
-                                      <p:tavLst>
-                                        <p:tav tm="0">
-                                          <p:val>
-                                            <p:fltVal val="0"/>
-                                          </p:val>
-                                        </p:tav>
-                                        <p:tav tm="100000">
-                                          <p:val>
-                                            <p:strVal val="#ppt_w"/>
-                                          </p:val>
-                                        </p:tav>
-                                      </p:tavLst>
-                                    </p:anim>
-                                    <p:anim calcmode="lin" valueType="num">
-                                      <p:cBhvr>
-                                        <p:cTn id="8" dur="500" fill="hold"/>
-                                        <p:tgtEl>
-                                          <p:spTgt spid="4098"/>
-                                        </p:tgtEl>
-                                        <p:attrNameLst>
-                                          <p:attrName>ppt_h</p:attrName>
-                                        </p:attrNameLst>
-                                      </p:cBhvr>
-                                      <p:tavLst>
-                                        <p:tav tm="0">
-                                          <p:val>
-                                            <p:fltVal val="0"/>
-                                          </p:val>
-                                        </p:tav>
-                                        <p:tav tm="100000">
-                                          <p:val>
-                                            <p:strVal val="#ppt_h"/>
-                                          </p:val>
-                                        </p:tav>
-                                      </p:tavLst>
-                                    </p:anim>
-                                    <p:animEffect transition="in" filter="fade">
-                                      <p:cBhvr>
-                                        <p:cTn id="9" dur="500"/>
-                                        <p:tgtEl>
-                                          <p:spTgt spid="4098"/>
-                                        </p:tgtEl>
-                                      </p:cBhvr>
-                                    </p:animEffect>
-                                  </p:childTnLst>
-                                </p:cTn>
-                              </p:par>
-                            </p:childTnLst>
-                          </p:cTn>
-                        </p:par>
-                      </p:childTnLst>
-                    </p:cTn>
-                  </p:par>
-                </p:childTnLst>
-              </p:cTn>
-              <p:prevCondLst>
-                <p:cond evt="onPrev" delay="0">
-                  <p:tgtEl>
-                    <p:sldTgt/>
-                  </p:tgtEl>
-                </p:cond>
-              </p:prevCondLst>
-              <p:nextCondLst>
-                <p:cond evt="onNext" delay="0">
-                  <p:tgtEl>
-                    <p:sldTgt/>
-                  </p:tgtEl>
-                </p:cond>
-              </p:nextCondLst>
-            </p:seq>
-          </p:childTnLst>
-        </p:cTn>
+        <p:cTn id="1" dur="indefinite" restart="never" nodeType="tmRoot"/>
       </p:par>
     </p:tnLst>
   </p:timing>
 </p:sld>
 </file>
 
-<file path=ppt/slides/slide12.xml><?xml version="1.0" encoding="utf-8"?>
+<file path=ppt/slides/slide13.xml><?xml version="1.0" encoding="utf-8"?>
 <p:sld xmlns:a="http://schemas.openxmlformats.org/drawingml/2006/main" xmlns:r="http://schemas.openxmlformats.org/officeDocument/2006/relationships" xmlns:p="http://schemas.openxmlformats.org/presentationml/2006/main">
   <p:cSld>
     <p:spTree>
@@ -3108,7 +4156,7 @@
         <p:spPr>
           <a:xfrm>
             <a:off x="683568" y="908720"/>
-            <a:ext cx="7776864" cy="1938992"/>
+            <a:ext cx="7776864" cy="2123658"/>
           </a:xfrm>
           <a:prstGeom prst="rect">
             <a:avLst/>
@@ -3157,7 +4205,7 @@
               <a:buAutoNum type="arabicPeriod"/>
             </a:pPr>
             <a:r>
-              <a:rPr lang="zh-CN" altLang="en-US" sz="1400">
+              <a:rPr lang="zh-CN" altLang="en-US" sz="1600">
                 <a:solidFill>
                   <a:schemeClr val="accent5">
                     <a:lumMod val="75000"/>
@@ -3178,7 +4226,7 @@
               <a:buAutoNum type="arabicPeriod"/>
             </a:pPr>
             <a:r>
-              <a:rPr lang="en-US" altLang="zh-CN" sz="1400">
+              <a:rPr lang="en-US" altLang="zh-CN" sz="1600">
                 <a:solidFill>
                   <a:schemeClr val="accent5">
                     <a:lumMod val="75000"/>
@@ -3190,7 +4238,7 @@
               <a:t>Python</a:t>
             </a:r>
             <a:r>
-              <a:rPr lang="zh-CN" altLang="en-US" sz="1400">
+              <a:rPr lang="zh-CN" altLang="en-US" sz="1600">
                 <a:solidFill>
                   <a:schemeClr val="accent5">
                     <a:lumMod val="75000"/>
@@ -3211,7 +4259,7 @@
               <a:buAutoNum type="arabicPeriod"/>
             </a:pPr>
             <a:r>
-              <a:rPr lang="zh-CN" altLang="en-US" sz="1400">
+              <a:rPr lang="zh-CN" altLang="en-US" sz="1600">
                 <a:solidFill>
                   <a:schemeClr val="accent5">
                     <a:lumMod val="75000"/>
@@ -3223,7 +4271,7 @@
               <a:t>数据分析库</a:t>
             </a:r>
             <a:r>
-              <a:rPr lang="en-US" altLang="zh-CN" sz="1400">
+              <a:rPr lang="en-US" altLang="zh-CN" sz="1600">
                 <a:solidFill>
                   <a:schemeClr val="accent5">
                     <a:lumMod val="75000"/>
@@ -3235,7 +4283,7 @@
               <a:t>NumPy</a:t>
             </a:r>
             <a:r>
-              <a:rPr lang="zh-CN" altLang="en-US" sz="1400">
+              <a:rPr lang="zh-CN" altLang="en-US" sz="1600">
                 <a:solidFill>
                   <a:schemeClr val="accent5">
                     <a:lumMod val="75000"/>
@@ -3247,7 +4295,7 @@
               <a:t>、</a:t>
             </a:r>
             <a:r>
-              <a:rPr lang="en-US" altLang="zh-CN" sz="1400">
+              <a:rPr lang="en-US" altLang="zh-CN" sz="1600">
                 <a:solidFill>
                   <a:schemeClr val="accent5">
                     <a:lumMod val="75000"/>
@@ -3259,7 +4307,7 @@
               <a:t>Pandas</a:t>
             </a:r>
             <a:r>
-              <a:rPr lang="zh-CN" altLang="en-US" sz="1400">
+              <a:rPr lang="zh-CN" altLang="en-US" sz="1600">
                 <a:solidFill>
                   <a:schemeClr val="accent5">
                     <a:lumMod val="75000"/>
@@ -3271,7 +4319,7 @@
               <a:t>、</a:t>
             </a:r>
             <a:r>
-              <a:rPr lang="en-US" altLang="zh-CN" sz="1400">
+              <a:rPr lang="en-US" altLang="zh-CN" sz="1600">
                 <a:solidFill>
                   <a:schemeClr val="accent5">
                     <a:lumMod val="75000"/>
@@ -3283,7 +4331,7 @@
               <a:t>SciPy</a:t>
             </a:r>
             <a:r>
-              <a:rPr lang="zh-CN" altLang="en-US" sz="1400">
+              <a:rPr lang="zh-CN" altLang="en-US" sz="1600">
                 <a:solidFill>
                   <a:schemeClr val="accent5">
                     <a:lumMod val="75000"/>
@@ -3295,7 +4343,7 @@
               <a:t>、</a:t>
             </a:r>
             <a:r>
-              <a:rPr lang="en-US" altLang="zh-CN" sz="1400">
+              <a:rPr lang="en-US" altLang="zh-CN" sz="1600">
                 <a:solidFill>
                   <a:schemeClr val="accent5">
                     <a:lumMod val="75000"/>
@@ -3307,7 +4355,7 @@
               <a:t>Matplotlib</a:t>
             </a:r>
             <a:r>
-              <a:rPr lang="zh-CN" altLang="en-US" sz="1400">
+              <a:rPr lang="zh-CN" altLang="en-US" sz="1600">
                 <a:solidFill>
                   <a:schemeClr val="accent5">
                     <a:lumMod val="75000"/>
@@ -3319,7 +4367,7 @@
               <a:t>、</a:t>
             </a:r>
             <a:r>
-              <a:rPr lang="en-US" altLang="zh-CN" sz="1400">
+              <a:rPr lang="en-US" altLang="zh-CN" sz="1600">
                 <a:solidFill>
                   <a:schemeClr val="accent5">
                     <a:lumMod val="75000"/>
@@ -3331,7 +4379,7 @@
               <a:t>Jupyter Notebook</a:t>
             </a:r>
             <a:r>
-              <a:rPr lang="zh-CN" altLang="en-US" sz="1400">
+              <a:rPr lang="zh-CN" altLang="en-US" sz="1600">
                 <a:solidFill>
                   <a:schemeClr val="accent5">
                     <a:lumMod val="75000"/>
@@ -3352,7 +4400,7 @@
               <a:buAutoNum type="arabicPeriod"/>
             </a:pPr>
             <a:r>
-              <a:rPr lang="zh-CN" altLang="en-US" sz="1400">
+              <a:rPr lang="zh-CN" altLang="en-US" sz="1600">
                 <a:solidFill>
                   <a:schemeClr val="accent5">
                     <a:lumMod val="75000"/>
@@ -3364,7 +4412,7 @@
               <a:t>使用</a:t>
             </a:r>
             <a:r>
-              <a:rPr lang="en-US" altLang="zh-CN" sz="1400">
+              <a:rPr lang="en-US" altLang="zh-CN" sz="1600">
                 <a:solidFill>
                   <a:schemeClr val="accent5">
                     <a:lumMod val="75000"/>
@@ -3376,7 +4424,7 @@
               <a:t>VSCode</a:t>
             </a:r>
             <a:r>
-              <a:rPr lang="zh-CN" altLang="en-US" sz="1400">
+              <a:rPr lang="zh-CN" altLang="en-US" sz="1600">
                 <a:solidFill>
                   <a:schemeClr val="accent5">
                     <a:lumMod val="75000"/>
@@ -3564,7 +4612,7 @@
         <p:spPr>
           <a:xfrm>
             <a:off x="683568" y="908720"/>
-            <a:ext cx="7776864" cy="969496"/>
+            <a:ext cx="7776864" cy="1384995"/>
           </a:xfrm>
           <a:prstGeom prst="rect">
             <a:avLst/>
@@ -3611,7 +4659,7 @@
               </a:lnSpc>
             </a:pPr>
             <a:r>
-              <a:rPr lang="zh-CN" altLang="en-US" sz="1400" smtClean="0">
+              <a:rPr lang="zh-CN" altLang="en-US" sz="1600" smtClean="0">
                 <a:solidFill>
                   <a:schemeClr val="accent5">
                     <a:lumMod val="75000"/>
@@ -3623,7 +4671,7 @@
               <a:t>课程</a:t>
             </a:r>
             <a:r>
-              <a:rPr lang="en-US" altLang="zh-CN" sz="1400" smtClean="0">
+              <a:rPr lang="en-US" altLang="zh-CN" sz="1600" smtClean="0">
                 <a:solidFill>
                   <a:schemeClr val="accent5">
                     <a:lumMod val="75000"/>
@@ -3635,7 +4683,7 @@
               <a:t>PPT</a:t>
             </a:r>
             <a:r>
-              <a:rPr lang="zh-CN" altLang="en-US" sz="1400" smtClean="0">
+              <a:rPr lang="zh-CN" altLang="en-US" sz="1600" smtClean="0">
                 <a:solidFill>
                   <a:schemeClr val="accent5">
                     <a:lumMod val="75000"/>
@@ -3647,7 +4695,7 @@
               <a:t>及源码可在</a:t>
             </a:r>
             <a:r>
-              <a:rPr lang="en-US" altLang="zh-CN" sz="1400" smtClean="0">
+              <a:rPr lang="en-US" altLang="zh-CN" sz="1600" smtClean="0">
                 <a:solidFill>
                   <a:schemeClr val="accent5">
                     <a:lumMod val="75000"/>
@@ -3660,7 +4708,7 @@
               <a:t>Github</a:t>
             </a:r>
             <a:r>
-              <a:rPr lang="zh-CN" altLang="en-US" sz="1400" smtClean="0">
+              <a:rPr lang="zh-CN" altLang="en-US" sz="1600" smtClean="0">
                 <a:solidFill>
                   <a:schemeClr val="accent5">
                     <a:lumMod val="75000"/>
@@ -3672,7 +4720,7 @@
               <a:t>上下载，答疑方式也在</a:t>
             </a:r>
             <a:r>
-              <a:rPr lang="en-US" altLang="zh-CN" sz="1400" smtClean="0">
+              <a:rPr lang="en-US" altLang="zh-CN" sz="1600" smtClean="0">
                 <a:solidFill>
                   <a:schemeClr val="accent5">
                     <a:lumMod val="75000"/>
@@ -3684,7 +4732,7 @@
               <a:t>Github</a:t>
             </a:r>
             <a:r>
-              <a:rPr lang="zh-CN" altLang="en-US" sz="1400" smtClean="0">
+              <a:rPr lang="zh-CN" altLang="en-US" sz="1600" smtClean="0">
                 <a:solidFill>
                   <a:schemeClr val="accent5">
                     <a:lumMod val="75000"/>
@@ -3696,7 +4744,7 @@
               <a:t>上以提</a:t>
             </a:r>
             <a:r>
-              <a:rPr lang="en-US" altLang="zh-CN" sz="1400" smtClean="0">
+              <a:rPr lang="en-US" altLang="zh-CN" sz="1600" smtClean="0">
                 <a:solidFill>
                   <a:schemeClr val="accent5">
                     <a:lumMod val="75000"/>
@@ -3708,7 +4756,7 @@
               <a:t>issue</a:t>
             </a:r>
             <a:r>
-              <a:rPr lang="zh-CN" altLang="en-US" sz="1400" smtClean="0">
+              <a:rPr lang="zh-CN" altLang="en-US" sz="1600" smtClean="0">
                 <a:solidFill>
                   <a:schemeClr val="accent5">
                     <a:lumMod val="75000"/>
@@ -3719,7 +4767,7 @@
               </a:rPr>
               <a:t>方式进行。具体操作如下：</a:t>
             </a:r>
-            <a:endParaRPr lang="en-US" altLang="zh-CN" sz="1400" smtClean="0">
+            <a:endParaRPr lang="en-US" altLang="zh-CN" sz="1600" smtClean="0">
               <a:solidFill>
                 <a:schemeClr val="accent5">
                   <a:lumMod val="75000"/>
@@ -3754,7 +4802,7 @@
         </p:blipFill>
         <p:spPr bwMode="auto">
           <a:xfrm>
-            <a:off x="1051875" y="2132856"/>
+            <a:off x="1051875" y="2374070"/>
             <a:ext cx="7040251" cy="3503202"/>
           </a:xfrm>
           <a:prstGeom prst="rect">
@@ -4196,7 +5244,7 @@
         <p:spPr>
           <a:xfrm>
             <a:off x="683568" y="908720"/>
-            <a:ext cx="7776864" cy="969496"/>
+            <a:ext cx="7776864" cy="1015663"/>
           </a:xfrm>
           <a:prstGeom prst="rect">
             <a:avLst/>
@@ -4246,7 +5294,7 @@
               </a:lnSpc>
             </a:pPr>
             <a:r>
-              <a:rPr lang="zh-CN" altLang="en-US" sz="1400">
+              <a:rPr lang="zh-CN" altLang="en-US" sz="1600">
                 <a:solidFill>
                   <a:schemeClr val="accent5">
                     <a:lumMod val="75000"/>
@@ -4258,7 +5306,7 @@
               <a:t>期末成绩 </a:t>
             </a:r>
             <a:r>
-              <a:rPr lang="en-US" altLang="zh-CN" sz="1400">
+              <a:rPr lang="en-US" altLang="zh-CN" sz="1600">
                 <a:solidFill>
                   <a:schemeClr val="accent5">
                     <a:lumMod val="75000"/>
@@ -4270,7 +5318,7 @@
               <a:t>= </a:t>
             </a:r>
             <a:r>
-              <a:rPr lang="zh-CN" altLang="en-US" sz="1400">
+              <a:rPr lang="zh-CN" altLang="en-US" sz="1600">
                 <a:solidFill>
                   <a:schemeClr val="accent5">
                     <a:lumMod val="75000"/>
@@ -4282,7 +5330,7 @@
               <a:t>（不定期考勤点名 </a:t>
             </a:r>
             <a:r>
-              <a:rPr lang="en-US" altLang="zh-CN" sz="1400">
+              <a:rPr lang="en-US" altLang="zh-CN" sz="1600">
                 <a:solidFill>
                   <a:schemeClr val="accent5">
                     <a:lumMod val="75000"/>
@@ -4294,7 +5342,7 @@
               <a:t>+ </a:t>
             </a:r>
             <a:r>
-              <a:rPr lang="zh-CN" altLang="en-US" sz="1400">
+              <a:rPr lang="zh-CN" altLang="en-US" sz="1600">
                 <a:solidFill>
                   <a:schemeClr val="accent5">
                     <a:lumMod val="75000"/>
@@ -4306,7 +5354,7 @@
               <a:t>课堂作业成绩 </a:t>
             </a:r>
             <a:r>
-              <a:rPr lang="en-US" altLang="zh-CN" sz="1400">
+              <a:rPr lang="en-US" altLang="zh-CN" sz="1600">
                 <a:solidFill>
                   <a:schemeClr val="accent5">
                     <a:lumMod val="75000"/>
@@ -4318,31 +5366,19 @@
               <a:t>+ </a:t>
             </a:r>
             <a:r>
-              <a:rPr lang="zh-CN" altLang="en-US" sz="1400">
-                <a:solidFill>
-                  <a:schemeClr val="accent5">
-                    <a:lumMod val="75000"/>
-                  </a:schemeClr>
-                </a:solidFill>
-                <a:latin typeface="微软雅黑" pitchFamily="34" charset="-122"/>
-                <a:ea typeface="微软雅黑" pitchFamily="34" charset="-122"/>
-              </a:rPr>
-              <a:t>考卷分数）按比</a:t>
-            </a:r>
-            <a:r>
-              <a:rPr lang="zh-CN" altLang="en-US" sz="1400">
-                <a:solidFill>
-                  <a:schemeClr val="accent5">
-                    <a:lumMod val="75000"/>
-                  </a:schemeClr>
-                </a:solidFill>
-                <a:latin typeface="微软雅黑" pitchFamily="34" charset="-122"/>
-                <a:ea typeface="微软雅黑" pitchFamily="34" charset="-122"/>
-              </a:rPr>
-              <a:t>计算</a:t>
-            </a:r>
-            <a:r>
-              <a:rPr lang="zh-CN" altLang="en-US" sz="1400" smtClean="0">
+              <a:rPr lang="zh-CN" altLang="en-US" sz="1600">
+                <a:solidFill>
+                  <a:schemeClr val="accent5">
+                    <a:lumMod val="75000"/>
+                  </a:schemeClr>
+                </a:solidFill>
+                <a:latin typeface="微软雅黑" pitchFamily="34" charset="-122"/>
+                <a:ea typeface="微软雅黑" pitchFamily="34" charset="-122"/>
+              </a:rPr>
+              <a:t>考卷分数）按比计算</a:t>
+            </a:r>
+            <a:r>
+              <a:rPr lang="zh-CN" altLang="en-US" sz="1600" smtClean="0">
                 <a:solidFill>
                   <a:schemeClr val="accent5">
                     <a:lumMod val="75000"/>
@@ -4353,7 +5389,7 @@
               </a:rPr>
               <a:t>。</a:t>
             </a:r>
-            <a:endParaRPr lang="en-US" altLang="zh-CN" sz="1400">
+            <a:endParaRPr lang="en-US" altLang="zh-CN" sz="1600">
               <a:solidFill>
                 <a:schemeClr val="accent5">
                   <a:lumMod val="75000"/>
@@ -4569,20 +5605,7 @@
                 <a:latin typeface="Consolas" pitchFamily="49" charset="0"/>
                 <a:cs typeface="Consolas" pitchFamily="49" charset="0"/>
               </a:rPr>
-              <a:t>pip3 install NumPy Pandas SciPy Matplotlib Jupyter </a:t>
-            </a:r>
-            <a:r>
-              <a:rPr lang="en-US" altLang="zh-CN" sz="1400">
-                <a:solidFill>
-                  <a:schemeClr val="accent5">
-                    <a:lumMod val="20000"/>
-                    <a:lumOff val="80000"/>
-                  </a:schemeClr>
-                </a:solidFill>
-                <a:latin typeface="Consolas" pitchFamily="49" charset="0"/>
-                <a:cs typeface="Consolas" pitchFamily="49" charset="0"/>
-              </a:rPr>
-              <a:t>Notebook </a:t>
+              <a:t>pip3 install NumPy Pandas SciPy Matplotlib Jupyter Notebook </a:t>
             </a:r>
             <a:r>
               <a:rPr lang="en-US" altLang="zh-CN" sz="1400" smtClean="0">
@@ -4835,7 +5858,7 @@
         <p:spPr>
           <a:xfrm>
             <a:off x="467544" y="908720"/>
-            <a:ext cx="8208912" cy="5493812"/>
+            <a:ext cx="8208912" cy="3970318"/>
           </a:xfrm>
           <a:prstGeom prst="rect">
             <a:avLst/>
@@ -4909,7 +5932,7 @@
               </a:lnSpc>
             </a:pPr>
             <a:r>
-              <a:rPr lang="en-US" altLang="zh-CN" sz="1400" smtClean="0">
+              <a:rPr lang="en-US" altLang="zh-CN" sz="1600" smtClean="0">
                 <a:solidFill>
                   <a:schemeClr val="accent5">
                     <a:lumMod val="75000"/>
@@ -4921,7 +5944,7 @@
               <a:t>Visual </a:t>
             </a:r>
             <a:r>
-              <a:rPr lang="en-US" altLang="zh-CN" sz="1400">
+              <a:rPr lang="en-US" altLang="zh-CN" sz="1600">
                 <a:solidFill>
                   <a:schemeClr val="accent5">
                     <a:lumMod val="75000"/>
@@ -4933,7 +5956,7 @@
               <a:t>Studio </a:t>
             </a:r>
             <a:r>
-              <a:rPr lang="en-US" altLang="zh-CN" sz="1400" smtClean="0">
+              <a:rPr lang="en-US" altLang="zh-CN" sz="1600" smtClean="0">
                 <a:solidFill>
                   <a:schemeClr val="accent5">
                     <a:lumMod val="75000"/>
@@ -4945,7 +5968,7 @@
               <a:t>Code</a:t>
             </a:r>
             <a:r>
-              <a:rPr lang="zh-CN" altLang="en-US" sz="1400" smtClean="0">
+              <a:rPr lang="zh-CN" altLang="en-US" sz="1600" smtClean="0">
                 <a:solidFill>
                   <a:schemeClr val="accent5">
                     <a:lumMod val="75000"/>
@@ -4957,7 +5980,7 @@
               <a:t>是</a:t>
             </a:r>
             <a:r>
-              <a:rPr lang="en-US" altLang="zh-CN" sz="1400">
+              <a:rPr lang="en-US" altLang="zh-CN" sz="1600">
                 <a:solidFill>
                   <a:schemeClr val="accent5">
                     <a:lumMod val="75000"/>
@@ -4969,7 +5992,7 @@
               <a:t>Microsoft</a:t>
             </a:r>
             <a:r>
-              <a:rPr lang="zh-CN" altLang="en-US" sz="1400">
+              <a:rPr lang="zh-CN" altLang="en-US" sz="1600">
                 <a:solidFill>
                   <a:schemeClr val="accent5">
                     <a:lumMod val="75000"/>
@@ -4981,7 +6004,7 @@
               <a:t>为</a:t>
             </a:r>
             <a:r>
-              <a:rPr lang="en-US" altLang="zh-CN" sz="1400">
+              <a:rPr lang="en-US" altLang="zh-CN" sz="1600">
                 <a:solidFill>
                   <a:schemeClr val="accent5">
                     <a:lumMod val="75000"/>
@@ -4993,7 +6016,7 @@
               <a:t>Windows</a:t>
             </a:r>
             <a:r>
-              <a:rPr lang="zh-CN" altLang="en-US" sz="1400">
+              <a:rPr lang="zh-CN" altLang="en-US" sz="1600">
                 <a:solidFill>
                   <a:schemeClr val="accent5">
                     <a:lumMod val="75000"/>
@@ -5005,7 +6028,7 @@
               <a:t>，</a:t>
             </a:r>
             <a:r>
-              <a:rPr lang="en-US" altLang="zh-CN" sz="1400">
+              <a:rPr lang="en-US" altLang="zh-CN" sz="1600">
                 <a:solidFill>
                   <a:schemeClr val="accent5">
                     <a:lumMod val="75000"/>
@@ -5017,7 +6040,7 @@
               <a:t>Linux</a:t>
             </a:r>
             <a:r>
-              <a:rPr lang="zh-CN" altLang="en-US" sz="1400">
+              <a:rPr lang="zh-CN" altLang="en-US" sz="1600">
                 <a:solidFill>
                   <a:schemeClr val="accent5">
                     <a:lumMod val="75000"/>
@@ -5029,7 +6052,7 @@
               <a:t>和</a:t>
             </a:r>
             <a:r>
-              <a:rPr lang="en-US" altLang="zh-CN" sz="1400">
+              <a:rPr lang="en-US" altLang="zh-CN" sz="1600">
                 <a:solidFill>
                   <a:schemeClr val="accent5">
                     <a:lumMod val="75000"/>
@@ -5041,31 +6064,19 @@
               <a:t>macOS</a:t>
             </a:r>
             <a:r>
-              <a:rPr lang="zh-CN" altLang="en-US" sz="1400">
-                <a:solidFill>
-                  <a:schemeClr val="accent5">
-                    <a:lumMod val="75000"/>
-                  </a:schemeClr>
-                </a:solidFill>
-                <a:latin typeface="微软雅黑" pitchFamily="34" charset="-122"/>
-                <a:ea typeface="微软雅黑" pitchFamily="34" charset="-122"/>
-              </a:rPr>
-              <a:t>开发的免费源代码编辑器。</a:t>
-            </a:r>
-            <a:r>
-              <a:rPr lang="zh-CN" altLang="en-US" sz="1400">
-                <a:solidFill>
-                  <a:schemeClr val="accent5">
-                    <a:lumMod val="75000"/>
-                  </a:schemeClr>
-                </a:solidFill>
-                <a:latin typeface="微软雅黑" pitchFamily="34" charset="-122"/>
-                <a:ea typeface="微软雅黑" pitchFamily="34" charset="-122"/>
-              </a:rPr>
-              <a:t>功能</a:t>
-            </a:r>
-            <a:r>
-              <a:rPr lang="zh-CN" altLang="en-US" sz="1400" smtClean="0">
+              <a:rPr lang="zh-CN" altLang="en-US" sz="1600">
+                <a:solidFill>
+                  <a:schemeClr val="accent5">
+                    <a:lumMod val="75000"/>
+                  </a:schemeClr>
+                </a:solidFill>
+                <a:latin typeface="微软雅黑" pitchFamily="34" charset="-122"/>
+                <a:ea typeface="微软雅黑" pitchFamily="34" charset="-122"/>
+              </a:rPr>
+              <a:t>开发的免费源代码编辑器。功能</a:t>
+            </a:r>
+            <a:r>
+              <a:rPr lang="zh-CN" altLang="en-US" sz="1600" smtClean="0">
                 <a:solidFill>
                   <a:schemeClr val="accent5">
                     <a:lumMod val="75000"/>
@@ -5077,7 +6088,7 @@
               <a:t>包括代码调试、语法突出显示、智能</a:t>
             </a:r>
             <a:r>
-              <a:rPr lang="zh-CN" altLang="en-US" sz="1400">
+              <a:rPr lang="zh-CN" altLang="en-US" sz="1600">
                 <a:solidFill>
                   <a:schemeClr val="accent5">
                     <a:lumMod val="75000"/>
@@ -5089,7 +6100,7 @@
               <a:t>代码</a:t>
             </a:r>
             <a:r>
-              <a:rPr lang="zh-CN" altLang="en-US" sz="1400" smtClean="0">
+              <a:rPr lang="zh-CN" altLang="en-US" sz="1600" smtClean="0">
                 <a:solidFill>
                   <a:schemeClr val="accent5">
                     <a:lumMod val="75000"/>
@@ -5101,7 +6112,7 @@
               <a:t>完成、代码</a:t>
             </a:r>
             <a:r>
-              <a:rPr lang="zh-CN" altLang="en-US" sz="1400">
+              <a:rPr lang="zh-CN" altLang="en-US" sz="1600">
                 <a:solidFill>
                   <a:schemeClr val="accent5">
                     <a:lumMod val="75000"/>
@@ -5113,7 +6124,7 @@
               <a:t>重构和嵌入式</a:t>
             </a:r>
             <a:r>
-              <a:rPr lang="en-US" altLang="zh-CN" sz="1400">
+              <a:rPr lang="en-US" altLang="zh-CN" sz="1600">
                 <a:solidFill>
                   <a:schemeClr val="accent5">
                     <a:lumMod val="75000"/>
@@ -5125,134 +6136,19 @@
               <a:t>Git</a:t>
             </a:r>
             <a:r>
-              <a:rPr lang="zh-CN" altLang="en-US" sz="1400">
-                <a:solidFill>
-                  <a:schemeClr val="accent5">
-                    <a:lumMod val="75000"/>
-                  </a:schemeClr>
-                </a:solidFill>
-                <a:latin typeface="微软雅黑" pitchFamily="34" charset="-122"/>
-                <a:ea typeface="微软雅黑" pitchFamily="34" charset="-122"/>
-              </a:rPr>
-              <a:t>的支持。 用户可以更改主题，键盘快捷键，首选项，并安装添加了其他功能的扩展。</a:t>
-            </a:r>
-          </a:p>
-          <a:p>
-            <a:pPr indent="342900">
-              <a:lnSpc>
-                <a:spcPct val="150000"/>
-              </a:lnSpc>
-            </a:pPr>
-            <a:r>
-              <a:rPr lang="en-US" altLang="zh-CN" sz="1400">
-                <a:solidFill>
-                  <a:schemeClr val="accent5">
-                    <a:lumMod val="75000"/>
-                  </a:schemeClr>
-                </a:solidFill>
-                <a:latin typeface="微软雅黑" pitchFamily="34" charset="-122"/>
-                <a:ea typeface="微软雅黑" pitchFamily="34" charset="-122"/>
-              </a:rPr>
-              <a:t>Visual Studio Code</a:t>
-            </a:r>
-            <a:r>
-              <a:rPr lang="zh-CN" altLang="en-US" sz="1400">
-                <a:solidFill>
-                  <a:schemeClr val="accent5">
-                    <a:lumMod val="75000"/>
-                  </a:schemeClr>
-                </a:solidFill>
-                <a:latin typeface="微软雅黑" pitchFamily="34" charset="-122"/>
-                <a:ea typeface="微软雅黑" pitchFamily="34" charset="-122"/>
-              </a:rPr>
-              <a:t>的源代码来自</a:t>
-            </a:r>
-            <a:r>
-              <a:rPr lang="en-US" altLang="zh-CN" sz="1400">
-                <a:solidFill>
-                  <a:schemeClr val="accent5">
-                    <a:lumMod val="75000"/>
-                  </a:schemeClr>
-                </a:solidFill>
-                <a:latin typeface="微软雅黑" pitchFamily="34" charset="-122"/>
-                <a:ea typeface="微软雅黑" pitchFamily="34" charset="-122"/>
-              </a:rPr>
-              <a:t>Microsoft</a:t>
-            </a:r>
-            <a:r>
-              <a:rPr lang="zh-CN" altLang="en-US" sz="1400">
-                <a:solidFill>
-                  <a:schemeClr val="accent5">
-                    <a:lumMod val="75000"/>
-                  </a:schemeClr>
-                </a:solidFill>
-                <a:latin typeface="微软雅黑" pitchFamily="34" charset="-122"/>
-                <a:ea typeface="微软雅黑" pitchFamily="34" charset="-122"/>
-              </a:rPr>
-              <a:t>的免费开放源代码软件</a:t>
-            </a:r>
-            <a:r>
-              <a:rPr lang="en-US" altLang="zh-CN" sz="1400">
-                <a:solidFill>
-                  <a:schemeClr val="accent5">
-                    <a:lumMod val="75000"/>
-                  </a:schemeClr>
-                </a:solidFill>
-                <a:latin typeface="微软雅黑" pitchFamily="34" charset="-122"/>
-                <a:ea typeface="微软雅黑" pitchFamily="34" charset="-122"/>
-              </a:rPr>
-              <a:t>VSCode</a:t>
-            </a:r>
-            <a:r>
-              <a:rPr lang="zh-CN" altLang="en-US" sz="1400">
-                <a:solidFill>
-                  <a:schemeClr val="accent5">
-                    <a:lumMod val="75000"/>
-                  </a:schemeClr>
-                </a:solidFill>
-                <a:latin typeface="微软雅黑" pitchFamily="34" charset="-122"/>
-                <a:ea typeface="微软雅黑" pitchFamily="34" charset="-122"/>
-              </a:rPr>
-              <a:t>项目，该项目是在许可的</a:t>
-            </a:r>
-            <a:r>
-              <a:rPr lang="en-US" altLang="zh-CN" sz="1400">
-                <a:solidFill>
-                  <a:schemeClr val="accent5">
-                    <a:lumMod val="75000"/>
-                  </a:schemeClr>
-                </a:solidFill>
-                <a:latin typeface="微软雅黑" pitchFamily="34" charset="-122"/>
-                <a:ea typeface="微软雅黑" pitchFamily="34" charset="-122"/>
-              </a:rPr>
-              <a:t>Expat</a:t>
-            </a:r>
-            <a:r>
-              <a:rPr lang="zh-CN" altLang="en-US" sz="1400">
-                <a:solidFill>
-                  <a:schemeClr val="accent5">
-                    <a:lumMod val="75000"/>
-                  </a:schemeClr>
-                </a:solidFill>
-                <a:latin typeface="微软雅黑" pitchFamily="34" charset="-122"/>
-                <a:ea typeface="微软雅黑" pitchFamily="34" charset="-122"/>
-              </a:rPr>
-              <a:t>下发布的，但已编译的二进制文件是免费的，可用于任何</a:t>
-            </a:r>
-            <a:r>
-              <a:rPr lang="zh-CN" altLang="en-US" sz="1400">
-                <a:solidFill>
-                  <a:schemeClr val="accent5">
-                    <a:lumMod val="75000"/>
-                  </a:schemeClr>
-                </a:solidFill>
-                <a:latin typeface="微软雅黑" pitchFamily="34" charset="-122"/>
-                <a:ea typeface="微软雅黑" pitchFamily="34" charset="-122"/>
-              </a:rPr>
-              <a:t>用途</a:t>
-            </a:r>
-            <a:r>
-              <a:rPr lang="zh-CN" altLang="en-US" sz="1400" smtClean="0">
+              <a:rPr lang="zh-CN" altLang="en-US" sz="1600">
+                <a:solidFill>
+                  <a:schemeClr val="accent5">
+                    <a:lumMod val="75000"/>
+                  </a:schemeClr>
+                </a:solidFill>
+                <a:latin typeface="微软雅黑" pitchFamily="34" charset="-122"/>
+                <a:ea typeface="微软雅黑" pitchFamily="34" charset="-122"/>
+              </a:rPr>
+              <a:t>的支持。 用户可以更改主题，键盘快捷键，首选项，并安装添加了其他功能的扩展</a:t>
+            </a:r>
+            <a:r>
+              <a:rPr lang="zh-CN" altLang="en-US" sz="1600" smtClean="0">
                 <a:solidFill>
                   <a:schemeClr val="accent5">
                     <a:lumMod val="75000"/>
@@ -5263,7 +6159,7 @@
               </a:rPr>
               <a:t>。</a:t>
             </a:r>
-            <a:endParaRPr lang="en-US" altLang="zh-CN" sz="1400" smtClean="0">
+            <a:endParaRPr lang="en-US" altLang="zh-CN" sz="1600" smtClean="0">
               <a:solidFill>
                 <a:schemeClr val="accent5">
                   <a:lumMod val="75000"/>
@@ -5279,127 +6175,7 @@
                 <a:spcPct val="150000"/>
               </a:lnSpc>
             </a:pPr>
-            <a:r>
-              <a:rPr lang="en-US" altLang="zh-CN" sz="1400" smtClean="0">
-                <a:solidFill>
-                  <a:schemeClr val="accent5">
-                    <a:lumMod val="75000"/>
-                  </a:schemeClr>
-                </a:solidFill>
-                <a:latin typeface="微软雅黑" pitchFamily="34" charset="-122"/>
-                <a:ea typeface="微软雅黑" pitchFamily="34" charset="-122"/>
-              </a:rPr>
-              <a:t>VSCode</a:t>
-            </a:r>
-            <a:r>
-              <a:rPr lang="zh-CN" altLang="en-US" sz="1400" smtClean="0">
-                <a:solidFill>
-                  <a:schemeClr val="accent5">
-                    <a:lumMod val="75000"/>
-                  </a:schemeClr>
-                </a:solidFill>
-                <a:latin typeface="微软雅黑" pitchFamily="34" charset="-122"/>
-                <a:ea typeface="微软雅黑" pitchFamily="34" charset="-122"/>
-              </a:rPr>
-              <a:t>社区有很多优秀的插件，从而扩展了对多种开发语言的支持。这里主要介绍下其对</a:t>
-            </a:r>
-            <a:r>
-              <a:rPr lang="en-US" altLang="zh-CN" sz="1400" smtClean="0">
-                <a:solidFill>
-                  <a:schemeClr val="accent5">
-                    <a:lumMod val="75000"/>
-                  </a:schemeClr>
-                </a:solidFill>
-                <a:latin typeface="微软雅黑" pitchFamily="34" charset="-122"/>
-                <a:ea typeface="微软雅黑" pitchFamily="34" charset="-122"/>
-              </a:rPr>
-              <a:t>Python</a:t>
-            </a:r>
-            <a:r>
-              <a:rPr lang="zh-CN" altLang="en-US" sz="1400" smtClean="0">
-                <a:solidFill>
-                  <a:schemeClr val="accent5">
-                    <a:lumMod val="75000"/>
-                  </a:schemeClr>
-                </a:solidFill>
-                <a:latin typeface="微软雅黑" pitchFamily="34" charset="-122"/>
-                <a:ea typeface="微软雅黑" pitchFamily="34" charset="-122"/>
-              </a:rPr>
-              <a:t>开发环境的配置（</a:t>
-            </a:r>
-            <a:r>
-              <a:rPr lang="zh-CN" altLang="en-US" sz="1400">
-                <a:solidFill>
-                  <a:schemeClr val="accent5">
-                    <a:lumMod val="75000"/>
-                  </a:schemeClr>
-                </a:solidFill>
-                <a:latin typeface="微软雅黑" pitchFamily="34" charset="-122"/>
-                <a:ea typeface="微软雅黑" pitchFamily="34" charset="-122"/>
-              </a:rPr>
-              <a:t>默认大家已经安装好</a:t>
-            </a:r>
-            <a:r>
-              <a:rPr lang="en-US" altLang="zh-CN" sz="1400">
-                <a:solidFill>
-                  <a:schemeClr val="accent5">
-                    <a:lumMod val="75000"/>
-                  </a:schemeClr>
-                </a:solidFill>
-                <a:latin typeface="微软雅黑" pitchFamily="34" charset="-122"/>
-                <a:ea typeface="微软雅黑" pitchFamily="34" charset="-122"/>
-              </a:rPr>
-              <a:t>Python</a:t>
-            </a:r>
-            <a:r>
-              <a:rPr lang="zh-CN" altLang="en-US" sz="1400">
-                <a:solidFill>
-                  <a:schemeClr val="accent5">
-                    <a:lumMod val="75000"/>
-                  </a:schemeClr>
-                </a:solidFill>
-                <a:latin typeface="微软雅黑" pitchFamily="34" charset="-122"/>
-                <a:ea typeface="微软雅黑" pitchFamily="34" charset="-122"/>
-              </a:rPr>
-              <a:t>环境</a:t>
-            </a:r>
-            <a:r>
-              <a:rPr lang="zh-CN" altLang="en-US" sz="1400" smtClean="0">
-                <a:solidFill>
-                  <a:schemeClr val="accent5">
-                    <a:lumMod val="75000"/>
-                  </a:schemeClr>
-                </a:solidFill>
-                <a:latin typeface="微软雅黑" pitchFamily="34" charset="-122"/>
-                <a:ea typeface="微软雅黑" pitchFamily="34" charset="-122"/>
-              </a:rPr>
-              <a:t>），主要有以下</a:t>
-            </a:r>
-            <a:r>
-              <a:rPr lang="zh-CN" altLang="en-US" sz="1400">
-                <a:solidFill>
-                  <a:schemeClr val="accent5">
-                    <a:lumMod val="75000"/>
-                  </a:schemeClr>
-                </a:solidFill>
-                <a:latin typeface="微软雅黑" pitchFamily="34" charset="-122"/>
-                <a:ea typeface="微软雅黑" pitchFamily="34" charset="-122"/>
-              </a:rPr>
-              <a:t>五</a:t>
-            </a:r>
-            <a:r>
-              <a:rPr lang="zh-CN" altLang="en-US" sz="1400" smtClean="0">
-                <a:solidFill>
-                  <a:schemeClr val="accent5">
-                    <a:lumMod val="75000"/>
-                  </a:schemeClr>
-                </a:solidFill>
-                <a:latin typeface="微软雅黑" pitchFamily="34" charset="-122"/>
-                <a:ea typeface="微软雅黑" pitchFamily="34" charset="-122"/>
-              </a:rPr>
-              <a:t>个步骤：</a:t>
-            </a:r>
-            <a:endParaRPr lang="zh-CN" altLang="en-US" sz="1400">
+            <a:endParaRPr lang="zh-CN" altLang="en-US" sz="1600">
               <a:solidFill>
                 <a:schemeClr val="accent5">
                   <a:lumMod val="75000"/>
@@ -5416,68 +6192,55 @@
               </a:lnSpc>
             </a:pPr>
             <a:r>
-              <a:rPr lang="en-US" altLang="zh-CN" sz="1400">
-                <a:solidFill>
-                  <a:schemeClr val="accent5">
-                    <a:lumMod val="75000"/>
-                  </a:schemeClr>
-                </a:solidFill>
-                <a:latin typeface="微软雅黑" pitchFamily="34" charset="-122"/>
-                <a:ea typeface="微软雅黑" pitchFamily="34" charset="-122"/>
-              </a:rPr>
-              <a:t>1</a:t>
-            </a:r>
-            <a:r>
-              <a:rPr lang="en-US" altLang="zh-CN" sz="1400">
-                <a:solidFill>
-                  <a:schemeClr val="accent5">
-                    <a:lumMod val="75000"/>
-                  </a:schemeClr>
-                </a:solidFill>
-                <a:latin typeface="微软雅黑" pitchFamily="34" charset="-122"/>
-                <a:ea typeface="微软雅黑" pitchFamily="34" charset="-122"/>
-              </a:rPr>
-              <a:t>. </a:t>
-            </a:r>
-            <a:r>
-              <a:rPr lang="zh-CN" altLang="en-US" sz="1400" smtClean="0">
-                <a:solidFill>
-                  <a:schemeClr val="accent5">
-                    <a:lumMod val="75000"/>
-                  </a:schemeClr>
-                </a:solidFill>
-                <a:latin typeface="微软雅黑" pitchFamily="34" charset="-122"/>
-                <a:ea typeface="微软雅黑" pitchFamily="34" charset="-122"/>
-                <a:hlinkClick r:id="rId3"/>
-              </a:rPr>
-              <a:t>下载</a:t>
-            </a:r>
-            <a:r>
-              <a:rPr lang="zh-CN" altLang="en-US" sz="1400" smtClean="0">
-                <a:solidFill>
-                  <a:schemeClr val="accent5">
-                    <a:lumMod val="75000"/>
-                  </a:schemeClr>
-                </a:solidFill>
-                <a:latin typeface="微软雅黑" pitchFamily="34" charset="-122"/>
-                <a:ea typeface="微软雅黑" pitchFamily="34" charset="-122"/>
-              </a:rPr>
-              <a:t>个人电脑</a:t>
-            </a:r>
-            <a:r>
-              <a:rPr lang="zh-CN" altLang="en-US" sz="1400">
-                <a:solidFill>
-                  <a:schemeClr val="accent5">
-                    <a:lumMod val="75000"/>
-                  </a:schemeClr>
-                </a:solidFill>
-                <a:latin typeface="微软雅黑" pitchFamily="34" charset="-122"/>
-                <a:ea typeface="微软雅黑" pitchFamily="34" charset="-122"/>
-              </a:rPr>
-              <a:t>对应的</a:t>
-            </a:r>
-            <a:r>
-              <a:rPr lang="en-US" altLang="zh-CN" sz="1400">
+              <a:rPr lang="en-US" altLang="zh-CN" sz="1600">
+                <a:solidFill>
+                  <a:schemeClr val="accent5">
+                    <a:lumMod val="75000"/>
+                  </a:schemeClr>
+                </a:solidFill>
+                <a:latin typeface="微软雅黑" pitchFamily="34" charset="-122"/>
+                <a:ea typeface="微软雅黑" pitchFamily="34" charset="-122"/>
+              </a:rPr>
+              <a:t>Visual Studio Code</a:t>
+            </a:r>
+            <a:r>
+              <a:rPr lang="zh-CN" altLang="en-US" sz="1600">
+                <a:solidFill>
+                  <a:schemeClr val="accent5">
+                    <a:lumMod val="75000"/>
+                  </a:schemeClr>
+                </a:solidFill>
+                <a:latin typeface="微软雅黑" pitchFamily="34" charset="-122"/>
+                <a:ea typeface="微软雅黑" pitchFamily="34" charset="-122"/>
+              </a:rPr>
+              <a:t>的源代码来自</a:t>
+            </a:r>
+            <a:r>
+              <a:rPr lang="en-US" altLang="zh-CN" sz="1600">
+                <a:solidFill>
+                  <a:schemeClr val="accent5">
+                    <a:lumMod val="75000"/>
+                  </a:schemeClr>
+                </a:solidFill>
+                <a:latin typeface="微软雅黑" pitchFamily="34" charset="-122"/>
+                <a:ea typeface="微软雅黑" pitchFamily="34" charset="-122"/>
+              </a:rPr>
+              <a:t>Microsoft</a:t>
+            </a:r>
+            <a:r>
+              <a:rPr lang="zh-CN" altLang="en-US" sz="1600">
+                <a:solidFill>
+                  <a:schemeClr val="accent5">
+                    <a:lumMod val="75000"/>
+                  </a:schemeClr>
+                </a:solidFill>
+                <a:latin typeface="微软雅黑" pitchFamily="34" charset="-122"/>
+                <a:ea typeface="微软雅黑" pitchFamily="34" charset="-122"/>
+              </a:rPr>
+              <a:t>的免费开放源代码软件</a:t>
+            </a:r>
+            <a:r>
+              <a:rPr lang="en-US" altLang="zh-CN" sz="1600">
                 <a:solidFill>
                   <a:schemeClr val="accent5">
                     <a:lumMod val="75000"/>
@@ -5489,17 +6252,62 @@
               <a:t>VSCode</a:t>
             </a:r>
             <a:r>
-              <a:rPr lang="zh-CN" altLang="en-US" sz="1400">
-                <a:solidFill>
-                  <a:schemeClr val="accent5">
-                    <a:lumMod val="75000"/>
-                  </a:schemeClr>
-                </a:solidFill>
-                <a:latin typeface="微软雅黑" pitchFamily="34" charset="-122"/>
-                <a:ea typeface="微软雅黑" pitchFamily="34" charset="-122"/>
-              </a:rPr>
-              <a:t>版本并安装</a:t>
-            </a:r>
+              <a:rPr lang="zh-CN" altLang="en-US" sz="1600">
+                <a:solidFill>
+                  <a:schemeClr val="accent5">
+                    <a:lumMod val="75000"/>
+                  </a:schemeClr>
+                </a:solidFill>
+                <a:latin typeface="微软雅黑" pitchFamily="34" charset="-122"/>
+                <a:ea typeface="微软雅黑" pitchFamily="34" charset="-122"/>
+              </a:rPr>
+              <a:t>项目，该项目是在许可的</a:t>
+            </a:r>
+            <a:r>
+              <a:rPr lang="en-US" altLang="zh-CN" sz="1600">
+                <a:solidFill>
+                  <a:schemeClr val="accent5">
+                    <a:lumMod val="75000"/>
+                  </a:schemeClr>
+                </a:solidFill>
+                <a:latin typeface="微软雅黑" pitchFamily="34" charset="-122"/>
+                <a:ea typeface="微软雅黑" pitchFamily="34" charset="-122"/>
+              </a:rPr>
+              <a:t>Expat</a:t>
+            </a:r>
+            <a:r>
+              <a:rPr lang="zh-CN" altLang="en-US" sz="1600">
+                <a:solidFill>
+                  <a:schemeClr val="accent5">
+                    <a:lumMod val="75000"/>
+                  </a:schemeClr>
+                </a:solidFill>
+                <a:latin typeface="微软雅黑" pitchFamily="34" charset="-122"/>
+                <a:ea typeface="微软雅黑" pitchFamily="34" charset="-122"/>
+              </a:rPr>
+              <a:t>下发布的，但已编译的二进制文件是免费的，可用于任何用途</a:t>
+            </a:r>
+            <a:r>
+              <a:rPr lang="zh-CN" altLang="en-US" sz="1600" smtClean="0">
+                <a:solidFill>
+                  <a:schemeClr val="accent5">
+                    <a:lumMod val="75000"/>
+                  </a:schemeClr>
+                </a:solidFill>
+                <a:latin typeface="微软雅黑" pitchFamily="34" charset="-122"/>
+                <a:ea typeface="微软雅黑" pitchFamily="34" charset="-122"/>
+              </a:rPr>
+              <a:t>。</a:t>
+            </a:r>
+            <a:endParaRPr lang="en-US" altLang="zh-CN" sz="1600" smtClean="0">
+              <a:solidFill>
+                <a:schemeClr val="accent5">
+                  <a:lumMod val="75000"/>
+                </a:schemeClr>
+              </a:solidFill>
+              <a:latin typeface="微软雅黑" pitchFamily="34" charset="-122"/>
+              <a:ea typeface="微软雅黑" pitchFamily="34" charset="-122"/>
+            </a:endParaRPr>
           </a:p>
           <a:p>
             <a:pPr indent="342900">
@@ -5507,78 +6315,15 @@
                 <a:spcPct val="150000"/>
               </a:lnSpc>
             </a:pPr>
-            <a:r>
-              <a:rPr lang="en-US" altLang="zh-CN" sz="1400">
-                <a:solidFill>
-                  <a:schemeClr val="accent5">
-                    <a:lumMod val="75000"/>
-                  </a:schemeClr>
-                </a:solidFill>
-                <a:latin typeface="微软雅黑" pitchFamily="34" charset="-122"/>
-                <a:ea typeface="微软雅黑" pitchFamily="34" charset="-122"/>
-              </a:rPr>
-              <a:t>2. </a:t>
-            </a:r>
-            <a:r>
-              <a:rPr lang="zh-CN" altLang="en-US" sz="1400">
-                <a:solidFill>
-                  <a:schemeClr val="accent5">
-                    <a:lumMod val="75000"/>
-                  </a:schemeClr>
-                </a:solidFill>
-                <a:latin typeface="微软雅黑" pitchFamily="34" charset="-122"/>
-                <a:ea typeface="微软雅黑" pitchFamily="34" charset="-122"/>
-              </a:rPr>
-              <a:t>安装</a:t>
-            </a:r>
-            <a:r>
-              <a:rPr lang="en-US" altLang="zh-CN" sz="1400">
-                <a:solidFill>
-                  <a:schemeClr val="accent5">
-                    <a:lumMod val="75000"/>
-                  </a:schemeClr>
-                </a:solidFill>
-                <a:latin typeface="微软雅黑" pitchFamily="34" charset="-122"/>
-                <a:ea typeface="微软雅黑" pitchFamily="34" charset="-122"/>
-              </a:rPr>
-              <a:t>VSCode</a:t>
-            </a:r>
-            <a:r>
-              <a:rPr lang="zh-CN" altLang="en-US" sz="1400">
-                <a:solidFill>
-                  <a:schemeClr val="accent5">
-                    <a:lumMod val="75000"/>
-                  </a:schemeClr>
-                </a:solidFill>
-                <a:latin typeface="微软雅黑" pitchFamily="34" charset="-122"/>
-                <a:ea typeface="微软雅黑" pitchFamily="34" charset="-122"/>
-              </a:rPr>
-              <a:t>的</a:t>
-            </a:r>
-            <a:r>
-              <a:rPr lang="en-US" altLang="zh-CN" sz="1400">
-                <a:solidFill>
-                  <a:schemeClr val="accent5">
-                    <a:lumMod val="75000"/>
-                  </a:schemeClr>
-                </a:solidFill>
-                <a:latin typeface="微软雅黑" pitchFamily="34" charset="-122"/>
-                <a:ea typeface="微软雅黑" pitchFamily="34" charset="-122"/>
-              </a:rPr>
-              <a:t>Python</a:t>
-            </a:r>
-            <a:r>
-              <a:rPr lang="zh-CN" altLang="en-US" sz="1400">
-                <a:solidFill>
-                  <a:schemeClr val="accent5">
-                    <a:lumMod val="75000"/>
-                  </a:schemeClr>
-                </a:solidFill>
-                <a:latin typeface="微软雅黑" pitchFamily="34" charset="-122"/>
-                <a:ea typeface="微软雅黑" pitchFamily="34" charset="-122"/>
-              </a:rPr>
-              <a:t>插件</a:t>
-            </a:r>
+            <a:endParaRPr lang="en-US" altLang="zh-CN" sz="1600" smtClean="0">
+              <a:solidFill>
+                <a:schemeClr val="accent5">
+                  <a:lumMod val="75000"/>
+                </a:schemeClr>
+              </a:solidFill>
+              <a:latin typeface="微软雅黑" pitchFamily="34" charset="-122"/>
+              <a:ea typeface="微软雅黑" pitchFamily="34" charset="-122"/>
+            </a:endParaRPr>
           </a:p>
           <a:p>
             <a:pPr indent="342900">
@@ -5587,79 +6332,7 @@
               </a:lnSpc>
             </a:pPr>
             <a:r>
-              <a:rPr lang="en-US" altLang="zh-CN" sz="1400">
-                <a:solidFill>
-                  <a:schemeClr val="accent5">
-                    <a:lumMod val="75000"/>
-                  </a:schemeClr>
-                </a:solidFill>
-                <a:latin typeface="微软雅黑" pitchFamily="34" charset="-122"/>
-                <a:ea typeface="微软雅黑" pitchFamily="34" charset="-122"/>
-              </a:rPr>
-              <a:t>3. </a:t>
-            </a:r>
-            <a:r>
-              <a:rPr lang="zh-CN" altLang="en-US" sz="1400">
-                <a:solidFill>
-                  <a:schemeClr val="accent5">
-                    <a:lumMod val="75000"/>
-                  </a:schemeClr>
-                </a:solidFill>
-                <a:latin typeface="微软雅黑" pitchFamily="34" charset="-122"/>
-                <a:ea typeface="微软雅黑" pitchFamily="34" charset="-122"/>
-              </a:rPr>
-              <a:t>安装</a:t>
-            </a:r>
-            <a:r>
-              <a:rPr lang="en-US" altLang="zh-CN" sz="1400">
-                <a:solidFill>
-                  <a:schemeClr val="accent5">
-                    <a:lumMod val="75000"/>
-                  </a:schemeClr>
-                </a:solidFill>
-                <a:latin typeface="微软雅黑" pitchFamily="34" charset="-122"/>
-                <a:ea typeface="微软雅黑" pitchFamily="34" charset="-122"/>
-              </a:rPr>
-              <a:t>`flake8`</a:t>
-            </a:r>
-            <a:r>
-              <a:rPr lang="zh-CN" altLang="en-US" sz="1400">
-                <a:solidFill>
-                  <a:schemeClr val="accent5">
-                    <a:lumMod val="75000"/>
-                  </a:schemeClr>
-                </a:solidFill>
-                <a:latin typeface="微软雅黑" pitchFamily="34" charset="-122"/>
-                <a:ea typeface="微软雅黑" pitchFamily="34" charset="-122"/>
-              </a:rPr>
-              <a:t>： </a:t>
-            </a:r>
-            <a:r>
-              <a:rPr lang="en-US" altLang="zh-CN" sz="1400">
-                <a:solidFill>
-                  <a:schemeClr val="accent5">
-                    <a:lumMod val="75000"/>
-                  </a:schemeClr>
-                </a:solidFill>
-                <a:latin typeface="微软雅黑" pitchFamily="34" charset="-122"/>
-                <a:ea typeface="微软雅黑" pitchFamily="34" charset="-122"/>
-              </a:rPr>
-              <a:t>pip3 install flake8</a:t>
-            </a:r>
-            <a:r>
-              <a:rPr lang="zh-CN" altLang="en-US" sz="1400">
-                <a:solidFill>
-                  <a:schemeClr val="accent5">
-                    <a:lumMod val="75000"/>
-                  </a:schemeClr>
-                </a:solidFill>
-                <a:latin typeface="微软雅黑" pitchFamily="34" charset="-122"/>
-                <a:ea typeface="微软雅黑" pitchFamily="34" charset="-122"/>
-              </a:rPr>
-              <a:t>；并在</a:t>
-            </a:r>
-            <a:r>
-              <a:rPr lang="en-US" altLang="zh-CN" sz="1400">
+              <a:rPr lang="en-US" altLang="zh-CN" sz="1600" smtClean="0">
                 <a:solidFill>
                   <a:schemeClr val="accent5">
                     <a:lumMod val="75000"/>
@@ -5671,403 +6344,134 @@
               <a:t>VSCode</a:t>
             </a:r>
             <a:r>
-              <a:rPr lang="zh-CN" altLang="en-US" sz="1400">
-                <a:solidFill>
-                  <a:schemeClr val="accent5">
-                    <a:lumMod val="75000"/>
-                  </a:schemeClr>
-                </a:solidFill>
-                <a:latin typeface="微软雅黑" pitchFamily="34" charset="-122"/>
-                <a:ea typeface="微软雅黑" pitchFamily="34" charset="-122"/>
-              </a:rPr>
-              <a:t>配置文件</a:t>
-            </a:r>
-            <a:r>
-              <a:rPr lang="en-US" altLang="zh-CN" sz="1400">
-                <a:solidFill>
-                  <a:schemeClr val="accent5">
-                    <a:lumMod val="75000"/>
-                  </a:schemeClr>
-                </a:solidFill>
-                <a:latin typeface="微软雅黑" pitchFamily="34" charset="-122"/>
-                <a:ea typeface="微软雅黑" pitchFamily="34" charset="-122"/>
-              </a:rPr>
-              <a:t>`settings.json`</a:t>
-            </a:r>
-            <a:r>
-              <a:rPr lang="zh-CN" altLang="en-US" sz="1400">
-                <a:solidFill>
-                  <a:schemeClr val="accent5">
-                    <a:lumMod val="75000"/>
-                  </a:schemeClr>
-                </a:solidFill>
-                <a:latin typeface="微软雅黑" pitchFamily="34" charset="-122"/>
-                <a:ea typeface="微软雅黑" pitchFamily="34" charset="-122"/>
-              </a:rPr>
-              <a:t>中将</a:t>
-            </a:r>
-            <a:r>
-              <a:rPr lang="en-US" altLang="zh-CN" sz="1400">
-                <a:solidFill>
-                  <a:schemeClr val="accent5">
-                    <a:lumMod val="75000"/>
-                  </a:schemeClr>
-                </a:solidFill>
-                <a:latin typeface="微软雅黑" pitchFamily="34" charset="-122"/>
-                <a:ea typeface="微软雅黑" pitchFamily="34" charset="-122"/>
-              </a:rPr>
-              <a:t>`python.linting.flake8Enabled`</a:t>
-            </a:r>
-            <a:r>
-              <a:rPr lang="zh-CN" altLang="en-US" sz="1400">
-                <a:solidFill>
-                  <a:schemeClr val="accent5">
-                    <a:lumMod val="75000"/>
-                  </a:schemeClr>
-                </a:solidFill>
-                <a:latin typeface="微软雅黑" pitchFamily="34" charset="-122"/>
-                <a:ea typeface="微软雅黑" pitchFamily="34" charset="-122"/>
-              </a:rPr>
-              <a:t>设为</a:t>
-            </a:r>
-            <a:r>
-              <a:rPr lang="en-US" altLang="zh-CN" sz="1400">
-                <a:solidFill>
-                  <a:schemeClr val="accent5">
-                    <a:lumMod val="75000"/>
-                  </a:schemeClr>
-                </a:solidFill>
-                <a:latin typeface="微软雅黑" pitchFamily="34" charset="-122"/>
-                <a:ea typeface="微软雅黑" pitchFamily="34" charset="-122"/>
-              </a:rPr>
-              <a:t>`true`</a:t>
-            </a:r>
-          </a:p>
-          <a:p>
-            <a:pPr indent="342900">
-              <a:lnSpc>
-                <a:spcPct val="150000"/>
-              </a:lnSpc>
-            </a:pPr>
-            <a:r>
-              <a:rPr lang="en-US" altLang="zh-CN" sz="1400">
-                <a:solidFill>
-                  <a:schemeClr val="accent5">
-                    <a:lumMod val="75000"/>
-                  </a:schemeClr>
-                </a:solidFill>
-                <a:latin typeface="微软雅黑" pitchFamily="34" charset="-122"/>
-                <a:ea typeface="微软雅黑" pitchFamily="34" charset="-122"/>
-              </a:rPr>
-              <a:t>4. </a:t>
-            </a:r>
-            <a:r>
-              <a:rPr lang="zh-CN" altLang="en-US" sz="1400">
-                <a:solidFill>
-                  <a:schemeClr val="accent5">
-                    <a:lumMod val="75000"/>
-                  </a:schemeClr>
-                </a:solidFill>
-                <a:latin typeface="微软雅黑" pitchFamily="34" charset="-122"/>
-                <a:ea typeface="微软雅黑" pitchFamily="34" charset="-122"/>
-              </a:rPr>
-              <a:t>安装</a:t>
-            </a:r>
-            <a:r>
-              <a:rPr lang="en-US" altLang="zh-CN" sz="1400">
-                <a:solidFill>
-                  <a:schemeClr val="accent5">
-                    <a:lumMod val="75000"/>
-                  </a:schemeClr>
-                </a:solidFill>
-                <a:latin typeface="微软雅黑" pitchFamily="34" charset="-122"/>
-                <a:ea typeface="微软雅黑" pitchFamily="34" charset="-122"/>
-              </a:rPr>
-              <a:t>`yapf`: pip3 install yapf</a:t>
-            </a:r>
-            <a:r>
-              <a:rPr lang="zh-CN" altLang="en-US" sz="1400">
-                <a:solidFill>
-                  <a:schemeClr val="accent5">
-                    <a:lumMod val="75000"/>
-                  </a:schemeClr>
-                </a:solidFill>
-                <a:latin typeface="微软雅黑" pitchFamily="34" charset="-122"/>
-                <a:ea typeface="微软雅黑" pitchFamily="34" charset="-122"/>
-              </a:rPr>
-              <a:t>；并在</a:t>
-            </a:r>
-            <a:r>
-              <a:rPr lang="en-US" altLang="zh-CN" sz="1400">
-                <a:solidFill>
-                  <a:schemeClr val="accent5">
-                    <a:lumMod val="75000"/>
-                  </a:schemeClr>
-                </a:solidFill>
-                <a:latin typeface="微软雅黑" pitchFamily="34" charset="-122"/>
-                <a:ea typeface="微软雅黑" pitchFamily="34" charset="-122"/>
-              </a:rPr>
-              <a:t>VSCode</a:t>
-            </a:r>
-            <a:r>
-              <a:rPr lang="zh-CN" altLang="en-US" sz="1400">
-                <a:solidFill>
-                  <a:schemeClr val="accent5">
-                    <a:lumMod val="75000"/>
-                  </a:schemeClr>
-                </a:solidFill>
-                <a:latin typeface="微软雅黑" pitchFamily="34" charset="-122"/>
-                <a:ea typeface="微软雅黑" pitchFamily="34" charset="-122"/>
-              </a:rPr>
-              <a:t>配置文件</a:t>
-            </a:r>
-            <a:r>
-              <a:rPr lang="en-US" altLang="zh-CN" sz="1400">
-                <a:solidFill>
-                  <a:schemeClr val="accent5">
-                    <a:lumMod val="75000"/>
-                  </a:schemeClr>
-                </a:solidFill>
-                <a:latin typeface="微软雅黑" pitchFamily="34" charset="-122"/>
-                <a:ea typeface="微软雅黑" pitchFamily="34" charset="-122"/>
-              </a:rPr>
-              <a:t>`settings.json`</a:t>
-            </a:r>
-            <a:r>
-              <a:rPr lang="zh-CN" altLang="en-US" sz="1400">
-                <a:solidFill>
-                  <a:schemeClr val="accent5">
-                    <a:lumMod val="75000"/>
-                  </a:schemeClr>
-                </a:solidFill>
-                <a:latin typeface="微软雅黑" pitchFamily="34" charset="-122"/>
-                <a:ea typeface="微软雅黑" pitchFamily="34" charset="-122"/>
-              </a:rPr>
-              <a:t>中将</a:t>
-            </a:r>
-            <a:r>
-              <a:rPr lang="en-US" altLang="zh-CN" sz="1400">
-                <a:solidFill>
-                  <a:schemeClr val="accent5">
-                    <a:lumMod val="75000"/>
-                  </a:schemeClr>
-                </a:solidFill>
-                <a:latin typeface="微软雅黑" pitchFamily="34" charset="-122"/>
-                <a:ea typeface="微软雅黑" pitchFamily="34" charset="-122"/>
-              </a:rPr>
-              <a:t>`python.formatting.provider`</a:t>
-            </a:r>
-            <a:r>
-              <a:rPr lang="zh-CN" altLang="en-US" sz="1400">
-                <a:solidFill>
-                  <a:schemeClr val="accent5">
-                    <a:lumMod val="75000"/>
-                  </a:schemeClr>
-                </a:solidFill>
-                <a:latin typeface="微软雅黑" pitchFamily="34" charset="-122"/>
-                <a:ea typeface="微软雅黑" pitchFamily="34" charset="-122"/>
-              </a:rPr>
-              <a:t>设为</a:t>
-            </a:r>
-            <a:r>
-              <a:rPr lang="en-US" altLang="zh-CN" sz="1400">
-                <a:solidFill>
-                  <a:schemeClr val="accent5">
-                    <a:lumMod val="75000"/>
-                  </a:schemeClr>
-                </a:solidFill>
-                <a:latin typeface="微软雅黑" pitchFamily="34" charset="-122"/>
-                <a:ea typeface="微软雅黑" pitchFamily="34" charset="-122"/>
-              </a:rPr>
-              <a:t>`true`</a:t>
-            </a:r>
-          </a:p>
-          <a:p>
-            <a:pPr indent="342900">
-              <a:lnSpc>
-                <a:spcPct val="150000"/>
-              </a:lnSpc>
-            </a:pPr>
-            <a:r>
-              <a:rPr lang="en-US" altLang="zh-CN" sz="1400">
-                <a:solidFill>
-                  <a:schemeClr val="accent5">
-                    <a:lumMod val="75000"/>
-                  </a:schemeClr>
-                </a:solidFill>
-                <a:latin typeface="微软雅黑" pitchFamily="34" charset="-122"/>
-                <a:ea typeface="微软雅黑" pitchFamily="34" charset="-122"/>
-              </a:rPr>
-              <a:t>5. </a:t>
-            </a:r>
-            <a:r>
-              <a:rPr lang="zh-CN" altLang="en-US" sz="1400">
-                <a:solidFill>
-                  <a:schemeClr val="accent5">
-                    <a:lumMod val="75000"/>
-                  </a:schemeClr>
-                </a:solidFill>
-                <a:latin typeface="微软雅黑" pitchFamily="34" charset="-122"/>
-                <a:ea typeface="微软雅黑" pitchFamily="34" charset="-122"/>
-              </a:rPr>
-              <a:t>使用快捷键</a:t>
-            </a:r>
-            <a:r>
-              <a:rPr lang="en-US" altLang="zh-CN" sz="1400">
-                <a:solidFill>
-                  <a:schemeClr val="accent5">
-                    <a:lumMod val="75000"/>
-                  </a:schemeClr>
-                </a:solidFill>
-                <a:latin typeface="微软雅黑" pitchFamily="34" charset="-122"/>
-                <a:ea typeface="微软雅黑" pitchFamily="34" charset="-122"/>
-              </a:rPr>
-              <a:t>`ctrl + shift + p`</a:t>
-            </a:r>
-            <a:r>
-              <a:rPr lang="zh-CN" altLang="en-US" sz="1400">
-                <a:solidFill>
-                  <a:schemeClr val="accent5">
-                    <a:lumMod val="75000"/>
-                  </a:schemeClr>
-                </a:solidFill>
-                <a:latin typeface="微软雅黑" pitchFamily="34" charset="-122"/>
-                <a:ea typeface="微软雅黑" pitchFamily="34" charset="-122"/>
-              </a:rPr>
-              <a:t>打开命令输入框，搜索</a:t>
-            </a:r>
-            <a:r>
-              <a:rPr lang="en-US" altLang="zh-CN" sz="1400">
-                <a:solidFill>
-                  <a:schemeClr val="accent5">
-                    <a:lumMod val="75000"/>
-                  </a:schemeClr>
-                </a:solidFill>
-                <a:latin typeface="微软雅黑" pitchFamily="34" charset="-122"/>
-                <a:ea typeface="微软雅黑" pitchFamily="34" charset="-122"/>
-              </a:rPr>
-              <a:t>`settings UI`</a:t>
-            </a:r>
-            <a:r>
-              <a:rPr lang="zh-CN" altLang="en-US" sz="1400">
-                <a:solidFill>
-                  <a:schemeClr val="accent5">
-                    <a:lumMod val="75000"/>
-                  </a:schemeClr>
-                </a:solidFill>
-                <a:latin typeface="微软雅黑" pitchFamily="34" charset="-122"/>
-                <a:ea typeface="微软雅黑" pitchFamily="34" charset="-122"/>
-              </a:rPr>
-              <a:t>打开</a:t>
-            </a:r>
-            <a:r>
-              <a:rPr lang="en-US" altLang="zh-CN" sz="1400">
-                <a:solidFill>
-                  <a:schemeClr val="accent5">
-                    <a:lumMod val="75000"/>
-                  </a:schemeClr>
-                </a:solidFill>
-                <a:latin typeface="微软雅黑" pitchFamily="34" charset="-122"/>
-                <a:ea typeface="微软雅黑" pitchFamily="34" charset="-122"/>
-              </a:rPr>
-              <a:t>VSCode</a:t>
-            </a:r>
-            <a:r>
-              <a:rPr lang="zh-CN" altLang="en-US" sz="1400">
-                <a:solidFill>
-                  <a:schemeClr val="accent5">
-                    <a:lumMod val="75000"/>
-                  </a:schemeClr>
-                </a:solidFill>
-                <a:latin typeface="微软雅黑" pitchFamily="34" charset="-122"/>
-                <a:ea typeface="微软雅黑" pitchFamily="34" charset="-122"/>
-              </a:rPr>
-              <a:t>配置面板，搜索</a:t>
-            </a:r>
-            <a:r>
-              <a:rPr lang="en-US" altLang="zh-CN" sz="1400">
-                <a:solidFill>
-                  <a:schemeClr val="accent5">
-                    <a:lumMod val="75000"/>
-                  </a:schemeClr>
-                </a:solidFill>
-                <a:latin typeface="微软雅黑" pitchFamily="34" charset="-122"/>
-                <a:ea typeface="微软雅黑" pitchFamily="34" charset="-122"/>
-              </a:rPr>
-              <a:t>`tab size`</a:t>
-            </a:r>
-            <a:r>
-              <a:rPr lang="zh-CN" altLang="en-US" sz="1400">
-                <a:solidFill>
-                  <a:schemeClr val="accent5">
-                    <a:lumMod val="75000"/>
-                  </a:schemeClr>
-                </a:solidFill>
-                <a:latin typeface="微软雅黑" pitchFamily="34" charset="-122"/>
-                <a:ea typeface="微软雅黑" pitchFamily="34" charset="-122"/>
-              </a:rPr>
-              <a:t>，将</a:t>
-            </a:r>
-            <a:r>
-              <a:rPr lang="en-US" altLang="zh-CN" sz="1400">
-                <a:solidFill>
-                  <a:schemeClr val="accent5">
-                    <a:lumMod val="75000"/>
-                  </a:schemeClr>
-                </a:solidFill>
-                <a:latin typeface="微软雅黑" pitchFamily="34" charset="-122"/>
-                <a:ea typeface="微软雅黑" pitchFamily="34" charset="-122"/>
-              </a:rPr>
-              <a:t>`text editor`</a:t>
-            </a:r>
-            <a:r>
-              <a:rPr lang="zh-CN" altLang="en-US" sz="1400">
-                <a:solidFill>
-                  <a:schemeClr val="accent5">
-                    <a:lumMod val="75000"/>
-                  </a:schemeClr>
-                </a:solidFill>
-                <a:latin typeface="微软雅黑" pitchFamily="34" charset="-122"/>
-                <a:ea typeface="微软雅黑" pitchFamily="34" charset="-122"/>
-              </a:rPr>
-              <a:t>项目下的</a:t>
-            </a:r>
-            <a:r>
-              <a:rPr lang="en-US" altLang="zh-CN" sz="1400">
-                <a:solidFill>
-                  <a:schemeClr val="accent5">
-                    <a:lumMod val="75000"/>
-                  </a:schemeClr>
-                </a:solidFill>
-                <a:latin typeface="微软雅黑" pitchFamily="34" charset="-122"/>
-                <a:ea typeface="微软雅黑" pitchFamily="34" charset="-122"/>
-              </a:rPr>
-              <a:t>`Tab Size`</a:t>
-            </a:r>
-            <a:r>
-              <a:rPr lang="zh-CN" altLang="en-US" sz="1400">
-                <a:solidFill>
-                  <a:schemeClr val="accent5">
-                    <a:lumMod val="75000"/>
-                  </a:schemeClr>
-                </a:solidFill>
-                <a:latin typeface="微软雅黑" pitchFamily="34" charset="-122"/>
-                <a:ea typeface="微软雅黑" pitchFamily="34" charset="-122"/>
-              </a:rPr>
-              <a:t>设为</a:t>
-            </a:r>
-            <a:r>
-              <a:rPr lang="en-US" altLang="zh-CN" sz="1400">
-                <a:solidFill>
-                  <a:schemeClr val="accent5">
-                    <a:lumMod val="75000"/>
-                  </a:schemeClr>
-                </a:solidFill>
-                <a:latin typeface="微软雅黑" pitchFamily="34" charset="-122"/>
-                <a:ea typeface="微软雅黑" pitchFamily="34" charset="-122"/>
-              </a:rPr>
-              <a:t>4</a:t>
-            </a:r>
+              <a:rPr lang="zh-CN" altLang="en-US" sz="1600" smtClean="0">
+                <a:solidFill>
+                  <a:schemeClr val="accent5">
+                    <a:lumMod val="75000"/>
+                  </a:schemeClr>
+                </a:solidFill>
+                <a:latin typeface="微软雅黑" pitchFamily="34" charset="-122"/>
+                <a:ea typeface="微软雅黑" pitchFamily="34" charset="-122"/>
+              </a:rPr>
+              <a:t>社区有很多优秀的插件，从而扩展了对多种开发语言的支持。这里主要介绍下其对</a:t>
+            </a:r>
+            <a:r>
+              <a:rPr lang="en-US" altLang="zh-CN" sz="1600" smtClean="0">
+                <a:solidFill>
+                  <a:schemeClr val="accent5">
+                    <a:lumMod val="75000"/>
+                  </a:schemeClr>
+                </a:solidFill>
+                <a:latin typeface="微软雅黑" pitchFamily="34" charset="-122"/>
+                <a:ea typeface="微软雅黑" pitchFamily="34" charset="-122"/>
+              </a:rPr>
+              <a:t>Python</a:t>
+            </a:r>
+            <a:r>
+              <a:rPr lang="zh-CN" altLang="en-US" sz="1600" smtClean="0">
+                <a:solidFill>
+                  <a:schemeClr val="accent5">
+                    <a:lumMod val="75000"/>
+                  </a:schemeClr>
+                </a:solidFill>
+                <a:latin typeface="微软雅黑" pitchFamily="34" charset="-122"/>
+                <a:ea typeface="微软雅黑" pitchFamily="34" charset="-122"/>
+              </a:rPr>
+              <a:t>开发环境的配置（</a:t>
+            </a:r>
+            <a:r>
+              <a:rPr lang="zh-CN" altLang="en-US" sz="1600">
+                <a:solidFill>
+                  <a:schemeClr val="accent5">
+                    <a:lumMod val="75000"/>
+                  </a:schemeClr>
+                </a:solidFill>
+                <a:latin typeface="微软雅黑" pitchFamily="34" charset="-122"/>
+                <a:ea typeface="微软雅黑" pitchFamily="34" charset="-122"/>
+              </a:rPr>
+              <a:t>默认大家已经安装好</a:t>
+            </a:r>
+            <a:r>
+              <a:rPr lang="en-US" altLang="zh-CN" sz="1600">
+                <a:solidFill>
+                  <a:schemeClr val="accent5">
+                    <a:lumMod val="75000"/>
+                  </a:schemeClr>
+                </a:solidFill>
+                <a:latin typeface="微软雅黑" pitchFamily="34" charset="-122"/>
+                <a:ea typeface="微软雅黑" pitchFamily="34" charset="-122"/>
+              </a:rPr>
+              <a:t>Python</a:t>
+            </a:r>
+            <a:r>
+              <a:rPr lang="zh-CN" altLang="en-US" sz="1600">
+                <a:solidFill>
+                  <a:schemeClr val="accent5">
+                    <a:lumMod val="75000"/>
+                  </a:schemeClr>
+                </a:solidFill>
+                <a:latin typeface="微软雅黑" pitchFamily="34" charset="-122"/>
+                <a:ea typeface="微软雅黑" pitchFamily="34" charset="-122"/>
+              </a:rPr>
+              <a:t>环境</a:t>
+            </a:r>
+            <a:r>
+              <a:rPr lang="zh-CN" altLang="en-US" sz="1600" smtClean="0">
+                <a:solidFill>
+                  <a:schemeClr val="accent5">
+                    <a:lumMod val="75000"/>
+                  </a:schemeClr>
+                </a:solidFill>
+                <a:latin typeface="微软雅黑" pitchFamily="34" charset="-122"/>
+                <a:ea typeface="微软雅黑" pitchFamily="34" charset="-122"/>
+              </a:rPr>
+              <a:t>），主要</a:t>
+            </a:r>
+            <a:r>
+              <a:rPr lang="zh-CN" altLang="en-US" sz="1600" smtClean="0">
+                <a:solidFill>
+                  <a:schemeClr val="accent5">
+                    <a:lumMod val="75000"/>
+                  </a:schemeClr>
+                </a:solidFill>
+                <a:latin typeface="微软雅黑" pitchFamily="34" charset="-122"/>
+                <a:ea typeface="微软雅黑" pitchFamily="34" charset="-122"/>
+              </a:rPr>
+              <a:t>有五</a:t>
+            </a:r>
+            <a:r>
+              <a:rPr lang="zh-CN" altLang="en-US" sz="1600" smtClean="0">
+                <a:solidFill>
+                  <a:schemeClr val="accent5">
+                    <a:lumMod val="75000"/>
+                  </a:schemeClr>
+                </a:solidFill>
+                <a:latin typeface="微软雅黑" pitchFamily="34" charset="-122"/>
+                <a:ea typeface="微软雅黑" pitchFamily="34" charset="-122"/>
+              </a:rPr>
+              <a:t>个步骤</a:t>
+            </a:r>
+            <a:r>
+              <a:rPr lang="zh-CN" altLang="en-US" sz="1600" smtClean="0">
+                <a:solidFill>
+                  <a:schemeClr val="accent5">
+                    <a:lumMod val="75000"/>
+                  </a:schemeClr>
+                </a:solidFill>
+                <a:latin typeface="微软雅黑" pitchFamily="34" charset="-122"/>
+                <a:ea typeface="微软雅黑" pitchFamily="34" charset="-122"/>
+              </a:rPr>
+              <a:t>：</a:t>
+            </a:r>
+            <a:endParaRPr lang="zh-CN" altLang="en-US" sz="1600">
+              <a:solidFill>
+                <a:schemeClr val="accent5">
+                  <a:lumMod val="75000"/>
+                </a:schemeClr>
+              </a:solidFill>
+              <a:latin typeface="微软雅黑" pitchFamily="34" charset="-122"/>
+              <a:ea typeface="微软雅黑" pitchFamily="34" charset="-122"/>
+            </a:endParaRPr>
           </a:p>
         </p:txBody>
       </p:sp>
@@ -6274,7 +6678,7 @@
                                         <p:tgtEl>
                                           <p:spTgt spid="5">
                                             <p:txEl>
-                                              <p:pRg st="2" end="2"/>
+                                              <p:pRg st="3" end="3"/>
                                             </p:txEl>
                                           </p:spTgt>
                                         </p:tgtEl>
@@ -6292,7 +6696,7 @@
                                         <p:tgtEl>
                                           <p:spTgt spid="5">
                                             <p:txEl>
-                                              <p:pRg st="2" end="2"/>
+                                              <p:pRg st="3" end="3"/>
                                             </p:txEl>
                                           </p:spTgt>
                                         </p:tgtEl>
@@ -6335,7 +6739,7 @@
                                         <p:tgtEl>
                                           <p:spTgt spid="5">
                                             <p:txEl>
-                                              <p:pRg st="3" end="3"/>
+                                              <p:pRg st="5" end="5"/>
                                             </p:txEl>
                                           </p:spTgt>
                                         </p:tgtEl>
@@ -6353,312 +6757,7 @@
                                         <p:tgtEl>
                                           <p:spTgt spid="5">
                                             <p:txEl>
-                                              <p:pRg st="3" end="3"/>
-                                            </p:txEl>
-                                          </p:spTgt>
-                                        </p:tgtEl>
-                                      </p:cBhvr>
-                                    </p:animEffect>
-                                  </p:childTnLst>
-                                </p:cTn>
-                              </p:par>
-                            </p:childTnLst>
-                          </p:cTn>
-                        </p:par>
-                      </p:childTnLst>
-                    </p:cTn>
-                  </p:par>
-                  <p:par>
-                    <p:cTn id="26" fill="hold">
-                      <p:stCondLst>
-                        <p:cond delay="indefinite"/>
-                      </p:stCondLst>
-                      <p:childTnLst>
-                        <p:par>
-                          <p:cTn id="27" fill="hold">
-                            <p:stCondLst>
-                              <p:cond delay="0"/>
-                            </p:stCondLst>
-                            <p:childTnLst>
-                              <p:par>
-                                <p:cTn id="28" presetID="14" presetClass="entr" presetSubtype="10" fill="hold" nodeType="clickEffect">
-                                  <p:stCondLst>
-                                    <p:cond delay="0"/>
-                                  </p:stCondLst>
-                                  <p:childTnLst>
-                                    <p:set>
-                                      <p:cBhvr>
-                                        <p:cTn id="29" dur="1" fill="hold">
-                                          <p:stCondLst>
-                                            <p:cond delay="0"/>
-                                          </p:stCondLst>
-                                        </p:cTn>
-                                        <p:tgtEl>
-                                          <p:spTgt spid="5">
-                                            <p:txEl>
-                                              <p:pRg st="4" end="4"/>
-                                            </p:txEl>
-                                          </p:spTgt>
-                                        </p:tgtEl>
-                                        <p:attrNameLst>
-                                          <p:attrName>style.visibility</p:attrName>
-                                        </p:attrNameLst>
-                                      </p:cBhvr>
-                                      <p:to>
-                                        <p:strVal val="visible"/>
-                                      </p:to>
-                                    </p:set>
-                                    <p:animEffect transition="in" filter="randombar(horizontal)">
-                                      <p:cBhvr>
-                                        <p:cTn id="30" dur="500"/>
-                                        <p:tgtEl>
-                                          <p:spTgt spid="5">
-                                            <p:txEl>
-                                              <p:pRg st="4" end="4"/>
-                                            </p:txEl>
-                                          </p:spTgt>
-                                        </p:tgtEl>
-                                      </p:cBhvr>
-                                    </p:animEffect>
-                                  </p:childTnLst>
-                                </p:cTn>
-                              </p:par>
-                            </p:childTnLst>
-                          </p:cTn>
-                        </p:par>
-                      </p:childTnLst>
-                    </p:cTn>
-                  </p:par>
-                  <p:par>
-                    <p:cTn id="31" fill="hold">
-                      <p:stCondLst>
-                        <p:cond delay="indefinite"/>
-                      </p:stCondLst>
-                      <p:childTnLst>
-                        <p:par>
-                          <p:cTn id="32" fill="hold">
-                            <p:stCondLst>
-                              <p:cond delay="0"/>
-                            </p:stCondLst>
-                            <p:childTnLst>
-                              <p:par>
-                                <p:cTn id="33" presetID="14" presetClass="entr" presetSubtype="10" fill="hold" nodeType="clickEffect">
-                                  <p:stCondLst>
-                                    <p:cond delay="0"/>
-                                  </p:stCondLst>
-                                  <p:childTnLst>
-                                    <p:set>
-                                      <p:cBhvr>
-                                        <p:cTn id="34" dur="1" fill="hold">
-                                          <p:stCondLst>
-                                            <p:cond delay="0"/>
-                                          </p:stCondLst>
-                                        </p:cTn>
-                                        <p:tgtEl>
-                                          <p:spTgt spid="5">
-                                            <p:txEl>
                                               <p:pRg st="5" end="5"/>
-                                            </p:txEl>
-                                          </p:spTgt>
-                                        </p:tgtEl>
-                                        <p:attrNameLst>
-                                          <p:attrName>style.visibility</p:attrName>
-                                        </p:attrNameLst>
-                                      </p:cBhvr>
-                                      <p:to>
-                                        <p:strVal val="visible"/>
-                                      </p:to>
-                                    </p:set>
-                                    <p:animEffect transition="in" filter="randombar(horizontal)">
-                                      <p:cBhvr>
-                                        <p:cTn id="35" dur="500"/>
-                                        <p:tgtEl>
-                                          <p:spTgt spid="5">
-                                            <p:txEl>
-                                              <p:pRg st="5" end="5"/>
-                                            </p:txEl>
-                                          </p:spTgt>
-                                        </p:tgtEl>
-                                      </p:cBhvr>
-                                    </p:animEffect>
-                                  </p:childTnLst>
-                                </p:cTn>
-                              </p:par>
-                            </p:childTnLst>
-                          </p:cTn>
-                        </p:par>
-                      </p:childTnLst>
-                    </p:cTn>
-                  </p:par>
-                  <p:par>
-                    <p:cTn id="36" fill="hold">
-                      <p:stCondLst>
-                        <p:cond delay="indefinite"/>
-                      </p:stCondLst>
-                      <p:childTnLst>
-                        <p:par>
-                          <p:cTn id="37" fill="hold">
-                            <p:stCondLst>
-                              <p:cond delay="0"/>
-                            </p:stCondLst>
-                            <p:childTnLst>
-                              <p:par>
-                                <p:cTn id="38" presetID="14" presetClass="entr" presetSubtype="10" fill="hold" nodeType="clickEffect">
-                                  <p:stCondLst>
-                                    <p:cond delay="0"/>
-                                  </p:stCondLst>
-                                  <p:childTnLst>
-                                    <p:set>
-                                      <p:cBhvr>
-                                        <p:cTn id="39" dur="1" fill="hold">
-                                          <p:stCondLst>
-                                            <p:cond delay="0"/>
-                                          </p:stCondLst>
-                                        </p:cTn>
-                                        <p:tgtEl>
-                                          <p:spTgt spid="5">
-                                            <p:txEl>
-                                              <p:pRg st="6" end="6"/>
-                                            </p:txEl>
-                                          </p:spTgt>
-                                        </p:tgtEl>
-                                        <p:attrNameLst>
-                                          <p:attrName>style.visibility</p:attrName>
-                                        </p:attrNameLst>
-                                      </p:cBhvr>
-                                      <p:to>
-                                        <p:strVal val="visible"/>
-                                      </p:to>
-                                    </p:set>
-                                    <p:animEffect transition="in" filter="randombar(horizontal)">
-                                      <p:cBhvr>
-                                        <p:cTn id="40" dur="500"/>
-                                        <p:tgtEl>
-                                          <p:spTgt spid="5">
-                                            <p:txEl>
-                                              <p:pRg st="6" end="6"/>
-                                            </p:txEl>
-                                          </p:spTgt>
-                                        </p:tgtEl>
-                                      </p:cBhvr>
-                                    </p:animEffect>
-                                  </p:childTnLst>
-                                </p:cTn>
-                              </p:par>
-                            </p:childTnLst>
-                          </p:cTn>
-                        </p:par>
-                      </p:childTnLst>
-                    </p:cTn>
-                  </p:par>
-                  <p:par>
-                    <p:cTn id="41" fill="hold">
-                      <p:stCondLst>
-                        <p:cond delay="indefinite"/>
-                      </p:stCondLst>
-                      <p:childTnLst>
-                        <p:par>
-                          <p:cTn id="42" fill="hold">
-                            <p:stCondLst>
-                              <p:cond delay="0"/>
-                            </p:stCondLst>
-                            <p:childTnLst>
-                              <p:par>
-                                <p:cTn id="43" presetID="14" presetClass="entr" presetSubtype="10" fill="hold" nodeType="clickEffect">
-                                  <p:stCondLst>
-                                    <p:cond delay="0"/>
-                                  </p:stCondLst>
-                                  <p:childTnLst>
-                                    <p:set>
-                                      <p:cBhvr>
-                                        <p:cTn id="44" dur="1" fill="hold">
-                                          <p:stCondLst>
-                                            <p:cond delay="0"/>
-                                          </p:stCondLst>
-                                        </p:cTn>
-                                        <p:tgtEl>
-                                          <p:spTgt spid="5">
-                                            <p:txEl>
-                                              <p:pRg st="7" end="7"/>
-                                            </p:txEl>
-                                          </p:spTgt>
-                                        </p:tgtEl>
-                                        <p:attrNameLst>
-                                          <p:attrName>style.visibility</p:attrName>
-                                        </p:attrNameLst>
-                                      </p:cBhvr>
-                                      <p:to>
-                                        <p:strVal val="visible"/>
-                                      </p:to>
-                                    </p:set>
-                                    <p:animEffect transition="in" filter="randombar(horizontal)">
-                                      <p:cBhvr>
-                                        <p:cTn id="45" dur="500"/>
-                                        <p:tgtEl>
-                                          <p:spTgt spid="5">
-                                            <p:txEl>
-                                              <p:pRg st="7" end="7"/>
-                                            </p:txEl>
-                                          </p:spTgt>
-                                        </p:tgtEl>
-                                      </p:cBhvr>
-                                    </p:animEffect>
-                                  </p:childTnLst>
-                                </p:cTn>
-                              </p:par>
-                            </p:childTnLst>
-                          </p:cTn>
-                        </p:par>
-                      </p:childTnLst>
-                    </p:cTn>
-                  </p:par>
-                  <p:par>
-                    <p:cTn id="46" fill="hold">
-                      <p:stCondLst>
-                        <p:cond delay="indefinite"/>
-                      </p:stCondLst>
-                      <p:childTnLst>
-                        <p:par>
-                          <p:cTn id="47" fill="hold">
-                            <p:stCondLst>
-                              <p:cond delay="0"/>
-                            </p:stCondLst>
-                            <p:childTnLst>
-                              <p:par>
-                                <p:cTn id="48" presetID="14" presetClass="entr" presetSubtype="10" fill="hold" nodeType="clickEffect">
-                                  <p:stCondLst>
-                                    <p:cond delay="0"/>
-                                  </p:stCondLst>
-                                  <p:childTnLst>
-                                    <p:set>
-                                      <p:cBhvr>
-                                        <p:cTn id="49" dur="1" fill="hold">
-                                          <p:stCondLst>
-                                            <p:cond delay="0"/>
-                                          </p:stCondLst>
-                                        </p:cTn>
-                                        <p:tgtEl>
-                                          <p:spTgt spid="5">
-                                            <p:txEl>
-                                              <p:pRg st="8" end="8"/>
-                                            </p:txEl>
-                                          </p:spTgt>
-                                        </p:tgtEl>
-                                        <p:attrNameLst>
-                                          <p:attrName>style.visibility</p:attrName>
-                                        </p:attrNameLst>
-                                      </p:cBhvr>
-                                      <p:to>
-                                        <p:strVal val="visible"/>
-                                      </p:to>
-                                    </p:set>
-                                    <p:animEffect transition="in" filter="randombar(horizontal)">
-                                      <p:cBhvr>
-                                        <p:cTn id="50" dur="500"/>
-                                        <p:tgtEl>
-                                          <p:spTgt spid="5">
-                                            <p:txEl>
-                                              <p:pRg st="8" end="8"/>
                                             </p:txEl>
                                           </p:spTgt>
                                         </p:tgtEl>
@@ -6702,6 +6801,1060 @@
 </file>
 
 <file path=ppt/slides/slide8.xml><?xml version="1.0" encoding="utf-8"?>
+<p:sld xmlns:a="http://schemas.openxmlformats.org/drawingml/2006/main" xmlns:r="http://schemas.openxmlformats.org/officeDocument/2006/relationships" xmlns:p="http://schemas.openxmlformats.org/presentationml/2006/main">
+  <p:cSld>
+    <p:spTree>
+      <p:nvGrpSpPr>
+        <p:cNvPr id="1" name=""/>
+        <p:cNvGrpSpPr/>
+        <p:nvPr/>
+      </p:nvGrpSpPr>
+      <p:grpSpPr>
+        <a:xfrm>
+          <a:off x="0" y="0"/>
+          <a:ext cx="0" cy="0"/>
+          <a:chOff x="0" y="0"/>
+          <a:chExt cx="0" cy="0"/>
+        </a:xfrm>
+      </p:grpSpPr>
+      <p:sp>
+        <p:nvSpPr>
+          <p:cNvPr id="5" name="TextBox 4"/>
+          <p:cNvSpPr txBox="1"/>
+          <p:nvPr/>
+        </p:nvSpPr>
+        <p:spPr>
+          <a:xfrm>
+            <a:off x="467544" y="1174100"/>
+            <a:ext cx="8208912" cy="3046988"/>
+          </a:xfrm>
+          <a:prstGeom prst="rect">
+            <a:avLst/>
+          </a:prstGeom>
+          <a:noFill/>
+        </p:spPr>
+        <p:txBody>
+          <a:bodyPr wrap="square" rtlCol="0">
+            <a:spAutoFit/>
+          </a:bodyPr>
+          <a:lstStyle/>
+          <a:p>
+            <a:pPr marL="342900" indent="-342900">
+              <a:lnSpc>
+                <a:spcPct val="150000"/>
+              </a:lnSpc>
+              <a:buFont typeface="+mj-lt"/>
+              <a:buAutoNum type="arabicPeriod"/>
+            </a:pPr>
+            <a:r>
+              <a:rPr lang="zh-CN" altLang="en-US" sz="1600" smtClean="0">
+                <a:solidFill>
+                  <a:schemeClr val="accent5">
+                    <a:lumMod val="75000"/>
+                  </a:schemeClr>
+                </a:solidFill>
+                <a:latin typeface="微软雅黑" pitchFamily="34" charset="-122"/>
+                <a:ea typeface="微软雅黑" pitchFamily="34" charset="-122"/>
+                <a:hlinkClick r:id="rId3"/>
+              </a:rPr>
+              <a:t>下载</a:t>
+            </a:r>
+            <a:r>
+              <a:rPr lang="zh-CN" altLang="en-US" sz="1600" smtClean="0">
+                <a:solidFill>
+                  <a:schemeClr val="accent5">
+                    <a:lumMod val="75000"/>
+                  </a:schemeClr>
+                </a:solidFill>
+                <a:latin typeface="微软雅黑" pitchFamily="34" charset="-122"/>
+                <a:ea typeface="微软雅黑" pitchFamily="34" charset="-122"/>
+              </a:rPr>
+              <a:t>个人电脑</a:t>
+            </a:r>
+            <a:r>
+              <a:rPr lang="zh-CN" altLang="en-US" sz="1600">
+                <a:solidFill>
+                  <a:schemeClr val="accent5">
+                    <a:lumMod val="75000"/>
+                  </a:schemeClr>
+                </a:solidFill>
+                <a:latin typeface="微软雅黑" pitchFamily="34" charset="-122"/>
+                <a:ea typeface="微软雅黑" pitchFamily="34" charset="-122"/>
+              </a:rPr>
+              <a:t>对应的</a:t>
+            </a:r>
+            <a:r>
+              <a:rPr lang="en-US" altLang="zh-CN" sz="1600">
+                <a:solidFill>
+                  <a:schemeClr val="accent5">
+                    <a:lumMod val="75000"/>
+                  </a:schemeClr>
+                </a:solidFill>
+                <a:latin typeface="微软雅黑" pitchFamily="34" charset="-122"/>
+                <a:ea typeface="微软雅黑" pitchFamily="34" charset="-122"/>
+              </a:rPr>
+              <a:t>VSCode</a:t>
+            </a:r>
+            <a:r>
+              <a:rPr lang="zh-CN" altLang="en-US" sz="1600">
+                <a:solidFill>
+                  <a:schemeClr val="accent5">
+                    <a:lumMod val="75000"/>
+                  </a:schemeClr>
+                </a:solidFill>
+                <a:latin typeface="微软雅黑" pitchFamily="34" charset="-122"/>
+                <a:ea typeface="微软雅黑" pitchFamily="34" charset="-122"/>
+              </a:rPr>
+              <a:t>版本并安装</a:t>
+            </a:r>
+          </a:p>
+          <a:p>
+            <a:pPr marL="342900" indent="-342900">
+              <a:lnSpc>
+                <a:spcPct val="150000"/>
+              </a:lnSpc>
+              <a:buFont typeface="+mj-lt"/>
+              <a:buAutoNum type="arabicPeriod"/>
+            </a:pPr>
+            <a:r>
+              <a:rPr lang="zh-CN" altLang="en-US" sz="1600" smtClean="0">
+                <a:solidFill>
+                  <a:schemeClr val="accent5">
+                    <a:lumMod val="75000"/>
+                  </a:schemeClr>
+                </a:solidFill>
+                <a:latin typeface="微软雅黑" pitchFamily="34" charset="-122"/>
+                <a:ea typeface="微软雅黑" pitchFamily="34" charset="-122"/>
+              </a:rPr>
+              <a:t>安装</a:t>
+            </a:r>
+            <a:r>
+              <a:rPr lang="en-US" altLang="zh-CN" sz="1600">
+                <a:solidFill>
+                  <a:schemeClr val="accent5">
+                    <a:lumMod val="75000"/>
+                  </a:schemeClr>
+                </a:solidFill>
+                <a:latin typeface="微软雅黑" pitchFamily="34" charset="-122"/>
+                <a:ea typeface="微软雅黑" pitchFamily="34" charset="-122"/>
+              </a:rPr>
+              <a:t>VSCode</a:t>
+            </a:r>
+            <a:r>
+              <a:rPr lang="zh-CN" altLang="en-US" sz="1600">
+                <a:solidFill>
+                  <a:schemeClr val="accent5">
+                    <a:lumMod val="75000"/>
+                  </a:schemeClr>
+                </a:solidFill>
+                <a:latin typeface="微软雅黑" pitchFamily="34" charset="-122"/>
+                <a:ea typeface="微软雅黑" pitchFamily="34" charset="-122"/>
+              </a:rPr>
+              <a:t>的</a:t>
+            </a:r>
+            <a:r>
+              <a:rPr lang="en-US" altLang="zh-CN" sz="1600">
+                <a:solidFill>
+                  <a:schemeClr val="accent5">
+                    <a:lumMod val="75000"/>
+                  </a:schemeClr>
+                </a:solidFill>
+                <a:latin typeface="微软雅黑" pitchFamily="34" charset="-122"/>
+                <a:ea typeface="微软雅黑" pitchFamily="34" charset="-122"/>
+              </a:rPr>
+              <a:t>Python</a:t>
+            </a:r>
+            <a:r>
+              <a:rPr lang="zh-CN" altLang="en-US" sz="1600">
+                <a:solidFill>
+                  <a:schemeClr val="accent5">
+                    <a:lumMod val="75000"/>
+                  </a:schemeClr>
+                </a:solidFill>
+                <a:latin typeface="微软雅黑" pitchFamily="34" charset="-122"/>
+                <a:ea typeface="微软雅黑" pitchFamily="34" charset="-122"/>
+              </a:rPr>
+              <a:t>插件</a:t>
+            </a:r>
+          </a:p>
+          <a:p>
+            <a:pPr marL="342900" indent="-342900">
+              <a:lnSpc>
+                <a:spcPct val="150000"/>
+              </a:lnSpc>
+              <a:buFont typeface="+mj-lt"/>
+              <a:buAutoNum type="arabicPeriod"/>
+            </a:pPr>
+            <a:r>
+              <a:rPr lang="zh-CN" altLang="en-US" sz="1600" smtClean="0">
+                <a:solidFill>
+                  <a:schemeClr val="accent5">
+                    <a:lumMod val="75000"/>
+                  </a:schemeClr>
+                </a:solidFill>
+                <a:latin typeface="微软雅黑" pitchFamily="34" charset="-122"/>
+                <a:ea typeface="微软雅黑" pitchFamily="34" charset="-122"/>
+              </a:rPr>
+              <a:t>安装</a:t>
+            </a:r>
+            <a:r>
+              <a:rPr lang="en-US" altLang="zh-CN" sz="1600">
+                <a:solidFill>
+                  <a:schemeClr val="accent5">
+                    <a:lumMod val="75000"/>
+                  </a:schemeClr>
+                </a:solidFill>
+                <a:latin typeface="微软雅黑" pitchFamily="34" charset="-122"/>
+                <a:ea typeface="微软雅黑" pitchFamily="34" charset="-122"/>
+              </a:rPr>
+              <a:t>`flake8`</a:t>
+            </a:r>
+            <a:r>
+              <a:rPr lang="zh-CN" altLang="en-US" sz="1600">
+                <a:solidFill>
+                  <a:schemeClr val="accent5">
+                    <a:lumMod val="75000"/>
+                  </a:schemeClr>
+                </a:solidFill>
+                <a:latin typeface="微软雅黑" pitchFamily="34" charset="-122"/>
+                <a:ea typeface="微软雅黑" pitchFamily="34" charset="-122"/>
+              </a:rPr>
+              <a:t>： </a:t>
+            </a:r>
+            <a:r>
+              <a:rPr lang="en-US" altLang="zh-CN" sz="1600">
+                <a:solidFill>
+                  <a:schemeClr val="accent5">
+                    <a:lumMod val="75000"/>
+                  </a:schemeClr>
+                </a:solidFill>
+                <a:latin typeface="微软雅黑" pitchFamily="34" charset="-122"/>
+                <a:ea typeface="微软雅黑" pitchFamily="34" charset="-122"/>
+              </a:rPr>
+              <a:t>pip3 install flake8</a:t>
+            </a:r>
+            <a:r>
+              <a:rPr lang="zh-CN" altLang="en-US" sz="1600">
+                <a:solidFill>
+                  <a:schemeClr val="accent5">
+                    <a:lumMod val="75000"/>
+                  </a:schemeClr>
+                </a:solidFill>
+                <a:latin typeface="微软雅黑" pitchFamily="34" charset="-122"/>
+                <a:ea typeface="微软雅黑" pitchFamily="34" charset="-122"/>
+              </a:rPr>
+              <a:t>；并在</a:t>
+            </a:r>
+            <a:r>
+              <a:rPr lang="en-US" altLang="zh-CN" sz="1600">
+                <a:solidFill>
+                  <a:schemeClr val="accent5">
+                    <a:lumMod val="75000"/>
+                  </a:schemeClr>
+                </a:solidFill>
+                <a:latin typeface="微软雅黑" pitchFamily="34" charset="-122"/>
+                <a:ea typeface="微软雅黑" pitchFamily="34" charset="-122"/>
+              </a:rPr>
+              <a:t>VSCode</a:t>
+            </a:r>
+            <a:r>
+              <a:rPr lang="zh-CN" altLang="en-US" sz="1600">
+                <a:solidFill>
+                  <a:schemeClr val="accent5">
+                    <a:lumMod val="75000"/>
+                  </a:schemeClr>
+                </a:solidFill>
+                <a:latin typeface="微软雅黑" pitchFamily="34" charset="-122"/>
+                <a:ea typeface="微软雅黑" pitchFamily="34" charset="-122"/>
+              </a:rPr>
+              <a:t>配置文件</a:t>
+            </a:r>
+            <a:r>
+              <a:rPr lang="en-US" altLang="zh-CN" sz="1600">
+                <a:solidFill>
+                  <a:schemeClr val="accent5">
+                    <a:lumMod val="75000"/>
+                  </a:schemeClr>
+                </a:solidFill>
+                <a:latin typeface="微软雅黑" pitchFamily="34" charset="-122"/>
+                <a:ea typeface="微软雅黑" pitchFamily="34" charset="-122"/>
+              </a:rPr>
+              <a:t>`settings.json`</a:t>
+            </a:r>
+            <a:r>
+              <a:rPr lang="zh-CN" altLang="en-US" sz="1600">
+                <a:solidFill>
+                  <a:schemeClr val="accent5">
+                    <a:lumMod val="75000"/>
+                  </a:schemeClr>
+                </a:solidFill>
+                <a:latin typeface="微软雅黑" pitchFamily="34" charset="-122"/>
+                <a:ea typeface="微软雅黑" pitchFamily="34" charset="-122"/>
+              </a:rPr>
+              <a:t>中将</a:t>
+            </a:r>
+            <a:r>
+              <a:rPr lang="en-US" altLang="zh-CN" sz="1600">
+                <a:solidFill>
+                  <a:schemeClr val="accent5">
+                    <a:lumMod val="75000"/>
+                  </a:schemeClr>
+                </a:solidFill>
+                <a:latin typeface="微软雅黑" pitchFamily="34" charset="-122"/>
+                <a:ea typeface="微软雅黑" pitchFamily="34" charset="-122"/>
+              </a:rPr>
+              <a:t>`python.linting.flake8Enabled`</a:t>
+            </a:r>
+            <a:r>
+              <a:rPr lang="zh-CN" altLang="en-US" sz="1600">
+                <a:solidFill>
+                  <a:schemeClr val="accent5">
+                    <a:lumMod val="75000"/>
+                  </a:schemeClr>
+                </a:solidFill>
+                <a:latin typeface="微软雅黑" pitchFamily="34" charset="-122"/>
+                <a:ea typeface="微软雅黑" pitchFamily="34" charset="-122"/>
+              </a:rPr>
+              <a:t>设为</a:t>
+            </a:r>
+            <a:r>
+              <a:rPr lang="en-US" altLang="zh-CN" sz="1600">
+                <a:solidFill>
+                  <a:schemeClr val="accent5">
+                    <a:lumMod val="75000"/>
+                  </a:schemeClr>
+                </a:solidFill>
+                <a:latin typeface="微软雅黑" pitchFamily="34" charset="-122"/>
+                <a:ea typeface="微软雅黑" pitchFamily="34" charset="-122"/>
+              </a:rPr>
+              <a:t>`true`</a:t>
+            </a:r>
+          </a:p>
+          <a:p>
+            <a:pPr marL="342900" indent="-342900">
+              <a:lnSpc>
+                <a:spcPct val="150000"/>
+              </a:lnSpc>
+              <a:buFont typeface="+mj-lt"/>
+              <a:buAutoNum type="arabicPeriod"/>
+            </a:pPr>
+            <a:r>
+              <a:rPr lang="zh-CN" altLang="en-US" sz="1600" smtClean="0">
+                <a:solidFill>
+                  <a:schemeClr val="accent5">
+                    <a:lumMod val="75000"/>
+                  </a:schemeClr>
+                </a:solidFill>
+                <a:latin typeface="微软雅黑" pitchFamily="34" charset="-122"/>
+                <a:ea typeface="微软雅黑" pitchFamily="34" charset="-122"/>
+              </a:rPr>
+              <a:t>安装</a:t>
+            </a:r>
+            <a:r>
+              <a:rPr lang="en-US" altLang="zh-CN" sz="1600">
+                <a:solidFill>
+                  <a:schemeClr val="accent5">
+                    <a:lumMod val="75000"/>
+                  </a:schemeClr>
+                </a:solidFill>
+                <a:latin typeface="微软雅黑" pitchFamily="34" charset="-122"/>
+                <a:ea typeface="微软雅黑" pitchFamily="34" charset="-122"/>
+              </a:rPr>
+              <a:t>`yapf`: pip3 install yapf</a:t>
+            </a:r>
+            <a:r>
+              <a:rPr lang="zh-CN" altLang="en-US" sz="1600">
+                <a:solidFill>
+                  <a:schemeClr val="accent5">
+                    <a:lumMod val="75000"/>
+                  </a:schemeClr>
+                </a:solidFill>
+                <a:latin typeface="微软雅黑" pitchFamily="34" charset="-122"/>
+                <a:ea typeface="微软雅黑" pitchFamily="34" charset="-122"/>
+              </a:rPr>
+              <a:t>；并在</a:t>
+            </a:r>
+            <a:r>
+              <a:rPr lang="en-US" altLang="zh-CN" sz="1600">
+                <a:solidFill>
+                  <a:schemeClr val="accent5">
+                    <a:lumMod val="75000"/>
+                  </a:schemeClr>
+                </a:solidFill>
+                <a:latin typeface="微软雅黑" pitchFamily="34" charset="-122"/>
+                <a:ea typeface="微软雅黑" pitchFamily="34" charset="-122"/>
+              </a:rPr>
+              <a:t>VSCode</a:t>
+            </a:r>
+            <a:r>
+              <a:rPr lang="zh-CN" altLang="en-US" sz="1600">
+                <a:solidFill>
+                  <a:schemeClr val="accent5">
+                    <a:lumMod val="75000"/>
+                  </a:schemeClr>
+                </a:solidFill>
+                <a:latin typeface="微软雅黑" pitchFamily="34" charset="-122"/>
+                <a:ea typeface="微软雅黑" pitchFamily="34" charset="-122"/>
+              </a:rPr>
+              <a:t>配置文件</a:t>
+            </a:r>
+            <a:r>
+              <a:rPr lang="en-US" altLang="zh-CN" sz="1600">
+                <a:solidFill>
+                  <a:schemeClr val="accent5">
+                    <a:lumMod val="75000"/>
+                  </a:schemeClr>
+                </a:solidFill>
+                <a:latin typeface="微软雅黑" pitchFamily="34" charset="-122"/>
+                <a:ea typeface="微软雅黑" pitchFamily="34" charset="-122"/>
+              </a:rPr>
+              <a:t>`settings.json`</a:t>
+            </a:r>
+            <a:r>
+              <a:rPr lang="zh-CN" altLang="en-US" sz="1600">
+                <a:solidFill>
+                  <a:schemeClr val="accent5">
+                    <a:lumMod val="75000"/>
+                  </a:schemeClr>
+                </a:solidFill>
+                <a:latin typeface="微软雅黑" pitchFamily="34" charset="-122"/>
+                <a:ea typeface="微软雅黑" pitchFamily="34" charset="-122"/>
+              </a:rPr>
+              <a:t>中将</a:t>
+            </a:r>
+            <a:r>
+              <a:rPr lang="en-US" altLang="zh-CN" sz="1600">
+                <a:solidFill>
+                  <a:schemeClr val="accent5">
+                    <a:lumMod val="75000"/>
+                  </a:schemeClr>
+                </a:solidFill>
+                <a:latin typeface="微软雅黑" pitchFamily="34" charset="-122"/>
+                <a:ea typeface="微软雅黑" pitchFamily="34" charset="-122"/>
+              </a:rPr>
+              <a:t>`python.formatting.provider`</a:t>
+            </a:r>
+            <a:r>
+              <a:rPr lang="zh-CN" altLang="en-US" sz="1600">
+                <a:solidFill>
+                  <a:schemeClr val="accent5">
+                    <a:lumMod val="75000"/>
+                  </a:schemeClr>
+                </a:solidFill>
+                <a:latin typeface="微软雅黑" pitchFamily="34" charset="-122"/>
+                <a:ea typeface="微软雅黑" pitchFamily="34" charset="-122"/>
+              </a:rPr>
+              <a:t>设为</a:t>
+            </a:r>
+            <a:r>
+              <a:rPr lang="en-US" altLang="zh-CN" sz="1600">
+                <a:solidFill>
+                  <a:schemeClr val="accent5">
+                    <a:lumMod val="75000"/>
+                  </a:schemeClr>
+                </a:solidFill>
+                <a:latin typeface="微软雅黑" pitchFamily="34" charset="-122"/>
+                <a:ea typeface="微软雅黑" pitchFamily="34" charset="-122"/>
+              </a:rPr>
+              <a:t>`true`</a:t>
+            </a:r>
+          </a:p>
+          <a:p>
+            <a:pPr marL="342900" indent="-342900">
+              <a:lnSpc>
+                <a:spcPct val="150000"/>
+              </a:lnSpc>
+              <a:buFont typeface="+mj-lt"/>
+              <a:buAutoNum type="arabicPeriod"/>
+            </a:pPr>
+            <a:r>
+              <a:rPr lang="zh-CN" altLang="en-US" sz="1600" smtClean="0">
+                <a:solidFill>
+                  <a:schemeClr val="accent5">
+                    <a:lumMod val="75000"/>
+                  </a:schemeClr>
+                </a:solidFill>
+                <a:latin typeface="微软雅黑" pitchFamily="34" charset="-122"/>
+                <a:ea typeface="微软雅黑" pitchFamily="34" charset="-122"/>
+              </a:rPr>
+              <a:t>使用</a:t>
+            </a:r>
+            <a:r>
+              <a:rPr lang="zh-CN" altLang="en-US" sz="1600">
+                <a:solidFill>
+                  <a:schemeClr val="accent5">
+                    <a:lumMod val="75000"/>
+                  </a:schemeClr>
+                </a:solidFill>
+                <a:latin typeface="微软雅黑" pitchFamily="34" charset="-122"/>
+                <a:ea typeface="微软雅黑" pitchFamily="34" charset="-122"/>
+              </a:rPr>
+              <a:t>快捷键</a:t>
+            </a:r>
+            <a:r>
+              <a:rPr lang="en-US" altLang="zh-CN" sz="1600">
+                <a:solidFill>
+                  <a:schemeClr val="accent5">
+                    <a:lumMod val="75000"/>
+                  </a:schemeClr>
+                </a:solidFill>
+                <a:latin typeface="微软雅黑" pitchFamily="34" charset="-122"/>
+                <a:ea typeface="微软雅黑" pitchFamily="34" charset="-122"/>
+              </a:rPr>
+              <a:t>`ctrl + shift + p`</a:t>
+            </a:r>
+            <a:r>
+              <a:rPr lang="zh-CN" altLang="en-US" sz="1600">
+                <a:solidFill>
+                  <a:schemeClr val="accent5">
+                    <a:lumMod val="75000"/>
+                  </a:schemeClr>
+                </a:solidFill>
+                <a:latin typeface="微软雅黑" pitchFamily="34" charset="-122"/>
+                <a:ea typeface="微软雅黑" pitchFamily="34" charset="-122"/>
+              </a:rPr>
+              <a:t>打开命令输入框，搜索</a:t>
+            </a:r>
+            <a:r>
+              <a:rPr lang="en-US" altLang="zh-CN" sz="1600">
+                <a:solidFill>
+                  <a:schemeClr val="accent5">
+                    <a:lumMod val="75000"/>
+                  </a:schemeClr>
+                </a:solidFill>
+                <a:latin typeface="微软雅黑" pitchFamily="34" charset="-122"/>
+                <a:ea typeface="微软雅黑" pitchFamily="34" charset="-122"/>
+              </a:rPr>
+              <a:t>`settings UI`</a:t>
+            </a:r>
+            <a:r>
+              <a:rPr lang="zh-CN" altLang="en-US" sz="1600">
+                <a:solidFill>
+                  <a:schemeClr val="accent5">
+                    <a:lumMod val="75000"/>
+                  </a:schemeClr>
+                </a:solidFill>
+                <a:latin typeface="微软雅黑" pitchFamily="34" charset="-122"/>
+                <a:ea typeface="微软雅黑" pitchFamily="34" charset="-122"/>
+              </a:rPr>
+              <a:t>打开</a:t>
+            </a:r>
+            <a:r>
+              <a:rPr lang="en-US" altLang="zh-CN" sz="1600">
+                <a:solidFill>
+                  <a:schemeClr val="accent5">
+                    <a:lumMod val="75000"/>
+                  </a:schemeClr>
+                </a:solidFill>
+                <a:latin typeface="微软雅黑" pitchFamily="34" charset="-122"/>
+                <a:ea typeface="微软雅黑" pitchFamily="34" charset="-122"/>
+              </a:rPr>
+              <a:t>VSCode</a:t>
+            </a:r>
+            <a:r>
+              <a:rPr lang="zh-CN" altLang="en-US" sz="1600">
+                <a:solidFill>
+                  <a:schemeClr val="accent5">
+                    <a:lumMod val="75000"/>
+                  </a:schemeClr>
+                </a:solidFill>
+                <a:latin typeface="微软雅黑" pitchFamily="34" charset="-122"/>
+                <a:ea typeface="微软雅黑" pitchFamily="34" charset="-122"/>
+              </a:rPr>
+              <a:t>配置面板，搜索</a:t>
+            </a:r>
+            <a:r>
+              <a:rPr lang="en-US" altLang="zh-CN" sz="1600">
+                <a:solidFill>
+                  <a:schemeClr val="accent5">
+                    <a:lumMod val="75000"/>
+                  </a:schemeClr>
+                </a:solidFill>
+                <a:latin typeface="微软雅黑" pitchFamily="34" charset="-122"/>
+                <a:ea typeface="微软雅黑" pitchFamily="34" charset="-122"/>
+              </a:rPr>
+              <a:t>`tab size`</a:t>
+            </a:r>
+            <a:r>
+              <a:rPr lang="zh-CN" altLang="en-US" sz="1600">
+                <a:solidFill>
+                  <a:schemeClr val="accent5">
+                    <a:lumMod val="75000"/>
+                  </a:schemeClr>
+                </a:solidFill>
+                <a:latin typeface="微软雅黑" pitchFamily="34" charset="-122"/>
+                <a:ea typeface="微软雅黑" pitchFamily="34" charset="-122"/>
+              </a:rPr>
+              <a:t>，将</a:t>
+            </a:r>
+            <a:r>
+              <a:rPr lang="en-US" altLang="zh-CN" sz="1600">
+                <a:solidFill>
+                  <a:schemeClr val="accent5">
+                    <a:lumMod val="75000"/>
+                  </a:schemeClr>
+                </a:solidFill>
+                <a:latin typeface="微软雅黑" pitchFamily="34" charset="-122"/>
+                <a:ea typeface="微软雅黑" pitchFamily="34" charset="-122"/>
+              </a:rPr>
+              <a:t>`text editor`</a:t>
+            </a:r>
+            <a:r>
+              <a:rPr lang="zh-CN" altLang="en-US" sz="1600">
+                <a:solidFill>
+                  <a:schemeClr val="accent5">
+                    <a:lumMod val="75000"/>
+                  </a:schemeClr>
+                </a:solidFill>
+                <a:latin typeface="微软雅黑" pitchFamily="34" charset="-122"/>
+                <a:ea typeface="微软雅黑" pitchFamily="34" charset="-122"/>
+              </a:rPr>
+              <a:t>项目下的</a:t>
+            </a:r>
+            <a:r>
+              <a:rPr lang="en-US" altLang="zh-CN" sz="1600">
+                <a:solidFill>
+                  <a:schemeClr val="accent5">
+                    <a:lumMod val="75000"/>
+                  </a:schemeClr>
+                </a:solidFill>
+                <a:latin typeface="微软雅黑" pitchFamily="34" charset="-122"/>
+                <a:ea typeface="微软雅黑" pitchFamily="34" charset="-122"/>
+              </a:rPr>
+              <a:t>`Tab Size`</a:t>
+            </a:r>
+            <a:r>
+              <a:rPr lang="zh-CN" altLang="en-US" sz="1600">
+                <a:solidFill>
+                  <a:schemeClr val="accent5">
+                    <a:lumMod val="75000"/>
+                  </a:schemeClr>
+                </a:solidFill>
+                <a:latin typeface="微软雅黑" pitchFamily="34" charset="-122"/>
+                <a:ea typeface="微软雅黑" pitchFamily="34" charset="-122"/>
+              </a:rPr>
+              <a:t>设为</a:t>
+            </a:r>
+            <a:r>
+              <a:rPr lang="en-US" altLang="zh-CN" sz="1600" smtClean="0">
+                <a:solidFill>
+                  <a:schemeClr val="accent5">
+                    <a:lumMod val="75000"/>
+                  </a:schemeClr>
+                </a:solidFill>
+                <a:latin typeface="微软雅黑" pitchFamily="34" charset="-122"/>
+                <a:ea typeface="微软雅黑" pitchFamily="34" charset="-122"/>
+              </a:rPr>
+              <a:t>4</a:t>
+            </a:r>
+          </a:p>
+        </p:txBody>
+      </p:sp>
+    </p:spTree>
+    <p:extLst>
+      <p:ext uri="{BB962C8B-B14F-4D97-AF65-F5344CB8AC3E}">
+        <p14:creationId xmlns:p14="http://schemas.microsoft.com/office/powerpoint/2010/main" val="748837952"/>
+      </p:ext>
+    </p:extLst>
+  </p:cSld>
+  <p:clrMapOvr>
+    <a:masterClrMapping/>
+  </p:clrMapOvr>
+  <p:timing>
+    <p:tnLst>
+      <p:par>
+        <p:cTn id="1" dur="indefinite" restart="never" nodeType="tmRoot">
+          <p:childTnLst>
+            <p:seq concurrent="1" nextAc="seek">
+              <p:cTn id="2" dur="indefinite" nodeType="mainSeq">
+                <p:childTnLst>
+                  <p:par>
+                    <p:cTn id="3" fill="hold">
+                      <p:stCondLst>
+                        <p:cond delay="indefinite"/>
+                      </p:stCondLst>
+                      <p:childTnLst>
+                        <p:par>
+                          <p:cTn id="4" fill="hold">
+                            <p:stCondLst>
+                              <p:cond delay="0"/>
+                            </p:stCondLst>
+                            <p:childTnLst>
+                              <p:par>
+                                <p:cTn id="5" presetID="14" presetClass="entr" presetSubtype="10" fill="hold" grpId="0" nodeType="clickEffect">
+                                  <p:stCondLst>
+                                    <p:cond delay="0"/>
+                                  </p:stCondLst>
+                                  <p:childTnLst>
+                                    <p:set>
+                                      <p:cBhvr>
+                                        <p:cTn id="6" dur="1" fill="hold">
+                                          <p:stCondLst>
+                                            <p:cond delay="0"/>
+                                          </p:stCondLst>
+                                        </p:cTn>
+                                        <p:tgtEl>
+                                          <p:spTgt spid="5"/>
+                                        </p:tgtEl>
+                                        <p:attrNameLst>
+                                          <p:attrName>style.visibility</p:attrName>
+                                        </p:attrNameLst>
+                                      </p:cBhvr>
+                                      <p:to>
+                                        <p:strVal val="visible"/>
+                                      </p:to>
+                                    </p:set>
+                                    <p:animEffect transition="in" filter="randombar(horizontal)">
+                                      <p:cBhvr>
+                                        <p:cTn id="7" dur="500"/>
+                                        <p:tgtEl>
+                                          <p:spTgt spid="5"/>
+                                        </p:tgtEl>
+                                      </p:cBhvr>
+                                    </p:animEffect>
+                                  </p:childTnLst>
+                                </p:cTn>
+                              </p:par>
+                            </p:childTnLst>
+                          </p:cTn>
+                        </p:par>
+                      </p:childTnLst>
+                    </p:cTn>
+                  </p:par>
+                  <p:par>
+                    <p:cTn id="8" fill="hold">
+                      <p:stCondLst>
+                        <p:cond delay="indefinite"/>
+                      </p:stCondLst>
+                      <p:childTnLst>
+                        <p:par>
+                          <p:cTn id="9" fill="hold">
+                            <p:stCondLst>
+                              <p:cond delay="0"/>
+                            </p:stCondLst>
+                            <p:childTnLst>
+                              <p:par>
+                                <p:cTn id="10" presetID="14" presetClass="entr" presetSubtype="10" fill="hold" nodeType="clickEffect">
+                                  <p:stCondLst>
+                                    <p:cond delay="0"/>
+                                  </p:stCondLst>
+                                  <p:childTnLst>
+                                    <p:set>
+                                      <p:cBhvr>
+                                        <p:cTn id="11" dur="1" fill="hold">
+                                          <p:stCondLst>
+                                            <p:cond delay="0"/>
+                                          </p:stCondLst>
+                                        </p:cTn>
+                                        <p:tgtEl>
+                                          <p:spTgt spid="5">
+                                            <p:txEl>
+                                              <p:pRg st="0" end="0"/>
+                                            </p:txEl>
+                                          </p:spTgt>
+                                        </p:tgtEl>
+                                        <p:attrNameLst>
+                                          <p:attrName>style.visibility</p:attrName>
+                                        </p:attrNameLst>
+                                      </p:cBhvr>
+                                      <p:to>
+                                        <p:strVal val="visible"/>
+                                      </p:to>
+                                    </p:set>
+                                    <p:animEffect transition="in" filter="randombar(horizontal)">
+                                      <p:cBhvr>
+                                        <p:cTn id="12" dur="500"/>
+                                        <p:tgtEl>
+                                          <p:spTgt spid="5">
+                                            <p:txEl>
+                                              <p:pRg st="0" end="0"/>
+                                            </p:txEl>
+                                          </p:spTgt>
+                                        </p:tgtEl>
+                                      </p:cBhvr>
+                                    </p:animEffect>
+                                  </p:childTnLst>
+                                </p:cTn>
+                              </p:par>
+                            </p:childTnLst>
+                          </p:cTn>
+                        </p:par>
+                      </p:childTnLst>
+                    </p:cTn>
+                  </p:par>
+                  <p:par>
+                    <p:cTn id="13" fill="hold">
+                      <p:stCondLst>
+                        <p:cond delay="indefinite"/>
+                      </p:stCondLst>
+                      <p:childTnLst>
+                        <p:par>
+                          <p:cTn id="14" fill="hold">
+                            <p:stCondLst>
+                              <p:cond delay="0"/>
+                            </p:stCondLst>
+                            <p:childTnLst>
+                              <p:par>
+                                <p:cTn id="15" presetID="14" presetClass="entr" presetSubtype="10" fill="hold" nodeType="clickEffect">
+                                  <p:stCondLst>
+                                    <p:cond delay="0"/>
+                                  </p:stCondLst>
+                                  <p:childTnLst>
+                                    <p:set>
+                                      <p:cBhvr>
+                                        <p:cTn id="16" dur="1" fill="hold">
+                                          <p:stCondLst>
+                                            <p:cond delay="0"/>
+                                          </p:stCondLst>
+                                        </p:cTn>
+                                        <p:tgtEl>
+                                          <p:spTgt spid="5">
+                                            <p:txEl>
+                                              <p:pRg st="1" end="1"/>
+                                            </p:txEl>
+                                          </p:spTgt>
+                                        </p:tgtEl>
+                                        <p:attrNameLst>
+                                          <p:attrName>style.visibility</p:attrName>
+                                        </p:attrNameLst>
+                                      </p:cBhvr>
+                                      <p:to>
+                                        <p:strVal val="visible"/>
+                                      </p:to>
+                                    </p:set>
+                                    <p:animEffect transition="in" filter="randombar(horizontal)">
+                                      <p:cBhvr>
+                                        <p:cTn id="17" dur="500"/>
+                                        <p:tgtEl>
+                                          <p:spTgt spid="5">
+                                            <p:txEl>
+                                              <p:pRg st="1" end="1"/>
+                                            </p:txEl>
+                                          </p:spTgt>
+                                        </p:tgtEl>
+                                      </p:cBhvr>
+                                    </p:animEffect>
+                                  </p:childTnLst>
+                                </p:cTn>
+                              </p:par>
+                            </p:childTnLst>
+                          </p:cTn>
+                        </p:par>
+                      </p:childTnLst>
+                    </p:cTn>
+                  </p:par>
+                  <p:par>
+                    <p:cTn id="18" fill="hold">
+                      <p:stCondLst>
+                        <p:cond delay="indefinite"/>
+                      </p:stCondLst>
+                      <p:childTnLst>
+                        <p:par>
+                          <p:cTn id="19" fill="hold">
+                            <p:stCondLst>
+                              <p:cond delay="0"/>
+                            </p:stCondLst>
+                            <p:childTnLst>
+                              <p:par>
+                                <p:cTn id="20" presetID="14" presetClass="entr" presetSubtype="10" fill="hold" nodeType="clickEffect">
+                                  <p:stCondLst>
+                                    <p:cond delay="0"/>
+                                  </p:stCondLst>
+                                  <p:childTnLst>
+                                    <p:set>
+                                      <p:cBhvr>
+                                        <p:cTn id="21" dur="1" fill="hold">
+                                          <p:stCondLst>
+                                            <p:cond delay="0"/>
+                                          </p:stCondLst>
+                                        </p:cTn>
+                                        <p:tgtEl>
+                                          <p:spTgt spid="5">
+                                            <p:txEl>
+                                              <p:pRg st="2" end="2"/>
+                                            </p:txEl>
+                                          </p:spTgt>
+                                        </p:tgtEl>
+                                        <p:attrNameLst>
+                                          <p:attrName>style.visibility</p:attrName>
+                                        </p:attrNameLst>
+                                      </p:cBhvr>
+                                      <p:to>
+                                        <p:strVal val="visible"/>
+                                      </p:to>
+                                    </p:set>
+                                    <p:animEffect transition="in" filter="randombar(horizontal)">
+                                      <p:cBhvr>
+                                        <p:cTn id="22" dur="500"/>
+                                        <p:tgtEl>
+                                          <p:spTgt spid="5">
+                                            <p:txEl>
+                                              <p:pRg st="2" end="2"/>
+                                            </p:txEl>
+                                          </p:spTgt>
+                                        </p:tgtEl>
+                                      </p:cBhvr>
+                                    </p:animEffect>
+                                  </p:childTnLst>
+                                </p:cTn>
+                              </p:par>
+                            </p:childTnLst>
+                          </p:cTn>
+                        </p:par>
+                      </p:childTnLst>
+                    </p:cTn>
+                  </p:par>
+                  <p:par>
+                    <p:cTn id="23" fill="hold">
+                      <p:stCondLst>
+                        <p:cond delay="indefinite"/>
+                      </p:stCondLst>
+                      <p:childTnLst>
+                        <p:par>
+                          <p:cTn id="24" fill="hold">
+                            <p:stCondLst>
+                              <p:cond delay="0"/>
+                            </p:stCondLst>
+                            <p:childTnLst>
+                              <p:par>
+                                <p:cTn id="25" presetID="14" presetClass="entr" presetSubtype="10" fill="hold" nodeType="clickEffect">
+                                  <p:stCondLst>
+                                    <p:cond delay="0"/>
+                                  </p:stCondLst>
+                                  <p:childTnLst>
+                                    <p:set>
+                                      <p:cBhvr>
+                                        <p:cTn id="26" dur="1" fill="hold">
+                                          <p:stCondLst>
+                                            <p:cond delay="0"/>
+                                          </p:stCondLst>
+                                        </p:cTn>
+                                        <p:tgtEl>
+                                          <p:spTgt spid="5">
+                                            <p:txEl>
+                                              <p:pRg st="3" end="3"/>
+                                            </p:txEl>
+                                          </p:spTgt>
+                                        </p:tgtEl>
+                                        <p:attrNameLst>
+                                          <p:attrName>style.visibility</p:attrName>
+                                        </p:attrNameLst>
+                                      </p:cBhvr>
+                                      <p:to>
+                                        <p:strVal val="visible"/>
+                                      </p:to>
+                                    </p:set>
+                                    <p:animEffect transition="in" filter="randombar(horizontal)">
+                                      <p:cBhvr>
+                                        <p:cTn id="27" dur="500"/>
+                                        <p:tgtEl>
+                                          <p:spTgt spid="5">
+                                            <p:txEl>
+                                              <p:pRg st="3" end="3"/>
+                                            </p:txEl>
+                                          </p:spTgt>
+                                        </p:tgtEl>
+                                      </p:cBhvr>
+                                    </p:animEffect>
+                                  </p:childTnLst>
+                                </p:cTn>
+                              </p:par>
+                            </p:childTnLst>
+                          </p:cTn>
+                        </p:par>
+                      </p:childTnLst>
+                    </p:cTn>
+                  </p:par>
+                  <p:par>
+                    <p:cTn id="28" fill="hold">
+                      <p:stCondLst>
+                        <p:cond delay="indefinite"/>
+                      </p:stCondLst>
+                      <p:childTnLst>
+                        <p:par>
+                          <p:cTn id="29" fill="hold">
+                            <p:stCondLst>
+                              <p:cond delay="0"/>
+                            </p:stCondLst>
+                            <p:childTnLst>
+                              <p:par>
+                                <p:cTn id="30" presetID="14" presetClass="entr" presetSubtype="10" fill="hold" nodeType="clickEffect">
+                                  <p:stCondLst>
+                                    <p:cond delay="0"/>
+                                  </p:stCondLst>
+                                  <p:childTnLst>
+                                    <p:set>
+                                      <p:cBhvr>
+                                        <p:cTn id="31" dur="1" fill="hold">
+                                          <p:stCondLst>
+                                            <p:cond delay="0"/>
+                                          </p:stCondLst>
+                                        </p:cTn>
+                                        <p:tgtEl>
+                                          <p:spTgt spid="5">
+                                            <p:txEl>
+                                              <p:pRg st="4" end="4"/>
+                                            </p:txEl>
+                                          </p:spTgt>
+                                        </p:tgtEl>
+                                        <p:attrNameLst>
+                                          <p:attrName>style.visibility</p:attrName>
+                                        </p:attrNameLst>
+                                      </p:cBhvr>
+                                      <p:to>
+                                        <p:strVal val="visible"/>
+                                      </p:to>
+                                    </p:set>
+                                    <p:animEffect transition="in" filter="randombar(horizontal)">
+                                      <p:cBhvr>
+                                        <p:cTn id="32" dur="500"/>
+                                        <p:tgtEl>
+                                          <p:spTgt spid="5">
+                                            <p:txEl>
+                                              <p:pRg st="4" end="4"/>
+                                            </p:txEl>
+                                          </p:spTgt>
+                                        </p:tgtEl>
+                                      </p:cBhvr>
+                                    </p:animEffect>
+                                  </p:childTnLst>
+                                </p:cTn>
+                              </p:par>
+                            </p:childTnLst>
+                          </p:cTn>
+                        </p:par>
+                      </p:childTnLst>
+                    </p:cTn>
+                  </p:par>
+                </p:childTnLst>
+              </p:cTn>
+              <p:prevCondLst>
+                <p:cond evt="onPrev" delay="0">
+                  <p:tgtEl>
+                    <p:sldTgt/>
+                  </p:tgtEl>
+                </p:cond>
+              </p:prevCondLst>
+              <p:nextCondLst>
+                <p:cond evt="onNext" delay="0">
+                  <p:tgtEl>
+                    <p:sldTgt/>
+                  </p:tgtEl>
+                </p:cond>
+              </p:nextCondLst>
+            </p:seq>
+          </p:childTnLst>
+        </p:cTn>
+      </p:par>
+    </p:tnLst>
+    <p:bldLst>
+      <p:bldP spid="5" grpId="0"/>
+    </p:bldLst>
+  </p:timing>
+</p:sld>
+</file>
+
+<file path=ppt/slides/slide9.xml><?xml version="1.0" encoding="utf-8"?>
 <p:sld xmlns:a="http://schemas.openxmlformats.org/drawingml/2006/main" xmlns:r="http://schemas.openxmlformats.org/officeDocument/2006/relationships" xmlns:p="http://schemas.openxmlformats.org/presentationml/2006/main">
   <p:cSld>
     <p:spTree>
@@ -7409,1151 +8562,6 @@
         </p:cTn>
       </p:par>
     </p:tnLst>
-  </p:timing>
-</p:sld>
-</file>
-
-<file path=ppt/slides/slide9.xml><?xml version="1.0" encoding="utf-8"?>
-<p:sld xmlns:a="http://schemas.openxmlformats.org/drawingml/2006/main" xmlns:r="http://schemas.openxmlformats.org/officeDocument/2006/relationships" xmlns:p="http://schemas.openxmlformats.org/presentationml/2006/main">
-  <p:cSld>
-    <p:spTree>
-      <p:nvGrpSpPr>
-        <p:cNvPr id="1" name=""/>
-        <p:cNvGrpSpPr/>
-        <p:nvPr/>
-      </p:nvGrpSpPr>
-      <p:grpSpPr>
-        <a:xfrm>
-          <a:off x="0" y="0"/>
-          <a:ext cx="0" cy="0"/>
-          <a:chOff x="0" y="0"/>
-          <a:chExt cx="0" cy="0"/>
-        </a:xfrm>
-      </p:grpSpPr>
-      <p:sp>
-        <p:nvSpPr>
-          <p:cNvPr id="5" name="TextBox 4"/>
-          <p:cNvSpPr txBox="1"/>
-          <p:nvPr/>
-        </p:nvSpPr>
-        <p:spPr>
-          <a:xfrm>
-            <a:off x="467544" y="908720"/>
-            <a:ext cx="8208912" cy="1615827"/>
-          </a:xfrm>
-          <a:prstGeom prst="rect">
-            <a:avLst/>
-          </a:prstGeom>
-          <a:noFill/>
-        </p:spPr>
-        <p:txBody>
-          <a:bodyPr wrap="square" rtlCol="0">
-            <a:spAutoFit/>
-          </a:bodyPr>
-          <a:lstStyle/>
-          <a:p>
-            <a:pPr>
-              <a:lnSpc>
-                <a:spcPct val="200000"/>
-              </a:lnSpc>
-            </a:pPr>
-            <a:r>
-              <a:rPr lang="zh-CN" altLang="en-US" b="1" smtClean="0">
-                <a:solidFill>
-                  <a:schemeClr val="accent5">
-                    <a:lumMod val="50000"/>
-                  </a:schemeClr>
-                </a:solidFill>
-                <a:latin typeface="微软雅黑" pitchFamily="34" charset="-122"/>
-                <a:ea typeface="微软雅黑" pitchFamily="34" charset="-122"/>
-              </a:rPr>
-              <a:t>使用</a:t>
-            </a:r>
-            <a:r>
-              <a:rPr lang="en-US" altLang="zh-CN" b="1">
-                <a:solidFill>
-                  <a:schemeClr val="accent5">
-                    <a:lumMod val="50000"/>
-                  </a:schemeClr>
-                </a:solidFill>
-                <a:latin typeface="微软雅黑" pitchFamily="34" charset="-122"/>
-                <a:ea typeface="微软雅黑" pitchFamily="34" charset="-122"/>
-              </a:rPr>
-              <a:t>VSCode</a:t>
-            </a:r>
-            <a:r>
-              <a:rPr lang="zh-CN" altLang="en-US" b="1">
-                <a:solidFill>
-                  <a:schemeClr val="accent5">
-                    <a:lumMod val="50000"/>
-                  </a:schemeClr>
-                </a:solidFill>
-                <a:latin typeface="微软雅黑" pitchFamily="34" charset="-122"/>
-                <a:ea typeface="微软雅黑" pitchFamily="34" charset="-122"/>
-              </a:rPr>
-              <a:t>编写</a:t>
-            </a:r>
-            <a:r>
-              <a:rPr lang="en-US" altLang="zh-CN" b="1">
-                <a:solidFill>
-                  <a:schemeClr val="accent5">
-                    <a:lumMod val="50000"/>
-                  </a:schemeClr>
-                </a:solidFill>
-                <a:latin typeface="微软雅黑" pitchFamily="34" charset="-122"/>
-                <a:ea typeface="微软雅黑" pitchFamily="34" charset="-122"/>
-              </a:rPr>
-              <a:t>Python</a:t>
-            </a:r>
-            <a:r>
-              <a:rPr lang="zh-CN" altLang="en-US" b="1">
-                <a:solidFill>
-                  <a:schemeClr val="accent5">
-                    <a:lumMod val="50000"/>
-                  </a:schemeClr>
-                </a:solidFill>
-                <a:latin typeface="微软雅黑" pitchFamily="34" charset="-122"/>
-                <a:ea typeface="微软雅黑" pitchFamily="34" charset="-122"/>
-              </a:rPr>
-              <a:t>程序</a:t>
-            </a:r>
-          </a:p>
-          <a:p>
-            <a:pPr indent="342900">
-              <a:lnSpc>
-                <a:spcPct val="150000"/>
-              </a:lnSpc>
-            </a:pPr>
-            <a:r>
-              <a:rPr lang="zh-CN" altLang="en-US" sz="1400" b="1" smtClean="0">
-                <a:solidFill>
-                  <a:schemeClr val="accent5">
-                    <a:lumMod val="75000"/>
-                  </a:schemeClr>
-                </a:solidFill>
-                <a:latin typeface="微软雅黑" pitchFamily="34" charset="-122"/>
-                <a:ea typeface="微软雅黑" pitchFamily="34" charset="-122"/>
-              </a:rPr>
-              <a:t>例</a:t>
-            </a:r>
-            <a:r>
-              <a:rPr lang="en-US" altLang="zh-CN" sz="1400" smtClean="0">
-                <a:solidFill>
-                  <a:schemeClr val="accent5">
-                    <a:lumMod val="75000"/>
-                  </a:schemeClr>
-                </a:solidFill>
-                <a:latin typeface="微软雅黑" pitchFamily="34" charset="-122"/>
-                <a:ea typeface="微软雅黑" pitchFamily="34" charset="-122"/>
-              </a:rPr>
-              <a:t> </a:t>
-            </a:r>
-            <a:r>
-              <a:rPr lang="zh-CN" altLang="en-US" sz="1400">
-                <a:solidFill>
-                  <a:schemeClr val="accent5">
-                    <a:lumMod val="75000"/>
-                  </a:schemeClr>
-                </a:solidFill>
-                <a:latin typeface="微软雅黑" pitchFamily="34" charset="-122"/>
-                <a:ea typeface="微软雅黑" pitchFamily="34" charset="-122"/>
-              </a:rPr>
-              <a:t>有两个向量</a:t>
-            </a:r>
-            <a:r>
-              <a:rPr lang="en-US" altLang="zh-CN" sz="1400">
-                <a:solidFill>
-                  <a:schemeClr val="accent5">
-                    <a:lumMod val="75000"/>
-                  </a:schemeClr>
-                </a:solidFill>
-                <a:latin typeface="微软雅黑" pitchFamily="34" charset="-122"/>
-                <a:ea typeface="微软雅黑" pitchFamily="34" charset="-122"/>
-              </a:rPr>
-              <a:t>a</a:t>
-            </a:r>
-            <a:r>
-              <a:rPr lang="zh-CN" altLang="en-US" sz="1400">
-                <a:solidFill>
-                  <a:schemeClr val="accent5">
-                    <a:lumMod val="75000"/>
-                  </a:schemeClr>
-                </a:solidFill>
-                <a:latin typeface="微软雅黑" pitchFamily="34" charset="-122"/>
-                <a:ea typeface="微软雅黑" pitchFamily="34" charset="-122"/>
-              </a:rPr>
-              <a:t>和</a:t>
-            </a:r>
-            <a:r>
-              <a:rPr lang="en-US" altLang="zh-CN" sz="1400">
-                <a:solidFill>
-                  <a:schemeClr val="accent5">
-                    <a:lumMod val="75000"/>
-                  </a:schemeClr>
-                </a:solidFill>
-                <a:latin typeface="微软雅黑" pitchFamily="34" charset="-122"/>
-                <a:ea typeface="微软雅黑" pitchFamily="34" charset="-122"/>
-              </a:rPr>
-              <a:t>b</a:t>
-            </a:r>
-            <a:r>
-              <a:rPr lang="zh-CN" altLang="en-US" sz="1400">
-                <a:solidFill>
-                  <a:schemeClr val="accent5">
-                    <a:lumMod val="75000"/>
-                  </a:schemeClr>
-                </a:solidFill>
-                <a:latin typeface="微软雅黑" pitchFamily="34" charset="-122"/>
-                <a:ea typeface="微软雅黑" pitchFamily="34" charset="-122"/>
-              </a:rPr>
-              <a:t>，其中</a:t>
-            </a:r>
-            <a:r>
-              <a:rPr lang="en-US" altLang="zh-CN" sz="1400">
-                <a:solidFill>
-                  <a:schemeClr val="accent5">
-                    <a:lumMod val="75000"/>
-                  </a:schemeClr>
-                </a:solidFill>
-                <a:latin typeface="微软雅黑" pitchFamily="34" charset="-122"/>
-                <a:ea typeface="微软雅黑" pitchFamily="34" charset="-122"/>
-              </a:rPr>
-              <a:t>a</a:t>
-            </a:r>
-            <a:r>
-              <a:rPr lang="zh-CN" altLang="en-US" sz="1400">
-                <a:solidFill>
-                  <a:schemeClr val="accent5">
-                    <a:lumMod val="75000"/>
-                  </a:schemeClr>
-                </a:solidFill>
-                <a:latin typeface="微软雅黑" pitchFamily="34" charset="-122"/>
-                <a:ea typeface="微软雅黑" pitchFamily="34" charset="-122"/>
-              </a:rPr>
-              <a:t>保存的是</a:t>
-            </a:r>
-            <a:r>
-              <a:rPr lang="en-US" altLang="zh-CN" sz="1400">
-                <a:solidFill>
-                  <a:schemeClr val="accent5">
-                    <a:lumMod val="75000"/>
-                  </a:schemeClr>
-                </a:solidFill>
-                <a:latin typeface="微软雅黑" pitchFamily="34" charset="-122"/>
-                <a:ea typeface="微软雅黑" pitchFamily="34" charset="-122"/>
-              </a:rPr>
-              <a:t>(0 ~ n-1)</a:t>
-            </a:r>
-            <a:r>
-              <a:rPr lang="zh-CN" altLang="en-US" sz="1400">
-                <a:solidFill>
-                  <a:schemeClr val="accent5">
-                    <a:lumMod val="75000"/>
-                  </a:schemeClr>
-                </a:solidFill>
-                <a:latin typeface="微软雅黑" pitchFamily="34" charset="-122"/>
-                <a:ea typeface="微软雅黑" pitchFamily="34" charset="-122"/>
-              </a:rPr>
-              <a:t>的</a:t>
-            </a:r>
-            <a:r>
-              <a:rPr lang="en-US" altLang="zh-CN" sz="1400">
-                <a:solidFill>
-                  <a:schemeClr val="accent5">
-                    <a:lumMod val="75000"/>
-                  </a:schemeClr>
-                </a:solidFill>
-                <a:latin typeface="微软雅黑" pitchFamily="34" charset="-122"/>
-                <a:ea typeface="微软雅黑" pitchFamily="34" charset="-122"/>
-              </a:rPr>
-              <a:t>2</a:t>
-            </a:r>
-            <a:r>
-              <a:rPr lang="zh-CN" altLang="en-US" sz="1400">
-                <a:solidFill>
-                  <a:schemeClr val="accent5">
-                    <a:lumMod val="75000"/>
-                  </a:schemeClr>
-                </a:solidFill>
-                <a:latin typeface="微软雅黑" pitchFamily="34" charset="-122"/>
-                <a:ea typeface="微软雅黑" pitchFamily="34" charset="-122"/>
-              </a:rPr>
-              <a:t>次幂，</a:t>
-            </a:r>
-            <a:r>
-              <a:rPr lang="en-US" altLang="zh-CN" sz="1400">
-                <a:solidFill>
-                  <a:schemeClr val="accent5">
-                    <a:lumMod val="75000"/>
-                  </a:schemeClr>
-                </a:solidFill>
-                <a:latin typeface="微软雅黑" pitchFamily="34" charset="-122"/>
-                <a:ea typeface="微软雅黑" pitchFamily="34" charset="-122"/>
-              </a:rPr>
-              <a:t>b</a:t>
-            </a:r>
-            <a:r>
-              <a:rPr lang="zh-CN" altLang="en-US" sz="1400">
-                <a:solidFill>
-                  <a:schemeClr val="accent5">
-                    <a:lumMod val="75000"/>
-                  </a:schemeClr>
-                </a:solidFill>
-                <a:latin typeface="微软雅黑" pitchFamily="34" charset="-122"/>
-                <a:ea typeface="微软雅黑" pitchFamily="34" charset="-122"/>
-              </a:rPr>
-              <a:t>保存</a:t>
-            </a:r>
-            <a:r>
-              <a:rPr lang="zh-CN" altLang="en-US" sz="1400">
-                <a:solidFill>
-                  <a:schemeClr val="accent5">
-                    <a:lumMod val="75000"/>
-                  </a:schemeClr>
-                </a:solidFill>
-                <a:latin typeface="微软雅黑" pitchFamily="34" charset="-122"/>
-                <a:ea typeface="微软雅黑" pitchFamily="34" charset="-122"/>
-              </a:rPr>
-              <a:t>的</a:t>
-            </a:r>
-            <a:r>
-              <a:rPr lang="zh-CN" altLang="en-US" sz="1400" smtClean="0">
-                <a:solidFill>
-                  <a:schemeClr val="accent5">
-                    <a:lumMod val="75000"/>
-                  </a:schemeClr>
-                </a:solidFill>
-                <a:latin typeface="微软雅黑" pitchFamily="34" charset="-122"/>
-                <a:ea typeface="微软雅黑" pitchFamily="34" charset="-122"/>
-              </a:rPr>
-              <a:t>是</a:t>
-            </a:r>
-            <a:r>
-              <a:rPr lang="en-US" altLang="zh-CN" sz="1400" smtClean="0">
-                <a:solidFill>
-                  <a:schemeClr val="accent5">
-                    <a:lumMod val="75000"/>
-                  </a:schemeClr>
-                </a:solidFill>
-                <a:latin typeface="微软雅黑" pitchFamily="34" charset="-122"/>
-                <a:ea typeface="微软雅黑" pitchFamily="34" charset="-122"/>
-              </a:rPr>
-              <a:t>(0 </a:t>
-            </a:r>
-            <a:r>
-              <a:rPr lang="en-US" altLang="zh-CN" sz="1400">
-                <a:solidFill>
-                  <a:schemeClr val="accent5">
-                    <a:lumMod val="75000"/>
-                  </a:schemeClr>
-                </a:solidFill>
-                <a:latin typeface="微软雅黑" pitchFamily="34" charset="-122"/>
-                <a:ea typeface="微软雅黑" pitchFamily="34" charset="-122"/>
-              </a:rPr>
-              <a:t>~ </a:t>
-            </a:r>
-            <a:r>
-              <a:rPr lang="en-US" altLang="zh-CN" sz="1400" smtClean="0">
-                <a:solidFill>
-                  <a:schemeClr val="accent5">
-                    <a:lumMod val="75000"/>
-                  </a:schemeClr>
-                </a:solidFill>
-                <a:latin typeface="微软雅黑" pitchFamily="34" charset="-122"/>
-                <a:ea typeface="微软雅黑" pitchFamily="34" charset="-122"/>
-              </a:rPr>
-              <a:t>n)</a:t>
-            </a:r>
-            <a:r>
-              <a:rPr lang="zh-CN" altLang="en-US" sz="1400" smtClean="0">
-                <a:solidFill>
-                  <a:schemeClr val="accent5">
-                    <a:lumMod val="75000"/>
-                  </a:schemeClr>
-                </a:solidFill>
-                <a:latin typeface="微软雅黑" pitchFamily="34" charset="-122"/>
-                <a:ea typeface="微软雅黑" pitchFamily="34" charset="-122"/>
-              </a:rPr>
-              <a:t>的</a:t>
-            </a:r>
-            <a:r>
-              <a:rPr lang="en-US" altLang="zh-CN" sz="1400">
-                <a:solidFill>
-                  <a:schemeClr val="accent5">
-                    <a:lumMod val="75000"/>
-                  </a:schemeClr>
-                </a:solidFill>
-                <a:latin typeface="微软雅黑" pitchFamily="34" charset="-122"/>
-                <a:ea typeface="微软雅黑" pitchFamily="34" charset="-122"/>
-              </a:rPr>
-              <a:t>3</a:t>
-            </a:r>
-            <a:r>
-              <a:rPr lang="zh-CN" altLang="en-US" sz="1400">
-                <a:solidFill>
-                  <a:schemeClr val="accent5">
-                    <a:lumMod val="75000"/>
-                  </a:schemeClr>
-                </a:solidFill>
-                <a:latin typeface="微软雅黑" pitchFamily="34" charset="-122"/>
-                <a:ea typeface="微软雅黑" pitchFamily="34" charset="-122"/>
-              </a:rPr>
-              <a:t>次幂；求</a:t>
-            </a:r>
-            <a:r>
-              <a:rPr lang="en-US" altLang="zh-CN" sz="1400">
-                <a:solidFill>
-                  <a:schemeClr val="accent5">
-                    <a:lumMod val="75000"/>
-                  </a:schemeClr>
-                </a:solidFill>
-                <a:latin typeface="微软雅黑" pitchFamily="34" charset="-122"/>
-                <a:ea typeface="微软雅黑" pitchFamily="34" charset="-122"/>
-              </a:rPr>
-              <a:t>a</a:t>
-            </a:r>
-            <a:r>
-              <a:rPr lang="zh-CN" altLang="en-US" sz="1400">
-                <a:solidFill>
-                  <a:schemeClr val="accent5">
-                    <a:lumMod val="75000"/>
-                  </a:schemeClr>
-                </a:solidFill>
-                <a:latin typeface="微软雅黑" pitchFamily="34" charset="-122"/>
-                <a:ea typeface="微软雅黑" pitchFamily="34" charset="-122"/>
-              </a:rPr>
-              <a:t>与</a:t>
-            </a:r>
-            <a:r>
-              <a:rPr lang="en-US" altLang="zh-CN" sz="1400">
-                <a:solidFill>
-                  <a:schemeClr val="accent5">
-                    <a:lumMod val="75000"/>
-                  </a:schemeClr>
-                </a:solidFill>
-                <a:latin typeface="微软雅黑" pitchFamily="34" charset="-122"/>
-                <a:ea typeface="微软雅黑" pitchFamily="34" charset="-122"/>
-              </a:rPr>
-              <a:t>b</a:t>
-            </a:r>
-            <a:r>
-              <a:rPr lang="zh-CN" altLang="en-US" sz="1400">
-                <a:solidFill>
-                  <a:schemeClr val="accent5">
-                    <a:lumMod val="75000"/>
-                  </a:schemeClr>
-                </a:solidFill>
-                <a:latin typeface="微软雅黑" pitchFamily="34" charset="-122"/>
-                <a:ea typeface="微软雅黑" pitchFamily="34" charset="-122"/>
-              </a:rPr>
-              <a:t>的</a:t>
-            </a:r>
-            <a:r>
-              <a:rPr lang="zh-CN" altLang="en-US" sz="1400">
-                <a:solidFill>
-                  <a:schemeClr val="accent5">
-                    <a:lumMod val="75000"/>
-                  </a:schemeClr>
-                </a:solidFill>
-                <a:latin typeface="微软雅黑" pitchFamily="34" charset="-122"/>
-                <a:ea typeface="微软雅黑" pitchFamily="34" charset="-122"/>
-              </a:rPr>
-              <a:t>向量积</a:t>
-            </a:r>
-            <a:r>
-              <a:rPr lang="zh-CN" altLang="en-US" sz="1400" smtClean="0">
-                <a:solidFill>
-                  <a:schemeClr val="accent5">
-                    <a:lumMod val="75000"/>
-                  </a:schemeClr>
-                </a:solidFill>
-                <a:latin typeface="微软雅黑" pitchFamily="34" charset="-122"/>
-                <a:ea typeface="微软雅黑" pitchFamily="34" charset="-122"/>
-              </a:rPr>
-              <a:t>。</a:t>
-            </a:r>
-            <a:endParaRPr lang="en-US" altLang="zh-CN" sz="1400" smtClean="0">
-              <a:solidFill>
-                <a:schemeClr val="accent5">
-                  <a:lumMod val="75000"/>
-                </a:schemeClr>
-              </a:solidFill>
-              <a:latin typeface="微软雅黑" pitchFamily="34" charset="-122"/>
-              <a:ea typeface="微软雅黑" pitchFamily="34" charset="-122"/>
-            </a:endParaRPr>
-          </a:p>
-          <a:p>
-            <a:pPr indent="342900">
-              <a:lnSpc>
-                <a:spcPct val="150000"/>
-              </a:lnSpc>
-            </a:pPr>
-            <a:r>
-              <a:rPr lang="zh-CN" altLang="en-US" sz="1400" smtClean="0">
-                <a:solidFill>
-                  <a:schemeClr val="accent5">
-                    <a:lumMod val="75000"/>
-                  </a:schemeClr>
-                </a:solidFill>
-                <a:latin typeface="微软雅黑" pitchFamily="34" charset="-122"/>
-                <a:ea typeface="微软雅黑" pitchFamily="34" charset="-122"/>
-              </a:rPr>
-              <a:t>这里我们使用两种方式实现：</a:t>
-            </a:r>
-            <a:endParaRPr lang="zh-CN" altLang="en-US" sz="1400">
-              <a:solidFill>
-                <a:schemeClr val="accent5">
-                  <a:lumMod val="75000"/>
-                </a:schemeClr>
-              </a:solidFill>
-              <a:latin typeface="微软雅黑" pitchFamily="34" charset="-122"/>
-              <a:ea typeface="微软雅黑" pitchFamily="34" charset="-122"/>
-            </a:endParaRPr>
-          </a:p>
-        </p:txBody>
-      </p:sp>
-      <p:pic>
-        <p:nvPicPr>
-          <p:cNvPr id="3076" name="Picture 4"/>
-          <p:cNvPicPr>
-            <a:picLocks noChangeAspect="1" noChangeArrowheads="1"/>
-          </p:cNvPicPr>
-          <p:nvPr/>
-        </p:nvPicPr>
-        <p:blipFill>
-          <a:blip r:embed="rId3">
-            <a:extLst>
-              <a:ext uri="{28A0092B-C50C-407E-A947-70E740481C1C}">
-                <a14:useLocalDpi xmlns:a14="http://schemas.microsoft.com/office/drawing/2010/main" val="0"/>
-              </a:ext>
-            </a:extLst>
-          </a:blip>
-          <a:srcRect/>
-          <a:stretch>
-            <a:fillRect/>
-          </a:stretch>
-        </p:blipFill>
-        <p:spPr bwMode="auto">
-          <a:xfrm>
-            <a:off x="3563888" y="2287520"/>
-            <a:ext cx="3006651" cy="4021800"/>
-          </a:xfrm>
-          <a:prstGeom prst="rect">
-            <a:avLst/>
-          </a:prstGeom>
-          <a:noFill/>
-          <a:ln>
-            <a:noFill/>
-          </a:ln>
-          <a:effectLst/>
-          <a:extLst>
-            <a:ext uri="{909E8E84-426E-40DD-AFC4-6F175D3DCCD1}">
-              <a14:hiddenFill xmlns:a14="http://schemas.microsoft.com/office/drawing/2010/main">
-                <a:solidFill>
-                  <a:schemeClr val="accent1"/>
-                </a:solidFill>
-              </a14:hiddenFill>
-            </a:ext>
-            <a:ext uri="{91240B29-F687-4F45-9708-019B960494DF}">
-              <a14:hiddenLine xmlns:a14="http://schemas.microsoft.com/office/drawing/2010/main" w="9525">
-                <a:solidFill>
-                  <a:schemeClr val="tx1"/>
-                </a:solidFill>
-                <a:miter lim="800000"/>
-                <a:headEnd/>
-                <a:tailEnd/>
-              </a14:hiddenLine>
-            </a:ext>
-            <a:ext uri="{AF507438-7753-43E0-B8FC-AC1667EBCBE1}">
-              <a14:hiddenEffects xmlns:a14="http://schemas.microsoft.com/office/drawing/2010/main">
-                <a:effectLst>
-                  <a:outerShdw dist="35921" dir="2700000" algn="ctr" rotWithShape="0">
-                    <a:schemeClr val="bg2"/>
-                  </a:outerShdw>
-                </a:effectLst>
-              </a14:hiddenEffects>
-            </a:ext>
-          </a:extLst>
-        </p:spPr>
-      </p:pic>
-      <p:sp>
-        <p:nvSpPr>
-          <p:cNvPr id="2" name="TextBox 1"/>
-          <p:cNvSpPr txBox="1"/>
-          <p:nvPr/>
-        </p:nvSpPr>
-        <p:spPr>
-          <a:xfrm>
-            <a:off x="467544" y="2524547"/>
-            <a:ext cx="2808312" cy="1708160"/>
-          </a:xfrm>
-          <a:prstGeom prst="rect">
-            <a:avLst/>
-          </a:prstGeom>
-          <a:noFill/>
-        </p:spPr>
-        <p:txBody>
-          <a:bodyPr wrap="square" rtlCol="0">
-            <a:spAutoFit/>
-          </a:bodyPr>
-          <a:lstStyle/>
-          <a:p>
-            <a:pPr indent="342900">
-              <a:lnSpc>
-                <a:spcPct val="150000"/>
-              </a:lnSpc>
-            </a:pPr>
-            <a:r>
-              <a:rPr lang="zh-CN" altLang="en-US" sz="1400">
-                <a:solidFill>
-                  <a:schemeClr val="accent5">
-                    <a:lumMod val="75000"/>
-                  </a:schemeClr>
-                </a:solidFill>
-                <a:latin typeface="微软雅黑" pitchFamily="34" charset="-122"/>
-                <a:ea typeface="微软雅黑" pitchFamily="34" charset="-122"/>
-              </a:rPr>
-              <a:t>从</a:t>
-            </a:r>
-            <a:r>
-              <a:rPr lang="zh-CN" altLang="en-US" sz="1400">
-                <a:solidFill>
-                  <a:schemeClr val="accent5">
-                    <a:lumMod val="75000"/>
-                  </a:schemeClr>
-                </a:solidFill>
-                <a:latin typeface="微软雅黑" pitchFamily="34" charset="-122"/>
-                <a:ea typeface="微软雅黑" pitchFamily="34" charset="-122"/>
-              </a:rPr>
-              <a:t>执行</a:t>
-            </a:r>
-            <a:r>
-              <a:rPr lang="zh-CN" altLang="en-US" sz="1400" smtClean="0">
-                <a:solidFill>
-                  <a:schemeClr val="accent5">
-                    <a:lumMod val="75000"/>
-                  </a:schemeClr>
-                </a:solidFill>
-                <a:latin typeface="微软雅黑" pitchFamily="34" charset="-122"/>
-                <a:ea typeface="微软雅黑" pitchFamily="34" charset="-122"/>
-              </a:rPr>
-              <a:t>结果可以看出，当</a:t>
-            </a:r>
-            <a:r>
-              <a:rPr lang="en-US" altLang="zh-CN" sz="1400" smtClean="0">
-                <a:solidFill>
-                  <a:schemeClr val="accent5">
-                    <a:lumMod val="75000"/>
-                  </a:schemeClr>
-                </a:solidFill>
-                <a:latin typeface="微软雅黑" pitchFamily="34" charset="-122"/>
-                <a:ea typeface="微软雅黑" pitchFamily="34" charset="-122"/>
-              </a:rPr>
-              <a:t>n</a:t>
-            </a:r>
-            <a:r>
-              <a:rPr lang="zh-CN" altLang="en-US" sz="1400" smtClean="0">
-                <a:solidFill>
-                  <a:schemeClr val="accent5">
-                    <a:lumMod val="75000"/>
-                  </a:schemeClr>
-                </a:solidFill>
-                <a:latin typeface="微软雅黑" pitchFamily="34" charset="-122"/>
-                <a:ea typeface="微软雅黑" pitchFamily="34" charset="-122"/>
-              </a:rPr>
-              <a:t>较大时，使用</a:t>
-            </a:r>
-            <a:r>
-              <a:rPr lang="en-US" altLang="zh-CN" sz="1400" smtClean="0">
-                <a:solidFill>
-                  <a:schemeClr val="accent5">
-                    <a:lumMod val="75000"/>
-                  </a:schemeClr>
-                </a:solidFill>
-                <a:latin typeface="微软雅黑" pitchFamily="34" charset="-122"/>
-                <a:ea typeface="微软雅黑" pitchFamily="34" charset="-122"/>
-              </a:rPr>
-              <a:t>NumPy</a:t>
-            </a:r>
-            <a:r>
-              <a:rPr lang="zh-CN" altLang="en-US" sz="1400" smtClean="0">
-                <a:solidFill>
-                  <a:schemeClr val="accent5">
-                    <a:lumMod val="75000"/>
-                  </a:schemeClr>
-                </a:solidFill>
-                <a:latin typeface="微软雅黑" pitchFamily="34" charset="-122"/>
-                <a:ea typeface="微软雅黑" pitchFamily="34" charset="-122"/>
-              </a:rPr>
-              <a:t>库时程序运行的性能远超过直接手写。这也说明，</a:t>
-            </a:r>
-            <a:r>
-              <a:rPr lang="en-US" altLang="zh-CN" sz="1400" smtClean="0">
-                <a:solidFill>
-                  <a:schemeClr val="accent5">
-                    <a:lumMod val="75000"/>
-                  </a:schemeClr>
-                </a:solidFill>
-                <a:latin typeface="微软雅黑" pitchFamily="34" charset="-122"/>
-                <a:ea typeface="微软雅黑" pitchFamily="34" charset="-122"/>
-              </a:rPr>
-              <a:t>NumPy</a:t>
-            </a:r>
-            <a:r>
-              <a:rPr lang="zh-CN" altLang="en-US" sz="1400" smtClean="0">
-                <a:solidFill>
-                  <a:schemeClr val="accent5">
-                    <a:lumMod val="75000"/>
-                  </a:schemeClr>
-                </a:solidFill>
-                <a:latin typeface="微软雅黑" pitchFamily="34" charset="-122"/>
-                <a:ea typeface="微软雅黑" pitchFamily="34" charset="-122"/>
-              </a:rPr>
-              <a:t>库底层做了很多的性能优化工作。</a:t>
-            </a:r>
-            <a:endParaRPr lang="zh-CN" altLang="en-US" sz="1400">
-              <a:solidFill>
-                <a:schemeClr val="accent5">
-                  <a:lumMod val="75000"/>
-                </a:schemeClr>
-              </a:solidFill>
-              <a:latin typeface="微软雅黑" pitchFamily="34" charset="-122"/>
-              <a:ea typeface="微软雅黑" pitchFamily="34" charset="-122"/>
-            </a:endParaRPr>
-          </a:p>
-        </p:txBody>
-      </p:sp>
-    </p:spTree>
-    <p:extLst>
-      <p:ext uri="{BB962C8B-B14F-4D97-AF65-F5344CB8AC3E}">
-        <p14:creationId xmlns:p14="http://schemas.microsoft.com/office/powerpoint/2010/main" val="1789413052"/>
-      </p:ext>
-    </p:extLst>
-  </p:cSld>
-  <p:clrMapOvr>
-    <a:masterClrMapping/>
-  </p:clrMapOvr>
-  <p:timing>
-    <p:tnLst>
-      <p:par>
-        <p:cTn id="1" dur="indefinite" restart="never" nodeType="tmRoot">
-          <p:childTnLst>
-            <p:seq concurrent="1" nextAc="seek">
-              <p:cTn id="2" dur="indefinite" nodeType="mainSeq">
-                <p:childTnLst>
-                  <p:par>
-                    <p:cTn id="3" fill="hold">
-                      <p:stCondLst>
-                        <p:cond delay="indefinite"/>
-                      </p:stCondLst>
-                      <p:childTnLst>
-                        <p:par>
-                          <p:cTn id="4" fill="hold">
-                            <p:stCondLst>
-                              <p:cond delay="0"/>
-                            </p:stCondLst>
-                            <p:childTnLst>
-                              <p:par>
-                                <p:cTn id="5" presetID="14" presetClass="entr" presetSubtype="10" fill="hold" grpId="0" nodeType="clickEffect">
-                                  <p:stCondLst>
-                                    <p:cond delay="0"/>
-                                  </p:stCondLst>
-                                  <p:childTnLst>
-                                    <p:set>
-                                      <p:cBhvr>
-                                        <p:cTn id="6" dur="1" fill="hold">
-                                          <p:stCondLst>
-                                            <p:cond delay="0"/>
-                                          </p:stCondLst>
-                                        </p:cTn>
-                                        <p:tgtEl>
-                                          <p:spTgt spid="5"/>
-                                        </p:tgtEl>
-                                        <p:attrNameLst>
-                                          <p:attrName>style.visibility</p:attrName>
-                                        </p:attrNameLst>
-                                      </p:cBhvr>
-                                      <p:to>
-                                        <p:strVal val="visible"/>
-                                      </p:to>
-                                    </p:set>
-                                    <p:animEffect transition="in" filter="randombar(horizontal)">
-                                      <p:cBhvr>
-                                        <p:cTn id="7" dur="500"/>
-                                        <p:tgtEl>
-                                          <p:spTgt spid="5"/>
-                                        </p:tgtEl>
-                                      </p:cBhvr>
-                                    </p:animEffect>
-                                  </p:childTnLst>
-                                </p:cTn>
-                              </p:par>
-                            </p:childTnLst>
-                          </p:cTn>
-                        </p:par>
-                      </p:childTnLst>
-                    </p:cTn>
-                  </p:par>
-                  <p:par>
-                    <p:cTn id="8" fill="hold">
-                      <p:stCondLst>
-                        <p:cond delay="indefinite"/>
-                      </p:stCondLst>
-                      <p:childTnLst>
-                        <p:par>
-                          <p:cTn id="9" fill="hold">
-                            <p:stCondLst>
-                              <p:cond delay="0"/>
-                            </p:stCondLst>
-                            <p:childTnLst>
-                              <p:par>
-                                <p:cTn id="10" presetID="14" presetClass="entr" presetSubtype="10" fill="hold" nodeType="clickEffect">
-                                  <p:stCondLst>
-                                    <p:cond delay="0"/>
-                                  </p:stCondLst>
-                                  <p:childTnLst>
-                                    <p:set>
-                                      <p:cBhvr>
-                                        <p:cTn id="11" dur="1" fill="hold">
-                                          <p:stCondLst>
-                                            <p:cond delay="0"/>
-                                          </p:stCondLst>
-                                        </p:cTn>
-                                        <p:tgtEl>
-                                          <p:spTgt spid="5">
-                                            <p:txEl>
-                                              <p:pRg st="0" end="0"/>
-                                            </p:txEl>
-                                          </p:spTgt>
-                                        </p:tgtEl>
-                                        <p:attrNameLst>
-                                          <p:attrName>style.visibility</p:attrName>
-                                        </p:attrNameLst>
-                                      </p:cBhvr>
-                                      <p:to>
-                                        <p:strVal val="visible"/>
-                                      </p:to>
-                                    </p:set>
-                                    <p:animEffect transition="in" filter="randombar(horizontal)">
-                                      <p:cBhvr>
-                                        <p:cTn id="12" dur="500"/>
-                                        <p:tgtEl>
-                                          <p:spTgt spid="5">
-                                            <p:txEl>
-                                              <p:pRg st="0" end="0"/>
-                                            </p:txEl>
-                                          </p:spTgt>
-                                        </p:tgtEl>
-                                      </p:cBhvr>
-                                    </p:animEffect>
-                                  </p:childTnLst>
-                                </p:cTn>
-                              </p:par>
-                            </p:childTnLst>
-                          </p:cTn>
-                        </p:par>
-                      </p:childTnLst>
-                    </p:cTn>
-                  </p:par>
-                  <p:par>
-                    <p:cTn id="13" fill="hold">
-                      <p:stCondLst>
-                        <p:cond delay="indefinite"/>
-                      </p:stCondLst>
-                      <p:childTnLst>
-                        <p:par>
-                          <p:cTn id="14" fill="hold">
-                            <p:stCondLst>
-                              <p:cond delay="0"/>
-                            </p:stCondLst>
-                            <p:childTnLst>
-                              <p:par>
-                                <p:cTn id="15" presetID="14" presetClass="entr" presetSubtype="10" fill="hold" nodeType="clickEffect">
-                                  <p:stCondLst>
-                                    <p:cond delay="0"/>
-                                  </p:stCondLst>
-                                  <p:childTnLst>
-                                    <p:set>
-                                      <p:cBhvr>
-                                        <p:cTn id="16" dur="1" fill="hold">
-                                          <p:stCondLst>
-                                            <p:cond delay="0"/>
-                                          </p:stCondLst>
-                                        </p:cTn>
-                                        <p:tgtEl>
-                                          <p:spTgt spid="5">
-                                            <p:txEl>
-                                              <p:pRg st="1" end="1"/>
-                                            </p:txEl>
-                                          </p:spTgt>
-                                        </p:tgtEl>
-                                        <p:attrNameLst>
-                                          <p:attrName>style.visibility</p:attrName>
-                                        </p:attrNameLst>
-                                      </p:cBhvr>
-                                      <p:to>
-                                        <p:strVal val="visible"/>
-                                      </p:to>
-                                    </p:set>
-                                    <p:animEffect transition="in" filter="randombar(horizontal)">
-                                      <p:cBhvr>
-                                        <p:cTn id="17" dur="500"/>
-                                        <p:tgtEl>
-                                          <p:spTgt spid="5">
-                                            <p:txEl>
-                                              <p:pRg st="1" end="1"/>
-                                            </p:txEl>
-                                          </p:spTgt>
-                                        </p:tgtEl>
-                                      </p:cBhvr>
-                                    </p:animEffect>
-                                  </p:childTnLst>
-                                </p:cTn>
-                              </p:par>
-                            </p:childTnLst>
-                          </p:cTn>
-                        </p:par>
-                      </p:childTnLst>
-                    </p:cTn>
-                  </p:par>
-                  <p:par>
-                    <p:cTn id="18" fill="hold">
-                      <p:stCondLst>
-                        <p:cond delay="indefinite"/>
-                      </p:stCondLst>
-                      <p:childTnLst>
-                        <p:par>
-                          <p:cTn id="19" fill="hold">
-                            <p:stCondLst>
-                              <p:cond delay="0"/>
-                            </p:stCondLst>
-                            <p:childTnLst>
-                              <p:par>
-                                <p:cTn id="20" presetID="14" presetClass="entr" presetSubtype="10" fill="hold" nodeType="clickEffect">
-                                  <p:stCondLst>
-                                    <p:cond delay="0"/>
-                                  </p:stCondLst>
-                                  <p:childTnLst>
-                                    <p:set>
-                                      <p:cBhvr>
-                                        <p:cTn id="21" dur="1" fill="hold">
-                                          <p:stCondLst>
-                                            <p:cond delay="0"/>
-                                          </p:stCondLst>
-                                        </p:cTn>
-                                        <p:tgtEl>
-                                          <p:spTgt spid="5">
-                                            <p:txEl>
-                                              <p:pRg st="2" end="2"/>
-                                            </p:txEl>
-                                          </p:spTgt>
-                                        </p:tgtEl>
-                                        <p:attrNameLst>
-                                          <p:attrName>style.visibility</p:attrName>
-                                        </p:attrNameLst>
-                                      </p:cBhvr>
-                                      <p:to>
-                                        <p:strVal val="visible"/>
-                                      </p:to>
-                                    </p:set>
-                                    <p:animEffect transition="in" filter="randombar(horizontal)">
-                                      <p:cBhvr>
-                                        <p:cTn id="22" dur="500"/>
-                                        <p:tgtEl>
-                                          <p:spTgt spid="5">
-                                            <p:txEl>
-                                              <p:pRg st="2" end="2"/>
-                                            </p:txEl>
-                                          </p:spTgt>
-                                        </p:tgtEl>
-                                      </p:cBhvr>
-                                    </p:animEffect>
-                                  </p:childTnLst>
-                                </p:cTn>
-                              </p:par>
-                            </p:childTnLst>
-                          </p:cTn>
-                        </p:par>
-                      </p:childTnLst>
-                    </p:cTn>
-                  </p:par>
-                  <p:par>
-                    <p:cTn id="23" fill="hold">
-                      <p:stCondLst>
-                        <p:cond delay="indefinite"/>
-                      </p:stCondLst>
-                      <p:childTnLst>
-                        <p:par>
-                          <p:cTn id="24" fill="hold">
-                            <p:stCondLst>
-                              <p:cond delay="0"/>
-                            </p:stCondLst>
-                            <p:childTnLst>
-                              <p:par>
-                                <p:cTn id="25" presetID="53" presetClass="entr" presetSubtype="16" fill="hold" nodeType="clickEffect">
-                                  <p:stCondLst>
-                                    <p:cond delay="0"/>
-                                  </p:stCondLst>
-                                  <p:childTnLst>
-                                    <p:set>
-                                      <p:cBhvr>
-                                        <p:cTn id="26" dur="1" fill="hold">
-                                          <p:stCondLst>
-                                            <p:cond delay="0"/>
-                                          </p:stCondLst>
-                                        </p:cTn>
-                                        <p:tgtEl>
-                                          <p:spTgt spid="3076"/>
-                                        </p:tgtEl>
-                                        <p:attrNameLst>
-                                          <p:attrName>style.visibility</p:attrName>
-                                        </p:attrNameLst>
-                                      </p:cBhvr>
-                                      <p:to>
-                                        <p:strVal val="visible"/>
-                                      </p:to>
-                                    </p:set>
-                                    <p:anim calcmode="lin" valueType="num">
-                                      <p:cBhvr>
-                                        <p:cTn id="27" dur="500" fill="hold"/>
-                                        <p:tgtEl>
-                                          <p:spTgt spid="3076"/>
-                                        </p:tgtEl>
-                                        <p:attrNameLst>
-                                          <p:attrName>ppt_w</p:attrName>
-                                        </p:attrNameLst>
-                                      </p:cBhvr>
-                                      <p:tavLst>
-                                        <p:tav tm="0">
-                                          <p:val>
-                                            <p:fltVal val="0"/>
-                                          </p:val>
-                                        </p:tav>
-                                        <p:tav tm="100000">
-                                          <p:val>
-                                            <p:strVal val="#ppt_w"/>
-                                          </p:val>
-                                        </p:tav>
-                                      </p:tavLst>
-                                    </p:anim>
-                                    <p:anim calcmode="lin" valueType="num">
-                                      <p:cBhvr>
-                                        <p:cTn id="28" dur="500" fill="hold"/>
-                                        <p:tgtEl>
-                                          <p:spTgt spid="3076"/>
-                                        </p:tgtEl>
-                                        <p:attrNameLst>
-                                          <p:attrName>ppt_h</p:attrName>
-                                        </p:attrNameLst>
-                                      </p:cBhvr>
-                                      <p:tavLst>
-                                        <p:tav tm="0">
-                                          <p:val>
-                                            <p:fltVal val="0"/>
-                                          </p:val>
-                                        </p:tav>
-                                        <p:tav tm="100000">
-                                          <p:val>
-                                            <p:strVal val="#ppt_h"/>
-                                          </p:val>
-                                        </p:tav>
-                                      </p:tavLst>
-                                    </p:anim>
-                                    <p:animEffect transition="in" filter="fade">
-                                      <p:cBhvr>
-                                        <p:cTn id="29" dur="500"/>
-                                        <p:tgtEl>
-                                          <p:spTgt spid="3076"/>
-                                        </p:tgtEl>
-                                      </p:cBhvr>
-                                    </p:animEffect>
-                                  </p:childTnLst>
-                                </p:cTn>
-                              </p:par>
-                            </p:childTnLst>
-                          </p:cTn>
-                        </p:par>
-                      </p:childTnLst>
-                    </p:cTn>
-                  </p:par>
-                  <p:par>
-                    <p:cTn id="30" fill="hold">
-                      <p:stCondLst>
-                        <p:cond delay="indefinite"/>
-                      </p:stCondLst>
-                      <p:childTnLst>
-                        <p:par>
-                          <p:cTn id="31" fill="hold">
-                            <p:stCondLst>
-                              <p:cond delay="0"/>
-                            </p:stCondLst>
-                            <p:childTnLst>
-                              <p:par>
-                                <p:cTn id="32" presetID="14" presetClass="entr" presetSubtype="10" fill="hold" grpId="0" nodeType="clickEffect">
-                                  <p:stCondLst>
-                                    <p:cond delay="0"/>
-                                  </p:stCondLst>
-                                  <p:childTnLst>
-                                    <p:set>
-                                      <p:cBhvr>
-                                        <p:cTn id="33" dur="1" fill="hold">
-                                          <p:stCondLst>
-                                            <p:cond delay="0"/>
-                                          </p:stCondLst>
-                                        </p:cTn>
-                                        <p:tgtEl>
-                                          <p:spTgt spid="2"/>
-                                        </p:tgtEl>
-                                        <p:attrNameLst>
-                                          <p:attrName>style.visibility</p:attrName>
-                                        </p:attrNameLst>
-                                      </p:cBhvr>
-                                      <p:to>
-                                        <p:strVal val="visible"/>
-                                      </p:to>
-                                    </p:set>
-                                    <p:animEffect transition="in" filter="randombar(horizontal)">
-                                      <p:cBhvr>
-                                        <p:cTn id="34" dur="500"/>
-                                        <p:tgtEl>
-                                          <p:spTgt spid="2"/>
-                                        </p:tgtEl>
-                                      </p:cBhvr>
-                                    </p:animEffect>
-                                  </p:childTnLst>
-                                </p:cTn>
-                              </p:par>
-                            </p:childTnLst>
-                          </p:cTn>
-                        </p:par>
-                      </p:childTnLst>
-                    </p:cTn>
-                  </p:par>
-                </p:childTnLst>
-              </p:cTn>
-              <p:prevCondLst>
-                <p:cond evt="onPrev" delay="0">
-                  <p:tgtEl>
-                    <p:sldTgt/>
-                  </p:tgtEl>
-                </p:cond>
-              </p:prevCondLst>
-              <p:nextCondLst>
-                <p:cond evt="onNext" delay="0">
-                  <p:tgtEl>
-                    <p:sldTgt/>
-                  </p:tgtEl>
-                </p:cond>
-              </p:nextCondLst>
-            </p:seq>
-          </p:childTnLst>
-        </p:cTn>
-      </p:par>
-    </p:tnLst>
-    <p:bldLst>
-      <p:bldP spid="5" grpId="0"/>
-      <p:bldP spid="2" grpId="0"/>
-    </p:bldLst>
   </p:timing>
 </p:sld>
 </file>

--- a/Python-Data-Analysis.pptx
+++ b/Python-Data-Analysis.pptx
@@ -204,7 +204,7 @@
           <a:p>
             <a:fld id="{9B9BB65A-9694-4378-BFCD-AAC1A36774CD}" type="datetimeFigureOut">
               <a:rPr lang="zh-CN" altLang="en-US" smtClean="0"/>
-              <a:t>2020/9/15</a:t>
+              <a:t>2020/9/16</a:t>
             </a:fld>
             <a:endParaRPr lang="zh-CN" altLang="en-US"/>
           </a:p>
@@ -1731,7 +1731,7 @@
         </p:nvSpPr>
         <p:spPr>
           <a:xfrm>
-            <a:off x="467544" y="908720"/>
+            <a:off x="467544" y="954594"/>
             <a:ext cx="8208912" cy="1754326"/>
           </a:xfrm>
           <a:prstGeom prst="rect">
@@ -2411,7 +2411,7 @@
                             </p:stCondLst>
                             <p:childTnLst>
                               <p:par>
-                                <p:cTn id="5" presetID="14" presetClass="entr" presetSubtype="10" fill="hold" grpId="0" nodeType="clickEffect">
+                                <p:cTn id="5" presetID="14" presetClass="entr" presetSubtype="10" fill="hold" nodeType="clickEffect">
                                   <p:stCondLst>
                                     <p:cond delay="0"/>
                                   </p:stCondLst>
@@ -2424,7 +2424,11 @@
                                           </p:stCondLst>
                                         </p:cTn>
                                         <p:tgtEl>
-                                          <p:spTgt spid="5"/>
+                                          <p:spTgt spid="5">
+                                            <p:txEl>
+                                              <p:pRg st="0" end="0"/>
+                                            </p:txEl>
+                                          </p:spTgt>
                                         </p:tgtEl>
                                         <p:attrNameLst>
                                           <p:attrName>style.visibility</p:attrName>
@@ -2438,7 +2442,11 @@
                                       <p:cBhvr>
                                         <p:cTn id="7" dur="500"/>
                                         <p:tgtEl>
-                                          <p:spTgt spid="5"/>
+                                          <p:spTgt spid="5">
+                                            <p:txEl>
+                                              <p:pRg st="0" end="0"/>
+                                            </p:txEl>
+                                          </p:spTgt>
                                         </p:tgtEl>
                                       </p:cBhvr>
                                     </p:animEffect>
@@ -2479,7 +2487,7 @@
                                         <p:tgtEl>
                                           <p:spTgt spid="5">
                                             <p:txEl>
-                                              <p:pRg st="0" end="0"/>
+                                              <p:pRg st="1" end="1"/>
                                             </p:txEl>
                                           </p:spTgt>
                                         </p:tgtEl>
@@ -2497,7 +2505,7 @@
                                         <p:tgtEl>
                                           <p:spTgt spid="5">
                                             <p:txEl>
-                                              <p:pRg st="0" end="0"/>
+                                              <p:pRg st="1" end="1"/>
                                             </p:txEl>
                                           </p:spTgt>
                                         </p:tgtEl>
@@ -2540,7 +2548,7 @@
                                         <p:tgtEl>
                                           <p:spTgt spid="5">
                                             <p:txEl>
-                                              <p:pRg st="1" end="1"/>
+                                              <p:pRg st="2" end="2"/>
                                             </p:txEl>
                                           </p:spTgt>
                                         </p:tgtEl>
@@ -2558,7 +2566,7 @@
                                         <p:tgtEl>
                                           <p:spTgt spid="5">
                                             <p:txEl>
-                                              <p:pRg st="1" end="1"/>
+                                              <p:pRg st="2" end="2"/>
                                             </p:txEl>
                                           </p:spTgt>
                                         </p:tgtEl>
@@ -2586,7 +2594,7 @@
                             </p:stCondLst>
                             <p:childTnLst>
                               <p:par>
-                                <p:cTn id="20" presetID="14" presetClass="entr" presetSubtype="10" fill="hold" nodeType="clickEffect">
+                                <p:cTn id="20" presetID="53" presetClass="entr" presetSubtype="16" fill="hold" nodeType="clickEffect">
                                   <p:stCondLst>
                                     <p:cond delay="0"/>
                                   </p:stCondLst>
@@ -2594,67 +2602,6 @@
                                     <p:set>
                                       <p:cBhvr>
                                         <p:cTn id="21" dur="1" fill="hold">
-                                          <p:stCondLst>
-                                            <p:cond delay="0"/>
-                                          </p:stCondLst>
-                                        </p:cTn>
-                                        <p:tgtEl>
-                                          <p:spTgt spid="5">
-                                            <p:txEl>
-                                              <p:pRg st="2" end="2"/>
-                                            </p:txEl>
-                                          </p:spTgt>
-                                        </p:tgtEl>
-                                        <p:attrNameLst>
-                                          <p:attrName>style.visibility</p:attrName>
-                                        </p:attrNameLst>
-                                      </p:cBhvr>
-                                      <p:to>
-                                        <p:strVal val="visible"/>
-                                      </p:to>
-                                    </p:set>
-                                    <p:animEffect transition="in" filter="randombar(horizontal)">
-                                      <p:cBhvr>
-                                        <p:cTn id="22" dur="500"/>
-                                        <p:tgtEl>
-                                          <p:spTgt spid="5">
-                                            <p:txEl>
-                                              <p:pRg st="2" end="2"/>
-                                            </p:txEl>
-                                          </p:spTgt>
-                                        </p:tgtEl>
-                                      </p:cBhvr>
-                                    </p:animEffect>
-                                  </p:childTnLst>
-                                </p:cTn>
-                              </p:par>
-                            </p:childTnLst>
-                          </p:cTn>
-                        </p:par>
-                      </p:childTnLst>
-                    </p:cTn>
-                  </p:par>
-                  <p:par>
-                    <p:cTn id="23" fill="hold">
-                      <p:stCondLst>
-                        <p:cond delay="indefinite"/>
-                      </p:stCondLst>
-                      <p:childTnLst>
-                        <p:par>
-                          <p:cTn id="24" fill="hold">
-                            <p:stCondLst>
-                              <p:cond delay="0"/>
-                            </p:stCondLst>
-                            <p:childTnLst>
-                              <p:par>
-                                <p:cTn id="25" presetID="53" presetClass="entr" presetSubtype="16" fill="hold" nodeType="clickEffect">
-                                  <p:stCondLst>
-                                    <p:cond delay="0"/>
-                                  </p:stCondLst>
-                                  <p:childTnLst>
-                                    <p:set>
-                                      <p:cBhvr>
-                                        <p:cTn id="26" dur="1" fill="hold">
                                           <p:stCondLst>
                                             <p:cond delay="0"/>
                                           </p:stCondLst>
@@ -2672,7 +2619,7 @@
                                     </p:set>
                                     <p:anim calcmode="lin" valueType="num">
                                       <p:cBhvr>
-                                        <p:cTn id="27" dur="500" fill="hold"/>
+                                        <p:cTn id="22" dur="500" fill="hold"/>
                                         <p:tgtEl>
                                           <p:spTgt spid="3076"/>
                                         </p:tgtEl>
@@ -2695,7 +2642,7 @@
                                     </p:anim>
                                     <p:anim calcmode="lin" valueType="num">
                                       <p:cBhvr>
-                                        <p:cTn id="28" dur="500" fill="hold"/>
+                                        <p:cTn id="23" dur="500" fill="hold"/>
                                         <p:tgtEl>
                                           <p:spTgt spid="3076"/>
                                         </p:tgtEl>
@@ -2718,7 +2665,7 @@
                                     </p:anim>
                                     <p:animEffect transition="in" filter="fade">
                                       <p:cBhvr>
-                                        <p:cTn id="29" dur="500"/>
+                                        <p:cTn id="24" dur="500"/>
                                         <p:tgtEl>
                                           <p:spTgt spid="3076"/>
                                         </p:tgtEl>
@@ -2734,26 +2681,26 @@
                     </p:cTn>
                   </p:par>
                   <p:par>
-                    <p:cTn id="30" fill="hold">
+                    <p:cTn id="25" fill="hold">
                       <p:stCondLst>
                         <p:cond delay="indefinite"/>
                       </p:stCondLst>
                       <p:childTnLst>
                         <p:par>
-                          <p:cTn id="31" fill="hold">
+                          <p:cTn id="26" fill="hold">
                             <p:stCondLst>
                               <p:cond delay="0"/>
                             </p:stCondLst>
                             <p:childTnLst>
                               <p:par>
-                                <p:cTn id="32" presetID="14" presetClass="entr" presetSubtype="10" fill="hold" grpId="0" nodeType="clickEffect">
+                                <p:cTn id="27" presetID="14" presetClass="entr" presetSubtype="10" fill="hold" grpId="0" nodeType="clickEffect">
                                   <p:stCondLst>
                                     <p:cond delay="0"/>
                                   </p:stCondLst>
                                   <p:childTnLst>
                                     <p:set>
                                       <p:cBhvr>
-                                        <p:cTn id="33" dur="1" fill="hold">
+                                        <p:cTn id="28" dur="1" fill="hold">
                                           <p:stCondLst>
                                             <p:cond delay="0"/>
                                           </p:stCondLst>
@@ -2771,7 +2718,7 @@
                                     </p:set>
                                     <p:animEffect transition="in" filter="randombar(horizontal)">
                                       <p:cBhvr>
-                                        <p:cTn id="34" dur="500"/>
+                                        <p:cTn id="29" dur="500"/>
                                         <p:tgtEl>
                                           <p:spTgt spid="2"/>
                                         </p:tgtEl>
@@ -2808,7 +2755,6 @@
       </p:par>
     </p:tnLst>
     <p:bldLst>
-      <p:bldP spid="5" grpId="0"/>
       <p:bldP spid="2" grpId="0"/>
     </p:bldLst>
   </p:timing>
@@ -3334,7 +3280,7 @@
                             </p:stCondLst>
                             <p:childTnLst>
                               <p:par>
-                                <p:cTn id="5" presetID="14" presetClass="entr" presetSubtype="10" fill="hold" grpId="0" nodeType="clickEffect">
+                                <p:cTn id="5" presetID="14" presetClass="entr" presetSubtype="10" fill="hold" nodeType="clickEffect">
                                   <p:stCondLst>
                                     <p:cond delay="0"/>
                                   </p:stCondLst>
@@ -3347,7 +3293,11 @@
                                           </p:stCondLst>
                                         </p:cTn>
                                         <p:tgtEl>
-                                          <p:spTgt spid="5"/>
+                                          <p:spTgt spid="5">
+                                            <p:txEl>
+                                              <p:pRg st="0" end="0"/>
+                                            </p:txEl>
+                                          </p:spTgt>
                                         </p:tgtEl>
                                         <p:attrNameLst>
                                           <p:attrName>style.visibility</p:attrName>
@@ -3361,7 +3311,11 @@
                                       <p:cBhvr>
                                         <p:cTn id="7" dur="500"/>
                                         <p:tgtEl>
-                                          <p:spTgt spid="5"/>
+                                          <p:spTgt spid="5">
+                                            <p:txEl>
+                                              <p:pRg st="0" end="0"/>
+                                            </p:txEl>
+                                          </p:spTgt>
                                         </p:tgtEl>
                                       </p:cBhvr>
                                     </p:animEffect>
@@ -3402,7 +3356,7 @@
                                         <p:tgtEl>
                                           <p:spTgt spid="5">
                                             <p:txEl>
-                                              <p:pRg st="0" end="0"/>
+                                              <p:pRg st="1" end="1"/>
                                             </p:txEl>
                                           </p:spTgt>
                                         </p:tgtEl>
@@ -3420,7 +3374,7 @@
                                         <p:tgtEl>
                                           <p:spTgt spid="5">
                                             <p:txEl>
-                                              <p:pRg st="0" end="0"/>
+                                              <p:pRg st="1" end="1"/>
                                             </p:txEl>
                                           </p:spTgt>
                                         </p:tgtEl>
@@ -3448,7 +3402,7 @@
                             </p:stCondLst>
                             <p:childTnLst>
                               <p:par>
-                                <p:cTn id="15" presetID="14" presetClass="entr" presetSubtype="10" fill="hold" nodeType="clickEffect">
+                                <p:cTn id="15" presetID="53" presetClass="entr" presetSubtype="16" fill="hold" nodeType="clickEffect">
                                   <p:stCondLst>
                                     <p:cond delay="0"/>
                                   </p:stCondLst>
@@ -3456,67 +3410,6 @@
                                     <p:set>
                                       <p:cBhvr>
                                         <p:cTn id="16" dur="1" fill="hold">
-                                          <p:stCondLst>
-                                            <p:cond delay="0"/>
-                                          </p:stCondLst>
-                                        </p:cTn>
-                                        <p:tgtEl>
-                                          <p:spTgt spid="5">
-                                            <p:txEl>
-                                              <p:pRg st="1" end="1"/>
-                                            </p:txEl>
-                                          </p:spTgt>
-                                        </p:tgtEl>
-                                        <p:attrNameLst>
-                                          <p:attrName>style.visibility</p:attrName>
-                                        </p:attrNameLst>
-                                      </p:cBhvr>
-                                      <p:to>
-                                        <p:strVal val="visible"/>
-                                      </p:to>
-                                    </p:set>
-                                    <p:animEffect transition="in" filter="randombar(horizontal)">
-                                      <p:cBhvr>
-                                        <p:cTn id="17" dur="500"/>
-                                        <p:tgtEl>
-                                          <p:spTgt spid="5">
-                                            <p:txEl>
-                                              <p:pRg st="1" end="1"/>
-                                            </p:txEl>
-                                          </p:spTgt>
-                                        </p:tgtEl>
-                                      </p:cBhvr>
-                                    </p:animEffect>
-                                  </p:childTnLst>
-                                </p:cTn>
-                              </p:par>
-                            </p:childTnLst>
-                          </p:cTn>
-                        </p:par>
-                      </p:childTnLst>
-                    </p:cTn>
-                  </p:par>
-                  <p:par>
-                    <p:cTn id="18" fill="hold">
-                      <p:stCondLst>
-                        <p:cond delay="indefinite"/>
-                      </p:stCondLst>
-                      <p:childTnLst>
-                        <p:par>
-                          <p:cTn id="19" fill="hold">
-                            <p:stCondLst>
-                              <p:cond delay="0"/>
-                            </p:stCondLst>
-                            <p:childTnLst>
-                              <p:par>
-                                <p:cTn id="20" presetID="53" presetClass="entr" presetSubtype="16" fill="hold" nodeType="clickEffect">
-                                  <p:stCondLst>
-                                    <p:cond delay="0"/>
-                                  </p:stCondLst>
-                                  <p:childTnLst>
-                                    <p:set>
-                                      <p:cBhvr>
-                                        <p:cTn id="21" dur="1" fill="hold">
                                           <p:stCondLst>
                                             <p:cond delay="0"/>
                                           </p:stCondLst>
@@ -3534,7 +3427,7 @@
                                     </p:set>
                                     <p:anim calcmode="lin" valueType="num">
                                       <p:cBhvr>
-                                        <p:cTn id="22" dur="500" fill="hold"/>
+                                        <p:cTn id="17" dur="500" fill="hold"/>
                                         <p:tgtEl>
                                           <p:spTgt spid="4099"/>
                                         </p:tgtEl>
@@ -3557,7 +3450,7 @@
                                     </p:anim>
                                     <p:anim calcmode="lin" valueType="num">
                                       <p:cBhvr>
-                                        <p:cTn id="23" dur="500" fill="hold"/>
+                                        <p:cTn id="18" dur="500" fill="hold"/>
                                         <p:tgtEl>
                                           <p:spTgt spid="4099"/>
                                         </p:tgtEl>
@@ -3580,7 +3473,7 @@
                                     </p:anim>
                                     <p:animEffect transition="in" filter="fade">
                                       <p:cBhvr>
-                                        <p:cTn id="24" dur="500"/>
+                                        <p:cTn id="19" dur="500"/>
                                         <p:tgtEl>
                                           <p:spTgt spid="4099"/>
                                         </p:tgtEl>
@@ -3596,26 +3489,26 @@
                     </p:cTn>
                   </p:par>
                   <p:par>
-                    <p:cTn id="25" fill="hold">
+                    <p:cTn id="20" fill="hold">
                       <p:stCondLst>
                         <p:cond delay="indefinite"/>
                       </p:stCondLst>
                       <p:childTnLst>
                         <p:par>
-                          <p:cTn id="26" fill="hold">
+                          <p:cTn id="21" fill="hold">
                             <p:stCondLst>
                               <p:cond delay="0"/>
                             </p:stCondLst>
                             <p:childTnLst>
                               <p:par>
-                                <p:cTn id="27" presetID="14" presetClass="entr" presetSubtype="10" fill="hold" nodeType="clickEffect">
+                                <p:cTn id="22" presetID="14" presetClass="entr" presetSubtype="10" fill="hold" nodeType="clickEffect">
                                   <p:stCondLst>
                                     <p:cond delay="0"/>
                                   </p:stCondLst>
                                   <p:childTnLst>
                                     <p:set>
                                       <p:cBhvr>
-                                        <p:cTn id="28" dur="1" fill="hold">
+                                        <p:cTn id="23" dur="1" fill="hold">
                                           <p:stCondLst>
                                             <p:cond delay="0"/>
                                           </p:stCondLst>
@@ -3637,7 +3530,7 @@
                                     </p:set>
                                     <p:animEffect transition="in" filter="randombar(horizontal)">
                                       <p:cBhvr>
-                                        <p:cTn id="29" dur="500"/>
+                                        <p:cTn id="24" dur="500"/>
                                         <p:tgtEl>
                                           <p:spTgt spid="5">
                                             <p:txEl>
@@ -3677,9 +3570,6 @@
         </p:cTn>
       </p:par>
     </p:tnLst>
-    <p:bldLst>
-      <p:bldP spid="5" grpId="0"/>
-    </p:bldLst>
   </p:timing>
 </p:sld>
 </file>
@@ -3778,7 +3668,129 @@
   <p:timing>
     <p:tnLst>
       <p:par>
-        <p:cTn id="1" dur="indefinite" restart="never" nodeType="tmRoot"/>
+        <p:cTn id="1" dur="indefinite" restart="never" nodeType="tmRoot">
+          <p:childTnLst>
+            <p:seq concurrent="1" nextAc="seek">
+              <p:cTn id="2" dur="indefinite" nodeType="mainSeq">
+                <p:childTnLst>
+                  <p:par>
+                    <p:cTn id="3" fill="hold">
+                      <p:stCondLst>
+                        <p:cond delay="indefinite"/>
+                      </p:stCondLst>
+                      <p:childTnLst>
+                        <p:par>
+                          <p:cTn id="4" fill="hold">
+                            <p:stCondLst>
+                              <p:cond delay="0"/>
+                            </p:stCondLst>
+                            <p:childTnLst>
+                              <p:par>
+                                <p:cTn id="5" presetID="53" presetClass="entr" presetSubtype="16" fill="hold" nodeType="clickEffect">
+                                  <p:stCondLst>
+                                    <p:cond delay="0"/>
+                                  </p:stCondLst>
+                                  <p:childTnLst>
+                                    <p:set>
+                                      <p:cBhvr>
+                                        <p:cTn id="6" dur="1" fill="hold">
+                                          <p:stCondLst>
+                                            <p:cond delay="0"/>
+                                          </p:stCondLst>
+                                        </p:cTn>
+                                        <p:tgtEl>
+                                          <p:spTgt spid="1027"/>
+                                        </p:tgtEl>
+                                        <p:attrNameLst>
+                                          <p:attrName>style.visibility</p:attrName>
+                                        </p:attrNameLst>
+                                      </p:cBhvr>
+                                      <p:to>
+                                        <p:strVal val="visible"/>
+                                      </p:to>
+                                    </p:set>
+                                    <p:anim calcmode="lin" valueType="num">
+                                      <p:cBhvr>
+                                        <p:cTn id="7" dur="500" fill="hold"/>
+                                        <p:tgtEl>
+                                          <p:spTgt spid="1027"/>
+                                        </p:tgtEl>
+                                        <p:attrNameLst>
+                                          <p:attrName>ppt_w</p:attrName>
+                                        </p:attrNameLst>
+                                      </p:cBhvr>
+                                      <p:tavLst>
+                                        <p:tav tm="0">
+                                          <p:val>
+                                            <p:fltVal val="0"/>
+                                          </p:val>
+                                        </p:tav>
+                                        <p:tav tm="100000">
+                                          <p:val>
+                                            <p:strVal val="#ppt_w"/>
+                                          </p:val>
+                                        </p:tav>
+                                      </p:tavLst>
+                                    </p:anim>
+                                    <p:anim calcmode="lin" valueType="num">
+                                      <p:cBhvr>
+                                        <p:cTn id="8" dur="500" fill="hold"/>
+                                        <p:tgtEl>
+                                          <p:spTgt spid="1027"/>
+                                        </p:tgtEl>
+                                        <p:attrNameLst>
+                                          <p:attrName>ppt_h</p:attrName>
+                                        </p:attrNameLst>
+                                      </p:cBhvr>
+                                      <p:tavLst>
+                                        <p:tav tm="0">
+                                          <p:val>
+                                            <p:fltVal val="0"/>
+                                          </p:val>
+                                        </p:tav>
+                                        <p:tav tm="100000">
+                                          <p:val>
+                                            <p:strVal val="#ppt_h"/>
+                                          </p:val>
+                                        </p:tav>
+                                      </p:tavLst>
+                                    </p:anim>
+                                    <p:animEffect transition="in" filter="fade">
+                                      <p:cBhvr>
+                                        <p:cTn id="9" dur="500"/>
+                                        <p:tgtEl>
+                                          <p:spTgt spid="1027"/>
+                                        </p:tgtEl>
+                                      </p:cBhvr>
+                                    </p:animEffect>
+                                  </p:childTnLst>
+                                </p:cTn>
+                              </p:par>
+                            </p:childTnLst>
+                          </p:cTn>
+                        </p:par>
+                      </p:childTnLst>
+                    </p:cTn>
+                  </p:par>
+                </p:childTnLst>
+              </p:cTn>
+              <p:prevCondLst>
+                <p:cond evt="onPrev" delay="0">
+                  <p:tgtEl>
+                    <p:sldTgt/>
+                  </p:tgtEl>
+                </p:cond>
+              </p:prevCondLst>
+              <p:nextCondLst>
+                <p:cond evt="onNext" delay="0">
+                  <p:tgtEl>
+                    <p:sldTgt/>
+                  </p:tgtEl>
+                </p:cond>
+              </p:nextCondLst>
+            </p:seq>
+          </p:childTnLst>
+        </p:cTn>
       </p:par>
     </p:tnLst>
   </p:timing>
@@ -6425,43 +6437,7 @@
                 <a:latin typeface="微软雅黑" pitchFamily="34" charset="-122"/>
                 <a:ea typeface="微软雅黑" pitchFamily="34" charset="-122"/>
               </a:rPr>
-              <a:t>），主要</a:t>
-            </a:r>
-            <a:r>
-              <a:rPr lang="zh-CN" altLang="en-US" sz="1600" smtClean="0">
-                <a:solidFill>
-                  <a:schemeClr val="accent5">
-                    <a:lumMod val="75000"/>
-                  </a:schemeClr>
-                </a:solidFill>
-                <a:latin typeface="微软雅黑" pitchFamily="34" charset="-122"/>
-                <a:ea typeface="微软雅黑" pitchFamily="34" charset="-122"/>
-              </a:rPr>
-              <a:t>有五</a:t>
-            </a:r>
-            <a:r>
-              <a:rPr lang="zh-CN" altLang="en-US" sz="1600" smtClean="0">
-                <a:solidFill>
-                  <a:schemeClr val="accent5">
-                    <a:lumMod val="75000"/>
-                  </a:schemeClr>
-                </a:solidFill>
-                <a:latin typeface="微软雅黑" pitchFamily="34" charset="-122"/>
-                <a:ea typeface="微软雅黑" pitchFamily="34" charset="-122"/>
-              </a:rPr>
-              <a:t>个步骤</a:t>
-            </a:r>
-            <a:r>
-              <a:rPr lang="zh-CN" altLang="en-US" sz="1600" smtClean="0">
-                <a:solidFill>
-                  <a:schemeClr val="accent5">
-                    <a:lumMod val="75000"/>
-                  </a:schemeClr>
-                </a:solidFill>
-                <a:latin typeface="微软雅黑" pitchFamily="34" charset="-122"/>
-                <a:ea typeface="微软雅黑" pitchFamily="34" charset="-122"/>
-              </a:rPr>
-              <a:t>：</a:t>
+              <a:t>），主要有五个步骤：</a:t>
             </a:r>
             <a:endParaRPr lang="zh-CN" altLang="en-US" sz="1600">
               <a:solidFill>
@@ -6506,7 +6482,7 @@
                             </p:stCondLst>
                             <p:childTnLst>
                               <p:par>
-                                <p:cTn id="5" presetID="14" presetClass="entr" presetSubtype="10" fill="hold" grpId="0" nodeType="clickEffect">
+                                <p:cTn id="5" presetID="14" presetClass="entr" presetSubtype="10" fill="hold" nodeType="clickEffect">
                                   <p:stCondLst>
                                     <p:cond delay="0"/>
                                   </p:stCondLst>
@@ -6519,7 +6495,11 @@
                                           </p:stCondLst>
                                         </p:cTn>
                                         <p:tgtEl>
-                                          <p:spTgt spid="5"/>
+                                          <p:spTgt spid="5">
+                                            <p:txEl>
+                                              <p:pRg st="0" end="0"/>
+                                            </p:txEl>
+                                          </p:spTgt>
                                         </p:tgtEl>
                                         <p:attrNameLst>
                                           <p:attrName>style.visibility</p:attrName>
@@ -6533,7 +6513,11 @@
                                       <p:cBhvr>
                                         <p:cTn id="7" dur="500"/>
                                         <p:tgtEl>
-                                          <p:spTgt spid="5"/>
+                                          <p:spTgt spid="5">
+                                            <p:txEl>
+                                              <p:pRg st="0" end="0"/>
+                                            </p:txEl>
+                                          </p:spTgt>
                                         </p:tgtEl>
                                       </p:cBhvr>
                                     </p:animEffect>
@@ -6574,7 +6558,7 @@
                                         <p:tgtEl>
                                           <p:spTgt spid="5">
                                             <p:txEl>
-                                              <p:pRg st="0" end="0"/>
+                                              <p:pRg st="1" end="1"/>
                                             </p:txEl>
                                           </p:spTgt>
                                         </p:tgtEl>
@@ -6592,67 +6576,6 @@
                                         <p:tgtEl>
                                           <p:spTgt spid="5">
                                             <p:txEl>
-                                              <p:pRg st="0" end="0"/>
-                                            </p:txEl>
-                                          </p:spTgt>
-                                        </p:tgtEl>
-                                      </p:cBhvr>
-                                    </p:animEffect>
-                                  </p:childTnLst>
-                                </p:cTn>
-                              </p:par>
-                            </p:childTnLst>
-                          </p:cTn>
-                        </p:par>
-                      </p:childTnLst>
-                    </p:cTn>
-                  </p:par>
-                  <p:par>
-                    <p:cTn id="13" fill="hold">
-                      <p:stCondLst>
-                        <p:cond delay="indefinite"/>
-                      </p:stCondLst>
-                      <p:childTnLst>
-                        <p:par>
-                          <p:cTn id="14" fill="hold">
-                            <p:stCondLst>
-                              <p:cond delay="0"/>
-                            </p:stCondLst>
-                            <p:childTnLst>
-                              <p:par>
-                                <p:cTn id="15" presetID="14" presetClass="entr" presetSubtype="10" fill="hold" nodeType="clickEffect">
-                                  <p:stCondLst>
-                                    <p:cond delay="0"/>
-                                  </p:stCondLst>
-                                  <p:childTnLst>
-                                    <p:set>
-                                      <p:cBhvr>
-                                        <p:cTn id="16" dur="1" fill="hold">
-                                          <p:stCondLst>
-                                            <p:cond delay="0"/>
-                                          </p:stCondLst>
-                                        </p:cTn>
-                                        <p:tgtEl>
-                                          <p:spTgt spid="5">
-                                            <p:txEl>
-                                              <p:pRg st="1" end="1"/>
-                                            </p:txEl>
-                                          </p:spTgt>
-                                        </p:tgtEl>
-                                        <p:attrNameLst>
-                                          <p:attrName>style.visibility</p:attrName>
-                                        </p:attrNameLst>
-                                      </p:cBhvr>
-                                      <p:to>
-                                        <p:strVal val="visible"/>
-                                      </p:to>
-                                    </p:set>
-                                    <p:animEffect transition="in" filter="randombar(horizontal)">
-                                      <p:cBhvr>
-                                        <p:cTn id="17" dur="500"/>
-                                        <p:tgtEl>
-                                          <p:spTgt spid="5">
-                                            <p:txEl>
                                               <p:pRg st="1" end="1"/>
                                             </p:txEl>
                                           </p:spTgt>
@@ -6663,14 +6586,14 @@
                                 </p:cTn>
                               </p:par>
                               <p:par>
-                                <p:cTn id="18" presetID="14" presetClass="entr" presetSubtype="10" fill="hold" nodeType="withEffect">
+                                <p:cTn id="13" presetID="14" presetClass="entr" presetSubtype="10" fill="hold" nodeType="withEffect">
                                   <p:stCondLst>
                                     <p:cond delay="0"/>
                                   </p:stCondLst>
                                   <p:childTnLst>
                                     <p:set>
                                       <p:cBhvr>
-                                        <p:cTn id="19" dur="1" fill="hold">
+                                        <p:cTn id="14" dur="1" fill="hold">
                                           <p:stCondLst>
                                             <p:cond delay="0"/>
                                           </p:stCondLst>
@@ -6692,7 +6615,7 @@
                                     </p:set>
                                     <p:animEffect transition="in" filter="randombar(horizontal)">
                                       <p:cBhvr>
-                                        <p:cTn id="20" dur="500"/>
+                                        <p:cTn id="15" dur="500"/>
                                         <p:tgtEl>
                                           <p:spTgt spid="5">
                                             <p:txEl>
@@ -6712,26 +6635,26 @@
                     </p:cTn>
                   </p:par>
                   <p:par>
-                    <p:cTn id="21" fill="hold">
+                    <p:cTn id="16" fill="hold">
                       <p:stCondLst>
                         <p:cond delay="indefinite"/>
                       </p:stCondLst>
                       <p:childTnLst>
                         <p:par>
-                          <p:cTn id="22" fill="hold">
+                          <p:cTn id="17" fill="hold">
                             <p:stCondLst>
                               <p:cond delay="0"/>
                             </p:stCondLst>
                             <p:childTnLst>
                               <p:par>
-                                <p:cTn id="23" presetID="14" presetClass="entr" presetSubtype="10" fill="hold" nodeType="clickEffect">
+                                <p:cTn id="18" presetID="14" presetClass="entr" presetSubtype="10" fill="hold" nodeType="clickEffect">
                                   <p:stCondLst>
                                     <p:cond delay="0"/>
                                   </p:stCondLst>
                                   <p:childTnLst>
                                     <p:set>
                                       <p:cBhvr>
-                                        <p:cTn id="24" dur="1" fill="hold">
+                                        <p:cTn id="19" dur="1" fill="hold">
                                           <p:stCondLst>
                                             <p:cond delay="0"/>
                                           </p:stCondLst>
@@ -6753,7 +6676,7 @@
                                     </p:set>
                                     <p:animEffect transition="in" filter="randombar(horizontal)">
                                       <p:cBhvr>
-                                        <p:cTn id="25" dur="500"/>
+                                        <p:cTn id="20" dur="500"/>
                                         <p:tgtEl>
                                           <p:spTgt spid="5">
                                             <p:txEl>
@@ -6793,9 +6716,6 @@
         </p:cTn>
       </p:par>
     </p:tnLst>
-    <p:bldLst>
-      <p:bldP spid="5" grpId="0"/>
-    </p:bldLst>
   </p:timing>
 </p:sld>
 </file>
@@ -7481,7 +7401,7 @@
                             </p:stCondLst>
                             <p:childTnLst>
                               <p:par>
-                                <p:cTn id="5" presetID="14" presetClass="entr" presetSubtype="10" fill="hold" grpId="0" nodeType="clickEffect">
+                                <p:cTn id="5" presetID="14" presetClass="entr" presetSubtype="10" fill="hold" nodeType="clickEffect">
                                   <p:stCondLst>
                                     <p:cond delay="0"/>
                                   </p:stCondLst>
@@ -7494,7 +7414,11 @@
                                           </p:stCondLst>
                                         </p:cTn>
                                         <p:tgtEl>
-                                          <p:spTgt spid="5"/>
+                                          <p:spTgt spid="5">
+                                            <p:txEl>
+                                              <p:pRg st="0" end="0"/>
+                                            </p:txEl>
+                                          </p:spTgt>
                                         </p:tgtEl>
                                         <p:attrNameLst>
                                           <p:attrName>style.visibility</p:attrName>
@@ -7508,7 +7432,11 @@
                                       <p:cBhvr>
                                         <p:cTn id="7" dur="500"/>
                                         <p:tgtEl>
-                                          <p:spTgt spid="5"/>
+                                          <p:spTgt spid="5">
+                                            <p:txEl>
+                                              <p:pRg st="0" end="0"/>
+                                            </p:txEl>
+                                          </p:spTgt>
                                         </p:tgtEl>
                                       </p:cBhvr>
                                     </p:animEffect>
@@ -7549,7 +7477,7 @@
                                         <p:tgtEl>
                                           <p:spTgt spid="5">
                                             <p:txEl>
-                                              <p:pRg st="0" end="0"/>
+                                              <p:pRg st="1" end="1"/>
                                             </p:txEl>
                                           </p:spTgt>
                                         </p:tgtEl>
@@ -7567,7 +7495,7 @@
                                         <p:tgtEl>
                                           <p:spTgt spid="5">
                                             <p:txEl>
-                                              <p:pRg st="0" end="0"/>
+                                              <p:pRg st="1" end="1"/>
                                             </p:txEl>
                                           </p:spTgt>
                                         </p:tgtEl>
@@ -7610,7 +7538,7 @@
                                         <p:tgtEl>
                                           <p:spTgt spid="5">
                                             <p:txEl>
-                                              <p:pRg st="1" end="1"/>
+                                              <p:pRg st="2" end="2"/>
                                             </p:txEl>
                                           </p:spTgt>
                                         </p:tgtEl>
@@ -7628,7 +7556,7 @@
                                         <p:tgtEl>
                                           <p:spTgt spid="5">
                                             <p:txEl>
-                                              <p:pRg st="1" end="1"/>
+                                              <p:pRg st="2" end="2"/>
                                             </p:txEl>
                                           </p:spTgt>
                                         </p:tgtEl>
@@ -7671,7 +7599,7 @@
                                         <p:tgtEl>
                                           <p:spTgt spid="5">
                                             <p:txEl>
-                                              <p:pRg st="2" end="2"/>
+                                              <p:pRg st="3" end="3"/>
                                             </p:txEl>
                                           </p:spTgt>
                                         </p:tgtEl>
@@ -7689,7 +7617,7 @@
                                         <p:tgtEl>
                                           <p:spTgt spid="5">
                                             <p:txEl>
-                                              <p:pRg st="2" end="2"/>
+                                              <p:pRg st="3" end="3"/>
                                             </p:txEl>
                                           </p:spTgt>
                                         </p:tgtEl>
@@ -7732,7 +7660,7 @@
                                         <p:tgtEl>
                                           <p:spTgt spid="5">
                                             <p:txEl>
-                                              <p:pRg st="3" end="3"/>
+                                              <p:pRg st="4" end="4"/>
                                             </p:txEl>
                                           </p:spTgt>
                                         </p:tgtEl>
@@ -7747,67 +7675,6 @@
                                     <p:animEffect transition="in" filter="randombar(horizontal)">
                                       <p:cBhvr>
                                         <p:cTn id="27" dur="500"/>
-                                        <p:tgtEl>
-                                          <p:spTgt spid="5">
-                                            <p:txEl>
-                                              <p:pRg st="3" end="3"/>
-                                            </p:txEl>
-                                          </p:spTgt>
-                                        </p:tgtEl>
-                                      </p:cBhvr>
-                                    </p:animEffect>
-                                  </p:childTnLst>
-                                </p:cTn>
-                              </p:par>
-                            </p:childTnLst>
-                          </p:cTn>
-                        </p:par>
-                      </p:childTnLst>
-                    </p:cTn>
-                  </p:par>
-                  <p:par>
-                    <p:cTn id="28" fill="hold">
-                      <p:stCondLst>
-                        <p:cond delay="indefinite"/>
-                      </p:stCondLst>
-                      <p:childTnLst>
-                        <p:par>
-                          <p:cTn id="29" fill="hold">
-                            <p:stCondLst>
-                              <p:cond delay="0"/>
-                            </p:stCondLst>
-                            <p:childTnLst>
-                              <p:par>
-                                <p:cTn id="30" presetID="14" presetClass="entr" presetSubtype="10" fill="hold" nodeType="clickEffect">
-                                  <p:stCondLst>
-                                    <p:cond delay="0"/>
-                                  </p:stCondLst>
-                                  <p:childTnLst>
-                                    <p:set>
-                                      <p:cBhvr>
-                                        <p:cTn id="31" dur="1" fill="hold">
-                                          <p:stCondLst>
-                                            <p:cond delay="0"/>
-                                          </p:stCondLst>
-                                        </p:cTn>
-                                        <p:tgtEl>
-                                          <p:spTgt spid="5">
-                                            <p:txEl>
-                                              <p:pRg st="4" end="4"/>
-                                            </p:txEl>
-                                          </p:spTgt>
-                                        </p:tgtEl>
-                                        <p:attrNameLst>
-                                          <p:attrName>style.visibility</p:attrName>
-                                        </p:attrNameLst>
-                                      </p:cBhvr>
-                                      <p:to>
-                                        <p:strVal val="visible"/>
-                                      </p:to>
-                                    </p:set>
-                                    <p:animEffect transition="in" filter="randombar(horizontal)">
-                                      <p:cBhvr>
-                                        <p:cTn id="32" dur="500"/>
                                         <p:tgtEl>
                                           <p:spTgt spid="5">
                                             <p:txEl>
@@ -7847,9 +7714,6 @@
         </p:cTn>
       </p:par>
     </p:tnLst>
-    <p:bldLst>
-      <p:bldP spid="5" grpId="0"/>
-    </p:bldLst>
   </p:timing>
 </p:sld>
 </file>

--- a/Python-Data-Analysis.pptx
+++ b/Python-Data-Analysis.pptx
@@ -16814,7 +16814,31 @@
                 <a:latin typeface="微软雅黑" pitchFamily="34" charset="-122"/>
                 <a:ea typeface="微软雅黑" pitchFamily="34" charset="-122"/>
               </a:rPr>
-              <a:t>下面代码从一个元祖创建一个</a:t>
+              <a:t>下面代码从一</a:t>
+            </a:r>
+            <a:r>
+              <a:rPr lang="zh-CN" altLang="en-US" sz="1600" smtClean="0">
+                <a:solidFill>
+                  <a:schemeClr val="accent5">
+                    <a:lumMod val="75000"/>
+                  </a:schemeClr>
+                </a:solidFill>
+                <a:latin typeface="微软雅黑" pitchFamily="34" charset="-122"/>
+                <a:ea typeface="微软雅黑" pitchFamily="34" charset="-122"/>
+              </a:rPr>
+              <a:t>个可迭代对象创建</a:t>
+            </a:r>
+            <a:r>
+              <a:rPr lang="zh-CN" altLang="en-US" sz="1600" smtClean="0">
+                <a:solidFill>
+                  <a:schemeClr val="accent5">
+                    <a:lumMod val="75000"/>
+                  </a:schemeClr>
+                </a:solidFill>
+                <a:latin typeface="微软雅黑" pitchFamily="34" charset="-122"/>
+                <a:ea typeface="微软雅黑" pitchFamily="34" charset="-122"/>
+              </a:rPr>
+              <a:t>一个</a:t>
             </a:r>
             <a:r>
               <a:rPr lang="en-US" altLang="zh-CN" sz="1600" smtClean="0">
@@ -28610,6 +28634,100 @@
           </a:extLst>
         </p:spPr>
       </p:pic>
+      <p:sp>
+        <p:nvSpPr>
+          <p:cNvPr id="6" name="TextBox 5"/>
+          <p:cNvSpPr txBox="1"/>
+          <p:nvPr/>
+        </p:nvSpPr>
+        <p:spPr>
+          <a:xfrm>
+            <a:off x="1744843" y="5346998"/>
+            <a:ext cx="4752528" cy="307777"/>
+          </a:xfrm>
+          <a:prstGeom prst="rect">
+            <a:avLst/>
+          </a:prstGeom>
+          <a:ln>
+            <a:noFill/>
+          </a:ln>
+        </p:spPr>
+        <p:style>
+          <a:lnRef idx="3">
+            <a:schemeClr val="lt1"/>
+          </a:lnRef>
+          <a:fillRef idx="1">
+            <a:schemeClr val="accent3"/>
+          </a:fillRef>
+          <a:effectRef idx="1">
+            <a:schemeClr val="accent3"/>
+          </a:effectRef>
+          <a:fontRef idx="minor">
+            <a:schemeClr val="lt1"/>
+          </a:fontRef>
+        </p:style>
+        <p:txBody>
+          <a:bodyPr wrap="square" rtlCol="0">
+            <a:spAutoFit/>
+          </a:bodyPr>
+          <a:lstStyle/>
+          <a:p>
+            <a:r>
+              <a:rPr lang="zh-CN" altLang="en-US" sz="1400" smtClean="0">
+                <a:latin typeface="微软雅黑" pitchFamily="34" charset="-122"/>
+                <a:ea typeface="微软雅黑" pitchFamily="34" charset="-122"/>
+              </a:rPr>
+              <a:t>注</a:t>
+            </a:r>
+            <a:r>
+              <a:rPr lang="zh-CN" altLang="en-US" sz="1400" smtClean="0">
+                <a:latin typeface="微软雅黑" pitchFamily="34" charset="-122"/>
+                <a:ea typeface="微软雅黑" pitchFamily="34" charset="-122"/>
+              </a:rPr>
+              <a:t>：这里</a:t>
+            </a:r>
+            <a:r>
+              <a:rPr lang="en-US" altLang="zh-CN" sz="1400" smtClean="0">
+                <a:latin typeface="微软雅黑" pitchFamily="34" charset="-122"/>
+                <a:ea typeface="微软雅黑" pitchFamily="34" charset="-122"/>
+              </a:rPr>
+              <a:t>NumPy</a:t>
+            </a:r>
+            <a:r>
+              <a:rPr lang="zh-CN" altLang="en-US" sz="1400" smtClean="0">
+                <a:latin typeface="微软雅黑" pitchFamily="34" charset="-122"/>
+                <a:ea typeface="微软雅黑" pitchFamily="34" charset="-122"/>
+              </a:rPr>
+              <a:t>的</a:t>
+            </a:r>
+            <a:r>
+              <a:rPr lang="en-US" altLang="zh-CN" sz="1400" smtClean="0">
+                <a:latin typeface="微软雅黑" pitchFamily="34" charset="-122"/>
+                <a:ea typeface="微软雅黑" pitchFamily="34" charset="-122"/>
+              </a:rPr>
+              <a:t>where</a:t>
+            </a:r>
+            <a:r>
+              <a:rPr lang="zh-CN" altLang="en-US" sz="1400" smtClean="0">
+                <a:latin typeface="微软雅黑" pitchFamily="34" charset="-122"/>
+                <a:ea typeface="微软雅黑" pitchFamily="34" charset="-122"/>
+              </a:rPr>
+              <a:t>函数用于返回满足条件的索引值。</a:t>
+            </a:r>
+            <a:r>
+              <a:rPr lang="en-US" altLang="zh-CN" sz="1400" smtClean="0">
+                <a:latin typeface="微软雅黑" pitchFamily="34" charset="-122"/>
+                <a:ea typeface="微软雅黑" pitchFamily="34" charset="-122"/>
+              </a:rPr>
+              <a:t> </a:t>
+            </a:r>
+            <a:endParaRPr lang="zh-CN" altLang="en-US" sz="1400">
+              <a:latin typeface="微软雅黑" pitchFamily="34" charset="-122"/>
+              <a:ea typeface="微软雅黑" pitchFamily="34" charset="-122"/>
+            </a:endParaRPr>
+          </a:p>
+        </p:txBody>
+      </p:sp>
     </p:spTree>
     <p:extLst>
       <p:ext uri="{BB962C8B-B14F-4D97-AF65-F5344CB8AC3E}">
@@ -28887,6 +29005,59 @@
                       </p:childTnLst>
                     </p:cTn>
                   </p:par>
+                  <p:par>
+                    <p:cTn id="22" fill="hold">
+                      <p:stCondLst>
+                        <p:cond delay="indefinite"/>
+                      </p:stCondLst>
+                      <p:childTnLst>
+                        <p:par>
+                          <p:cTn id="23" fill="hold">
+                            <p:stCondLst>
+                              <p:cond delay="0"/>
+                            </p:stCondLst>
+                            <p:childTnLst>
+                              <p:par>
+                                <p:cTn id="24" presetID="22" presetClass="entr" presetSubtype="4" fill="hold" grpId="0" nodeType="clickEffect">
+                                  <p:stCondLst>
+                                    <p:cond delay="0"/>
+                                  </p:stCondLst>
+                                  <p:childTnLst>
+                                    <p:set>
+                                      <p:cBhvr>
+                                        <p:cTn id="25" dur="1" fill="hold">
+                                          <p:stCondLst>
+                                            <p:cond delay="0"/>
+                                          </p:stCondLst>
+                                        </p:cTn>
+                                        <p:tgtEl>
+                                          <p:spTgt spid="6"/>
+                                        </p:tgtEl>
+                                        <p:attrNameLst>
+                                          <p:attrName>style.visibility</p:attrName>
+                                        </p:attrNameLst>
+                                      </p:cBhvr>
+                                      <p:to>
+                                        <p:strVal val="visible"/>
+                                      </p:to>
+                                    </p:set>
+                                    <p:animEffect transition="in" filter="wipe(down)">
+                                      <p:cBhvr>
+                                        <p:cTn id="26" dur="500"/>
+                                        <p:tgtEl>
+                                          <p:spTgt spid="6"/>
+                                        </p:tgtEl>
+                                      </p:cBhvr>
+                                    </p:animEffect>
+                                  </p:childTnLst>
+                                </p:cTn>
+                              </p:par>
+                            </p:childTnLst>
+                          </p:cTn>
+                        </p:par>
+                      </p:childTnLst>
+                    </p:cTn>
+                  </p:par>
                 </p:childTnLst>
               </p:cTn>
               <p:prevCondLst>
@@ -28908,6 +29079,9 @@
         </p:cTn>
       </p:par>
     </p:tnLst>
+    <p:bldLst>
+      <p:bldP spid="6" grpId="0" animBg="1"/>
+    </p:bldLst>
   </p:timing>
 </p:sld>
 </file>
@@ -29042,7 +29216,43 @@
                 <a:latin typeface="微软雅黑" pitchFamily="34" charset="-122"/>
                 <a:ea typeface="微软雅黑" pitchFamily="34" charset="-122"/>
               </a:rPr>
-              <a:t>数组反转的函数</a:t>
+              <a:t>数组反转的函数主要有</a:t>
+            </a:r>
+            <a:r>
+              <a:rPr lang="en-US" altLang="zh-CN" sz="1600">
+                <a:solidFill>
+                  <a:schemeClr val="accent5">
+                    <a:lumMod val="75000"/>
+                  </a:schemeClr>
+                </a:solidFill>
+                <a:latin typeface="微软雅黑" pitchFamily="34" charset="-122"/>
+                <a:ea typeface="微软雅黑" pitchFamily="34" charset="-122"/>
+              </a:rPr>
+              <a:t>transpose</a:t>
+            </a:r>
+            <a:r>
+              <a:rPr lang="zh-CN" altLang="en-US" sz="1600">
+                <a:solidFill>
+                  <a:schemeClr val="accent5">
+                    <a:lumMod val="75000"/>
+                  </a:schemeClr>
+                </a:solidFill>
+                <a:latin typeface="微软雅黑" pitchFamily="34" charset="-122"/>
+                <a:ea typeface="微软雅黑" pitchFamily="34" charset="-122"/>
+              </a:rPr>
+              <a:t>、</a:t>
+            </a:r>
+            <a:r>
+              <a:rPr lang="en-US" altLang="zh-CN" sz="1600">
+                <a:solidFill>
+                  <a:schemeClr val="accent5">
+                    <a:lumMod val="75000"/>
+                  </a:schemeClr>
+                </a:solidFill>
+                <a:latin typeface="微软雅黑" pitchFamily="34" charset="-122"/>
+                <a:ea typeface="微软雅黑" pitchFamily="34" charset="-122"/>
+              </a:rPr>
+              <a:t>ndarray.T</a:t>
             </a:r>
             <a:r>
               <a:rPr lang="zh-CN" altLang="en-US" sz="1600" smtClean="0">
@@ -29054,7 +29264,31 @@
                 <a:latin typeface="微软雅黑" pitchFamily="34" charset="-122"/>
                 <a:ea typeface="微软雅黑" pitchFamily="34" charset="-122"/>
               </a:rPr>
-              <a:t>主要</a:t>
+              <a:t>（</a:t>
+            </a:r>
+            <a:r>
+              <a:rPr lang="zh-CN" altLang="en-US" sz="1600">
+                <a:solidFill>
+                  <a:schemeClr val="accent5">
+                    <a:lumMod val="75000"/>
+                  </a:schemeClr>
+                </a:solidFill>
+                <a:latin typeface="微软雅黑" pitchFamily="34" charset="-122"/>
+                <a:ea typeface="微软雅黑" pitchFamily="34" charset="-122"/>
+              </a:rPr>
+              <a:t>同</a:t>
+            </a:r>
+            <a:r>
+              <a:rPr lang="en-US" altLang="zh-CN" sz="1600" smtClean="0">
+                <a:solidFill>
+                  <a:schemeClr val="accent5">
+                    <a:lumMod val="75000"/>
+                  </a:schemeClr>
+                </a:solidFill>
+                <a:latin typeface="微软雅黑" pitchFamily="34" charset="-122"/>
+                <a:ea typeface="微软雅黑" pitchFamily="34" charset="-122"/>
+              </a:rPr>
+              <a:t>self.transpose()</a:t>
             </a:r>
             <a:r>
               <a:rPr lang="zh-CN" altLang="en-US" sz="1600" smtClean="0">
@@ -29066,7 +29300,19 @@
                 <a:latin typeface="微软雅黑" pitchFamily="34" charset="-122"/>
                 <a:ea typeface="微软雅黑" pitchFamily="34" charset="-122"/>
               </a:rPr>
-              <a:t>有</a:t>
+              <a:t> ）</a:t>
+            </a:r>
+            <a:r>
+              <a:rPr lang="zh-CN" altLang="en-US" sz="1600">
+                <a:solidFill>
+                  <a:schemeClr val="accent5">
+                    <a:lumMod val="75000"/>
+                  </a:schemeClr>
+                </a:solidFill>
+                <a:latin typeface="微软雅黑" pitchFamily="34" charset="-122"/>
+                <a:ea typeface="微软雅黑" pitchFamily="34" charset="-122"/>
+              </a:rPr>
+              <a:t>、</a:t>
             </a:r>
             <a:r>
               <a:rPr lang="en-US" altLang="zh-CN" sz="1600">
@@ -29078,7 +29324,7 @@
                 <a:latin typeface="微软雅黑" pitchFamily="34" charset="-122"/>
                 <a:ea typeface="微软雅黑" pitchFamily="34" charset="-122"/>
               </a:rPr>
-              <a:t>transpose</a:t>
+              <a:t>rollaxis</a:t>
             </a:r>
             <a:r>
               <a:rPr lang="zh-CN" altLang="en-US" sz="1600">
@@ -29102,7 +29348,7 @@
                 <a:latin typeface="微软雅黑" pitchFamily="34" charset="-122"/>
                 <a:ea typeface="微软雅黑" pitchFamily="34" charset="-122"/>
               </a:rPr>
-              <a:t>ndarray.T</a:t>
+              <a:t>swapaxes	</a:t>
             </a:r>
             <a:r>
               <a:rPr lang="zh-CN" altLang="en-US" sz="1600" smtClean="0">
@@ -29114,127 +29360,7 @@
                 <a:latin typeface="微软雅黑" pitchFamily="34" charset="-122"/>
                 <a:ea typeface="微软雅黑" pitchFamily="34" charset="-122"/>
               </a:rPr>
-              <a:t>（</a:t>
-            </a:r>
-            <a:r>
-              <a:rPr lang="zh-CN" altLang="en-US" sz="1600">
-                <a:solidFill>
-                  <a:schemeClr val="accent5">
-                    <a:lumMod val="75000"/>
-                  </a:schemeClr>
-                </a:solidFill>
-                <a:latin typeface="微软雅黑" pitchFamily="34" charset="-122"/>
-                <a:ea typeface="微软雅黑" pitchFamily="34" charset="-122"/>
-              </a:rPr>
-              <a:t>同</a:t>
-            </a:r>
-            <a:r>
-              <a:rPr lang="en-US" altLang="zh-CN" sz="1600" smtClean="0">
-                <a:solidFill>
-                  <a:schemeClr val="accent5">
-                    <a:lumMod val="75000"/>
-                  </a:schemeClr>
-                </a:solidFill>
-                <a:latin typeface="微软雅黑" pitchFamily="34" charset="-122"/>
-                <a:ea typeface="微软雅黑" pitchFamily="34" charset="-122"/>
-              </a:rPr>
-              <a:t>self.transpose()</a:t>
-            </a:r>
-            <a:r>
-              <a:rPr lang="zh-CN" altLang="en-US" sz="1600" smtClean="0">
-                <a:solidFill>
-                  <a:schemeClr val="accent5">
-                    <a:lumMod val="75000"/>
-                  </a:schemeClr>
-                </a:solidFill>
-                <a:latin typeface="微软雅黑" pitchFamily="34" charset="-122"/>
-                <a:ea typeface="微软雅黑" pitchFamily="34" charset="-122"/>
-              </a:rPr>
-              <a:t> ）</a:t>
-            </a:r>
-            <a:r>
-              <a:rPr lang="zh-CN" altLang="en-US" sz="1600">
-                <a:solidFill>
-                  <a:schemeClr val="accent5">
-                    <a:lumMod val="75000"/>
-                  </a:schemeClr>
-                </a:solidFill>
-                <a:latin typeface="微软雅黑" pitchFamily="34" charset="-122"/>
-                <a:ea typeface="微软雅黑" pitchFamily="34" charset="-122"/>
-              </a:rPr>
-              <a:t>、</a:t>
-            </a:r>
-            <a:r>
-              <a:rPr lang="en-US" altLang="zh-CN" sz="1600">
-                <a:solidFill>
-                  <a:schemeClr val="accent5">
-                    <a:lumMod val="75000"/>
-                  </a:schemeClr>
-                </a:solidFill>
-                <a:latin typeface="微软雅黑" pitchFamily="34" charset="-122"/>
-                <a:ea typeface="微软雅黑" pitchFamily="34" charset="-122"/>
-              </a:rPr>
-              <a:t>rollaxis</a:t>
-            </a:r>
-            <a:r>
-              <a:rPr lang="zh-CN" altLang="en-US" sz="1600">
-                <a:solidFill>
-                  <a:schemeClr val="accent5">
-                    <a:lumMod val="75000"/>
-                  </a:schemeClr>
-                </a:solidFill>
-                <a:latin typeface="微软雅黑" pitchFamily="34" charset="-122"/>
-                <a:ea typeface="微软雅黑" pitchFamily="34" charset="-122"/>
-              </a:rPr>
-              <a:t>、</a:t>
-            </a:r>
-            <a:r>
-              <a:rPr lang="en-US" altLang="zh-CN" sz="1600">
-                <a:solidFill>
-                  <a:schemeClr val="accent5">
-                    <a:lumMod val="75000"/>
-                  </a:schemeClr>
-                </a:solidFill>
-                <a:latin typeface="微软雅黑" pitchFamily="34" charset="-122"/>
-                <a:ea typeface="微软雅黑" pitchFamily="34" charset="-122"/>
-              </a:rPr>
-              <a:t>swapaxes</a:t>
-            </a:r>
-            <a:r>
-              <a:rPr lang="en-US" altLang="zh-CN" sz="1600">
-                <a:solidFill>
-                  <a:schemeClr val="accent5">
-                    <a:lumMod val="75000"/>
-                  </a:schemeClr>
-                </a:solidFill>
-                <a:latin typeface="微软雅黑" pitchFamily="34" charset="-122"/>
-                <a:ea typeface="微软雅黑" pitchFamily="34" charset="-122"/>
-              </a:rPr>
-              <a:t>	</a:t>
-            </a:r>
-            <a:r>
-              <a:rPr lang="zh-CN" altLang="en-US" sz="1600" smtClean="0">
-                <a:solidFill>
-                  <a:schemeClr val="accent5">
-                    <a:lumMod val="75000"/>
-                  </a:schemeClr>
-                </a:solidFill>
-                <a:latin typeface="微软雅黑" pitchFamily="34" charset="-122"/>
-                <a:ea typeface="微软雅黑" pitchFamily="34" charset="-122"/>
-              </a:rPr>
-              <a:t>，</a:t>
-            </a:r>
-            <a:r>
-              <a:rPr lang="zh-CN" altLang="en-US" sz="1600" smtClean="0">
-                <a:solidFill>
-                  <a:schemeClr val="accent5">
-                    <a:lumMod val="75000"/>
-                  </a:schemeClr>
-                </a:solidFill>
-                <a:latin typeface="微软雅黑" pitchFamily="34" charset="-122"/>
-                <a:ea typeface="微软雅黑" pitchFamily="34" charset="-122"/>
-              </a:rPr>
-              <a:t>各自功能分别如下：</a:t>
+              <a:t>，各自功能分别如下：</a:t>
             </a:r>
             <a:endParaRPr lang="en-US" altLang="zh-CN" sz="1600" smtClean="0">
               <a:solidFill>
@@ -29607,7 +29733,7 @@
       </p:sp>
       <p:pic>
         <p:nvPicPr>
-          <p:cNvPr id="3075" name="Picture 3"/>
+          <p:cNvPr id="1028" name="Picture 4"/>
           <p:cNvPicPr>
             <a:picLocks noChangeAspect="1" noChangeArrowheads="1"/>
           </p:cNvPicPr>
@@ -29628,8 +29754,8 @@
         </p:blipFill>
         <p:spPr bwMode="auto">
           <a:xfrm>
-            <a:off x="827584" y="1844824"/>
-            <a:ext cx="3176084" cy="1736356"/>
+            <a:off x="4427984" y="1824549"/>
+            <a:ext cx="3884683" cy="3967336"/>
           </a:xfrm>
           <a:prstGeom prst="rect">
             <a:avLst/>
@@ -29671,7 +29797,7 @@
       </p:pic>
       <p:pic>
         <p:nvPicPr>
-          <p:cNvPr id="3076" name="Picture 4"/>
+          <p:cNvPr id="1029" name="Picture 5"/>
           <p:cNvPicPr>
             <a:picLocks noChangeAspect="1" noChangeArrowheads="1"/>
           </p:cNvPicPr>
@@ -29692,8 +29818,8 @@
         </p:blipFill>
         <p:spPr bwMode="auto">
           <a:xfrm>
-            <a:off x="4250556" y="1844824"/>
-            <a:ext cx="4137868" cy="3960440"/>
+            <a:off x="971600" y="1844824"/>
+            <a:ext cx="3196631" cy="2016224"/>
           </a:xfrm>
           <a:prstGeom prst="rect">
             <a:avLst/>
@@ -29838,7 +29964,7 @@
                                           </p:stCondLst>
                                         </p:cTn>
                                         <p:tgtEl>
-                                          <p:spTgt spid="3075"/>
+                                          <p:spTgt spid="1029"/>
                                         </p:tgtEl>
                                         <p:attrNameLst>
                                           <p:attrName>style.visibility</p:attrName>
@@ -29852,7 +29978,7 @@
                                       <p:cBhvr>
                                         <p:cTn id="12" dur="500" fill="hold"/>
                                         <p:tgtEl>
-                                          <p:spTgt spid="3075"/>
+                                          <p:spTgt spid="1029"/>
                                         </p:tgtEl>
                                         <p:attrNameLst>
                                           <p:attrName>ppt_w</p:attrName>
@@ -29875,7 +30001,7 @@
                                       <p:cBhvr>
                                         <p:cTn id="13" dur="500" fill="hold"/>
                                         <p:tgtEl>
-                                          <p:spTgt spid="3075"/>
+                                          <p:spTgt spid="1029"/>
                                         </p:tgtEl>
                                         <p:attrNameLst>
                                           <p:attrName>ppt_h</p:attrName>
@@ -29898,7 +30024,7 @@
                                       <p:cBhvr>
                                         <p:cTn id="14" dur="500"/>
                                         <p:tgtEl>
-                                          <p:spTgt spid="3075"/>
+                                          <p:spTgt spid="1029"/>
                                         </p:tgtEl>
                                       </p:cBhvr>
                                     </p:animEffect>
@@ -29937,7 +30063,7 @@
                                           </p:stCondLst>
                                         </p:cTn>
                                         <p:tgtEl>
-                                          <p:spTgt spid="3076"/>
+                                          <p:spTgt spid="1028"/>
                                         </p:tgtEl>
                                         <p:attrNameLst>
                                           <p:attrName>style.visibility</p:attrName>
@@ -29951,7 +30077,7 @@
                                       <p:cBhvr>
                                         <p:cTn id="19" dur="500" fill="hold"/>
                                         <p:tgtEl>
-                                          <p:spTgt spid="3076"/>
+                                          <p:spTgt spid="1028"/>
                                         </p:tgtEl>
                                         <p:attrNameLst>
                                           <p:attrName>ppt_w</p:attrName>
@@ -29974,7 +30100,7 @@
                                       <p:cBhvr>
                                         <p:cTn id="20" dur="500" fill="hold"/>
                                         <p:tgtEl>
-                                          <p:spTgt spid="3076"/>
+                                          <p:spTgt spid="1028"/>
                                         </p:tgtEl>
                                         <p:attrNameLst>
                                           <p:attrName>ppt_h</p:attrName>
@@ -29997,7 +30123,7 @@
                                       <p:cBhvr>
                                         <p:cTn id="21" dur="500"/>
                                         <p:tgtEl>
-                                          <p:spTgt spid="3076"/>
+                                          <p:spTgt spid="1028"/>
                                         </p:tgtEl>
                                       </p:cBhvr>
                                     </p:animEffect>
@@ -30125,19 +30251,7 @@
                 <a:latin typeface="微软雅黑" pitchFamily="34" charset="-122"/>
                 <a:ea typeface="微软雅黑" pitchFamily="34" charset="-122"/>
               </a:rPr>
-              <a:t>修改</a:t>
-            </a:r>
-            <a:r>
-              <a:rPr lang="zh-CN" altLang="en-US" b="1">
-                <a:solidFill>
-                  <a:schemeClr val="accent5">
-                    <a:lumMod val="50000"/>
-                  </a:schemeClr>
-                </a:solidFill>
-                <a:latin typeface="微软雅黑" pitchFamily="34" charset="-122"/>
-                <a:ea typeface="微软雅黑" pitchFamily="34" charset="-122"/>
-              </a:rPr>
-              <a:t>数组</a:t>
+              <a:t>修改数组</a:t>
             </a:r>
             <a:r>
               <a:rPr lang="zh-CN" altLang="en-US" b="1" smtClean="0">
@@ -30189,7 +30303,91 @@
                 <a:latin typeface="微软雅黑" pitchFamily="34" charset="-122"/>
                 <a:ea typeface="微软雅黑" pitchFamily="34" charset="-122"/>
               </a:rPr>
-              <a:t>修改数组维度的函数</a:t>
+              <a:t>修改数组维度的函数主要有</a:t>
+            </a:r>
+            <a:r>
+              <a:rPr lang="en-US" altLang="zh-CN" sz="1600">
+                <a:solidFill>
+                  <a:schemeClr val="accent5">
+                    <a:lumMod val="75000"/>
+                  </a:schemeClr>
+                </a:solidFill>
+                <a:latin typeface="微软雅黑" pitchFamily="34" charset="-122"/>
+                <a:ea typeface="微软雅黑" pitchFamily="34" charset="-122"/>
+              </a:rPr>
+              <a:t>broadcast</a:t>
+            </a:r>
+            <a:r>
+              <a:rPr lang="zh-CN" altLang="en-US" sz="1600">
+                <a:solidFill>
+                  <a:schemeClr val="accent5">
+                    <a:lumMod val="75000"/>
+                  </a:schemeClr>
+                </a:solidFill>
+                <a:latin typeface="微软雅黑" pitchFamily="34" charset="-122"/>
+                <a:ea typeface="微软雅黑" pitchFamily="34" charset="-122"/>
+              </a:rPr>
+              <a:t>、</a:t>
+            </a:r>
+            <a:r>
+              <a:rPr lang="en-US" altLang="zh-CN" sz="1600">
+                <a:solidFill>
+                  <a:schemeClr val="accent5">
+                    <a:lumMod val="75000"/>
+                  </a:schemeClr>
+                </a:solidFill>
+                <a:latin typeface="微软雅黑" pitchFamily="34" charset="-122"/>
+                <a:ea typeface="微软雅黑" pitchFamily="34" charset="-122"/>
+              </a:rPr>
+              <a:t>broadcast_to</a:t>
+            </a:r>
+            <a:r>
+              <a:rPr lang="zh-CN" altLang="en-US" sz="1600">
+                <a:solidFill>
+                  <a:schemeClr val="accent5">
+                    <a:lumMod val="75000"/>
+                  </a:schemeClr>
+                </a:solidFill>
+                <a:latin typeface="微软雅黑" pitchFamily="34" charset="-122"/>
+                <a:ea typeface="微软雅黑" pitchFamily="34" charset="-122"/>
+              </a:rPr>
+              <a:t>、</a:t>
+            </a:r>
+            <a:r>
+              <a:rPr lang="en-US" altLang="zh-CN" sz="1600">
+                <a:solidFill>
+                  <a:schemeClr val="accent5">
+                    <a:lumMod val="75000"/>
+                  </a:schemeClr>
+                </a:solidFill>
+                <a:latin typeface="微软雅黑" pitchFamily="34" charset="-122"/>
+                <a:ea typeface="微软雅黑" pitchFamily="34" charset="-122"/>
+              </a:rPr>
+              <a:t>expand_dims</a:t>
+            </a:r>
+            <a:r>
+              <a:rPr lang="zh-CN" altLang="en-US" sz="1600">
+                <a:solidFill>
+                  <a:schemeClr val="accent5">
+                    <a:lumMod val="75000"/>
+                  </a:schemeClr>
+                </a:solidFill>
+                <a:latin typeface="微软雅黑" pitchFamily="34" charset="-122"/>
+                <a:ea typeface="微软雅黑" pitchFamily="34" charset="-122"/>
+              </a:rPr>
+              <a:t>、</a:t>
+            </a:r>
+            <a:r>
+              <a:rPr lang="en-US" altLang="zh-CN" sz="1600">
+                <a:solidFill>
+                  <a:schemeClr val="accent5">
+                    <a:lumMod val="75000"/>
+                  </a:schemeClr>
+                </a:solidFill>
+                <a:latin typeface="微软雅黑" pitchFamily="34" charset="-122"/>
+                <a:ea typeface="微软雅黑" pitchFamily="34" charset="-122"/>
+              </a:rPr>
+              <a:t>squeeze</a:t>
             </a:r>
             <a:r>
               <a:rPr lang="zh-CN" altLang="en-US" sz="1600" smtClean="0">
@@ -30201,127 +30399,7 @@
                 <a:latin typeface="微软雅黑" pitchFamily="34" charset="-122"/>
                 <a:ea typeface="微软雅黑" pitchFamily="34" charset="-122"/>
               </a:rPr>
-              <a:t>主要</a:t>
-            </a:r>
-            <a:r>
-              <a:rPr lang="zh-CN" altLang="en-US" sz="1600" smtClean="0">
-                <a:solidFill>
-                  <a:schemeClr val="accent5">
-                    <a:lumMod val="75000"/>
-                  </a:schemeClr>
-                </a:solidFill>
-                <a:latin typeface="微软雅黑" pitchFamily="34" charset="-122"/>
-                <a:ea typeface="微软雅黑" pitchFamily="34" charset="-122"/>
-              </a:rPr>
-              <a:t>有</a:t>
-            </a:r>
-            <a:r>
-              <a:rPr lang="en-US" altLang="zh-CN" sz="1600">
-                <a:solidFill>
-                  <a:schemeClr val="accent5">
-                    <a:lumMod val="75000"/>
-                  </a:schemeClr>
-                </a:solidFill>
-                <a:latin typeface="微软雅黑" pitchFamily="34" charset="-122"/>
-                <a:ea typeface="微软雅黑" pitchFamily="34" charset="-122"/>
-              </a:rPr>
-              <a:t>broadcast</a:t>
-            </a:r>
-            <a:r>
-              <a:rPr lang="zh-CN" altLang="en-US" sz="1600">
-                <a:solidFill>
-                  <a:schemeClr val="accent5">
-                    <a:lumMod val="75000"/>
-                  </a:schemeClr>
-                </a:solidFill>
-                <a:latin typeface="微软雅黑" pitchFamily="34" charset="-122"/>
-                <a:ea typeface="微软雅黑" pitchFamily="34" charset="-122"/>
-              </a:rPr>
-              <a:t>、</a:t>
-            </a:r>
-            <a:r>
-              <a:rPr lang="en-US" altLang="zh-CN" sz="1600">
-                <a:solidFill>
-                  <a:schemeClr val="accent5">
-                    <a:lumMod val="75000"/>
-                  </a:schemeClr>
-                </a:solidFill>
-                <a:latin typeface="微软雅黑" pitchFamily="34" charset="-122"/>
-                <a:ea typeface="微软雅黑" pitchFamily="34" charset="-122"/>
-              </a:rPr>
-              <a:t>broadcast_to</a:t>
-            </a:r>
-            <a:r>
-              <a:rPr lang="zh-CN" altLang="en-US" sz="1600">
-                <a:solidFill>
-                  <a:schemeClr val="accent5">
-                    <a:lumMod val="75000"/>
-                  </a:schemeClr>
-                </a:solidFill>
-                <a:latin typeface="微软雅黑" pitchFamily="34" charset="-122"/>
-                <a:ea typeface="微软雅黑" pitchFamily="34" charset="-122"/>
-              </a:rPr>
-              <a:t>、</a:t>
-            </a:r>
-            <a:r>
-              <a:rPr lang="en-US" altLang="zh-CN" sz="1600">
-                <a:solidFill>
-                  <a:schemeClr val="accent5">
-                    <a:lumMod val="75000"/>
-                  </a:schemeClr>
-                </a:solidFill>
-                <a:latin typeface="微软雅黑" pitchFamily="34" charset="-122"/>
-                <a:ea typeface="微软雅黑" pitchFamily="34" charset="-122"/>
-              </a:rPr>
-              <a:t>expand_dims</a:t>
-            </a:r>
-            <a:r>
-              <a:rPr lang="zh-CN" altLang="en-US" sz="1600">
-                <a:solidFill>
-                  <a:schemeClr val="accent5">
-                    <a:lumMod val="75000"/>
-                  </a:schemeClr>
-                </a:solidFill>
-                <a:latin typeface="微软雅黑" pitchFamily="34" charset="-122"/>
-                <a:ea typeface="微软雅黑" pitchFamily="34" charset="-122"/>
-              </a:rPr>
-              <a:t>、</a:t>
-            </a:r>
-            <a:r>
-              <a:rPr lang="en-US" altLang="zh-CN" sz="1600">
-                <a:solidFill>
-                  <a:schemeClr val="accent5">
-                    <a:lumMod val="75000"/>
-                  </a:schemeClr>
-                </a:solidFill>
-                <a:latin typeface="微软雅黑" pitchFamily="34" charset="-122"/>
-                <a:ea typeface="微软雅黑" pitchFamily="34" charset="-122"/>
-              </a:rPr>
-              <a:t>squeeze</a:t>
-            </a:r>
-            <a:r>
-              <a:rPr lang="zh-CN" altLang="en-US" sz="1600" smtClean="0">
-                <a:solidFill>
-                  <a:schemeClr val="accent5">
-                    <a:lumMod val="75000"/>
-                  </a:schemeClr>
-                </a:solidFill>
-                <a:latin typeface="微软雅黑" pitchFamily="34" charset="-122"/>
-                <a:ea typeface="微软雅黑" pitchFamily="34" charset="-122"/>
-              </a:rPr>
-              <a:t>，</a:t>
-            </a:r>
-            <a:r>
-              <a:rPr lang="zh-CN" altLang="en-US" sz="1600" smtClean="0">
-                <a:solidFill>
-                  <a:schemeClr val="accent5">
-                    <a:lumMod val="75000"/>
-                  </a:schemeClr>
-                </a:solidFill>
-                <a:latin typeface="微软雅黑" pitchFamily="34" charset="-122"/>
-                <a:ea typeface="微软雅黑" pitchFamily="34" charset="-122"/>
-              </a:rPr>
-              <a:t>各自功能分别如下：</a:t>
+              <a:t>，各自功能分别如下：</a:t>
             </a:r>
             <a:endParaRPr lang="en-US" altLang="zh-CN" sz="1600" smtClean="0">
               <a:solidFill>
@@ -30944,7 +31022,7 @@
               <a:t>—</a:t>
             </a:r>
             <a:r>
-              <a:rPr lang="zh-CN" altLang="en-US" b="1">
+              <a:rPr lang="zh-CN" altLang="en-US" b="1" smtClean="0">
                 <a:solidFill>
                   <a:schemeClr val="accent5">
                     <a:lumMod val="50000"/>
@@ -30953,7 +31031,7 @@
                 <a:latin typeface="微软雅黑" pitchFamily="34" charset="-122"/>
                 <a:ea typeface="微软雅黑" pitchFamily="34" charset="-122"/>
               </a:rPr>
-              <a:t>翻转数组</a:t>
+              <a:t>修改数组维度</a:t>
             </a:r>
             <a:r>
               <a:rPr lang="en-US" altLang="zh-CN" b="1" smtClean="0">
@@ -30993,7 +31071,7 @@
       </p:sp>
       <p:pic>
         <p:nvPicPr>
-          <p:cNvPr id="3075" name="Picture 3"/>
+          <p:cNvPr id="2052" name="Picture 4"/>
           <p:cNvPicPr>
             <a:picLocks noChangeAspect="1" noChangeArrowheads="1"/>
           </p:cNvPicPr>
@@ -31014,72 +31092,8 @@
         </p:blipFill>
         <p:spPr bwMode="auto">
           <a:xfrm>
-            <a:off x="827584" y="1844824"/>
-            <a:ext cx="3176084" cy="1736356"/>
-          </a:xfrm>
-          <a:prstGeom prst="rect">
-            <a:avLst/>
-          </a:prstGeom>
-          <a:noFill/>
-          <a:ln>
-            <a:noFill/>
-          </a:ln>
-          <a:effectLst/>
-          <a:extLst>
-            <a:ext uri="{909E8E84-426E-40DD-AFC4-6F175D3DCCD1}">
-              <a14:hiddenFill xmlns:a14="http://schemas.microsoft.com/office/drawing/2010/main">
-                <a:solidFill>
-                  <a:schemeClr val="accent1"/>
-                </a:solidFill>
-              </a14:hiddenFill>
-            </a:ext>
-            <a:ext uri="{91240B29-F687-4F45-9708-019B960494DF}">
-              <a14:hiddenLine xmlns:a14="http://schemas.microsoft.com/office/drawing/2010/main" w="9525">
-                <a:solidFill>
-                  <a:schemeClr val="tx1"/>
-                </a:solidFill>
-                <a:miter lim="800000"/>
-                <a:headEnd/>
-                <a:tailEnd/>
-              </a14:hiddenLine>
-            </a:ext>
-            <a:ext uri="{AF507438-7753-43E0-B8FC-AC1667EBCBE1}">
-              <a14:hiddenEffects xmlns:a14="http://schemas.microsoft.com/office/drawing/2010/main">
-                <a:effectLst>
-                  <a:outerShdw dist="35921" dir="2700000" algn="ctr" rotWithShape="0">
-                    <a:schemeClr val="bg2"/>
-                  </a:outerShdw>
-                </a:effectLst>
-              </a14:hiddenEffects>
-            </a:ext>
-          </a:extLst>
-        </p:spPr>
-      </p:pic>
-      <p:pic>
-        <p:nvPicPr>
-          <p:cNvPr id="3076" name="Picture 4"/>
-          <p:cNvPicPr>
-            <a:picLocks noChangeAspect="1" noChangeArrowheads="1"/>
-          </p:cNvPicPr>
-          <p:nvPr/>
-        </p:nvPicPr>
-        <p:blipFill>
-          <a:blip r:embed="rId3">
-            <a:extLst>
-              <a:ext uri="{28A0092B-C50C-407E-A947-70E740481C1C}">
-                <a14:useLocalDpi xmlns:a14="http://schemas.microsoft.com/office/drawing/2010/main" val="0"/>
-              </a:ext>
-            </a:extLst>
-          </a:blip>
-          <a:srcRect/>
-          <a:stretch>
-            <a:fillRect/>
-          </a:stretch>
-        </p:blipFill>
-        <p:spPr bwMode="auto">
-          <a:xfrm>
-            <a:off x="4250556" y="1844824"/>
-            <a:ext cx="4137868" cy="3960440"/>
+            <a:off x="2860160" y="1665337"/>
+            <a:ext cx="3423680" cy="4427959"/>
           </a:xfrm>
           <a:prstGeom prst="rect">
             <a:avLst/>
@@ -31186,204 +31200,6 @@
                                               <p:pRg st="0" end="0"/>
                                             </p:txEl>
                                           </p:spTgt>
-                                        </p:tgtEl>
-                                      </p:cBhvr>
-                                    </p:animEffect>
-                                  </p:childTnLst>
-                                </p:cTn>
-                              </p:par>
-                            </p:childTnLst>
-                          </p:cTn>
-                        </p:par>
-                      </p:childTnLst>
-                    </p:cTn>
-                  </p:par>
-                  <p:par>
-                    <p:cTn id="8" fill="hold">
-                      <p:stCondLst>
-                        <p:cond delay="indefinite"/>
-                      </p:stCondLst>
-                      <p:childTnLst>
-                        <p:par>
-                          <p:cTn id="9" fill="hold">
-                            <p:stCondLst>
-                              <p:cond delay="0"/>
-                            </p:stCondLst>
-                            <p:childTnLst>
-                              <p:par>
-                                <p:cTn id="10" presetID="53" presetClass="entr" presetSubtype="16" fill="hold" nodeType="clickEffect">
-                                  <p:stCondLst>
-                                    <p:cond delay="0"/>
-                                  </p:stCondLst>
-                                  <p:childTnLst>
-                                    <p:set>
-                                      <p:cBhvr>
-                                        <p:cTn id="11" dur="1" fill="hold">
-                                          <p:stCondLst>
-                                            <p:cond delay="0"/>
-                                          </p:stCondLst>
-                                        </p:cTn>
-                                        <p:tgtEl>
-                                          <p:spTgt spid="3075"/>
-                                        </p:tgtEl>
-                                        <p:attrNameLst>
-                                          <p:attrName>style.visibility</p:attrName>
-                                        </p:attrNameLst>
-                                      </p:cBhvr>
-                                      <p:to>
-                                        <p:strVal val="visible"/>
-                                      </p:to>
-                                    </p:set>
-                                    <p:anim calcmode="lin" valueType="num">
-                                      <p:cBhvr>
-                                        <p:cTn id="12" dur="500" fill="hold"/>
-                                        <p:tgtEl>
-                                          <p:spTgt spid="3075"/>
-                                        </p:tgtEl>
-                                        <p:attrNameLst>
-                                          <p:attrName>ppt_w</p:attrName>
-                                        </p:attrNameLst>
-                                      </p:cBhvr>
-                                      <p:tavLst>
-                                        <p:tav tm="0">
-                                          <p:val>
-                                            <p:fltVal val="0"/>
-                                          </p:val>
-                                        </p:tav>
-                                        <p:tav tm="100000">
-                                          <p:val>
-                                            <p:strVal val="#ppt_w"/>
-                                          </p:val>
-                                        </p:tav>
-                                      </p:tavLst>
-                                    </p:anim>
-                                    <p:anim calcmode="lin" valueType="num">
-                                      <p:cBhvr>
-                                        <p:cTn id="13" dur="500" fill="hold"/>
-                                        <p:tgtEl>
-                                          <p:spTgt spid="3075"/>
-                                        </p:tgtEl>
-                                        <p:attrNameLst>
-                                          <p:attrName>ppt_h</p:attrName>
-                                        </p:attrNameLst>
-                                      </p:cBhvr>
-                                      <p:tavLst>
-                                        <p:tav tm="0">
-                                          <p:val>
-                                            <p:fltVal val="0"/>
-                                          </p:val>
-                                        </p:tav>
-                                        <p:tav tm="100000">
-                                          <p:val>
-                                            <p:strVal val="#ppt_h"/>
-                                          </p:val>
-                                        </p:tav>
-                                      </p:tavLst>
-                                    </p:anim>
-                                    <p:animEffect transition="in" filter="fade">
-                                      <p:cBhvr>
-                                        <p:cTn id="14" dur="500"/>
-                                        <p:tgtEl>
-                                          <p:spTgt spid="3075"/>
-                                        </p:tgtEl>
-                                      </p:cBhvr>
-                                    </p:animEffect>
-                                  </p:childTnLst>
-                                </p:cTn>
-                              </p:par>
-                            </p:childTnLst>
-                          </p:cTn>
-                        </p:par>
-                      </p:childTnLst>
-                    </p:cTn>
-                  </p:par>
-                  <p:par>
-                    <p:cTn id="15" fill="hold">
-                      <p:stCondLst>
-                        <p:cond delay="indefinite"/>
-                      </p:stCondLst>
-                      <p:childTnLst>
-                        <p:par>
-                          <p:cTn id="16" fill="hold">
-                            <p:stCondLst>
-                              <p:cond delay="0"/>
-                            </p:stCondLst>
-                            <p:childTnLst>
-                              <p:par>
-                                <p:cTn id="17" presetID="53" presetClass="entr" presetSubtype="16" fill="hold" nodeType="clickEffect">
-                                  <p:stCondLst>
-                                    <p:cond delay="0"/>
-                                  </p:stCondLst>
-                                  <p:childTnLst>
-                                    <p:set>
-                                      <p:cBhvr>
-                                        <p:cTn id="18" dur="1" fill="hold">
-                                          <p:stCondLst>
-                                            <p:cond delay="0"/>
-                                          </p:stCondLst>
-                                        </p:cTn>
-                                        <p:tgtEl>
-                                          <p:spTgt spid="3076"/>
-                                        </p:tgtEl>
-                                        <p:attrNameLst>
-                                          <p:attrName>style.visibility</p:attrName>
-                                        </p:attrNameLst>
-                                      </p:cBhvr>
-                                      <p:to>
-                                        <p:strVal val="visible"/>
-                                      </p:to>
-                                    </p:set>
-                                    <p:anim calcmode="lin" valueType="num">
-                                      <p:cBhvr>
-                                        <p:cTn id="19" dur="500" fill="hold"/>
-                                        <p:tgtEl>
-                                          <p:spTgt spid="3076"/>
-                                        </p:tgtEl>
-                                        <p:attrNameLst>
-                                          <p:attrName>ppt_w</p:attrName>
-                                        </p:attrNameLst>
-                                      </p:cBhvr>
-                                      <p:tavLst>
-                                        <p:tav tm="0">
-                                          <p:val>
-                                            <p:fltVal val="0"/>
-                                          </p:val>
-                                        </p:tav>
-                                        <p:tav tm="100000">
-                                          <p:val>
-                                            <p:strVal val="#ppt_w"/>
-                                          </p:val>
-                                        </p:tav>
-                                      </p:tavLst>
-                                    </p:anim>
-                                    <p:anim calcmode="lin" valueType="num">
-                                      <p:cBhvr>
-                                        <p:cTn id="20" dur="500" fill="hold"/>
-                                        <p:tgtEl>
-                                          <p:spTgt spid="3076"/>
-                                        </p:tgtEl>
-                                        <p:attrNameLst>
-                                          <p:attrName>ppt_h</p:attrName>
-                                        </p:attrNameLst>
-                                      </p:cBhvr>
-                                      <p:tavLst>
-                                        <p:tav tm="0">
-                                          <p:val>
-                                            <p:fltVal val="0"/>
-                                          </p:val>
-                                        </p:tav>
-                                        <p:tav tm="100000">
-                                          <p:val>
-                                            <p:strVal val="#ppt_h"/>
-                                          </p:val>
-                                        </p:tav>
-                                      </p:tavLst>
-                                    </p:anim>
-                                    <p:animEffect transition="in" filter="fade">
-                                      <p:cBhvr>
-                                        <p:cTn id="21" dur="500"/>
-                                        <p:tgtEl>
-                                          <p:spTgt spid="3076"/>
                                         </p:tgtEl>
                                       </p:cBhvr>
                                     </p:animEffect>

--- a/Python-Data-Analysis.pptx
+++ b/Python-Data-Analysis.pptx
@@ -5,7 +5,7 @@
     <p:sldMasterId id="2147483648" r:id="rId1"/>
   </p:sldMasterIdLst>
   <p:notesMasterIdLst>
-    <p:notesMasterId r:id="rId43"/>
+    <p:notesMasterId r:id="rId50"/>
   </p:notesMasterIdLst>
   <p:sldIdLst>
     <p:sldId id="256" r:id="rId2"/>
@@ -48,7 +48,14 @@
     <p:sldId id="295" r:id="rId39"/>
     <p:sldId id="296" r:id="rId40"/>
     <p:sldId id="297" r:id="rId41"/>
-    <p:sldId id="259" r:id="rId42"/>
+    <p:sldId id="298" r:id="rId42"/>
+    <p:sldId id="299" r:id="rId43"/>
+    <p:sldId id="300" r:id="rId44"/>
+    <p:sldId id="301" r:id="rId45"/>
+    <p:sldId id="302" r:id="rId46"/>
+    <p:sldId id="303" r:id="rId47"/>
+    <p:sldId id="304" r:id="rId48"/>
+    <p:sldId id="259" r:id="rId49"/>
   </p:sldIdLst>
   <p:sldSz cx="9144000" cy="6858000" type="screen4x3"/>
   <p:notesSz cx="6858000" cy="9144000"/>
@@ -1004,6 +1011,258 @@
 </p:notes>
 </file>
 
+<file path=ppt/notesSlides/notesSlide7.xml><?xml version="1.0" encoding="utf-8"?>
+<p:notes xmlns:a="http://schemas.openxmlformats.org/drawingml/2006/main" xmlns:r="http://schemas.openxmlformats.org/officeDocument/2006/relationships" xmlns:p="http://schemas.openxmlformats.org/presentationml/2006/main">
+  <p:cSld>
+    <p:spTree>
+      <p:nvGrpSpPr>
+        <p:cNvPr id="1" name=""/>
+        <p:cNvGrpSpPr/>
+        <p:nvPr/>
+      </p:nvGrpSpPr>
+      <p:grpSpPr>
+        <a:xfrm>
+          <a:off x="0" y="0"/>
+          <a:ext cx="0" cy="0"/>
+          <a:chOff x="0" y="0"/>
+          <a:chExt cx="0" cy="0"/>
+        </a:xfrm>
+      </p:grpSpPr>
+      <p:sp>
+        <p:nvSpPr>
+          <p:cNvPr id="2" name="幻灯片图像占位符 1"/>
+          <p:cNvSpPr>
+            <a:spLocks noGrp="1" noRot="1" noChangeAspect="1"/>
+          </p:cNvSpPr>
+          <p:nvPr>
+            <p:ph type="sldImg"/>
+          </p:nvPr>
+        </p:nvSpPr>
+        <p:spPr/>
+      </p:sp>
+      <p:sp>
+        <p:nvSpPr>
+          <p:cNvPr id="3" name="备注占位符 2"/>
+          <p:cNvSpPr>
+            <a:spLocks noGrp="1"/>
+          </p:cNvSpPr>
+          <p:nvPr>
+            <p:ph type="body" idx="1"/>
+          </p:nvPr>
+        </p:nvSpPr>
+        <p:spPr/>
+        <p:txBody>
+          <a:bodyPr/>
+          <a:lstStyle/>
+          <a:p>
+            <a:endParaRPr lang="zh-CN" altLang="en-US"/>
+          </a:p>
+        </p:txBody>
+      </p:sp>
+      <p:sp>
+        <p:nvSpPr>
+          <p:cNvPr id="4" name="灯片编号占位符 3"/>
+          <p:cNvSpPr>
+            <a:spLocks noGrp="1"/>
+          </p:cNvSpPr>
+          <p:nvPr>
+            <p:ph type="sldNum" sz="quarter" idx="10"/>
+          </p:nvPr>
+        </p:nvSpPr>
+        <p:spPr/>
+        <p:txBody>
+          <a:bodyPr/>
+          <a:lstStyle/>
+          <a:p>
+            <a:fld id="{F4C61C4C-4C18-4A01-AD54-50B462009B3C}" type="slidenum">
+              <a:rPr lang="zh-CN" altLang="en-US" smtClean="0"/>
+              <a:t>44</a:t>
+            </a:fld>
+            <a:endParaRPr lang="zh-CN" altLang="en-US"/>
+          </a:p>
+        </p:txBody>
+      </p:sp>
+    </p:spTree>
+    <p:extLst>
+      <p:ext uri="{BB962C8B-B14F-4D97-AF65-F5344CB8AC3E}">
+        <p14:creationId xmlns:p14="http://schemas.microsoft.com/office/powerpoint/2010/main" val="3991013965"/>
+      </p:ext>
+    </p:extLst>
+  </p:cSld>
+  <p:clrMapOvr>
+    <a:masterClrMapping/>
+  </p:clrMapOvr>
+</p:notes>
+</file>
+
+<file path=ppt/notesSlides/notesSlide8.xml><?xml version="1.0" encoding="utf-8"?>
+<p:notes xmlns:a="http://schemas.openxmlformats.org/drawingml/2006/main" xmlns:r="http://schemas.openxmlformats.org/officeDocument/2006/relationships" xmlns:p="http://schemas.openxmlformats.org/presentationml/2006/main">
+  <p:cSld>
+    <p:spTree>
+      <p:nvGrpSpPr>
+        <p:cNvPr id="1" name=""/>
+        <p:cNvGrpSpPr/>
+        <p:nvPr/>
+      </p:nvGrpSpPr>
+      <p:grpSpPr>
+        <a:xfrm>
+          <a:off x="0" y="0"/>
+          <a:ext cx="0" cy="0"/>
+          <a:chOff x="0" y="0"/>
+          <a:chExt cx="0" cy="0"/>
+        </a:xfrm>
+      </p:grpSpPr>
+      <p:sp>
+        <p:nvSpPr>
+          <p:cNvPr id="2" name="幻灯片图像占位符 1"/>
+          <p:cNvSpPr>
+            <a:spLocks noGrp="1" noRot="1" noChangeAspect="1"/>
+          </p:cNvSpPr>
+          <p:nvPr>
+            <p:ph type="sldImg"/>
+          </p:nvPr>
+        </p:nvSpPr>
+        <p:spPr/>
+      </p:sp>
+      <p:sp>
+        <p:nvSpPr>
+          <p:cNvPr id="3" name="备注占位符 2"/>
+          <p:cNvSpPr>
+            <a:spLocks noGrp="1"/>
+          </p:cNvSpPr>
+          <p:nvPr>
+            <p:ph type="body" idx="1"/>
+          </p:nvPr>
+        </p:nvSpPr>
+        <p:spPr/>
+        <p:txBody>
+          <a:bodyPr/>
+          <a:lstStyle/>
+          <a:p>
+            <a:endParaRPr lang="zh-CN" altLang="en-US"/>
+          </a:p>
+        </p:txBody>
+      </p:sp>
+      <p:sp>
+        <p:nvSpPr>
+          <p:cNvPr id="4" name="灯片编号占位符 3"/>
+          <p:cNvSpPr>
+            <a:spLocks noGrp="1"/>
+          </p:cNvSpPr>
+          <p:nvPr>
+            <p:ph type="sldNum" sz="quarter" idx="10"/>
+          </p:nvPr>
+        </p:nvSpPr>
+        <p:spPr/>
+        <p:txBody>
+          <a:bodyPr/>
+          <a:lstStyle/>
+          <a:p>
+            <a:fld id="{F4C61C4C-4C18-4A01-AD54-50B462009B3C}" type="slidenum">
+              <a:rPr lang="zh-CN" altLang="en-US" smtClean="0"/>
+              <a:t>46</a:t>
+            </a:fld>
+            <a:endParaRPr lang="zh-CN" altLang="en-US"/>
+          </a:p>
+        </p:txBody>
+      </p:sp>
+    </p:spTree>
+    <p:extLst>
+      <p:ext uri="{BB962C8B-B14F-4D97-AF65-F5344CB8AC3E}">
+        <p14:creationId xmlns:p14="http://schemas.microsoft.com/office/powerpoint/2010/main" val="3991013965"/>
+      </p:ext>
+    </p:extLst>
+  </p:cSld>
+  <p:clrMapOvr>
+    <a:masterClrMapping/>
+  </p:clrMapOvr>
+</p:notes>
+</file>
+
+<file path=ppt/notesSlides/notesSlide9.xml><?xml version="1.0" encoding="utf-8"?>
+<p:notes xmlns:a="http://schemas.openxmlformats.org/drawingml/2006/main" xmlns:r="http://schemas.openxmlformats.org/officeDocument/2006/relationships" xmlns:p="http://schemas.openxmlformats.org/presentationml/2006/main">
+  <p:cSld>
+    <p:spTree>
+      <p:nvGrpSpPr>
+        <p:cNvPr id="1" name=""/>
+        <p:cNvGrpSpPr/>
+        <p:nvPr/>
+      </p:nvGrpSpPr>
+      <p:grpSpPr>
+        <a:xfrm>
+          <a:off x="0" y="0"/>
+          <a:ext cx="0" cy="0"/>
+          <a:chOff x="0" y="0"/>
+          <a:chExt cx="0" cy="0"/>
+        </a:xfrm>
+      </p:grpSpPr>
+      <p:sp>
+        <p:nvSpPr>
+          <p:cNvPr id="2" name="幻灯片图像占位符 1"/>
+          <p:cNvSpPr>
+            <a:spLocks noGrp="1" noRot="1" noChangeAspect="1"/>
+          </p:cNvSpPr>
+          <p:nvPr>
+            <p:ph type="sldImg"/>
+          </p:nvPr>
+        </p:nvSpPr>
+        <p:spPr/>
+      </p:sp>
+      <p:sp>
+        <p:nvSpPr>
+          <p:cNvPr id="3" name="备注占位符 2"/>
+          <p:cNvSpPr>
+            <a:spLocks noGrp="1"/>
+          </p:cNvSpPr>
+          <p:nvPr>
+            <p:ph type="body" idx="1"/>
+          </p:nvPr>
+        </p:nvSpPr>
+        <p:spPr/>
+        <p:txBody>
+          <a:bodyPr/>
+          <a:lstStyle/>
+          <a:p>
+            <a:endParaRPr lang="zh-CN" altLang="en-US"/>
+          </a:p>
+        </p:txBody>
+      </p:sp>
+      <p:sp>
+        <p:nvSpPr>
+          <p:cNvPr id="4" name="灯片编号占位符 3"/>
+          <p:cNvSpPr>
+            <a:spLocks noGrp="1"/>
+          </p:cNvSpPr>
+          <p:nvPr>
+            <p:ph type="sldNum" sz="quarter" idx="10"/>
+          </p:nvPr>
+        </p:nvSpPr>
+        <p:spPr/>
+        <p:txBody>
+          <a:bodyPr/>
+          <a:lstStyle/>
+          <a:p>
+            <a:fld id="{F4C61C4C-4C18-4A01-AD54-50B462009B3C}" type="slidenum">
+              <a:rPr lang="zh-CN" altLang="en-US" smtClean="0"/>
+              <a:t>47</a:t>
+            </a:fld>
+            <a:endParaRPr lang="zh-CN" altLang="en-US"/>
+          </a:p>
+        </p:txBody>
+      </p:sp>
+    </p:spTree>
+    <p:extLst>
+      <p:ext uri="{BB962C8B-B14F-4D97-AF65-F5344CB8AC3E}">
+        <p14:creationId xmlns:p14="http://schemas.microsoft.com/office/powerpoint/2010/main" val="3991013965"/>
+      </p:ext>
+    </p:extLst>
+  </p:cSld>
+  <p:clrMapOvr>
+    <a:masterClrMapping/>
+  </p:clrMapOvr>
+</p:notes>
+</file>
+
 <file path=ppt/slideLayouts/slideLayout1.xml><?xml version="1.0" encoding="utf-8"?>
 <p:sldLayout xmlns:a="http://schemas.openxmlformats.org/drawingml/2006/main" xmlns:r="http://schemas.openxmlformats.org/officeDocument/2006/relationships" xmlns:p="http://schemas.openxmlformats.org/presentationml/2006/main" preserve="1" userDrawn="1">
   <p:cSld name="제목 슬라이드">
@@ -16814,31 +17073,7 @@
                 <a:latin typeface="微软雅黑" pitchFamily="34" charset="-122"/>
                 <a:ea typeface="微软雅黑" pitchFamily="34" charset="-122"/>
               </a:rPr>
-              <a:t>下面代码从一</a:t>
-            </a:r>
-            <a:r>
-              <a:rPr lang="zh-CN" altLang="en-US" sz="1600" smtClean="0">
-                <a:solidFill>
-                  <a:schemeClr val="accent5">
-                    <a:lumMod val="75000"/>
-                  </a:schemeClr>
-                </a:solidFill>
-                <a:latin typeface="微软雅黑" pitchFamily="34" charset="-122"/>
-                <a:ea typeface="微软雅黑" pitchFamily="34" charset="-122"/>
-              </a:rPr>
-              <a:t>个可迭代对象创建</a:t>
-            </a:r>
-            <a:r>
-              <a:rPr lang="zh-CN" altLang="en-US" sz="1600" smtClean="0">
-                <a:solidFill>
-                  <a:schemeClr val="accent5">
-                    <a:lumMod val="75000"/>
-                  </a:schemeClr>
-                </a:solidFill>
-                <a:latin typeface="微软雅黑" pitchFamily="34" charset="-122"/>
-                <a:ea typeface="微软雅黑" pitchFamily="34" charset="-122"/>
-              </a:rPr>
-              <a:t>一个</a:t>
+              <a:t>下面代码从一个可迭代对象创建一个</a:t>
             </a:r>
             <a:r>
               <a:rPr lang="en-US" altLang="zh-CN" sz="1600" smtClean="0">
@@ -28634,100 +28869,6 @@
           </a:extLst>
         </p:spPr>
       </p:pic>
-      <p:sp>
-        <p:nvSpPr>
-          <p:cNvPr id="6" name="TextBox 5"/>
-          <p:cNvSpPr txBox="1"/>
-          <p:nvPr/>
-        </p:nvSpPr>
-        <p:spPr>
-          <a:xfrm>
-            <a:off x="1744843" y="5346998"/>
-            <a:ext cx="4752528" cy="307777"/>
-          </a:xfrm>
-          <a:prstGeom prst="rect">
-            <a:avLst/>
-          </a:prstGeom>
-          <a:ln>
-            <a:noFill/>
-          </a:ln>
-        </p:spPr>
-        <p:style>
-          <a:lnRef idx="3">
-            <a:schemeClr val="lt1"/>
-          </a:lnRef>
-          <a:fillRef idx="1">
-            <a:schemeClr val="accent3"/>
-          </a:fillRef>
-          <a:effectRef idx="1">
-            <a:schemeClr val="accent3"/>
-          </a:effectRef>
-          <a:fontRef idx="minor">
-            <a:schemeClr val="lt1"/>
-          </a:fontRef>
-        </p:style>
-        <p:txBody>
-          <a:bodyPr wrap="square" rtlCol="0">
-            <a:spAutoFit/>
-          </a:bodyPr>
-          <a:lstStyle/>
-          <a:p>
-            <a:r>
-              <a:rPr lang="zh-CN" altLang="en-US" sz="1400" smtClean="0">
-                <a:latin typeface="微软雅黑" pitchFamily="34" charset="-122"/>
-                <a:ea typeface="微软雅黑" pitchFamily="34" charset="-122"/>
-              </a:rPr>
-              <a:t>注</a:t>
-            </a:r>
-            <a:r>
-              <a:rPr lang="zh-CN" altLang="en-US" sz="1400" smtClean="0">
-                <a:latin typeface="微软雅黑" pitchFamily="34" charset="-122"/>
-                <a:ea typeface="微软雅黑" pitchFamily="34" charset="-122"/>
-              </a:rPr>
-              <a:t>：这里</a:t>
-            </a:r>
-            <a:r>
-              <a:rPr lang="en-US" altLang="zh-CN" sz="1400" smtClean="0">
-                <a:latin typeface="微软雅黑" pitchFamily="34" charset="-122"/>
-                <a:ea typeface="微软雅黑" pitchFamily="34" charset="-122"/>
-              </a:rPr>
-              <a:t>NumPy</a:t>
-            </a:r>
-            <a:r>
-              <a:rPr lang="zh-CN" altLang="en-US" sz="1400" smtClean="0">
-                <a:latin typeface="微软雅黑" pitchFamily="34" charset="-122"/>
-                <a:ea typeface="微软雅黑" pitchFamily="34" charset="-122"/>
-              </a:rPr>
-              <a:t>的</a:t>
-            </a:r>
-            <a:r>
-              <a:rPr lang="en-US" altLang="zh-CN" sz="1400" smtClean="0">
-                <a:latin typeface="微软雅黑" pitchFamily="34" charset="-122"/>
-                <a:ea typeface="微软雅黑" pitchFamily="34" charset="-122"/>
-              </a:rPr>
-              <a:t>where</a:t>
-            </a:r>
-            <a:r>
-              <a:rPr lang="zh-CN" altLang="en-US" sz="1400" smtClean="0">
-                <a:latin typeface="微软雅黑" pitchFamily="34" charset="-122"/>
-                <a:ea typeface="微软雅黑" pitchFamily="34" charset="-122"/>
-              </a:rPr>
-              <a:t>函数用于返回满足条件的索引值。</a:t>
-            </a:r>
-            <a:r>
-              <a:rPr lang="en-US" altLang="zh-CN" sz="1400" smtClean="0">
-                <a:latin typeface="微软雅黑" pitchFamily="34" charset="-122"/>
-                <a:ea typeface="微软雅黑" pitchFamily="34" charset="-122"/>
-              </a:rPr>
-              <a:t> </a:t>
-            </a:r>
-            <a:endParaRPr lang="zh-CN" altLang="en-US" sz="1400">
-              <a:latin typeface="微软雅黑" pitchFamily="34" charset="-122"/>
-              <a:ea typeface="微软雅黑" pitchFamily="34" charset="-122"/>
-            </a:endParaRPr>
-          </a:p>
-        </p:txBody>
-      </p:sp>
     </p:spTree>
     <p:extLst>
       <p:ext uri="{BB962C8B-B14F-4D97-AF65-F5344CB8AC3E}">
@@ -29005,59 +29146,6 @@
                       </p:childTnLst>
                     </p:cTn>
                   </p:par>
-                  <p:par>
-                    <p:cTn id="22" fill="hold">
-                      <p:stCondLst>
-                        <p:cond delay="indefinite"/>
-                      </p:stCondLst>
-                      <p:childTnLst>
-                        <p:par>
-                          <p:cTn id="23" fill="hold">
-                            <p:stCondLst>
-                              <p:cond delay="0"/>
-                            </p:stCondLst>
-                            <p:childTnLst>
-                              <p:par>
-                                <p:cTn id="24" presetID="22" presetClass="entr" presetSubtype="4" fill="hold" grpId="0" nodeType="clickEffect">
-                                  <p:stCondLst>
-                                    <p:cond delay="0"/>
-                                  </p:stCondLst>
-                                  <p:childTnLst>
-                                    <p:set>
-                                      <p:cBhvr>
-                                        <p:cTn id="25" dur="1" fill="hold">
-                                          <p:stCondLst>
-                                            <p:cond delay="0"/>
-                                          </p:stCondLst>
-                                        </p:cTn>
-                                        <p:tgtEl>
-                                          <p:spTgt spid="6"/>
-                                        </p:tgtEl>
-                                        <p:attrNameLst>
-                                          <p:attrName>style.visibility</p:attrName>
-                                        </p:attrNameLst>
-                                      </p:cBhvr>
-                                      <p:to>
-                                        <p:strVal val="visible"/>
-                                      </p:to>
-                                    </p:set>
-                                    <p:animEffect transition="in" filter="wipe(down)">
-                                      <p:cBhvr>
-                                        <p:cTn id="26" dur="500"/>
-                                        <p:tgtEl>
-                                          <p:spTgt spid="6"/>
-                                        </p:tgtEl>
-                                      </p:cBhvr>
-                                    </p:animEffect>
-                                  </p:childTnLst>
-                                </p:cTn>
-                              </p:par>
-                            </p:childTnLst>
-                          </p:cTn>
-                        </p:par>
-                      </p:childTnLst>
-                    </p:cTn>
-                  </p:par>
                 </p:childTnLst>
               </p:cTn>
               <p:prevCondLst>
@@ -29079,9 +29167,6 @@
         </p:cTn>
       </p:par>
     </p:tnLst>
-    <p:bldLst>
-      <p:bldP spid="6" grpId="0" animBg="1"/>
-    </p:bldLst>
   </p:timing>
 </p:sld>
 </file>
@@ -29566,6 +29651,105 @@
                                               <p:pRg st="1" end="1"/>
                                             </p:txEl>
                                           </p:spTgt>
+                                        </p:tgtEl>
+                                      </p:cBhvr>
+                                    </p:animEffect>
+                                  </p:childTnLst>
+                                </p:cTn>
+                              </p:par>
+                            </p:childTnLst>
+                          </p:cTn>
+                        </p:par>
+                      </p:childTnLst>
+                    </p:cTn>
+                  </p:par>
+                  <p:par>
+                    <p:cTn id="13" fill="hold">
+                      <p:stCondLst>
+                        <p:cond delay="indefinite"/>
+                      </p:stCondLst>
+                      <p:childTnLst>
+                        <p:par>
+                          <p:cTn id="14" fill="hold">
+                            <p:stCondLst>
+                              <p:cond delay="0"/>
+                            </p:stCondLst>
+                            <p:childTnLst>
+                              <p:par>
+                                <p:cTn id="15" presetID="53" presetClass="entr" presetSubtype="16" fill="hold" nodeType="clickEffect">
+                                  <p:stCondLst>
+                                    <p:cond delay="0"/>
+                                  </p:stCondLst>
+                                  <p:childTnLst>
+                                    <p:set>
+                                      <p:cBhvr>
+                                        <p:cTn id="16" dur="1" fill="hold">
+                                          <p:stCondLst>
+                                            <p:cond delay="0"/>
+                                          </p:stCondLst>
+                                        </p:cTn>
+                                        <p:tgtEl>
+                                          <p:spTgt spid="2050"/>
+                                        </p:tgtEl>
+                                        <p:attrNameLst>
+                                          <p:attrName>style.visibility</p:attrName>
+                                        </p:attrNameLst>
+                                      </p:cBhvr>
+                                      <p:to>
+                                        <p:strVal val="visible"/>
+                                      </p:to>
+                                    </p:set>
+                                    <p:anim calcmode="lin" valueType="num">
+                                      <p:cBhvr>
+                                        <p:cTn id="17" dur="500" fill="hold"/>
+                                        <p:tgtEl>
+                                          <p:spTgt spid="2050"/>
+                                        </p:tgtEl>
+                                        <p:attrNameLst>
+                                          <p:attrName>ppt_w</p:attrName>
+                                        </p:attrNameLst>
+                                      </p:cBhvr>
+                                      <p:tavLst>
+                                        <p:tav tm="0">
+                                          <p:val>
+                                            <p:fltVal val="0"/>
+                                          </p:val>
+                                        </p:tav>
+                                        <p:tav tm="100000">
+                                          <p:val>
+                                            <p:strVal val="#ppt_w"/>
+                                          </p:val>
+                                        </p:tav>
+                                      </p:tavLst>
+                                    </p:anim>
+                                    <p:anim calcmode="lin" valueType="num">
+                                      <p:cBhvr>
+                                        <p:cTn id="18" dur="500" fill="hold"/>
+                                        <p:tgtEl>
+                                          <p:spTgt spid="2050"/>
+                                        </p:tgtEl>
+                                        <p:attrNameLst>
+                                          <p:attrName>ppt_h</p:attrName>
+                                        </p:attrNameLst>
+                                      </p:cBhvr>
+                                      <p:tavLst>
+                                        <p:tav tm="0">
+                                          <p:val>
+                                            <p:fltVal val="0"/>
+                                          </p:val>
+                                        </p:tav>
+                                        <p:tav tm="100000">
+                                          <p:val>
+                                            <p:strVal val="#ppt_h"/>
+                                          </p:val>
+                                        </p:tav>
+                                      </p:tavLst>
+                                    </p:anim>
+                                    <p:animEffect transition="in" filter="fade">
+                                      <p:cBhvr>
+                                        <p:cTn id="19" dur="500"/>
+                                        <p:tgtEl>
+                                          <p:spTgt spid="2050"/>
                                         </p:tgtEl>
                                       </p:cBhvr>
                                     </p:animEffect>
@@ -29859,6 +30043,93 @@
           </a:extLst>
         </p:spPr>
       </p:pic>
+      <p:sp>
+        <p:nvSpPr>
+          <p:cNvPr id="6" name="TextBox 5"/>
+          <p:cNvSpPr txBox="1"/>
+          <p:nvPr/>
+        </p:nvSpPr>
+        <p:spPr>
+          <a:xfrm>
+            <a:off x="971600" y="6021288"/>
+            <a:ext cx="4752528" cy="307777"/>
+          </a:xfrm>
+          <a:prstGeom prst="rect">
+            <a:avLst/>
+          </a:prstGeom>
+          <a:ln>
+            <a:noFill/>
+          </a:ln>
+        </p:spPr>
+        <p:style>
+          <a:lnRef idx="3">
+            <a:schemeClr val="lt1"/>
+          </a:lnRef>
+          <a:fillRef idx="1">
+            <a:schemeClr val="accent3"/>
+          </a:fillRef>
+          <a:effectRef idx="1">
+            <a:schemeClr val="accent3"/>
+          </a:effectRef>
+          <a:fontRef idx="minor">
+            <a:schemeClr val="lt1"/>
+          </a:fontRef>
+        </p:style>
+        <p:txBody>
+          <a:bodyPr wrap="square" rtlCol="0">
+            <a:spAutoFit/>
+          </a:bodyPr>
+          <a:lstStyle/>
+          <a:p>
+            <a:r>
+              <a:rPr lang="zh-CN" altLang="en-US" sz="1400" smtClean="0">
+                <a:latin typeface="微软雅黑" pitchFamily="34" charset="-122"/>
+                <a:ea typeface="微软雅黑" pitchFamily="34" charset="-122"/>
+              </a:rPr>
+              <a:t>注：这里</a:t>
+            </a:r>
+            <a:r>
+              <a:rPr lang="en-US" altLang="zh-CN" sz="1400" smtClean="0">
+                <a:latin typeface="微软雅黑" pitchFamily="34" charset="-122"/>
+                <a:ea typeface="微软雅黑" pitchFamily="34" charset="-122"/>
+              </a:rPr>
+              <a:t>NumPy</a:t>
+            </a:r>
+            <a:r>
+              <a:rPr lang="zh-CN" altLang="en-US" sz="1400" smtClean="0">
+                <a:latin typeface="微软雅黑" pitchFamily="34" charset="-122"/>
+                <a:ea typeface="微软雅黑" pitchFamily="34" charset="-122"/>
+              </a:rPr>
+              <a:t>的</a:t>
+            </a:r>
+            <a:r>
+              <a:rPr lang="en-US" altLang="zh-CN" sz="1400" smtClean="0">
+                <a:latin typeface="微软雅黑" pitchFamily="34" charset="-122"/>
+                <a:ea typeface="微软雅黑" pitchFamily="34" charset="-122"/>
+              </a:rPr>
+              <a:t>where</a:t>
+            </a:r>
+            <a:r>
+              <a:rPr lang="zh-CN" altLang="en-US" sz="1400" smtClean="0">
+                <a:latin typeface="微软雅黑" pitchFamily="34" charset="-122"/>
+                <a:ea typeface="微软雅黑" pitchFamily="34" charset="-122"/>
+              </a:rPr>
+              <a:t>函数用于返回满足条件的索引值。</a:t>
+            </a:r>
+            <a:r>
+              <a:rPr lang="en-US" altLang="zh-CN" sz="1400" smtClean="0">
+                <a:latin typeface="微软雅黑" pitchFamily="34" charset="-122"/>
+                <a:ea typeface="微软雅黑" pitchFamily="34" charset="-122"/>
+              </a:rPr>
+              <a:t> </a:t>
+            </a:r>
+            <a:endParaRPr lang="zh-CN" altLang="en-US" sz="1400">
+              <a:latin typeface="微软雅黑" pitchFamily="34" charset="-122"/>
+              <a:ea typeface="微软雅黑" pitchFamily="34" charset="-122"/>
+            </a:endParaRPr>
+          </a:p>
+        </p:txBody>
+      </p:sp>
     </p:spTree>
     <p:extLst>
       <p:ext uri="{BB962C8B-B14F-4D97-AF65-F5344CB8AC3E}">
@@ -30136,6 +30407,59 @@
                       </p:childTnLst>
                     </p:cTn>
                   </p:par>
+                  <p:par>
+                    <p:cTn id="22" fill="hold">
+                      <p:stCondLst>
+                        <p:cond delay="indefinite"/>
+                      </p:stCondLst>
+                      <p:childTnLst>
+                        <p:par>
+                          <p:cTn id="23" fill="hold">
+                            <p:stCondLst>
+                              <p:cond delay="0"/>
+                            </p:stCondLst>
+                            <p:childTnLst>
+                              <p:par>
+                                <p:cTn id="24" presetID="22" presetClass="entr" presetSubtype="4" fill="hold" grpId="0" nodeType="clickEffect">
+                                  <p:stCondLst>
+                                    <p:cond delay="0"/>
+                                  </p:stCondLst>
+                                  <p:childTnLst>
+                                    <p:set>
+                                      <p:cBhvr>
+                                        <p:cTn id="25" dur="1" fill="hold">
+                                          <p:stCondLst>
+                                            <p:cond delay="0"/>
+                                          </p:stCondLst>
+                                        </p:cTn>
+                                        <p:tgtEl>
+                                          <p:spTgt spid="6"/>
+                                        </p:tgtEl>
+                                        <p:attrNameLst>
+                                          <p:attrName>style.visibility</p:attrName>
+                                        </p:attrNameLst>
+                                      </p:cBhvr>
+                                      <p:to>
+                                        <p:strVal val="visible"/>
+                                      </p:to>
+                                    </p:set>
+                                    <p:animEffect transition="in" filter="wipe(down)">
+                                      <p:cBhvr>
+                                        <p:cTn id="26" dur="500"/>
+                                        <p:tgtEl>
+                                          <p:spTgt spid="6"/>
+                                        </p:tgtEl>
+                                      </p:cBhvr>
+                                    </p:animEffect>
+                                  </p:childTnLst>
+                                </p:cTn>
+                              </p:par>
+                            </p:childTnLst>
+                          </p:cTn>
+                        </p:par>
+                      </p:childTnLst>
+                    </p:cTn>
+                  </p:par>
                 </p:childTnLst>
               </p:cTn>
               <p:prevCondLst>
@@ -30157,6 +30481,9 @@
         </p:cTn>
       </p:par>
     </p:tnLst>
+    <p:bldLst>
+      <p:bldP spid="6" grpId="0" animBg="1"/>
+    </p:bldLst>
   </p:timing>
 </p:sld>
 </file>
@@ -31212,6 +31539,105 @@
                       </p:childTnLst>
                     </p:cTn>
                   </p:par>
+                  <p:par>
+                    <p:cTn id="8" fill="hold">
+                      <p:stCondLst>
+                        <p:cond delay="indefinite"/>
+                      </p:stCondLst>
+                      <p:childTnLst>
+                        <p:par>
+                          <p:cTn id="9" fill="hold">
+                            <p:stCondLst>
+                              <p:cond delay="0"/>
+                            </p:stCondLst>
+                            <p:childTnLst>
+                              <p:par>
+                                <p:cTn id="10" presetID="53" presetClass="entr" presetSubtype="16" fill="hold" nodeType="clickEffect">
+                                  <p:stCondLst>
+                                    <p:cond delay="0"/>
+                                  </p:stCondLst>
+                                  <p:childTnLst>
+                                    <p:set>
+                                      <p:cBhvr>
+                                        <p:cTn id="11" dur="1" fill="hold">
+                                          <p:stCondLst>
+                                            <p:cond delay="0"/>
+                                          </p:stCondLst>
+                                        </p:cTn>
+                                        <p:tgtEl>
+                                          <p:spTgt spid="2052"/>
+                                        </p:tgtEl>
+                                        <p:attrNameLst>
+                                          <p:attrName>style.visibility</p:attrName>
+                                        </p:attrNameLst>
+                                      </p:cBhvr>
+                                      <p:to>
+                                        <p:strVal val="visible"/>
+                                      </p:to>
+                                    </p:set>
+                                    <p:anim calcmode="lin" valueType="num">
+                                      <p:cBhvr>
+                                        <p:cTn id="12" dur="500" fill="hold"/>
+                                        <p:tgtEl>
+                                          <p:spTgt spid="2052"/>
+                                        </p:tgtEl>
+                                        <p:attrNameLst>
+                                          <p:attrName>ppt_w</p:attrName>
+                                        </p:attrNameLst>
+                                      </p:cBhvr>
+                                      <p:tavLst>
+                                        <p:tav tm="0">
+                                          <p:val>
+                                            <p:fltVal val="0"/>
+                                          </p:val>
+                                        </p:tav>
+                                        <p:tav tm="100000">
+                                          <p:val>
+                                            <p:strVal val="#ppt_w"/>
+                                          </p:val>
+                                        </p:tav>
+                                      </p:tavLst>
+                                    </p:anim>
+                                    <p:anim calcmode="lin" valueType="num">
+                                      <p:cBhvr>
+                                        <p:cTn id="13" dur="500" fill="hold"/>
+                                        <p:tgtEl>
+                                          <p:spTgt spid="2052"/>
+                                        </p:tgtEl>
+                                        <p:attrNameLst>
+                                          <p:attrName>ppt_h</p:attrName>
+                                        </p:attrNameLst>
+                                      </p:cBhvr>
+                                      <p:tavLst>
+                                        <p:tav tm="0">
+                                          <p:val>
+                                            <p:fltVal val="0"/>
+                                          </p:val>
+                                        </p:tav>
+                                        <p:tav tm="100000">
+                                          <p:val>
+                                            <p:strVal val="#ppt_h"/>
+                                          </p:val>
+                                        </p:tav>
+                                      </p:tavLst>
+                                    </p:anim>
+                                    <p:animEffect transition="in" filter="fade">
+                                      <p:cBhvr>
+                                        <p:cTn id="14" dur="500"/>
+                                        <p:tgtEl>
+                                          <p:spTgt spid="2052"/>
+                                        </p:tgtEl>
+                                      </p:cBhvr>
+                                    </p:animEffect>
+                                  </p:childTnLst>
+                                </p:cTn>
+                              </p:par>
+                            </p:childTnLst>
+                          </p:cTn>
+                        </p:par>
+                      </p:childTnLst>
+                    </p:cTn>
+                  </p:par>
                 </p:childTnLst>
               </p:cTn>
               <p:prevCondLst>
@@ -31238,6 +31664,3966 @@
 </file>
 
 <file path=ppt/slides/slide41.xml><?xml version="1.0" encoding="utf-8"?>
+<p:sld xmlns:a="http://schemas.openxmlformats.org/drawingml/2006/main" xmlns:r="http://schemas.openxmlformats.org/officeDocument/2006/relationships" xmlns:p="http://schemas.openxmlformats.org/presentationml/2006/main">
+  <p:cSld>
+    <p:spTree>
+      <p:nvGrpSpPr>
+        <p:cNvPr id="1" name=""/>
+        <p:cNvGrpSpPr/>
+        <p:nvPr/>
+      </p:nvGrpSpPr>
+      <p:grpSpPr>
+        <a:xfrm>
+          <a:off x="0" y="0"/>
+          <a:ext cx="0" cy="0"/>
+          <a:chOff x="0" y="0"/>
+          <a:chExt cx="0" cy="0"/>
+        </a:xfrm>
+      </p:grpSpPr>
+      <p:sp>
+        <p:nvSpPr>
+          <p:cNvPr id="5" name="TextBox 4"/>
+          <p:cNvSpPr txBox="1"/>
+          <p:nvPr/>
+        </p:nvSpPr>
+        <p:spPr>
+          <a:xfrm>
+            <a:off x="683568" y="908720"/>
+            <a:ext cx="7776864" cy="1384995"/>
+          </a:xfrm>
+          <a:prstGeom prst="rect">
+            <a:avLst/>
+          </a:prstGeom>
+          <a:noFill/>
+        </p:spPr>
+        <p:txBody>
+          <a:bodyPr wrap="square" rtlCol="0">
+            <a:spAutoFit/>
+          </a:bodyPr>
+          <a:lstStyle/>
+          <a:p>
+            <a:pPr>
+              <a:lnSpc>
+                <a:spcPct val="200000"/>
+              </a:lnSpc>
+            </a:pPr>
+            <a:r>
+              <a:rPr lang="en-US" altLang="zh-CN" b="1" smtClean="0">
+                <a:solidFill>
+                  <a:schemeClr val="accent5">
+                    <a:lumMod val="50000"/>
+                  </a:schemeClr>
+                </a:solidFill>
+                <a:latin typeface="微软雅黑" pitchFamily="34" charset="-122"/>
+                <a:ea typeface="微软雅黑" pitchFamily="34" charset="-122"/>
+              </a:rPr>
+              <a:t>NumPy</a:t>
+            </a:r>
+            <a:r>
+              <a:rPr lang="zh-CN" altLang="en-US" b="1" smtClean="0">
+                <a:solidFill>
+                  <a:schemeClr val="accent5">
+                    <a:lumMod val="50000"/>
+                  </a:schemeClr>
+                </a:solidFill>
+                <a:latin typeface="微软雅黑" pitchFamily="34" charset="-122"/>
+                <a:ea typeface="微软雅黑" pitchFamily="34" charset="-122"/>
+              </a:rPr>
+              <a:t>数组操作</a:t>
+            </a:r>
+            <a:r>
+              <a:rPr lang="en-US" altLang="zh-CN" b="1" smtClean="0">
+                <a:solidFill>
+                  <a:schemeClr val="accent5">
+                    <a:lumMod val="50000"/>
+                  </a:schemeClr>
+                </a:solidFill>
+                <a:latin typeface="微软雅黑" pitchFamily="34" charset="-122"/>
+                <a:ea typeface="微软雅黑" pitchFamily="34" charset="-122"/>
+              </a:rPr>
+              <a:t>—</a:t>
+            </a:r>
+            <a:r>
+              <a:rPr lang="zh-CN" altLang="en-US" b="1" smtClean="0">
+                <a:solidFill>
+                  <a:schemeClr val="accent5">
+                    <a:lumMod val="50000"/>
+                  </a:schemeClr>
+                </a:solidFill>
+                <a:latin typeface="微软雅黑" pitchFamily="34" charset="-122"/>
+                <a:ea typeface="微软雅黑" pitchFamily="34" charset="-122"/>
+              </a:rPr>
+              <a:t>连接数组</a:t>
+            </a:r>
+            <a:endParaRPr lang="en-US" altLang="zh-CN" b="1" smtClean="0">
+              <a:solidFill>
+                <a:schemeClr val="accent5">
+                  <a:lumMod val="50000"/>
+                </a:schemeClr>
+              </a:solidFill>
+              <a:latin typeface="微软雅黑" pitchFamily="34" charset="-122"/>
+              <a:ea typeface="微软雅黑" pitchFamily="34" charset="-122"/>
+            </a:endParaRPr>
+          </a:p>
+          <a:p>
+            <a:pPr indent="403225">
+              <a:lnSpc>
+                <a:spcPct val="150000"/>
+              </a:lnSpc>
+            </a:pPr>
+            <a:r>
+              <a:rPr lang="en-US" altLang="zh-CN" sz="1600" smtClean="0">
+                <a:solidFill>
+                  <a:schemeClr val="accent5">
+                    <a:lumMod val="75000"/>
+                  </a:schemeClr>
+                </a:solidFill>
+                <a:latin typeface="微软雅黑" pitchFamily="34" charset="-122"/>
+                <a:ea typeface="微软雅黑" pitchFamily="34" charset="-122"/>
+              </a:rPr>
+              <a:t>Numpy </a:t>
+            </a:r>
+            <a:r>
+              <a:rPr lang="zh-CN" altLang="en-US" sz="1600" smtClean="0">
+                <a:solidFill>
+                  <a:schemeClr val="accent5">
+                    <a:lumMod val="75000"/>
+                  </a:schemeClr>
+                </a:solidFill>
+                <a:latin typeface="微软雅黑" pitchFamily="34" charset="-122"/>
+                <a:ea typeface="微软雅黑" pitchFamily="34" charset="-122"/>
+              </a:rPr>
+              <a:t>连接数组的函数主要有</a:t>
+            </a:r>
+            <a:r>
+              <a:rPr lang="en-US" altLang="zh-CN" sz="1600">
+                <a:solidFill>
+                  <a:schemeClr val="accent5">
+                    <a:lumMod val="75000"/>
+                  </a:schemeClr>
+                </a:solidFill>
+                <a:latin typeface="微软雅黑" pitchFamily="34" charset="-122"/>
+                <a:ea typeface="微软雅黑" pitchFamily="34" charset="-122"/>
+              </a:rPr>
+              <a:t>concatenate</a:t>
+            </a:r>
+            <a:r>
+              <a:rPr lang="zh-CN" altLang="en-US" sz="1600">
+                <a:solidFill>
+                  <a:schemeClr val="accent5">
+                    <a:lumMod val="75000"/>
+                  </a:schemeClr>
+                </a:solidFill>
+                <a:latin typeface="微软雅黑" pitchFamily="34" charset="-122"/>
+                <a:ea typeface="微软雅黑" pitchFamily="34" charset="-122"/>
+              </a:rPr>
+              <a:t>、</a:t>
+            </a:r>
+            <a:r>
+              <a:rPr lang="en-US" altLang="zh-CN" sz="1600">
+                <a:solidFill>
+                  <a:schemeClr val="accent5">
+                    <a:lumMod val="75000"/>
+                  </a:schemeClr>
+                </a:solidFill>
+                <a:latin typeface="微软雅黑" pitchFamily="34" charset="-122"/>
+                <a:ea typeface="微软雅黑" pitchFamily="34" charset="-122"/>
+              </a:rPr>
+              <a:t>stack</a:t>
+            </a:r>
+            <a:r>
+              <a:rPr lang="zh-CN" altLang="en-US" sz="1600">
+                <a:solidFill>
+                  <a:schemeClr val="accent5">
+                    <a:lumMod val="75000"/>
+                  </a:schemeClr>
+                </a:solidFill>
+                <a:latin typeface="微软雅黑" pitchFamily="34" charset="-122"/>
+                <a:ea typeface="微软雅黑" pitchFamily="34" charset="-122"/>
+              </a:rPr>
+              <a:t>、</a:t>
+            </a:r>
+            <a:r>
+              <a:rPr lang="en-US" altLang="zh-CN" sz="1600">
+                <a:solidFill>
+                  <a:schemeClr val="accent5">
+                    <a:lumMod val="75000"/>
+                  </a:schemeClr>
+                </a:solidFill>
+                <a:latin typeface="微软雅黑" pitchFamily="34" charset="-122"/>
+                <a:ea typeface="微软雅黑" pitchFamily="34" charset="-122"/>
+              </a:rPr>
+              <a:t>hstack</a:t>
+            </a:r>
+            <a:r>
+              <a:rPr lang="zh-CN" altLang="en-US" sz="1600">
+                <a:solidFill>
+                  <a:schemeClr val="accent5">
+                    <a:lumMod val="75000"/>
+                  </a:schemeClr>
+                </a:solidFill>
+                <a:latin typeface="微软雅黑" pitchFamily="34" charset="-122"/>
+                <a:ea typeface="微软雅黑" pitchFamily="34" charset="-122"/>
+              </a:rPr>
+              <a:t>、</a:t>
+            </a:r>
+            <a:r>
+              <a:rPr lang="en-US" altLang="zh-CN" sz="1600">
+                <a:solidFill>
+                  <a:schemeClr val="accent5">
+                    <a:lumMod val="75000"/>
+                  </a:schemeClr>
+                </a:solidFill>
+                <a:latin typeface="微软雅黑" pitchFamily="34" charset="-122"/>
+                <a:ea typeface="微软雅黑" pitchFamily="34" charset="-122"/>
+              </a:rPr>
+              <a:t>vstack</a:t>
+            </a:r>
+            <a:r>
+              <a:rPr lang="zh-CN" altLang="en-US" sz="1600" smtClean="0">
+                <a:solidFill>
+                  <a:schemeClr val="accent5">
+                    <a:lumMod val="75000"/>
+                  </a:schemeClr>
+                </a:solidFill>
+                <a:latin typeface="微软雅黑" pitchFamily="34" charset="-122"/>
+                <a:ea typeface="微软雅黑" pitchFamily="34" charset="-122"/>
+              </a:rPr>
+              <a:t>，各自功能分别如下：</a:t>
+            </a:r>
+            <a:endParaRPr lang="en-US" altLang="zh-CN" sz="1600" smtClean="0">
+              <a:solidFill>
+                <a:schemeClr val="accent5">
+                  <a:lumMod val="75000"/>
+                </a:schemeClr>
+              </a:solidFill>
+              <a:latin typeface="微软雅黑" pitchFamily="34" charset="-122"/>
+              <a:ea typeface="微软雅黑" pitchFamily="34" charset="-122"/>
+            </a:endParaRPr>
+          </a:p>
+        </p:txBody>
+      </p:sp>
+      <p:pic>
+        <p:nvPicPr>
+          <p:cNvPr id="1026" name="Picture 2"/>
+          <p:cNvPicPr>
+            <a:picLocks noChangeAspect="1" noChangeArrowheads="1"/>
+          </p:cNvPicPr>
+          <p:nvPr/>
+        </p:nvPicPr>
+        <p:blipFill>
+          <a:blip r:embed="rId2">
+            <a:extLst>
+              <a:ext uri="{28A0092B-C50C-407E-A947-70E740481C1C}">
+                <a14:useLocalDpi xmlns:a14="http://schemas.microsoft.com/office/drawing/2010/main" val="0"/>
+              </a:ext>
+            </a:extLst>
+          </a:blip>
+          <a:srcRect/>
+          <a:stretch>
+            <a:fillRect/>
+          </a:stretch>
+        </p:blipFill>
+        <p:spPr bwMode="auto">
+          <a:xfrm>
+            <a:off x="2390775" y="2530460"/>
+            <a:ext cx="4362450" cy="1790700"/>
+          </a:xfrm>
+          <a:prstGeom prst="rect">
+            <a:avLst/>
+          </a:prstGeom>
+          <a:noFill/>
+          <a:ln>
+            <a:noFill/>
+          </a:ln>
+          <a:effectLst/>
+          <a:extLst>
+            <a:ext uri="{909E8E84-426E-40DD-AFC4-6F175D3DCCD1}">
+              <a14:hiddenFill xmlns:a14="http://schemas.microsoft.com/office/drawing/2010/main">
+                <a:solidFill>
+                  <a:schemeClr val="accent1"/>
+                </a:solidFill>
+              </a14:hiddenFill>
+            </a:ext>
+            <a:ext uri="{91240B29-F687-4F45-9708-019B960494DF}">
+              <a14:hiddenLine xmlns:a14="http://schemas.microsoft.com/office/drawing/2010/main" w="9525">
+                <a:solidFill>
+                  <a:schemeClr val="tx1"/>
+                </a:solidFill>
+                <a:miter lim="800000"/>
+                <a:headEnd/>
+                <a:tailEnd/>
+              </a14:hiddenLine>
+            </a:ext>
+            <a:ext uri="{AF507438-7753-43E0-B8FC-AC1667EBCBE1}">
+              <a14:hiddenEffects xmlns:a14="http://schemas.microsoft.com/office/drawing/2010/main">
+                <a:effectLst>
+                  <a:outerShdw dist="35921" dir="2700000" algn="ctr" rotWithShape="0">
+                    <a:schemeClr val="bg2"/>
+                  </a:outerShdw>
+                </a:effectLst>
+              </a14:hiddenEffects>
+            </a:ext>
+          </a:extLst>
+        </p:spPr>
+      </p:pic>
+    </p:spTree>
+    <p:extLst>
+      <p:ext uri="{BB962C8B-B14F-4D97-AF65-F5344CB8AC3E}">
+        <p14:creationId xmlns:p14="http://schemas.microsoft.com/office/powerpoint/2010/main" val="2393560067"/>
+      </p:ext>
+    </p:extLst>
+  </p:cSld>
+  <p:clrMapOvr>
+    <a:masterClrMapping/>
+  </p:clrMapOvr>
+  <p:timing>
+    <p:tnLst>
+      <p:par>
+        <p:cTn id="1" dur="indefinite" restart="never" nodeType="tmRoot">
+          <p:childTnLst>
+            <p:seq concurrent="1" nextAc="seek">
+              <p:cTn id="2" dur="indefinite" nodeType="mainSeq">
+                <p:childTnLst>
+                  <p:par>
+                    <p:cTn id="3" fill="hold">
+                      <p:stCondLst>
+                        <p:cond delay="indefinite"/>
+                      </p:stCondLst>
+                      <p:childTnLst>
+                        <p:par>
+                          <p:cTn id="4" fill="hold">
+                            <p:stCondLst>
+                              <p:cond delay="0"/>
+                            </p:stCondLst>
+                            <p:childTnLst>
+                              <p:par>
+                                <p:cTn id="5" presetID="14" presetClass="entr" presetSubtype="10" fill="hold" nodeType="clickEffect">
+                                  <p:stCondLst>
+                                    <p:cond delay="0"/>
+                                  </p:stCondLst>
+                                  <p:childTnLst>
+                                    <p:set>
+                                      <p:cBhvr>
+                                        <p:cTn id="6" dur="1" fill="hold">
+                                          <p:stCondLst>
+                                            <p:cond delay="0"/>
+                                          </p:stCondLst>
+                                        </p:cTn>
+                                        <p:tgtEl>
+                                          <p:spTgt spid="5">
+                                            <p:txEl>
+                                              <p:pRg st="0" end="0"/>
+                                            </p:txEl>
+                                          </p:spTgt>
+                                        </p:tgtEl>
+                                        <p:attrNameLst>
+                                          <p:attrName>style.visibility</p:attrName>
+                                        </p:attrNameLst>
+                                      </p:cBhvr>
+                                      <p:to>
+                                        <p:strVal val="visible"/>
+                                      </p:to>
+                                    </p:set>
+                                    <p:animEffect transition="in" filter="randombar(horizontal)">
+                                      <p:cBhvr>
+                                        <p:cTn id="7" dur="500"/>
+                                        <p:tgtEl>
+                                          <p:spTgt spid="5">
+                                            <p:txEl>
+                                              <p:pRg st="0" end="0"/>
+                                            </p:txEl>
+                                          </p:spTgt>
+                                        </p:tgtEl>
+                                      </p:cBhvr>
+                                    </p:animEffect>
+                                  </p:childTnLst>
+                                </p:cTn>
+                              </p:par>
+                            </p:childTnLst>
+                          </p:cTn>
+                        </p:par>
+                      </p:childTnLst>
+                    </p:cTn>
+                  </p:par>
+                  <p:par>
+                    <p:cTn id="8" fill="hold">
+                      <p:stCondLst>
+                        <p:cond delay="indefinite"/>
+                      </p:stCondLst>
+                      <p:childTnLst>
+                        <p:par>
+                          <p:cTn id="9" fill="hold">
+                            <p:stCondLst>
+                              <p:cond delay="0"/>
+                            </p:stCondLst>
+                            <p:childTnLst>
+                              <p:par>
+                                <p:cTn id="10" presetID="14" presetClass="entr" presetSubtype="10" fill="hold" nodeType="clickEffect">
+                                  <p:stCondLst>
+                                    <p:cond delay="0"/>
+                                  </p:stCondLst>
+                                  <p:childTnLst>
+                                    <p:set>
+                                      <p:cBhvr>
+                                        <p:cTn id="11" dur="1" fill="hold">
+                                          <p:stCondLst>
+                                            <p:cond delay="0"/>
+                                          </p:stCondLst>
+                                        </p:cTn>
+                                        <p:tgtEl>
+                                          <p:spTgt spid="5">
+                                            <p:txEl>
+                                              <p:pRg st="1" end="1"/>
+                                            </p:txEl>
+                                          </p:spTgt>
+                                        </p:tgtEl>
+                                        <p:attrNameLst>
+                                          <p:attrName>style.visibility</p:attrName>
+                                        </p:attrNameLst>
+                                      </p:cBhvr>
+                                      <p:to>
+                                        <p:strVal val="visible"/>
+                                      </p:to>
+                                    </p:set>
+                                    <p:animEffect transition="in" filter="randombar(horizontal)">
+                                      <p:cBhvr>
+                                        <p:cTn id="12" dur="500"/>
+                                        <p:tgtEl>
+                                          <p:spTgt spid="5">
+                                            <p:txEl>
+                                              <p:pRg st="1" end="1"/>
+                                            </p:txEl>
+                                          </p:spTgt>
+                                        </p:tgtEl>
+                                      </p:cBhvr>
+                                    </p:animEffect>
+                                  </p:childTnLst>
+                                </p:cTn>
+                              </p:par>
+                            </p:childTnLst>
+                          </p:cTn>
+                        </p:par>
+                      </p:childTnLst>
+                    </p:cTn>
+                  </p:par>
+                  <p:par>
+                    <p:cTn id="13" fill="hold">
+                      <p:stCondLst>
+                        <p:cond delay="indefinite"/>
+                      </p:stCondLst>
+                      <p:childTnLst>
+                        <p:par>
+                          <p:cTn id="14" fill="hold">
+                            <p:stCondLst>
+                              <p:cond delay="0"/>
+                            </p:stCondLst>
+                            <p:childTnLst>
+                              <p:par>
+                                <p:cTn id="15" presetID="53" presetClass="entr" presetSubtype="16" fill="hold" nodeType="clickEffect">
+                                  <p:stCondLst>
+                                    <p:cond delay="0"/>
+                                  </p:stCondLst>
+                                  <p:childTnLst>
+                                    <p:set>
+                                      <p:cBhvr>
+                                        <p:cTn id="16" dur="1" fill="hold">
+                                          <p:stCondLst>
+                                            <p:cond delay="0"/>
+                                          </p:stCondLst>
+                                        </p:cTn>
+                                        <p:tgtEl>
+                                          <p:spTgt spid="1026"/>
+                                        </p:tgtEl>
+                                        <p:attrNameLst>
+                                          <p:attrName>style.visibility</p:attrName>
+                                        </p:attrNameLst>
+                                      </p:cBhvr>
+                                      <p:to>
+                                        <p:strVal val="visible"/>
+                                      </p:to>
+                                    </p:set>
+                                    <p:anim calcmode="lin" valueType="num">
+                                      <p:cBhvr>
+                                        <p:cTn id="17" dur="500" fill="hold"/>
+                                        <p:tgtEl>
+                                          <p:spTgt spid="1026"/>
+                                        </p:tgtEl>
+                                        <p:attrNameLst>
+                                          <p:attrName>ppt_w</p:attrName>
+                                        </p:attrNameLst>
+                                      </p:cBhvr>
+                                      <p:tavLst>
+                                        <p:tav tm="0">
+                                          <p:val>
+                                            <p:fltVal val="0"/>
+                                          </p:val>
+                                        </p:tav>
+                                        <p:tav tm="100000">
+                                          <p:val>
+                                            <p:strVal val="#ppt_w"/>
+                                          </p:val>
+                                        </p:tav>
+                                      </p:tavLst>
+                                    </p:anim>
+                                    <p:anim calcmode="lin" valueType="num">
+                                      <p:cBhvr>
+                                        <p:cTn id="18" dur="500" fill="hold"/>
+                                        <p:tgtEl>
+                                          <p:spTgt spid="1026"/>
+                                        </p:tgtEl>
+                                        <p:attrNameLst>
+                                          <p:attrName>ppt_h</p:attrName>
+                                        </p:attrNameLst>
+                                      </p:cBhvr>
+                                      <p:tavLst>
+                                        <p:tav tm="0">
+                                          <p:val>
+                                            <p:fltVal val="0"/>
+                                          </p:val>
+                                        </p:tav>
+                                        <p:tav tm="100000">
+                                          <p:val>
+                                            <p:strVal val="#ppt_h"/>
+                                          </p:val>
+                                        </p:tav>
+                                      </p:tavLst>
+                                    </p:anim>
+                                    <p:animEffect transition="in" filter="fade">
+                                      <p:cBhvr>
+                                        <p:cTn id="19" dur="500"/>
+                                        <p:tgtEl>
+                                          <p:spTgt spid="1026"/>
+                                        </p:tgtEl>
+                                      </p:cBhvr>
+                                    </p:animEffect>
+                                  </p:childTnLst>
+                                </p:cTn>
+                              </p:par>
+                            </p:childTnLst>
+                          </p:cTn>
+                        </p:par>
+                      </p:childTnLst>
+                    </p:cTn>
+                  </p:par>
+                </p:childTnLst>
+              </p:cTn>
+              <p:prevCondLst>
+                <p:cond evt="onPrev" delay="0">
+                  <p:tgtEl>
+                    <p:sldTgt/>
+                  </p:tgtEl>
+                </p:cond>
+              </p:prevCondLst>
+              <p:nextCondLst>
+                <p:cond evt="onNext" delay="0">
+                  <p:tgtEl>
+                    <p:sldTgt/>
+                  </p:tgtEl>
+                </p:cond>
+              </p:nextCondLst>
+            </p:seq>
+          </p:childTnLst>
+        </p:cTn>
+      </p:par>
+    </p:tnLst>
+  </p:timing>
+</p:sld>
+</file>
+
+<file path=ppt/slides/slide42.xml><?xml version="1.0" encoding="utf-8"?>
+<p:sld xmlns:a="http://schemas.openxmlformats.org/drawingml/2006/main" xmlns:r="http://schemas.openxmlformats.org/officeDocument/2006/relationships" xmlns:p="http://schemas.openxmlformats.org/presentationml/2006/main">
+  <p:cSld>
+    <p:spTree>
+      <p:nvGrpSpPr>
+        <p:cNvPr id="1" name=""/>
+        <p:cNvGrpSpPr/>
+        <p:nvPr/>
+      </p:nvGrpSpPr>
+      <p:grpSpPr>
+        <a:xfrm>
+          <a:off x="0" y="0"/>
+          <a:ext cx="0" cy="0"/>
+          <a:chOff x="0" y="0"/>
+          <a:chExt cx="0" cy="0"/>
+        </a:xfrm>
+      </p:grpSpPr>
+      <p:sp>
+        <p:nvSpPr>
+          <p:cNvPr id="5" name="TextBox 4"/>
+          <p:cNvSpPr txBox="1"/>
+          <p:nvPr/>
+        </p:nvSpPr>
+        <p:spPr>
+          <a:xfrm>
+            <a:off x="683568" y="908720"/>
+            <a:ext cx="7776864" cy="646331"/>
+          </a:xfrm>
+          <a:prstGeom prst="rect">
+            <a:avLst/>
+          </a:prstGeom>
+          <a:noFill/>
+        </p:spPr>
+        <p:txBody>
+          <a:bodyPr wrap="square" rtlCol="0">
+            <a:spAutoFit/>
+          </a:bodyPr>
+          <a:lstStyle/>
+          <a:p>
+            <a:pPr>
+              <a:lnSpc>
+                <a:spcPct val="200000"/>
+              </a:lnSpc>
+            </a:pPr>
+            <a:r>
+              <a:rPr lang="en-US" altLang="zh-CN" b="1" smtClean="0">
+                <a:solidFill>
+                  <a:schemeClr val="accent5">
+                    <a:lumMod val="50000"/>
+                  </a:schemeClr>
+                </a:solidFill>
+                <a:latin typeface="微软雅黑" pitchFamily="34" charset="-122"/>
+                <a:ea typeface="微软雅黑" pitchFamily="34" charset="-122"/>
+              </a:rPr>
+              <a:t>NumPy</a:t>
+            </a:r>
+            <a:r>
+              <a:rPr lang="zh-CN" altLang="en-US" b="1" smtClean="0">
+                <a:solidFill>
+                  <a:schemeClr val="accent5">
+                    <a:lumMod val="50000"/>
+                  </a:schemeClr>
+                </a:solidFill>
+                <a:latin typeface="微软雅黑" pitchFamily="34" charset="-122"/>
+                <a:ea typeface="微软雅黑" pitchFamily="34" charset="-122"/>
+              </a:rPr>
+              <a:t>数组操作</a:t>
+            </a:r>
+            <a:r>
+              <a:rPr lang="en-US" altLang="zh-CN" b="1" smtClean="0">
+                <a:solidFill>
+                  <a:schemeClr val="accent5">
+                    <a:lumMod val="50000"/>
+                  </a:schemeClr>
+                </a:solidFill>
+                <a:latin typeface="微软雅黑" pitchFamily="34" charset="-122"/>
+                <a:ea typeface="微软雅黑" pitchFamily="34" charset="-122"/>
+              </a:rPr>
+              <a:t>—</a:t>
+            </a:r>
+            <a:r>
+              <a:rPr lang="zh-CN" altLang="en-US" b="1" smtClean="0">
+                <a:solidFill>
+                  <a:schemeClr val="accent5">
+                    <a:lumMod val="50000"/>
+                  </a:schemeClr>
+                </a:solidFill>
+                <a:latin typeface="微软雅黑" pitchFamily="34" charset="-122"/>
+                <a:ea typeface="微软雅黑" pitchFamily="34" charset="-122"/>
+              </a:rPr>
+              <a:t>连接数组</a:t>
+            </a:r>
+            <a:r>
+              <a:rPr lang="en-US" altLang="zh-CN" b="1" smtClean="0">
+                <a:solidFill>
+                  <a:schemeClr val="accent5">
+                    <a:lumMod val="50000"/>
+                  </a:schemeClr>
+                </a:solidFill>
+                <a:latin typeface="微软雅黑" pitchFamily="34" charset="-122"/>
+                <a:ea typeface="微软雅黑" pitchFamily="34" charset="-122"/>
+              </a:rPr>
+              <a:t>-</a:t>
+            </a:r>
+            <a:r>
+              <a:rPr lang="zh-CN" altLang="en-US" b="1" smtClean="0">
+                <a:solidFill>
+                  <a:schemeClr val="accent5">
+                    <a:lumMod val="50000"/>
+                  </a:schemeClr>
+                </a:solidFill>
+                <a:latin typeface="微软雅黑" pitchFamily="34" charset="-122"/>
+                <a:ea typeface="微软雅黑" pitchFamily="34" charset="-122"/>
+              </a:rPr>
+              <a:t>例</a:t>
+            </a:r>
+            <a:endParaRPr lang="en-US" altLang="zh-CN" b="1" smtClean="0">
+              <a:solidFill>
+                <a:schemeClr val="accent5">
+                  <a:lumMod val="50000"/>
+                </a:schemeClr>
+              </a:solidFill>
+              <a:latin typeface="微软雅黑" pitchFamily="34" charset="-122"/>
+              <a:ea typeface="微软雅黑" pitchFamily="34" charset="-122"/>
+            </a:endParaRPr>
+          </a:p>
+        </p:txBody>
+      </p:sp>
+      <p:pic>
+        <p:nvPicPr>
+          <p:cNvPr id="2" name="Picture 4"/>
+          <p:cNvPicPr>
+            <a:picLocks noChangeAspect="1" noChangeArrowheads="1"/>
+          </p:cNvPicPr>
+          <p:nvPr/>
+        </p:nvPicPr>
+        <p:blipFill>
+          <a:blip r:embed="rId2">
+            <a:extLst>
+              <a:ext uri="{28A0092B-C50C-407E-A947-70E740481C1C}">
+                <a14:useLocalDpi xmlns:a14="http://schemas.microsoft.com/office/drawing/2010/main" val="0"/>
+              </a:ext>
+            </a:extLst>
+          </a:blip>
+          <a:srcRect/>
+          <a:stretch>
+            <a:fillRect/>
+          </a:stretch>
+        </p:blipFill>
+        <p:spPr bwMode="auto">
+          <a:xfrm>
+            <a:off x="1619672" y="1844824"/>
+            <a:ext cx="3554363" cy="2196433"/>
+          </a:xfrm>
+          <a:prstGeom prst="rect">
+            <a:avLst/>
+          </a:prstGeom>
+          <a:noFill/>
+          <a:ln>
+            <a:noFill/>
+          </a:ln>
+          <a:effectLst/>
+          <a:extLst>
+            <a:ext uri="{909E8E84-426E-40DD-AFC4-6F175D3DCCD1}">
+              <a14:hiddenFill xmlns:a14="http://schemas.microsoft.com/office/drawing/2010/main">
+                <a:solidFill>
+                  <a:schemeClr val="accent1"/>
+                </a:solidFill>
+              </a14:hiddenFill>
+            </a:ext>
+            <a:ext uri="{91240B29-F687-4F45-9708-019B960494DF}">
+              <a14:hiddenLine xmlns:a14="http://schemas.microsoft.com/office/drawing/2010/main" w="9525">
+                <a:solidFill>
+                  <a:schemeClr val="tx1"/>
+                </a:solidFill>
+                <a:miter lim="800000"/>
+                <a:headEnd/>
+                <a:tailEnd/>
+              </a14:hiddenLine>
+            </a:ext>
+            <a:ext uri="{AF507438-7753-43E0-B8FC-AC1667EBCBE1}">
+              <a14:hiddenEffects xmlns:a14="http://schemas.microsoft.com/office/drawing/2010/main">
+                <a:effectLst>
+                  <a:outerShdw dist="35921" dir="2700000" algn="ctr" rotWithShape="0">
+                    <a:schemeClr val="bg2"/>
+                  </a:outerShdw>
+                </a:effectLst>
+              </a14:hiddenEffects>
+            </a:ext>
+          </a:extLst>
+        </p:spPr>
+      </p:pic>
+      <p:pic>
+        <p:nvPicPr>
+          <p:cNvPr id="2053" name="Picture 5"/>
+          <p:cNvPicPr>
+            <a:picLocks noChangeAspect="1" noChangeArrowheads="1"/>
+          </p:cNvPicPr>
+          <p:nvPr/>
+        </p:nvPicPr>
+        <p:blipFill>
+          <a:blip r:embed="rId3">
+            <a:extLst>
+              <a:ext uri="{28A0092B-C50C-407E-A947-70E740481C1C}">
+                <a14:useLocalDpi xmlns:a14="http://schemas.microsoft.com/office/drawing/2010/main" val="0"/>
+              </a:ext>
+            </a:extLst>
+          </a:blip>
+          <a:srcRect/>
+          <a:stretch>
+            <a:fillRect/>
+          </a:stretch>
+        </p:blipFill>
+        <p:spPr bwMode="auto">
+          <a:xfrm>
+            <a:off x="5678091" y="1844824"/>
+            <a:ext cx="1651726" cy="3277235"/>
+          </a:xfrm>
+          <a:prstGeom prst="rect">
+            <a:avLst/>
+          </a:prstGeom>
+          <a:noFill/>
+          <a:ln>
+            <a:noFill/>
+          </a:ln>
+          <a:effectLst/>
+          <a:extLst>
+            <a:ext uri="{909E8E84-426E-40DD-AFC4-6F175D3DCCD1}">
+              <a14:hiddenFill xmlns:a14="http://schemas.microsoft.com/office/drawing/2010/main">
+                <a:solidFill>
+                  <a:schemeClr val="accent1"/>
+                </a:solidFill>
+              </a14:hiddenFill>
+            </a:ext>
+            <a:ext uri="{91240B29-F687-4F45-9708-019B960494DF}">
+              <a14:hiddenLine xmlns:a14="http://schemas.microsoft.com/office/drawing/2010/main" w="9525">
+                <a:solidFill>
+                  <a:schemeClr val="tx1"/>
+                </a:solidFill>
+                <a:miter lim="800000"/>
+                <a:headEnd/>
+                <a:tailEnd/>
+              </a14:hiddenLine>
+            </a:ext>
+            <a:ext uri="{AF507438-7753-43E0-B8FC-AC1667EBCBE1}">
+              <a14:hiddenEffects xmlns:a14="http://schemas.microsoft.com/office/drawing/2010/main">
+                <a:effectLst>
+                  <a:outerShdw dist="35921" dir="2700000" algn="ctr" rotWithShape="0">
+                    <a:schemeClr val="bg2"/>
+                  </a:outerShdw>
+                </a:effectLst>
+              </a14:hiddenEffects>
+            </a:ext>
+          </a:extLst>
+        </p:spPr>
+      </p:pic>
+    </p:spTree>
+    <p:extLst>
+      <p:ext uri="{BB962C8B-B14F-4D97-AF65-F5344CB8AC3E}">
+        <p14:creationId xmlns:p14="http://schemas.microsoft.com/office/powerpoint/2010/main" val="2373590504"/>
+      </p:ext>
+    </p:extLst>
+  </p:cSld>
+  <p:clrMapOvr>
+    <a:masterClrMapping/>
+  </p:clrMapOvr>
+  <p:timing>
+    <p:tnLst>
+      <p:par>
+        <p:cTn id="1" dur="indefinite" restart="never" nodeType="tmRoot">
+          <p:childTnLst>
+            <p:seq concurrent="1" nextAc="seek">
+              <p:cTn id="2" dur="indefinite" nodeType="mainSeq">
+                <p:childTnLst>
+                  <p:par>
+                    <p:cTn id="3" fill="hold">
+                      <p:stCondLst>
+                        <p:cond delay="indefinite"/>
+                      </p:stCondLst>
+                      <p:childTnLst>
+                        <p:par>
+                          <p:cTn id="4" fill="hold">
+                            <p:stCondLst>
+                              <p:cond delay="0"/>
+                            </p:stCondLst>
+                            <p:childTnLst>
+                              <p:par>
+                                <p:cTn id="5" presetID="14" presetClass="entr" presetSubtype="10" fill="hold" nodeType="clickEffect">
+                                  <p:stCondLst>
+                                    <p:cond delay="0"/>
+                                  </p:stCondLst>
+                                  <p:childTnLst>
+                                    <p:set>
+                                      <p:cBhvr>
+                                        <p:cTn id="6" dur="1" fill="hold">
+                                          <p:stCondLst>
+                                            <p:cond delay="0"/>
+                                          </p:stCondLst>
+                                        </p:cTn>
+                                        <p:tgtEl>
+                                          <p:spTgt spid="5">
+                                            <p:txEl>
+                                              <p:pRg st="0" end="0"/>
+                                            </p:txEl>
+                                          </p:spTgt>
+                                        </p:tgtEl>
+                                        <p:attrNameLst>
+                                          <p:attrName>style.visibility</p:attrName>
+                                        </p:attrNameLst>
+                                      </p:cBhvr>
+                                      <p:to>
+                                        <p:strVal val="visible"/>
+                                      </p:to>
+                                    </p:set>
+                                    <p:animEffect transition="in" filter="randombar(horizontal)">
+                                      <p:cBhvr>
+                                        <p:cTn id="7" dur="500"/>
+                                        <p:tgtEl>
+                                          <p:spTgt spid="5">
+                                            <p:txEl>
+                                              <p:pRg st="0" end="0"/>
+                                            </p:txEl>
+                                          </p:spTgt>
+                                        </p:tgtEl>
+                                      </p:cBhvr>
+                                    </p:animEffect>
+                                  </p:childTnLst>
+                                </p:cTn>
+                              </p:par>
+                            </p:childTnLst>
+                          </p:cTn>
+                        </p:par>
+                      </p:childTnLst>
+                    </p:cTn>
+                  </p:par>
+                  <p:par>
+                    <p:cTn id="8" fill="hold">
+                      <p:stCondLst>
+                        <p:cond delay="indefinite"/>
+                      </p:stCondLst>
+                      <p:childTnLst>
+                        <p:par>
+                          <p:cTn id="9" fill="hold">
+                            <p:stCondLst>
+                              <p:cond delay="0"/>
+                            </p:stCondLst>
+                            <p:childTnLst>
+                              <p:par>
+                                <p:cTn id="10" presetID="53" presetClass="entr" presetSubtype="16" fill="hold" nodeType="clickEffect">
+                                  <p:stCondLst>
+                                    <p:cond delay="0"/>
+                                  </p:stCondLst>
+                                  <p:childTnLst>
+                                    <p:set>
+                                      <p:cBhvr>
+                                        <p:cTn id="11" dur="1" fill="hold">
+                                          <p:stCondLst>
+                                            <p:cond delay="0"/>
+                                          </p:stCondLst>
+                                        </p:cTn>
+                                        <p:tgtEl>
+                                          <p:spTgt spid="2"/>
+                                        </p:tgtEl>
+                                        <p:attrNameLst>
+                                          <p:attrName>style.visibility</p:attrName>
+                                        </p:attrNameLst>
+                                      </p:cBhvr>
+                                      <p:to>
+                                        <p:strVal val="visible"/>
+                                      </p:to>
+                                    </p:set>
+                                    <p:anim calcmode="lin" valueType="num">
+                                      <p:cBhvr>
+                                        <p:cTn id="12" dur="500" fill="hold"/>
+                                        <p:tgtEl>
+                                          <p:spTgt spid="2"/>
+                                        </p:tgtEl>
+                                        <p:attrNameLst>
+                                          <p:attrName>ppt_w</p:attrName>
+                                        </p:attrNameLst>
+                                      </p:cBhvr>
+                                      <p:tavLst>
+                                        <p:tav tm="0">
+                                          <p:val>
+                                            <p:fltVal val="0"/>
+                                          </p:val>
+                                        </p:tav>
+                                        <p:tav tm="100000">
+                                          <p:val>
+                                            <p:strVal val="#ppt_w"/>
+                                          </p:val>
+                                        </p:tav>
+                                      </p:tavLst>
+                                    </p:anim>
+                                    <p:anim calcmode="lin" valueType="num">
+                                      <p:cBhvr>
+                                        <p:cTn id="13" dur="500" fill="hold"/>
+                                        <p:tgtEl>
+                                          <p:spTgt spid="2"/>
+                                        </p:tgtEl>
+                                        <p:attrNameLst>
+                                          <p:attrName>ppt_h</p:attrName>
+                                        </p:attrNameLst>
+                                      </p:cBhvr>
+                                      <p:tavLst>
+                                        <p:tav tm="0">
+                                          <p:val>
+                                            <p:fltVal val="0"/>
+                                          </p:val>
+                                        </p:tav>
+                                        <p:tav tm="100000">
+                                          <p:val>
+                                            <p:strVal val="#ppt_h"/>
+                                          </p:val>
+                                        </p:tav>
+                                      </p:tavLst>
+                                    </p:anim>
+                                    <p:animEffect transition="in" filter="fade">
+                                      <p:cBhvr>
+                                        <p:cTn id="14" dur="500"/>
+                                        <p:tgtEl>
+                                          <p:spTgt spid="2"/>
+                                        </p:tgtEl>
+                                      </p:cBhvr>
+                                    </p:animEffect>
+                                  </p:childTnLst>
+                                </p:cTn>
+                              </p:par>
+                            </p:childTnLst>
+                          </p:cTn>
+                        </p:par>
+                      </p:childTnLst>
+                    </p:cTn>
+                  </p:par>
+                  <p:par>
+                    <p:cTn id="15" fill="hold">
+                      <p:stCondLst>
+                        <p:cond delay="indefinite"/>
+                      </p:stCondLst>
+                      <p:childTnLst>
+                        <p:par>
+                          <p:cTn id="16" fill="hold">
+                            <p:stCondLst>
+                              <p:cond delay="0"/>
+                            </p:stCondLst>
+                            <p:childTnLst>
+                              <p:par>
+                                <p:cTn id="17" presetID="53" presetClass="entr" presetSubtype="16" fill="hold" nodeType="clickEffect">
+                                  <p:stCondLst>
+                                    <p:cond delay="0"/>
+                                  </p:stCondLst>
+                                  <p:childTnLst>
+                                    <p:set>
+                                      <p:cBhvr>
+                                        <p:cTn id="18" dur="1" fill="hold">
+                                          <p:stCondLst>
+                                            <p:cond delay="0"/>
+                                          </p:stCondLst>
+                                        </p:cTn>
+                                        <p:tgtEl>
+                                          <p:spTgt spid="2053"/>
+                                        </p:tgtEl>
+                                        <p:attrNameLst>
+                                          <p:attrName>style.visibility</p:attrName>
+                                        </p:attrNameLst>
+                                      </p:cBhvr>
+                                      <p:to>
+                                        <p:strVal val="visible"/>
+                                      </p:to>
+                                    </p:set>
+                                    <p:anim calcmode="lin" valueType="num">
+                                      <p:cBhvr>
+                                        <p:cTn id="19" dur="500" fill="hold"/>
+                                        <p:tgtEl>
+                                          <p:spTgt spid="2053"/>
+                                        </p:tgtEl>
+                                        <p:attrNameLst>
+                                          <p:attrName>ppt_w</p:attrName>
+                                        </p:attrNameLst>
+                                      </p:cBhvr>
+                                      <p:tavLst>
+                                        <p:tav tm="0">
+                                          <p:val>
+                                            <p:fltVal val="0"/>
+                                          </p:val>
+                                        </p:tav>
+                                        <p:tav tm="100000">
+                                          <p:val>
+                                            <p:strVal val="#ppt_w"/>
+                                          </p:val>
+                                        </p:tav>
+                                      </p:tavLst>
+                                    </p:anim>
+                                    <p:anim calcmode="lin" valueType="num">
+                                      <p:cBhvr>
+                                        <p:cTn id="20" dur="500" fill="hold"/>
+                                        <p:tgtEl>
+                                          <p:spTgt spid="2053"/>
+                                        </p:tgtEl>
+                                        <p:attrNameLst>
+                                          <p:attrName>ppt_h</p:attrName>
+                                        </p:attrNameLst>
+                                      </p:cBhvr>
+                                      <p:tavLst>
+                                        <p:tav tm="0">
+                                          <p:val>
+                                            <p:fltVal val="0"/>
+                                          </p:val>
+                                        </p:tav>
+                                        <p:tav tm="100000">
+                                          <p:val>
+                                            <p:strVal val="#ppt_h"/>
+                                          </p:val>
+                                        </p:tav>
+                                      </p:tavLst>
+                                    </p:anim>
+                                    <p:animEffect transition="in" filter="fade">
+                                      <p:cBhvr>
+                                        <p:cTn id="21" dur="500"/>
+                                        <p:tgtEl>
+                                          <p:spTgt spid="2053"/>
+                                        </p:tgtEl>
+                                      </p:cBhvr>
+                                    </p:animEffect>
+                                  </p:childTnLst>
+                                </p:cTn>
+                              </p:par>
+                            </p:childTnLst>
+                          </p:cTn>
+                        </p:par>
+                      </p:childTnLst>
+                    </p:cTn>
+                  </p:par>
+                </p:childTnLst>
+              </p:cTn>
+              <p:prevCondLst>
+                <p:cond evt="onPrev" delay="0">
+                  <p:tgtEl>
+                    <p:sldTgt/>
+                  </p:tgtEl>
+                </p:cond>
+              </p:prevCondLst>
+              <p:nextCondLst>
+                <p:cond evt="onNext" delay="0">
+                  <p:tgtEl>
+                    <p:sldTgt/>
+                  </p:tgtEl>
+                </p:cond>
+              </p:nextCondLst>
+            </p:seq>
+          </p:childTnLst>
+        </p:cTn>
+      </p:par>
+    </p:tnLst>
+  </p:timing>
+</p:sld>
+</file>
+
+<file path=ppt/slides/slide43.xml><?xml version="1.0" encoding="utf-8"?>
+<p:sld xmlns:a="http://schemas.openxmlformats.org/drawingml/2006/main" xmlns:r="http://schemas.openxmlformats.org/officeDocument/2006/relationships" xmlns:p="http://schemas.openxmlformats.org/presentationml/2006/main">
+  <p:cSld>
+    <p:spTree>
+      <p:nvGrpSpPr>
+        <p:cNvPr id="1" name=""/>
+        <p:cNvGrpSpPr/>
+        <p:nvPr/>
+      </p:nvGrpSpPr>
+      <p:grpSpPr>
+        <a:xfrm>
+          <a:off x="0" y="0"/>
+          <a:ext cx="0" cy="0"/>
+          <a:chOff x="0" y="0"/>
+          <a:chExt cx="0" cy="0"/>
+        </a:xfrm>
+      </p:grpSpPr>
+      <p:sp>
+        <p:nvSpPr>
+          <p:cNvPr id="5" name="TextBox 4"/>
+          <p:cNvSpPr txBox="1"/>
+          <p:nvPr/>
+        </p:nvSpPr>
+        <p:spPr>
+          <a:xfrm>
+            <a:off x="683568" y="908720"/>
+            <a:ext cx="7776864" cy="1015663"/>
+          </a:xfrm>
+          <a:prstGeom prst="rect">
+            <a:avLst/>
+          </a:prstGeom>
+          <a:noFill/>
+        </p:spPr>
+        <p:txBody>
+          <a:bodyPr wrap="square" rtlCol="0">
+            <a:spAutoFit/>
+          </a:bodyPr>
+          <a:lstStyle/>
+          <a:p>
+            <a:pPr>
+              <a:lnSpc>
+                <a:spcPct val="200000"/>
+              </a:lnSpc>
+            </a:pPr>
+            <a:r>
+              <a:rPr lang="en-US" altLang="zh-CN" b="1" smtClean="0">
+                <a:solidFill>
+                  <a:schemeClr val="accent5">
+                    <a:lumMod val="50000"/>
+                  </a:schemeClr>
+                </a:solidFill>
+                <a:latin typeface="微软雅黑" pitchFamily="34" charset="-122"/>
+                <a:ea typeface="微软雅黑" pitchFamily="34" charset="-122"/>
+              </a:rPr>
+              <a:t>NumPy</a:t>
+            </a:r>
+            <a:r>
+              <a:rPr lang="zh-CN" altLang="en-US" b="1" smtClean="0">
+                <a:solidFill>
+                  <a:schemeClr val="accent5">
+                    <a:lumMod val="50000"/>
+                  </a:schemeClr>
+                </a:solidFill>
+                <a:latin typeface="微软雅黑" pitchFamily="34" charset="-122"/>
+                <a:ea typeface="微软雅黑" pitchFamily="34" charset="-122"/>
+              </a:rPr>
+              <a:t>数组操作</a:t>
+            </a:r>
+            <a:r>
+              <a:rPr lang="en-US" altLang="zh-CN" b="1" smtClean="0">
+                <a:solidFill>
+                  <a:schemeClr val="accent5">
+                    <a:lumMod val="50000"/>
+                  </a:schemeClr>
+                </a:solidFill>
+                <a:latin typeface="微软雅黑" pitchFamily="34" charset="-122"/>
+                <a:ea typeface="微软雅黑" pitchFamily="34" charset="-122"/>
+              </a:rPr>
+              <a:t>—</a:t>
+            </a:r>
+            <a:r>
+              <a:rPr lang="zh-CN" altLang="en-US" b="1" smtClean="0">
+                <a:solidFill>
+                  <a:schemeClr val="accent5">
+                    <a:lumMod val="50000"/>
+                  </a:schemeClr>
+                </a:solidFill>
+                <a:latin typeface="微软雅黑" pitchFamily="34" charset="-122"/>
+                <a:ea typeface="微软雅黑" pitchFamily="34" charset="-122"/>
+              </a:rPr>
+              <a:t>分割数组</a:t>
+            </a:r>
+            <a:endParaRPr lang="en-US" altLang="zh-CN" b="1" smtClean="0">
+              <a:solidFill>
+                <a:schemeClr val="accent5">
+                  <a:lumMod val="50000"/>
+                </a:schemeClr>
+              </a:solidFill>
+              <a:latin typeface="微软雅黑" pitchFamily="34" charset="-122"/>
+              <a:ea typeface="微软雅黑" pitchFamily="34" charset="-122"/>
+            </a:endParaRPr>
+          </a:p>
+          <a:p>
+            <a:pPr indent="403225">
+              <a:lnSpc>
+                <a:spcPct val="150000"/>
+              </a:lnSpc>
+            </a:pPr>
+            <a:r>
+              <a:rPr lang="en-US" altLang="zh-CN" sz="1600" smtClean="0">
+                <a:solidFill>
+                  <a:schemeClr val="accent5">
+                    <a:lumMod val="75000"/>
+                  </a:schemeClr>
+                </a:solidFill>
+                <a:latin typeface="微软雅黑" pitchFamily="34" charset="-122"/>
+                <a:ea typeface="微软雅黑" pitchFamily="34" charset="-122"/>
+              </a:rPr>
+              <a:t>Numpy </a:t>
+            </a:r>
+            <a:r>
+              <a:rPr lang="zh-CN" altLang="en-US" sz="1600" smtClean="0">
+                <a:solidFill>
+                  <a:schemeClr val="accent5">
+                    <a:lumMod val="75000"/>
+                  </a:schemeClr>
+                </a:solidFill>
+                <a:latin typeface="微软雅黑" pitchFamily="34" charset="-122"/>
+                <a:ea typeface="微软雅黑" pitchFamily="34" charset="-122"/>
+              </a:rPr>
+              <a:t>分割数组的函数主要有</a:t>
+            </a:r>
+            <a:r>
+              <a:rPr lang="en-US" altLang="zh-CN" sz="1600">
+                <a:solidFill>
+                  <a:schemeClr val="accent5">
+                    <a:lumMod val="75000"/>
+                  </a:schemeClr>
+                </a:solidFill>
+                <a:latin typeface="微软雅黑" pitchFamily="34" charset="-122"/>
+                <a:ea typeface="微软雅黑" pitchFamily="34" charset="-122"/>
+              </a:rPr>
+              <a:t>split</a:t>
+            </a:r>
+            <a:r>
+              <a:rPr lang="zh-CN" altLang="en-US" sz="1600">
+                <a:solidFill>
+                  <a:schemeClr val="accent5">
+                    <a:lumMod val="75000"/>
+                  </a:schemeClr>
+                </a:solidFill>
+                <a:latin typeface="微软雅黑" pitchFamily="34" charset="-122"/>
+                <a:ea typeface="微软雅黑" pitchFamily="34" charset="-122"/>
+              </a:rPr>
+              <a:t>、</a:t>
+            </a:r>
+            <a:r>
+              <a:rPr lang="en-US" altLang="zh-CN" sz="1600">
+                <a:solidFill>
+                  <a:schemeClr val="accent5">
+                    <a:lumMod val="75000"/>
+                  </a:schemeClr>
+                </a:solidFill>
+                <a:latin typeface="微软雅黑" pitchFamily="34" charset="-122"/>
+                <a:ea typeface="微软雅黑" pitchFamily="34" charset="-122"/>
+              </a:rPr>
+              <a:t>hsplit</a:t>
+            </a:r>
+            <a:r>
+              <a:rPr lang="zh-CN" altLang="en-US" sz="1600">
+                <a:solidFill>
+                  <a:schemeClr val="accent5">
+                    <a:lumMod val="75000"/>
+                  </a:schemeClr>
+                </a:solidFill>
+                <a:latin typeface="微软雅黑" pitchFamily="34" charset="-122"/>
+                <a:ea typeface="微软雅黑" pitchFamily="34" charset="-122"/>
+              </a:rPr>
+              <a:t>、</a:t>
+            </a:r>
+            <a:r>
+              <a:rPr lang="en-US" altLang="zh-CN" sz="1600">
+                <a:solidFill>
+                  <a:schemeClr val="accent5">
+                    <a:lumMod val="75000"/>
+                  </a:schemeClr>
+                </a:solidFill>
+                <a:latin typeface="微软雅黑" pitchFamily="34" charset="-122"/>
+                <a:ea typeface="微软雅黑" pitchFamily="34" charset="-122"/>
+              </a:rPr>
+              <a:t>vsplit</a:t>
+            </a:r>
+            <a:r>
+              <a:rPr lang="zh-CN" altLang="en-US" sz="1600" smtClean="0">
+                <a:solidFill>
+                  <a:schemeClr val="accent5">
+                    <a:lumMod val="75000"/>
+                  </a:schemeClr>
+                </a:solidFill>
+                <a:latin typeface="微软雅黑" pitchFamily="34" charset="-122"/>
+                <a:ea typeface="微软雅黑" pitchFamily="34" charset="-122"/>
+              </a:rPr>
+              <a:t>，各自功能分别如下：</a:t>
+            </a:r>
+            <a:endParaRPr lang="en-US" altLang="zh-CN" sz="1600" smtClean="0">
+              <a:solidFill>
+                <a:schemeClr val="accent5">
+                  <a:lumMod val="75000"/>
+                </a:schemeClr>
+              </a:solidFill>
+              <a:latin typeface="微软雅黑" pitchFamily="34" charset="-122"/>
+              <a:ea typeface="微软雅黑" pitchFamily="34" charset="-122"/>
+            </a:endParaRPr>
+          </a:p>
+        </p:txBody>
+      </p:sp>
+      <p:pic>
+        <p:nvPicPr>
+          <p:cNvPr id="3074" name="Picture 2"/>
+          <p:cNvPicPr>
+            <a:picLocks noChangeAspect="1" noChangeArrowheads="1"/>
+          </p:cNvPicPr>
+          <p:nvPr/>
+        </p:nvPicPr>
+        <p:blipFill>
+          <a:blip r:embed="rId2">
+            <a:extLst>
+              <a:ext uri="{28A0092B-C50C-407E-A947-70E740481C1C}">
+                <a14:useLocalDpi xmlns:a14="http://schemas.microsoft.com/office/drawing/2010/main" val="0"/>
+              </a:ext>
+            </a:extLst>
+          </a:blip>
+          <a:srcRect/>
+          <a:stretch>
+            <a:fillRect/>
+          </a:stretch>
+        </p:blipFill>
+        <p:spPr bwMode="auto">
+          <a:xfrm>
+            <a:off x="2915816" y="2204864"/>
+            <a:ext cx="3312368" cy="1226494"/>
+          </a:xfrm>
+          <a:prstGeom prst="rect">
+            <a:avLst/>
+          </a:prstGeom>
+          <a:noFill/>
+          <a:ln>
+            <a:noFill/>
+          </a:ln>
+          <a:effectLst/>
+          <a:extLst>
+            <a:ext uri="{909E8E84-426E-40DD-AFC4-6F175D3DCCD1}">
+              <a14:hiddenFill xmlns:a14="http://schemas.microsoft.com/office/drawing/2010/main">
+                <a:solidFill>
+                  <a:schemeClr val="accent1"/>
+                </a:solidFill>
+              </a14:hiddenFill>
+            </a:ext>
+            <a:ext uri="{91240B29-F687-4F45-9708-019B960494DF}">
+              <a14:hiddenLine xmlns:a14="http://schemas.microsoft.com/office/drawing/2010/main" w="9525">
+                <a:solidFill>
+                  <a:schemeClr val="tx1"/>
+                </a:solidFill>
+                <a:miter lim="800000"/>
+                <a:headEnd/>
+                <a:tailEnd/>
+              </a14:hiddenLine>
+            </a:ext>
+            <a:ext uri="{AF507438-7753-43E0-B8FC-AC1667EBCBE1}">
+              <a14:hiddenEffects xmlns:a14="http://schemas.microsoft.com/office/drawing/2010/main">
+                <a:effectLst>
+                  <a:outerShdw dist="35921" dir="2700000" algn="ctr" rotWithShape="0">
+                    <a:schemeClr val="bg2"/>
+                  </a:outerShdw>
+                </a:effectLst>
+              </a14:hiddenEffects>
+            </a:ext>
+          </a:extLst>
+        </p:spPr>
+      </p:pic>
+    </p:spTree>
+    <p:extLst>
+      <p:ext uri="{BB962C8B-B14F-4D97-AF65-F5344CB8AC3E}">
+        <p14:creationId xmlns:p14="http://schemas.microsoft.com/office/powerpoint/2010/main" val="2538199981"/>
+      </p:ext>
+    </p:extLst>
+  </p:cSld>
+  <p:clrMapOvr>
+    <a:masterClrMapping/>
+  </p:clrMapOvr>
+  <p:timing>
+    <p:tnLst>
+      <p:par>
+        <p:cTn id="1" dur="indefinite" restart="never" nodeType="tmRoot">
+          <p:childTnLst>
+            <p:seq concurrent="1" nextAc="seek">
+              <p:cTn id="2" dur="indefinite" nodeType="mainSeq">
+                <p:childTnLst>
+                  <p:par>
+                    <p:cTn id="3" fill="hold">
+                      <p:stCondLst>
+                        <p:cond delay="indefinite"/>
+                      </p:stCondLst>
+                      <p:childTnLst>
+                        <p:par>
+                          <p:cTn id="4" fill="hold">
+                            <p:stCondLst>
+                              <p:cond delay="0"/>
+                            </p:stCondLst>
+                            <p:childTnLst>
+                              <p:par>
+                                <p:cTn id="5" presetID="14" presetClass="entr" presetSubtype="10" fill="hold" nodeType="clickEffect">
+                                  <p:stCondLst>
+                                    <p:cond delay="0"/>
+                                  </p:stCondLst>
+                                  <p:childTnLst>
+                                    <p:set>
+                                      <p:cBhvr>
+                                        <p:cTn id="6" dur="1" fill="hold">
+                                          <p:stCondLst>
+                                            <p:cond delay="0"/>
+                                          </p:stCondLst>
+                                        </p:cTn>
+                                        <p:tgtEl>
+                                          <p:spTgt spid="5">
+                                            <p:txEl>
+                                              <p:pRg st="0" end="0"/>
+                                            </p:txEl>
+                                          </p:spTgt>
+                                        </p:tgtEl>
+                                        <p:attrNameLst>
+                                          <p:attrName>style.visibility</p:attrName>
+                                        </p:attrNameLst>
+                                      </p:cBhvr>
+                                      <p:to>
+                                        <p:strVal val="visible"/>
+                                      </p:to>
+                                    </p:set>
+                                    <p:animEffect transition="in" filter="randombar(horizontal)">
+                                      <p:cBhvr>
+                                        <p:cTn id="7" dur="500"/>
+                                        <p:tgtEl>
+                                          <p:spTgt spid="5">
+                                            <p:txEl>
+                                              <p:pRg st="0" end="0"/>
+                                            </p:txEl>
+                                          </p:spTgt>
+                                        </p:tgtEl>
+                                      </p:cBhvr>
+                                    </p:animEffect>
+                                  </p:childTnLst>
+                                </p:cTn>
+                              </p:par>
+                            </p:childTnLst>
+                          </p:cTn>
+                        </p:par>
+                      </p:childTnLst>
+                    </p:cTn>
+                  </p:par>
+                  <p:par>
+                    <p:cTn id="8" fill="hold">
+                      <p:stCondLst>
+                        <p:cond delay="indefinite"/>
+                      </p:stCondLst>
+                      <p:childTnLst>
+                        <p:par>
+                          <p:cTn id="9" fill="hold">
+                            <p:stCondLst>
+                              <p:cond delay="0"/>
+                            </p:stCondLst>
+                            <p:childTnLst>
+                              <p:par>
+                                <p:cTn id="10" presetID="14" presetClass="entr" presetSubtype="10" fill="hold" nodeType="clickEffect">
+                                  <p:stCondLst>
+                                    <p:cond delay="0"/>
+                                  </p:stCondLst>
+                                  <p:childTnLst>
+                                    <p:set>
+                                      <p:cBhvr>
+                                        <p:cTn id="11" dur="1" fill="hold">
+                                          <p:stCondLst>
+                                            <p:cond delay="0"/>
+                                          </p:stCondLst>
+                                        </p:cTn>
+                                        <p:tgtEl>
+                                          <p:spTgt spid="5">
+                                            <p:txEl>
+                                              <p:pRg st="1" end="1"/>
+                                            </p:txEl>
+                                          </p:spTgt>
+                                        </p:tgtEl>
+                                        <p:attrNameLst>
+                                          <p:attrName>style.visibility</p:attrName>
+                                        </p:attrNameLst>
+                                      </p:cBhvr>
+                                      <p:to>
+                                        <p:strVal val="visible"/>
+                                      </p:to>
+                                    </p:set>
+                                    <p:animEffect transition="in" filter="randombar(horizontal)">
+                                      <p:cBhvr>
+                                        <p:cTn id="12" dur="500"/>
+                                        <p:tgtEl>
+                                          <p:spTgt spid="5">
+                                            <p:txEl>
+                                              <p:pRg st="1" end="1"/>
+                                            </p:txEl>
+                                          </p:spTgt>
+                                        </p:tgtEl>
+                                      </p:cBhvr>
+                                    </p:animEffect>
+                                  </p:childTnLst>
+                                </p:cTn>
+                              </p:par>
+                            </p:childTnLst>
+                          </p:cTn>
+                        </p:par>
+                      </p:childTnLst>
+                    </p:cTn>
+                  </p:par>
+                  <p:par>
+                    <p:cTn id="13" fill="hold">
+                      <p:stCondLst>
+                        <p:cond delay="indefinite"/>
+                      </p:stCondLst>
+                      <p:childTnLst>
+                        <p:par>
+                          <p:cTn id="14" fill="hold">
+                            <p:stCondLst>
+                              <p:cond delay="0"/>
+                            </p:stCondLst>
+                            <p:childTnLst>
+                              <p:par>
+                                <p:cTn id="15" presetID="53" presetClass="entr" presetSubtype="16" fill="hold" nodeType="clickEffect">
+                                  <p:stCondLst>
+                                    <p:cond delay="0"/>
+                                  </p:stCondLst>
+                                  <p:childTnLst>
+                                    <p:set>
+                                      <p:cBhvr>
+                                        <p:cTn id="16" dur="1" fill="hold">
+                                          <p:stCondLst>
+                                            <p:cond delay="0"/>
+                                          </p:stCondLst>
+                                        </p:cTn>
+                                        <p:tgtEl>
+                                          <p:spTgt spid="3074"/>
+                                        </p:tgtEl>
+                                        <p:attrNameLst>
+                                          <p:attrName>style.visibility</p:attrName>
+                                        </p:attrNameLst>
+                                      </p:cBhvr>
+                                      <p:to>
+                                        <p:strVal val="visible"/>
+                                      </p:to>
+                                    </p:set>
+                                    <p:anim calcmode="lin" valueType="num">
+                                      <p:cBhvr>
+                                        <p:cTn id="17" dur="500" fill="hold"/>
+                                        <p:tgtEl>
+                                          <p:spTgt spid="3074"/>
+                                        </p:tgtEl>
+                                        <p:attrNameLst>
+                                          <p:attrName>ppt_w</p:attrName>
+                                        </p:attrNameLst>
+                                      </p:cBhvr>
+                                      <p:tavLst>
+                                        <p:tav tm="0">
+                                          <p:val>
+                                            <p:fltVal val="0"/>
+                                          </p:val>
+                                        </p:tav>
+                                        <p:tav tm="100000">
+                                          <p:val>
+                                            <p:strVal val="#ppt_w"/>
+                                          </p:val>
+                                        </p:tav>
+                                      </p:tavLst>
+                                    </p:anim>
+                                    <p:anim calcmode="lin" valueType="num">
+                                      <p:cBhvr>
+                                        <p:cTn id="18" dur="500" fill="hold"/>
+                                        <p:tgtEl>
+                                          <p:spTgt spid="3074"/>
+                                        </p:tgtEl>
+                                        <p:attrNameLst>
+                                          <p:attrName>ppt_h</p:attrName>
+                                        </p:attrNameLst>
+                                      </p:cBhvr>
+                                      <p:tavLst>
+                                        <p:tav tm="0">
+                                          <p:val>
+                                            <p:fltVal val="0"/>
+                                          </p:val>
+                                        </p:tav>
+                                        <p:tav tm="100000">
+                                          <p:val>
+                                            <p:strVal val="#ppt_h"/>
+                                          </p:val>
+                                        </p:tav>
+                                      </p:tavLst>
+                                    </p:anim>
+                                    <p:animEffect transition="in" filter="fade">
+                                      <p:cBhvr>
+                                        <p:cTn id="19" dur="500"/>
+                                        <p:tgtEl>
+                                          <p:spTgt spid="3074"/>
+                                        </p:tgtEl>
+                                      </p:cBhvr>
+                                    </p:animEffect>
+                                  </p:childTnLst>
+                                </p:cTn>
+                              </p:par>
+                            </p:childTnLst>
+                          </p:cTn>
+                        </p:par>
+                      </p:childTnLst>
+                    </p:cTn>
+                  </p:par>
+                </p:childTnLst>
+              </p:cTn>
+              <p:prevCondLst>
+                <p:cond evt="onPrev" delay="0">
+                  <p:tgtEl>
+                    <p:sldTgt/>
+                  </p:tgtEl>
+                </p:cond>
+              </p:prevCondLst>
+              <p:nextCondLst>
+                <p:cond evt="onNext" delay="0">
+                  <p:tgtEl>
+                    <p:sldTgt/>
+                  </p:tgtEl>
+                </p:cond>
+              </p:nextCondLst>
+            </p:seq>
+          </p:childTnLst>
+        </p:cTn>
+      </p:par>
+    </p:tnLst>
+  </p:timing>
+</p:sld>
+</file>
+
+<file path=ppt/slides/slide44.xml><?xml version="1.0" encoding="utf-8"?>
+<p:sld xmlns:a="http://schemas.openxmlformats.org/drawingml/2006/main" xmlns:r="http://schemas.openxmlformats.org/officeDocument/2006/relationships" xmlns:p="http://schemas.openxmlformats.org/presentationml/2006/main">
+  <p:cSld>
+    <p:spTree>
+      <p:nvGrpSpPr>
+        <p:cNvPr id="1" name=""/>
+        <p:cNvGrpSpPr/>
+        <p:nvPr/>
+      </p:nvGrpSpPr>
+      <p:grpSpPr>
+        <a:xfrm>
+          <a:off x="0" y="0"/>
+          <a:ext cx="0" cy="0"/>
+          <a:chOff x="0" y="0"/>
+          <a:chExt cx="0" cy="0"/>
+        </a:xfrm>
+      </p:grpSpPr>
+      <p:sp>
+        <p:nvSpPr>
+          <p:cNvPr id="5" name="TextBox 4"/>
+          <p:cNvSpPr txBox="1"/>
+          <p:nvPr/>
+        </p:nvSpPr>
+        <p:spPr>
+          <a:xfrm>
+            <a:off x="683568" y="908720"/>
+            <a:ext cx="7776864" cy="646331"/>
+          </a:xfrm>
+          <a:prstGeom prst="rect">
+            <a:avLst/>
+          </a:prstGeom>
+          <a:noFill/>
+        </p:spPr>
+        <p:txBody>
+          <a:bodyPr wrap="square" rtlCol="0">
+            <a:spAutoFit/>
+          </a:bodyPr>
+          <a:lstStyle/>
+          <a:p>
+            <a:pPr>
+              <a:lnSpc>
+                <a:spcPct val="200000"/>
+              </a:lnSpc>
+            </a:pPr>
+            <a:r>
+              <a:rPr lang="en-US" altLang="zh-CN" b="1" smtClean="0">
+                <a:solidFill>
+                  <a:schemeClr val="accent5">
+                    <a:lumMod val="50000"/>
+                  </a:schemeClr>
+                </a:solidFill>
+                <a:latin typeface="微软雅黑" pitchFamily="34" charset="-122"/>
+                <a:ea typeface="微软雅黑" pitchFamily="34" charset="-122"/>
+              </a:rPr>
+              <a:t>NumPy</a:t>
+            </a:r>
+            <a:r>
+              <a:rPr lang="zh-CN" altLang="en-US" b="1" smtClean="0">
+                <a:solidFill>
+                  <a:schemeClr val="accent5">
+                    <a:lumMod val="50000"/>
+                  </a:schemeClr>
+                </a:solidFill>
+                <a:latin typeface="微软雅黑" pitchFamily="34" charset="-122"/>
+                <a:ea typeface="微软雅黑" pitchFamily="34" charset="-122"/>
+              </a:rPr>
+              <a:t>数组操作</a:t>
+            </a:r>
+            <a:r>
+              <a:rPr lang="en-US" altLang="zh-CN" b="1" smtClean="0">
+                <a:solidFill>
+                  <a:schemeClr val="accent5">
+                    <a:lumMod val="50000"/>
+                  </a:schemeClr>
+                </a:solidFill>
+                <a:latin typeface="微软雅黑" pitchFamily="34" charset="-122"/>
+                <a:ea typeface="微软雅黑" pitchFamily="34" charset="-122"/>
+              </a:rPr>
+              <a:t>—</a:t>
+            </a:r>
+            <a:r>
+              <a:rPr lang="zh-CN" altLang="en-US" b="1" smtClean="0">
+                <a:solidFill>
+                  <a:schemeClr val="accent5">
+                    <a:lumMod val="50000"/>
+                  </a:schemeClr>
+                </a:solidFill>
+                <a:latin typeface="微软雅黑" pitchFamily="34" charset="-122"/>
+                <a:ea typeface="微软雅黑" pitchFamily="34" charset="-122"/>
+              </a:rPr>
+              <a:t>分割数组</a:t>
+            </a:r>
+            <a:r>
+              <a:rPr lang="en-US" altLang="zh-CN" b="1" smtClean="0">
+                <a:solidFill>
+                  <a:schemeClr val="accent5">
+                    <a:lumMod val="50000"/>
+                  </a:schemeClr>
+                </a:solidFill>
+                <a:latin typeface="微软雅黑" pitchFamily="34" charset="-122"/>
+                <a:ea typeface="微软雅黑" pitchFamily="34" charset="-122"/>
+              </a:rPr>
+              <a:t>-</a:t>
+            </a:r>
+            <a:r>
+              <a:rPr lang="zh-CN" altLang="en-US" b="1" smtClean="0">
+                <a:solidFill>
+                  <a:schemeClr val="accent5">
+                    <a:lumMod val="50000"/>
+                  </a:schemeClr>
+                </a:solidFill>
+                <a:latin typeface="微软雅黑" pitchFamily="34" charset="-122"/>
+                <a:ea typeface="微软雅黑" pitchFamily="34" charset="-122"/>
+              </a:rPr>
+              <a:t>例</a:t>
+            </a:r>
+            <a:endParaRPr lang="en-US" altLang="zh-CN" b="1" smtClean="0">
+              <a:solidFill>
+                <a:schemeClr val="accent5">
+                  <a:lumMod val="50000"/>
+                </a:schemeClr>
+              </a:solidFill>
+              <a:latin typeface="微软雅黑" pitchFamily="34" charset="-122"/>
+              <a:ea typeface="微软雅黑" pitchFamily="34" charset="-122"/>
+            </a:endParaRPr>
+          </a:p>
+        </p:txBody>
+      </p:sp>
+      <p:pic>
+        <p:nvPicPr>
+          <p:cNvPr id="4098" name="Picture 2"/>
+          <p:cNvPicPr>
+            <a:picLocks noChangeAspect="1" noChangeArrowheads="1"/>
+          </p:cNvPicPr>
+          <p:nvPr/>
+        </p:nvPicPr>
+        <p:blipFill>
+          <a:blip r:embed="rId3">
+            <a:extLst>
+              <a:ext uri="{28A0092B-C50C-407E-A947-70E740481C1C}">
+                <a14:useLocalDpi xmlns:a14="http://schemas.microsoft.com/office/drawing/2010/main" val="0"/>
+              </a:ext>
+            </a:extLst>
+          </a:blip>
+          <a:srcRect/>
+          <a:stretch>
+            <a:fillRect/>
+          </a:stretch>
+        </p:blipFill>
+        <p:spPr bwMode="auto">
+          <a:xfrm>
+            <a:off x="1609320" y="1772816"/>
+            <a:ext cx="2746655" cy="2235649"/>
+          </a:xfrm>
+          <a:prstGeom prst="rect">
+            <a:avLst/>
+          </a:prstGeom>
+          <a:noFill/>
+          <a:ln>
+            <a:noFill/>
+          </a:ln>
+          <a:effectLst/>
+          <a:extLst>
+            <a:ext uri="{909E8E84-426E-40DD-AFC4-6F175D3DCCD1}">
+              <a14:hiddenFill xmlns:a14="http://schemas.microsoft.com/office/drawing/2010/main">
+                <a:solidFill>
+                  <a:schemeClr val="accent1"/>
+                </a:solidFill>
+              </a14:hiddenFill>
+            </a:ext>
+            <a:ext uri="{91240B29-F687-4F45-9708-019B960494DF}">
+              <a14:hiddenLine xmlns:a14="http://schemas.microsoft.com/office/drawing/2010/main" w="9525">
+                <a:solidFill>
+                  <a:schemeClr val="tx1"/>
+                </a:solidFill>
+                <a:miter lim="800000"/>
+                <a:headEnd/>
+                <a:tailEnd/>
+              </a14:hiddenLine>
+            </a:ext>
+            <a:ext uri="{AF507438-7753-43E0-B8FC-AC1667EBCBE1}">
+              <a14:hiddenEffects xmlns:a14="http://schemas.microsoft.com/office/drawing/2010/main">
+                <a:effectLst>
+                  <a:outerShdw dist="35921" dir="2700000" algn="ctr" rotWithShape="0">
+                    <a:schemeClr val="bg2"/>
+                  </a:outerShdw>
+                </a:effectLst>
+              </a14:hiddenEffects>
+            </a:ext>
+          </a:extLst>
+        </p:spPr>
+      </p:pic>
+      <p:pic>
+        <p:nvPicPr>
+          <p:cNvPr id="4099" name="Picture 3"/>
+          <p:cNvPicPr>
+            <a:picLocks noChangeAspect="1" noChangeArrowheads="1"/>
+          </p:cNvPicPr>
+          <p:nvPr/>
+        </p:nvPicPr>
+        <p:blipFill>
+          <a:blip r:embed="rId4">
+            <a:extLst>
+              <a:ext uri="{28A0092B-C50C-407E-A947-70E740481C1C}">
+                <a14:useLocalDpi xmlns:a14="http://schemas.microsoft.com/office/drawing/2010/main" val="0"/>
+              </a:ext>
+            </a:extLst>
+          </a:blip>
+          <a:srcRect/>
+          <a:stretch>
+            <a:fillRect/>
+          </a:stretch>
+        </p:blipFill>
+        <p:spPr bwMode="auto">
+          <a:xfrm>
+            <a:off x="4788024" y="1772816"/>
+            <a:ext cx="2664296" cy="1961625"/>
+          </a:xfrm>
+          <a:prstGeom prst="rect">
+            <a:avLst/>
+          </a:prstGeom>
+          <a:noFill/>
+          <a:ln>
+            <a:noFill/>
+          </a:ln>
+          <a:effectLst/>
+          <a:extLst>
+            <a:ext uri="{909E8E84-426E-40DD-AFC4-6F175D3DCCD1}">
+              <a14:hiddenFill xmlns:a14="http://schemas.microsoft.com/office/drawing/2010/main">
+                <a:solidFill>
+                  <a:schemeClr val="accent1"/>
+                </a:solidFill>
+              </a14:hiddenFill>
+            </a:ext>
+            <a:ext uri="{91240B29-F687-4F45-9708-019B960494DF}">
+              <a14:hiddenLine xmlns:a14="http://schemas.microsoft.com/office/drawing/2010/main" w="9525">
+                <a:solidFill>
+                  <a:schemeClr val="tx1"/>
+                </a:solidFill>
+                <a:miter lim="800000"/>
+                <a:headEnd/>
+                <a:tailEnd/>
+              </a14:hiddenLine>
+            </a:ext>
+            <a:ext uri="{AF507438-7753-43E0-B8FC-AC1667EBCBE1}">
+              <a14:hiddenEffects xmlns:a14="http://schemas.microsoft.com/office/drawing/2010/main">
+                <a:effectLst>
+                  <a:outerShdw dist="35921" dir="2700000" algn="ctr" rotWithShape="0">
+                    <a:schemeClr val="bg2"/>
+                  </a:outerShdw>
+                </a:effectLst>
+              </a14:hiddenEffects>
+            </a:ext>
+          </a:extLst>
+        </p:spPr>
+      </p:pic>
+    </p:spTree>
+    <p:extLst>
+      <p:ext uri="{BB962C8B-B14F-4D97-AF65-F5344CB8AC3E}">
+        <p14:creationId xmlns:p14="http://schemas.microsoft.com/office/powerpoint/2010/main" val="1959757364"/>
+      </p:ext>
+    </p:extLst>
+  </p:cSld>
+  <p:clrMapOvr>
+    <a:masterClrMapping/>
+  </p:clrMapOvr>
+  <p:timing>
+    <p:tnLst>
+      <p:par>
+        <p:cTn id="1" dur="indefinite" restart="never" nodeType="tmRoot">
+          <p:childTnLst>
+            <p:seq concurrent="1" nextAc="seek">
+              <p:cTn id="2" dur="indefinite" nodeType="mainSeq">
+                <p:childTnLst>
+                  <p:par>
+                    <p:cTn id="3" fill="hold">
+                      <p:stCondLst>
+                        <p:cond delay="indefinite"/>
+                      </p:stCondLst>
+                      <p:childTnLst>
+                        <p:par>
+                          <p:cTn id="4" fill="hold">
+                            <p:stCondLst>
+                              <p:cond delay="0"/>
+                            </p:stCondLst>
+                            <p:childTnLst>
+                              <p:par>
+                                <p:cTn id="5" presetID="14" presetClass="entr" presetSubtype="10" fill="hold" nodeType="clickEffect">
+                                  <p:stCondLst>
+                                    <p:cond delay="0"/>
+                                  </p:stCondLst>
+                                  <p:childTnLst>
+                                    <p:set>
+                                      <p:cBhvr>
+                                        <p:cTn id="6" dur="1" fill="hold">
+                                          <p:stCondLst>
+                                            <p:cond delay="0"/>
+                                          </p:stCondLst>
+                                        </p:cTn>
+                                        <p:tgtEl>
+                                          <p:spTgt spid="5">
+                                            <p:txEl>
+                                              <p:pRg st="0" end="0"/>
+                                            </p:txEl>
+                                          </p:spTgt>
+                                        </p:tgtEl>
+                                        <p:attrNameLst>
+                                          <p:attrName>style.visibility</p:attrName>
+                                        </p:attrNameLst>
+                                      </p:cBhvr>
+                                      <p:to>
+                                        <p:strVal val="visible"/>
+                                      </p:to>
+                                    </p:set>
+                                    <p:animEffect transition="in" filter="randombar(horizontal)">
+                                      <p:cBhvr>
+                                        <p:cTn id="7" dur="500"/>
+                                        <p:tgtEl>
+                                          <p:spTgt spid="5">
+                                            <p:txEl>
+                                              <p:pRg st="0" end="0"/>
+                                            </p:txEl>
+                                          </p:spTgt>
+                                        </p:tgtEl>
+                                      </p:cBhvr>
+                                    </p:animEffect>
+                                  </p:childTnLst>
+                                </p:cTn>
+                              </p:par>
+                            </p:childTnLst>
+                          </p:cTn>
+                        </p:par>
+                      </p:childTnLst>
+                    </p:cTn>
+                  </p:par>
+                  <p:par>
+                    <p:cTn id="8" fill="hold">
+                      <p:stCondLst>
+                        <p:cond delay="indefinite"/>
+                      </p:stCondLst>
+                      <p:childTnLst>
+                        <p:par>
+                          <p:cTn id="9" fill="hold">
+                            <p:stCondLst>
+                              <p:cond delay="0"/>
+                            </p:stCondLst>
+                            <p:childTnLst>
+                              <p:par>
+                                <p:cTn id="10" presetID="53" presetClass="entr" presetSubtype="16" fill="hold" nodeType="clickEffect">
+                                  <p:stCondLst>
+                                    <p:cond delay="0"/>
+                                  </p:stCondLst>
+                                  <p:childTnLst>
+                                    <p:set>
+                                      <p:cBhvr>
+                                        <p:cTn id="11" dur="1" fill="hold">
+                                          <p:stCondLst>
+                                            <p:cond delay="0"/>
+                                          </p:stCondLst>
+                                        </p:cTn>
+                                        <p:tgtEl>
+                                          <p:spTgt spid="4098"/>
+                                        </p:tgtEl>
+                                        <p:attrNameLst>
+                                          <p:attrName>style.visibility</p:attrName>
+                                        </p:attrNameLst>
+                                      </p:cBhvr>
+                                      <p:to>
+                                        <p:strVal val="visible"/>
+                                      </p:to>
+                                    </p:set>
+                                    <p:anim calcmode="lin" valueType="num">
+                                      <p:cBhvr>
+                                        <p:cTn id="12" dur="500" fill="hold"/>
+                                        <p:tgtEl>
+                                          <p:spTgt spid="4098"/>
+                                        </p:tgtEl>
+                                        <p:attrNameLst>
+                                          <p:attrName>ppt_w</p:attrName>
+                                        </p:attrNameLst>
+                                      </p:cBhvr>
+                                      <p:tavLst>
+                                        <p:tav tm="0">
+                                          <p:val>
+                                            <p:fltVal val="0"/>
+                                          </p:val>
+                                        </p:tav>
+                                        <p:tav tm="100000">
+                                          <p:val>
+                                            <p:strVal val="#ppt_w"/>
+                                          </p:val>
+                                        </p:tav>
+                                      </p:tavLst>
+                                    </p:anim>
+                                    <p:anim calcmode="lin" valueType="num">
+                                      <p:cBhvr>
+                                        <p:cTn id="13" dur="500" fill="hold"/>
+                                        <p:tgtEl>
+                                          <p:spTgt spid="4098"/>
+                                        </p:tgtEl>
+                                        <p:attrNameLst>
+                                          <p:attrName>ppt_h</p:attrName>
+                                        </p:attrNameLst>
+                                      </p:cBhvr>
+                                      <p:tavLst>
+                                        <p:tav tm="0">
+                                          <p:val>
+                                            <p:fltVal val="0"/>
+                                          </p:val>
+                                        </p:tav>
+                                        <p:tav tm="100000">
+                                          <p:val>
+                                            <p:strVal val="#ppt_h"/>
+                                          </p:val>
+                                        </p:tav>
+                                      </p:tavLst>
+                                    </p:anim>
+                                    <p:animEffect transition="in" filter="fade">
+                                      <p:cBhvr>
+                                        <p:cTn id="14" dur="500"/>
+                                        <p:tgtEl>
+                                          <p:spTgt spid="4098"/>
+                                        </p:tgtEl>
+                                      </p:cBhvr>
+                                    </p:animEffect>
+                                  </p:childTnLst>
+                                </p:cTn>
+                              </p:par>
+                            </p:childTnLst>
+                          </p:cTn>
+                        </p:par>
+                      </p:childTnLst>
+                    </p:cTn>
+                  </p:par>
+                  <p:par>
+                    <p:cTn id="15" fill="hold">
+                      <p:stCondLst>
+                        <p:cond delay="indefinite"/>
+                      </p:stCondLst>
+                      <p:childTnLst>
+                        <p:par>
+                          <p:cTn id="16" fill="hold">
+                            <p:stCondLst>
+                              <p:cond delay="0"/>
+                            </p:stCondLst>
+                            <p:childTnLst>
+                              <p:par>
+                                <p:cTn id="17" presetID="53" presetClass="entr" presetSubtype="16" fill="hold" nodeType="clickEffect">
+                                  <p:stCondLst>
+                                    <p:cond delay="0"/>
+                                  </p:stCondLst>
+                                  <p:childTnLst>
+                                    <p:set>
+                                      <p:cBhvr>
+                                        <p:cTn id="18" dur="1" fill="hold">
+                                          <p:stCondLst>
+                                            <p:cond delay="0"/>
+                                          </p:stCondLst>
+                                        </p:cTn>
+                                        <p:tgtEl>
+                                          <p:spTgt spid="4099"/>
+                                        </p:tgtEl>
+                                        <p:attrNameLst>
+                                          <p:attrName>style.visibility</p:attrName>
+                                        </p:attrNameLst>
+                                      </p:cBhvr>
+                                      <p:to>
+                                        <p:strVal val="visible"/>
+                                      </p:to>
+                                    </p:set>
+                                    <p:anim calcmode="lin" valueType="num">
+                                      <p:cBhvr>
+                                        <p:cTn id="19" dur="500" fill="hold"/>
+                                        <p:tgtEl>
+                                          <p:spTgt spid="4099"/>
+                                        </p:tgtEl>
+                                        <p:attrNameLst>
+                                          <p:attrName>ppt_w</p:attrName>
+                                        </p:attrNameLst>
+                                      </p:cBhvr>
+                                      <p:tavLst>
+                                        <p:tav tm="0">
+                                          <p:val>
+                                            <p:fltVal val="0"/>
+                                          </p:val>
+                                        </p:tav>
+                                        <p:tav tm="100000">
+                                          <p:val>
+                                            <p:strVal val="#ppt_w"/>
+                                          </p:val>
+                                        </p:tav>
+                                      </p:tavLst>
+                                    </p:anim>
+                                    <p:anim calcmode="lin" valueType="num">
+                                      <p:cBhvr>
+                                        <p:cTn id="20" dur="500" fill="hold"/>
+                                        <p:tgtEl>
+                                          <p:spTgt spid="4099"/>
+                                        </p:tgtEl>
+                                        <p:attrNameLst>
+                                          <p:attrName>ppt_h</p:attrName>
+                                        </p:attrNameLst>
+                                      </p:cBhvr>
+                                      <p:tavLst>
+                                        <p:tav tm="0">
+                                          <p:val>
+                                            <p:fltVal val="0"/>
+                                          </p:val>
+                                        </p:tav>
+                                        <p:tav tm="100000">
+                                          <p:val>
+                                            <p:strVal val="#ppt_h"/>
+                                          </p:val>
+                                        </p:tav>
+                                      </p:tavLst>
+                                    </p:anim>
+                                    <p:animEffect transition="in" filter="fade">
+                                      <p:cBhvr>
+                                        <p:cTn id="21" dur="500"/>
+                                        <p:tgtEl>
+                                          <p:spTgt spid="4099"/>
+                                        </p:tgtEl>
+                                      </p:cBhvr>
+                                    </p:animEffect>
+                                  </p:childTnLst>
+                                </p:cTn>
+                              </p:par>
+                            </p:childTnLst>
+                          </p:cTn>
+                        </p:par>
+                      </p:childTnLst>
+                    </p:cTn>
+                  </p:par>
+                </p:childTnLst>
+              </p:cTn>
+              <p:prevCondLst>
+                <p:cond evt="onPrev" delay="0">
+                  <p:tgtEl>
+                    <p:sldTgt/>
+                  </p:tgtEl>
+                </p:cond>
+              </p:prevCondLst>
+              <p:nextCondLst>
+                <p:cond evt="onNext" delay="0">
+                  <p:tgtEl>
+                    <p:sldTgt/>
+                  </p:tgtEl>
+                </p:cond>
+              </p:nextCondLst>
+            </p:seq>
+          </p:childTnLst>
+        </p:cTn>
+      </p:par>
+    </p:tnLst>
+  </p:timing>
+</p:sld>
+</file>
+
+<file path=ppt/slides/slide45.xml><?xml version="1.0" encoding="utf-8"?>
+<p:sld xmlns:a="http://schemas.openxmlformats.org/drawingml/2006/main" xmlns:r="http://schemas.openxmlformats.org/officeDocument/2006/relationships" xmlns:p="http://schemas.openxmlformats.org/presentationml/2006/main">
+  <p:cSld>
+    <p:spTree>
+      <p:nvGrpSpPr>
+        <p:cNvPr id="1" name=""/>
+        <p:cNvGrpSpPr/>
+        <p:nvPr/>
+      </p:nvGrpSpPr>
+      <p:grpSpPr>
+        <a:xfrm>
+          <a:off x="0" y="0"/>
+          <a:ext cx="0" cy="0"/>
+          <a:chOff x="0" y="0"/>
+          <a:chExt cx="0" cy="0"/>
+        </a:xfrm>
+      </p:grpSpPr>
+      <p:sp>
+        <p:nvSpPr>
+          <p:cNvPr id="5" name="TextBox 4"/>
+          <p:cNvSpPr txBox="1"/>
+          <p:nvPr/>
+        </p:nvSpPr>
+        <p:spPr>
+          <a:xfrm>
+            <a:off x="683568" y="908720"/>
+            <a:ext cx="7776864" cy="1384995"/>
+          </a:xfrm>
+          <a:prstGeom prst="rect">
+            <a:avLst/>
+          </a:prstGeom>
+          <a:noFill/>
+        </p:spPr>
+        <p:txBody>
+          <a:bodyPr wrap="square" rtlCol="0">
+            <a:spAutoFit/>
+          </a:bodyPr>
+          <a:lstStyle/>
+          <a:p>
+            <a:pPr>
+              <a:lnSpc>
+                <a:spcPct val="200000"/>
+              </a:lnSpc>
+            </a:pPr>
+            <a:r>
+              <a:rPr lang="en-US" altLang="zh-CN" b="1" smtClean="0">
+                <a:solidFill>
+                  <a:schemeClr val="accent5">
+                    <a:lumMod val="50000"/>
+                  </a:schemeClr>
+                </a:solidFill>
+                <a:latin typeface="微软雅黑" pitchFamily="34" charset="-122"/>
+                <a:ea typeface="微软雅黑" pitchFamily="34" charset="-122"/>
+              </a:rPr>
+              <a:t>NumPy</a:t>
+            </a:r>
+            <a:r>
+              <a:rPr lang="zh-CN" altLang="en-US" b="1" smtClean="0">
+                <a:solidFill>
+                  <a:schemeClr val="accent5">
+                    <a:lumMod val="50000"/>
+                  </a:schemeClr>
+                </a:solidFill>
+                <a:latin typeface="微软雅黑" pitchFamily="34" charset="-122"/>
+                <a:ea typeface="微软雅黑" pitchFamily="34" charset="-122"/>
+              </a:rPr>
+              <a:t>数组操作</a:t>
+            </a:r>
+            <a:r>
+              <a:rPr lang="en-US" altLang="zh-CN" b="1" smtClean="0">
+                <a:solidFill>
+                  <a:schemeClr val="accent5">
+                    <a:lumMod val="50000"/>
+                  </a:schemeClr>
+                </a:solidFill>
+                <a:latin typeface="微软雅黑" pitchFamily="34" charset="-122"/>
+                <a:ea typeface="微软雅黑" pitchFamily="34" charset="-122"/>
+              </a:rPr>
+              <a:t>—</a:t>
+            </a:r>
+            <a:r>
+              <a:rPr lang="zh-CN" altLang="en-US" b="1" smtClean="0">
+                <a:solidFill>
+                  <a:schemeClr val="accent5">
+                    <a:lumMod val="50000"/>
+                  </a:schemeClr>
+                </a:solidFill>
+                <a:latin typeface="微软雅黑" pitchFamily="34" charset="-122"/>
+                <a:ea typeface="微软雅黑" pitchFamily="34" charset="-122"/>
+              </a:rPr>
+              <a:t>数组的添加与删除</a:t>
+            </a:r>
+            <a:endParaRPr lang="en-US" altLang="zh-CN" b="1" smtClean="0">
+              <a:solidFill>
+                <a:schemeClr val="accent5">
+                  <a:lumMod val="50000"/>
+                </a:schemeClr>
+              </a:solidFill>
+              <a:latin typeface="微软雅黑" pitchFamily="34" charset="-122"/>
+              <a:ea typeface="微软雅黑" pitchFamily="34" charset="-122"/>
+            </a:endParaRPr>
+          </a:p>
+          <a:p>
+            <a:pPr indent="403225">
+              <a:lnSpc>
+                <a:spcPct val="150000"/>
+              </a:lnSpc>
+            </a:pPr>
+            <a:r>
+              <a:rPr lang="en-US" altLang="zh-CN" sz="1600" smtClean="0">
+                <a:solidFill>
+                  <a:schemeClr val="accent5">
+                    <a:lumMod val="75000"/>
+                  </a:schemeClr>
+                </a:solidFill>
+                <a:latin typeface="微软雅黑" pitchFamily="34" charset="-122"/>
+                <a:ea typeface="微软雅黑" pitchFamily="34" charset="-122"/>
+              </a:rPr>
+              <a:t>Numpy </a:t>
+            </a:r>
+            <a:r>
+              <a:rPr lang="zh-CN" altLang="en-US" sz="1600" smtClean="0">
+                <a:solidFill>
+                  <a:schemeClr val="accent5">
+                    <a:lumMod val="75000"/>
+                  </a:schemeClr>
+                </a:solidFill>
+                <a:latin typeface="微软雅黑" pitchFamily="34" charset="-122"/>
+                <a:ea typeface="微软雅黑" pitchFamily="34" charset="-122"/>
+              </a:rPr>
+              <a:t>数组添加与删除的函数主要有</a:t>
+            </a:r>
+            <a:r>
+              <a:rPr lang="en-US" altLang="zh-CN" sz="1600">
+                <a:solidFill>
+                  <a:schemeClr val="accent5">
+                    <a:lumMod val="75000"/>
+                  </a:schemeClr>
+                </a:solidFill>
+                <a:latin typeface="微软雅黑" pitchFamily="34" charset="-122"/>
+                <a:ea typeface="微软雅黑" pitchFamily="34" charset="-122"/>
+              </a:rPr>
+              <a:t>resize</a:t>
+            </a:r>
+            <a:r>
+              <a:rPr lang="zh-CN" altLang="en-US" sz="1600">
+                <a:solidFill>
+                  <a:schemeClr val="accent5">
+                    <a:lumMod val="75000"/>
+                  </a:schemeClr>
+                </a:solidFill>
+                <a:latin typeface="微软雅黑" pitchFamily="34" charset="-122"/>
+                <a:ea typeface="微软雅黑" pitchFamily="34" charset="-122"/>
+              </a:rPr>
+              <a:t>、</a:t>
+            </a:r>
+            <a:r>
+              <a:rPr lang="en-US" altLang="zh-CN" sz="1600">
+                <a:solidFill>
+                  <a:schemeClr val="accent5">
+                    <a:lumMod val="75000"/>
+                  </a:schemeClr>
+                </a:solidFill>
+                <a:latin typeface="微软雅黑" pitchFamily="34" charset="-122"/>
+                <a:ea typeface="微软雅黑" pitchFamily="34" charset="-122"/>
+              </a:rPr>
+              <a:t>append</a:t>
+            </a:r>
+            <a:r>
+              <a:rPr lang="zh-CN" altLang="en-US" sz="1600">
+                <a:solidFill>
+                  <a:schemeClr val="accent5">
+                    <a:lumMod val="75000"/>
+                  </a:schemeClr>
+                </a:solidFill>
+                <a:latin typeface="微软雅黑" pitchFamily="34" charset="-122"/>
+                <a:ea typeface="微软雅黑" pitchFamily="34" charset="-122"/>
+              </a:rPr>
+              <a:t>、</a:t>
+            </a:r>
+            <a:r>
+              <a:rPr lang="en-US" altLang="zh-CN" sz="1600">
+                <a:solidFill>
+                  <a:schemeClr val="accent5">
+                    <a:lumMod val="75000"/>
+                  </a:schemeClr>
+                </a:solidFill>
+                <a:latin typeface="微软雅黑" pitchFamily="34" charset="-122"/>
+                <a:ea typeface="微软雅黑" pitchFamily="34" charset="-122"/>
+              </a:rPr>
+              <a:t>insert</a:t>
+            </a:r>
+            <a:r>
+              <a:rPr lang="zh-CN" altLang="en-US" sz="1600">
+                <a:solidFill>
+                  <a:schemeClr val="accent5">
+                    <a:lumMod val="75000"/>
+                  </a:schemeClr>
+                </a:solidFill>
+                <a:latin typeface="微软雅黑" pitchFamily="34" charset="-122"/>
+                <a:ea typeface="微软雅黑" pitchFamily="34" charset="-122"/>
+              </a:rPr>
+              <a:t>、</a:t>
+            </a:r>
+            <a:r>
+              <a:rPr lang="en-US" altLang="zh-CN" sz="1600">
+                <a:solidFill>
+                  <a:schemeClr val="accent5">
+                    <a:lumMod val="75000"/>
+                  </a:schemeClr>
+                </a:solidFill>
+                <a:latin typeface="微软雅黑" pitchFamily="34" charset="-122"/>
+                <a:ea typeface="微软雅黑" pitchFamily="34" charset="-122"/>
+              </a:rPr>
+              <a:t>delete</a:t>
+            </a:r>
+            <a:r>
+              <a:rPr lang="zh-CN" altLang="en-US" sz="1600">
+                <a:solidFill>
+                  <a:schemeClr val="accent5">
+                    <a:lumMod val="75000"/>
+                  </a:schemeClr>
+                </a:solidFill>
+                <a:latin typeface="微软雅黑" pitchFamily="34" charset="-122"/>
+                <a:ea typeface="微软雅黑" pitchFamily="34" charset="-122"/>
+              </a:rPr>
+              <a:t>、</a:t>
+            </a:r>
+            <a:r>
+              <a:rPr lang="en-US" altLang="zh-CN" sz="1600">
+                <a:solidFill>
+                  <a:schemeClr val="accent5">
+                    <a:lumMod val="75000"/>
+                  </a:schemeClr>
+                </a:solidFill>
+                <a:latin typeface="微软雅黑" pitchFamily="34" charset="-122"/>
+                <a:ea typeface="微软雅黑" pitchFamily="34" charset="-122"/>
+              </a:rPr>
+              <a:t>unique</a:t>
+            </a:r>
+            <a:r>
+              <a:rPr lang="zh-CN" altLang="en-US" sz="1600" smtClean="0">
+                <a:solidFill>
+                  <a:schemeClr val="accent5">
+                    <a:lumMod val="75000"/>
+                  </a:schemeClr>
+                </a:solidFill>
+                <a:latin typeface="微软雅黑" pitchFamily="34" charset="-122"/>
+                <a:ea typeface="微软雅黑" pitchFamily="34" charset="-122"/>
+              </a:rPr>
+              <a:t>，各自功能分别如下：</a:t>
+            </a:r>
+            <a:endParaRPr lang="en-US" altLang="zh-CN" sz="1600" smtClean="0">
+              <a:solidFill>
+                <a:schemeClr val="accent5">
+                  <a:lumMod val="75000"/>
+                </a:schemeClr>
+              </a:solidFill>
+              <a:latin typeface="微软雅黑" pitchFamily="34" charset="-122"/>
+              <a:ea typeface="微软雅黑" pitchFamily="34" charset="-122"/>
+            </a:endParaRPr>
+          </a:p>
+        </p:txBody>
+      </p:sp>
+      <p:pic>
+        <p:nvPicPr>
+          <p:cNvPr id="5122" name="Picture 2"/>
+          <p:cNvPicPr>
+            <a:picLocks noChangeAspect="1" noChangeArrowheads="1"/>
+          </p:cNvPicPr>
+          <p:nvPr/>
+        </p:nvPicPr>
+        <p:blipFill>
+          <a:blip r:embed="rId2">
+            <a:extLst>
+              <a:ext uri="{28A0092B-C50C-407E-A947-70E740481C1C}">
+                <a14:useLocalDpi xmlns:a14="http://schemas.microsoft.com/office/drawing/2010/main" val="0"/>
+              </a:ext>
+            </a:extLst>
+          </a:blip>
+          <a:srcRect/>
+          <a:stretch>
+            <a:fillRect/>
+          </a:stretch>
+        </p:blipFill>
+        <p:spPr bwMode="auto">
+          <a:xfrm>
+            <a:off x="2981238" y="2348880"/>
+            <a:ext cx="3181524" cy="1772674"/>
+          </a:xfrm>
+          <a:prstGeom prst="rect">
+            <a:avLst/>
+          </a:prstGeom>
+          <a:noFill/>
+          <a:ln>
+            <a:noFill/>
+          </a:ln>
+          <a:effectLst/>
+          <a:extLst>
+            <a:ext uri="{909E8E84-426E-40DD-AFC4-6F175D3DCCD1}">
+              <a14:hiddenFill xmlns:a14="http://schemas.microsoft.com/office/drawing/2010/main">
+                <a:solidFill>
+                  <a:schemeClr val="accent1"/>
+                </a:solidFill>
+              </a14:hiddenFill>
+            </a:ext>
+            <a:ext uri="{91240B29-F687-4F45-9708-019B960494DF}">
+              <a14:hiddenLine xmlns:a14="http://schemas.microsoft.com/office/drawing/2010/main" w="9525">
+                <a:solidFill>
+                  <a:schemeClr val="tx1"/>
+                </a:solidFill>
+                <a:miter lim="800000"/>
+                <a:headEnd/>
+                <a:tailEnd/>
+              </a14:hiddenLine>
+            </a:ext>
+            <a:ext uri="{AF507438-7753-43E0-B8FC-AC1667EBCBE1}">
+              <a14:hiddenEffects xmlns:a14="http://schemas.microsoft.com/office/drawing/2010/main">
+                <a:effectLst>
+                  <a:outerShdw dist="35921" dir="2700000" algn="ctr" rotWithShape="0">
+                    <a:schemeClr val="bg2"/>
+                  </a:outerShdw>
+                </a:effectLst>
+              </a14:hiddenEffects>
+            </a:ext>
+          </a:extLst>
+        </p:spPr>
+      </p:pic>
+    </p:spTree>
+    <p:extLst>
+      <p:ext uri="{BB962C8B-B14F-4D97-AF65-F5344CB8AC3E}">
+        <p14:creationId xmlns:p14="http://schemas.microsoft.com/office/powerpoint/2010/main" val="3743716019"/>
+      </p:ext>
+    </p:extLst>
+  </p:cSld>
+  <p:clrMapOvr>
+    <a:masterClrMapping/>
+  </p:clrMapOvr>
+  <p:timing>
+    <p:tnLst>
+      <p:par>
+        <p:cTn id="1" dur="indefinite" restart="never" nodeType="tmRoot">
+          <p:childTnLst>
+            <p:seq concurrent="1" nextAc="seek">
+              <p:cTn id="2" dur="indefinite" nodeType="mainSeq">
+                <p:childTnLst>
+                  <p:par>
+                    <p:cTn id="3" fill="hold">
+                      <p:stCondLst>
+                        <p:cond delay="indefinite"/>
+                      </p:stCondLst>
+                      <p:childTnLst>
+                        <p:par>
+                          <p:cTn id="4" fill="hold">
+                            <p:stCondLst>
+                              <p:cond delay="0"/>
+                            </p:stCondLst>
+                            <p:childTnLst>
+                              <p:par>
+                                <p:cTn id="5" presetID="14" presetClass="entr" presetSubtype="10" fill="hold" nodeType="clickEffect">
+                                  <p:stCondLst>
+                                    <p:cond delay="0"/>
+                                  </p:stCondLst>
+                                  <p:childTnLst>
+                                    <p:set>
+                                      <p:cBhvr>
+                                        <p:cTn id="6" dur="1" fill="hold">
+                                          <p:stCondLst>
+                                            <p:cond delay="0"/>
+                                          </p:stCondLst>
+                                        </p:cTn>
+                                        <p:tgtEl>
+                                          <p:spTgt spid="5">
+                                            <p:txEl>
+                                              <p:pRg st="0" end="0"/>
+                                            </p:txEl>
+                                          </p:spTgt>
+                                        </p:tgtEl>
+                                        <p:attrNameLst>
+                                          <p:attrName>style.visibility</p:attrName>
+                                        </p:attrNameLst>
+                                      </p:cBhvr>
+                                      <p:to>
+                                        <p:strVal val="visible"/>
+                                      </p:to>
+                                    </p:set>
+                                    <p:animEffect transition="in" filter="randombar(horizontal)">
+                                      <p:cBhvr>
+                                        <p:cTn id="7" dur="500"/>
+                                        <p:tgtEl>
+                                          <p:spTgt spid="5">
+                                            <p:txEl>
+                                              <p:pRg st="0" end="0"/>
+                                            </p:txEl>
+                                          </p:spTgt>
+                                        </p:tgtEl>
+                                      </p:cBhvr>
+                                    </p:animEffect>
+                                  </p:childTnLst>
+                                </p:cTn>
+                              </p:par>
+                            </p:childTnLst>
+                          </p:cTn>
+                        </p:par>
+                      </p:childTnLst>
+                    </p:cTn>
+                  </p:par>
+                  <p:par>
+                    <p:cTn id="8" fill="hold">
+                      <p:stCondLst>
+                        <p:cond delay="indefinite"/>
+                      </p:stCondLst>
+                      <p:childTnLst>
+                        <p:par>
+                          <p:cTn id="9" fill="hold">
+                            <p:stCondLst>
+                              <p:cond delay="0"/>
+                            </p:stCondLst>
+                            <p:childTnLst>
+                              <p:par>
+                                <p:cTn id="10" presetID="14" presetClass="entr" presetSubtype="10" fill="hold" nodeType="clickEffect">
+                                  <p:stCondLst>
+                                    <p:cond delay="0"/>
+                                  </p:stCondLst>
+                                  <p:childTnLst>
+                                    <p:set>
+                                      <p:cBhvr>
+                                        <p:cTn id="11" dur="1" fill="hold">
+                                          <p:stCondLst>
+                                            <p:cond delay="0"/>
+                                          </p:stCondLst>
+                                        </p:cTn>
+                                        <p:tgtEl>
+                                          <p:spTgt spid="5">
+                                            <p:txEl>
+                                              <p:pRg st="1" end="1"/>
+                                            </p:txEl>
+                                          </p:spTgt>
+                                        </p:tgtEl>
+                                        <p:attrNameLst>
+                                          <p:attrName>style.visibility</p:attrName>
+                                        </p:attrNameLst>
+                                      </p:cBhvr>
+                                      <p:to>
+                                        <p:strVal val="visible"/>
+                                      </p:to>
+                                    </p:set>
+                                    <p:animEffect transition="in" filter="randombar(horizontal)">
+                                      <p:cBhvr>
+                                        <p:cTn id="12" dur="500"/>
+                                        <p:tgtEl>
+                                          <p:spTgt spid="5">
+                                            <p:txEl>
+                                              <p:pRg st="1" end="1"/>
+                                            </p:txEl>
+                                          </p:spTgt>
+                                        </p:tgtEl>
+                                      </p:cBhvr>
+                                    </p:animEffect>
+                                  </p:childTnLst>
+                                </p:cTn>
+                              </p:par>
+                            </p:childTnLst>
+                          </p:cTn>
+                        </p:par>
+                      </p:childTnLst>
+                    </p:cTn>
+                  </p:par>
+                  <p:par>
+                    <p:cTn id="13" fill="hold">
+                      <p:stCondLst>
+                        <p:cond delay="indefinite"/>
+                      </p:stCondLst>
+                      <p:childTnLst>
+                        <p:par>
+                          <p:cTn id="14" fill="hold">
+                            <p:stCondLst>
+                              <p:cond delay="0"/>
+                            </p:stCondLst>
+                            <p:childTnLst>
+                              <p:par>
+                                <p:cTn id="15" presetID="53" presetClass="entr" presetSubtype="16" fill="hold" nodeType="clickEffect">
+                                  <p:stCondLst>
+                                    <p:cond delay="0"/>
+                                  </p:stCondLst>
+                                  <p:childTnLst>
+                                    <p:set>
+                                      <p:cBhvr>
+                                        <p:cTn id="16" dur="1" fill="hold">
+                                          <p:stCondLst>
+                                            <p:cond delay="0"/>
+                                          </p:stCondLst>
+                                        </p:cTn>
+                                        <p:tgtEl>
+                                          <p:spTgt spid="5122"/>
+                                        </p:tgtEl>
+                                        <p:attrNameLst>
+                                          <p:attrName>style.visibility</p:attrName>
+                                        </p:attrNameLst>
+                                      </p:cBhvr>
+                                      <p:to>
+                                        <p:strVal val="visible"/>
+                                      </p:to>
+                                    </p:set>
+                                    <p:anim calcmode="lin" valueType="num">
+                                      <p:cBhvr>
+                                        <p:cTn id="17" dur="500" fill="hold"/>
+                                        <p:tgtEl>
+                                          <p:spTgt spid="5122"/>
+                                        </p:tgtEl>
+                                        <p:attrNameLst>
+                                          <p:attrName>ppt_w</p:attrName>
+                                        </p:attrNameLst>
+                                      </p:cBhvr>
+                                      <p:tavLst>
+                                        <p:tav tm="0">
+                                          <p:val>
+                                            <p:fltVal val="0"/>
+                                          </p:val>
+                                        </p:tav>
+                                        <p:tav tm="100000">
+                                          <p:val>
+                                            <p:strVal val="#ppt_w"/>
+                                          </p:val>
+                                        </p:tav>
+                                      </p:tavLst>
+                                    </p:anim>
+                                    <p:anim calcmode="lin" valueType="num">
+                                      <p:cBhvr>
+                                        <p:cTn id="18" dur="500" fill="hold"/>
+                                        <p:tgtEl>
+                                          <p:spTgt spid="5122"/>
+                                        </p:tgtEl>
+                                        <p:attrNameLst>
+                                          <p:attrName>ppt_h</p:attrName>
+                                        </p:attrNameLst>
+                                      </p:cBhvr>
+                                      <p:tavLst>
+                                        <p:tav tm="0">
+                                          <p:val>
+                                            <p:fltVal val="0"/>
+                                          </p:val>
+                                        </p:tav>
+                                        <p:tav tm="100000">
+                                          <p:val>
+                                            <p:strVal val="#ppt_h"/>
+                                          </p:val>
+                                        </p:tav>
+                                      </p:tavLst>
+                                    </p:anim>
+                                    <p:animEffect transition="in" filter="fade">
+                                      <p:cBhvr>
+                                        <p:cTn id="19" dur="500"/>
+                                        <p:tgtEl>
+                                          <p:spTgt spid="5122"/>
+                                        </p:tgtEl>
+                                      </p:cBhvr>
+                                    </p:animEffect>
+                                  </p:childTnLst>
+                                </p:cTn>
+                              </p:par>
+                            </p:childTnLst>
+                          </p:cTn>
+                        </p:par>
+                      </p:childTnLst>
+                    </p:cTn>
+                  </p:par>
+                </p:childTnLst>
+              </p:cTn>
+              <p:prevCondLst>
+                <p:cond evt="onPrev" delay="0">
+                  <p:tgtEl>
+                    <p:sldTgt/>
+                  </p:tgtEl>
+                </p:cond>
+              </p:prevCondLst>
+              <p:nextCondLst>
+                <p:cond evt="onNext" delay="0">
+                  <p:tgtEl>
+                    <p:sldTgt/>
+                  </p:tgtEl>
+                </p:cond>
+              </p:nextCondLst>
+            </p:seq>
+          </p:childTnLst>
+        </p:cTn>
+      </p:par>
+    </p:tnLst>
+  </p:timing>
+</p:sld>
+</file>
+
+<file path=ppt/slides/slide46.xml><?xml version="1.0" encoding="utf-8"?>
+<p:sld xmlns:a="http://schemas.openxmlformats.org/drawingml/2006/main" xmlns:r="http://schemas.openxmlformats.org/officeDocument/2006/relationships" xmlns:p="http://schemas.openxmlformats.org/presentationml/2006/main">
+  <p:cSld>
+    <p:spTree>
+      <p:nvGrpSpPr>
+        <p:cNvPr id="1" name=""/>
+        <p:cNvGrpSpPr/>
+        <p:nvPr/>
+      </p:nvGrpSpPr>
+      <p:grpSpPr>
+        <a:xfrm>
+          <a:off x="0" y="0"/>
+          <a:ext cx="0" cy="0"/>
+          <a:chOff x="0" y="0"/>
+          <a:chExt cx="0" cy="0"/>
+        </a:xfrm>
+      </p:grpSpPr>
+      <p:sp>
+        <p:nvSpPr>
+          <p:cNvPr id="5" name="TextBox 4"/>
+          <p:cNvSpPr txBox="1"/>
+          <p:nvPr/>
+        </p:nvSpPr>
+        <p:spPr>
+          <a:xfrm>
+            <a:off x="683568" y="908720"/>
+            <a:ext cx="7776864" cy="646331"/>
+          </a:xfrm>
+          <a:prstGeom prst="rect">
+            <a:avLst/>
+          </a:prstGeom>
+          <a:noFill/>
+        </p:spPr>
+        <p:txBody>
+          <a:bodyPr wrap="square" rtlCol="0">
+            <a:spAutoFit/>
+          </a:bodyPr>
+          <a:lstStyle/>
+          <a:p>
+            <a:pPr>
+              <a:lnSpc>
+                <a:spcPct val="200000"/>
+              </a:lnSpc>
+            </a:pPr>
+            <a:r>
+              <a:rPr lang="en-US" altLang="zh-CN" b="1" smtClean="0">
+                <a:solidFill>
+                  <a:schemeClr val="accent5">
+                    <a:lumMod val="50000"/>
+                  </a:schemeClr>
+                </a:solidFill>
+                <a:latin typeface="微软雅黑" pitchFamily="34" charset="-122"/>
+                <a:ea typeface="微软雅黑" pitchFamily="34" charset="-122"/>
+              </a:rPr>
+              <a:t>NumPy</a:t>
+            </a:r>
+            <a:r>
+              <a:rPr lang="zh-CN" altLang="en-US" b="1" smtClean="0">
+                <a:solidFill>
+                  <a:schemeClr val="accent5">
+                    <a:lumMod val="50000"/>
+                  </a:schemeClr>
+                </a:solidFill>
+                <a:latin typeface="微软雅黑" pitchFamily="34" charset="-122"/>
+                <a:ea typeface="微软雅黑" pitchFamily="34" charset="-122"/>
+              </a:rPr>
+              <a:t>数组操作</a:t>
+            </a:r>
+            <a:r>
+              <a:rPr lang="en-US" altLang="zh-CN" b="1" smtClean="0">
+                <a:solidFill>
+                  <a:schemeClr val="accent5">
+                    <a:lumMod val="50000"/>
+                  </a:schemeClr>
+                </a:solidFill>
+                <a:latin typeface="微软雅黑" pitchFamily="34" charset="-122"/>
+                <a:ea typeface="微软雅黑" pitchFamily="34" charset="-122"/>
+              </a:rPr>
+              <a:t>—</a:t>
+            </a:r>
+            <a:r>
+              <a:rPr lang="zh-CN" altLang="en-US" b="1" smtClean="0">
+                <a:solidFill>
+                  <a:schemeClr val="accent5">
+                    <a:lumMod val="50000"/>
+                  </a:schemeClr>
+                </a:solidFill>
+                <a:latin typeface="微软雅黑" pitchFamily="34" charset="-122"/>
+                <a:ea typeface="微软雅黑" pitchFamily="34" charset="-122"/>
+              </a:rPr>
+              <a:t>数组的添加与删除</a:t>
+            </a:r>
+            <a:r>
+              <a:rPr lang="en-US" altLang="zh-CN" b="1" smtClean="0">
+                <a:solidFill>
+                  <a:schemeClr val="accent5">
+                    <a:lumMod val="50000"/>
+                  </a:schemeClr>
+                </a:solidFill>
+                <a:latin typeface="微软雅黑" pitchFamily="34" charset="-122"/>
+                <a:ea typeface="微软雅黑" pitchFamily="34" charset="-122"/>
+              </a:rPr>
+              <a:t>-</a:t>
+            </a:r>
+            <a:r>
+              <a:rPr lang="zh-CN" altLang="en-US" b="1" smtClean="0">
+                <a:solidFill>
+                  <a:schemeClr val="accent5">
+                    <a:lumMod val="50000"/>
+                  </a:schemeClr>
+                </a:solidFill>
+                <a:latin typeface="微软雅黑" pitchFamily="34" charset="-122"/>
+                <a:ea typeface="微软雅黑" pitchFamily="34" charset="-122"/>
+              </a:rPr>
+              <a:t>例</a:t>
+            </a:r>
+            <a:endParaRPr lang="en-US" altLang="zh-CN" b="1" smtClean="0">
+              <a:solidFill>
+                <a:schemeClr val="accent5">
+                  <a:lumMod val="50000"/>
+                </a:schemeClr>
+              </a:solidFill>
+              <a:latin typeface="微软雅黑" pitchFamily="34" charset="-122"/>
+              <a:ea typeface="微软雅黑" pitchFamily="34" charset="-122"/>
+            </a:endParaRPr>
+          </a:p>
+        </p:txBody>
+      </p:sp>
+      <p:pic>
+        <p:nvPicPr>
+          <p:cNvPr id="1026" name="Picture 2"/>
+          <p:cNvPicPr>
+            <a:picLocks noChangeAspect="1" noChangeArrowheads="1"/>
+          </p:cNvPicPr>
+          <p:nvPr/>
+        </p:nvPicPr>
+        <p:blipFill>
+          <a:blip r:embed="rId3">
+            <a:extLst>
+              <a:ext uri="{28A0092B-C50C-407E-A947-70E740481C1C}">
+                <a14:useLocalDpi xmlns:a14="http://schemas.microsoft.com/office/drawing/2010/main" val="0"/>
+              </a:ext>
+            </a:extLst>
+          </a:blip>
+          <a:srcRect/>
+          <a:stretch>
+            <a:fillRect/>
+          </a:stretch>
+        </p:blipFill>
+        <p:spPr bwMode="auto">
+          <a:xfrm>
+            <a:off x="1175273" y="1700808"/>
+            <a:ext cx="4248472" cy="3509043"/>
+          </a:xfrm>
+          <a:prstGeom prst="rect">
+            <a:avLst/>
+          </a:prstGeom>
+          <a:noFill/>
+          <a:ln>
+            <a:noFill/>
+          </a:ln>
+          <a:effectLst/>
+          <a:extLst>
+            <a:ext uri="{909E8E84-426E-40DD-AFC4-6F175D3DCCD1}">
+              <a14:hiddenFill xmlns:a14="http://schemas.microsoft.com/office/drawing/2010/main">
+                <a:solidFill>
+                  <a:schemeClr val="accent1"/>
+                </a:solidFill>
+              </a14:hiddenFill>
+            </a:ext>
+            <a:ext uri="{91240B29-F687-4F45-9708-019B960494DF}">
+              <a14:hiddenLine xmlns:a14="http://schemas.microsoft.com/office/drawing/2010/main" w="9525">
+                <a:solidFill>
+                  <a:schemeClr val="tx1"/>
+                </a:solidFill>
+                <a:miter lim="800000"/>
+                <a:headEnd/>
+                <a:tailEnd/>
+              </a14:hiddenLine>
+            </a:ext>
+            <a:ext uri="{AF507438-7753-43E0-B8FC-AC1667EBCBE1}">
+              <a14:hiddenEffects xmlns:a14="http://schemas.microsoft.com/office/drawing/2010/main">
+                <a:effectLst>
+                  <a:outerShdw dist="35921" dir="2700000" algn="ctr" rotWithShape="0">
+                    <a:schemeClr val="bg2"/>
+                  </a:outerShdw>
+                </a:effectLst>
+              </a14:hiddenEffects>
+            </a:ext>
+          </a:extLst>
+        </p:spPr>
+      </p:pic>
+      <p:pic>
+        <p:nvPicPr>
+          <p:cNvPr id="1027" name="Picture 3"/>
+          <p:cNvPicPr>
+            <a:picLocks noChangeAspect="1" noChangeArrowheads="1"/>
+          </p:cNvPicPr>
+          <p:nvPr/>
+        </p:nvPicPr>
+        <p:blipFill>
+          <a:blip r:embed="rId4">
+            <a:extLst>
+              <a:ext uri="{28A0092B-C50C-407E-A947-70E740481C1C}">
+                <a14:useLocalDpi xmlns:a14="http://schemas.microsoft.com/office/drawing/2010/main" val="0"/>
+              </a:ext>
+            </a:extLst>
+          </a:blip>
+          <a:srcRect/>
+          <a:stretch>
+            <a:fillRect/>
+          </a:stretch>
+        </p:blipFill>
+        <p:spPr bwMode="auto">
+          <a:xfrm>
+            <a:off x="5711777" y="1700808"/>
+            <a:ext cx="2244599" cy="3882550"/>
+          </a:xfrm>
+          <a:prstGeom prst="rect">
+            <a:avLst/>
+          </a:prstGeom>
+          <a:noFill/>
+          <a:ln>
+            <a:noFill/>
+          </a:ln>
+          <a:effectLst/>
+          <a:extLst>
+            <a:ext uri="{909E8E84-426E-40DD-AFC4-6F175D3DCCD1}">
+              <a14:hiddenFill xmlns:a14="http://schemas.microsoft.com/office/drawing/2010/main">
+                <a:solidFill>
+                  <a:schemeClr val="accent1"/>
+                </a:solidFill>
+              </a14:hiddenFill>
+            </a:ext>
+            <a:ext uri="{91240B29-F687-4F45-9708-019B960494DF}">
+              <a14:hiddenLine xmlns:a14="http://schemas.microsoft.com/office/drawing/2010/main" w="9525">
+                <a:solidFill>
+                  <a:schemeClr val="tx1"/>
+                </a:solidFill>
+                <a:miter lim="800000"/>
+                <a:headEnd/>
+                <a:tailEnd/>
+              </a14:hiddenLine>
+            </a:ext>
+            <a:ext uri="{AF507438-7753-43E0-B8FC-AC1667EBCBE1}">
+              <a14:hiddenEffects xmlns:a14="http://schemas.microsoft.com/office/drawing/2010/main">
+                <a:effectLst>
+                  <a:outerShdw dist="35921" dir="2700000" algn="ctr" rotWithShape="0">
+                    <a:schemeClr val="bg2"/>
+                  </a:outerShdw>
+                </a:effectLst>
+              </a14:hiddenEffects>
+            </a:ext>
+          </a:extLst>
+        </p:spPr>
+      </p:pic>
+    </p:spTree>
+    <p:extLst>
+      <p:ext uri="{BB962C8B-B14F-4D97-AF65-F5344CB8AC3E}">
+        <p14:creationId xmlns:p14="http://schemas.microsoft.com/office/powerpoint/2010/main" val="2452700223"/>
+      </p:ext>
+    </p:extLst>
+  </p:cSld>
+  <p:clrMapOvr>
+    <a:masterClrMapping/>
+  </p:clrMapOvr>
+  <p:timing>
+    <p:tnLst>
+      <p:par>
+        <p:cTn id="1" dur="indefinite" restart="never" nodeType="tmRoot">
+          <p:childTnLst>
+            <p:seq concurrent="1" nextAc="seek">
+              <p:cTn id="2" dur="indefinite" nodeType="mainSeq">
+                <p:childTnLst>
+                  <p:par>
+                    <p:cTn id="3" fill="hold">
+                      <p:stCondLst>
+                        <p:cond delay="indefinite"/>
+                      </p:stCondLst>
+                      <p:childTnLst>
+                        <p:par>
+                          <p:cTn id="4" fill="hold">
+                            <p:stCondLst>
+                              <p:cond delay="0"/>
+                            </p:stCondLst>
+                            <p:childTnLst>
+                              <p:par>
+                                <p:cTn id="5" presetID="14" presetClass="entr" presetSubtype="10" fill="hold" nodeType="clickEffect">
+                                  <p:stCondLst>
+                                    <p:cond delay="0"/>
+                                  </p:stCondLst>
+                                  <p:childTnLst>
+                                    <p:set>
+                                      <p:cBhvr>
+                                        <p:cTn id="6" dur="1" fill="hold">
+                                          <p:stCondLst>
+                                            <p:cond delay="0"/>
+                                          </p:stCondLst>
+                                        </p:cTn>
+                                        <p:tgtEl>
+                                          <p:spTgt spid="5">
+                                            <p:txEl>
+                                              <p:pRg st="0" end="0"/>
+                                            </p:txEl>
+                                          </p:spTgt>
+                                        </p:tgtEl>
+                                        <p:attrNameLst>
+                                          <p:attrName>style.visibility</p:attrName>
+                                        </p:attrNameLst>
+                                      </p:cBhvr>
+                                      <p:to>
+                                        <p:strVal val="visible"/>
+                                      </p:to>
+                                    </p:set>
+                                    <p:animEffect transition="in" filter="randombar(horizontal)">
+                                      <p:cBhvr>
+                                        <p:cTn id="7" dur="500"/>
+                                        <p:tgtEl>
+                                          <p:spTgt spid="5">
+                                            <p:txEl>
+                                              <p:pRg st="0" end="0"/>
+                                            </p:txEl>
+                                          </p:spTgt>
+                                        </p:tgtEl>
+                                      </p:cBhvr>
+                                    </p:animEffect>
+                                  </p:childTnLst>
+                                </p:cTn>
+                              </p:par>
+                            </p:childTnLst>
+                          </p:cTn>
+                        </p:par>
+                      </p:childTnLst>
+                    </p:cTn>
+                  </p:par>
+                  <p:par>
+                    <p:cTn id="8" fill="hold">
+                      <p:stCondLst>
+                        <p:cond delay="indefinite"/>
+                      </p:stCondLst>
+                      <p:childTnLst>
+                        <p:par>
+                          <p:cTn id="9" fill="hold">
+                            <p:stCondLst>
+                              <p:cond delay="0"/>
+                            </p:stCondLst>
+                            <p:childTnLst>
+                              <p:par>
+                                <p:cTn id="10" presetID="53" presetClass="entr" presetSubtype="16" fill="hold" nodeType="clickEffect">
+                                  <p:stCondLst>
+                                    <p:cond delay="0"/>
+                                  </p:stCondLst>
+                                  <p:childTnLst>
+                                    <p:set>
+                                      <p:cBhvr>
+                                        <p:cTn id="11" dur="1" fill="hold">
+                                          <p:stCondLst>
+                                            <p:cond delay="0"/>
+                                          </p:stCondLst>
+                                        </p:cTn>
+                                        <p:tgtEl>
+                                          <p:spTgt spid="1026"/>
+                                        </p:tgtEl>
+                                        <p:attrNameLst>
+                                          <p:attrName>style.visibility</p:attrName>
+                                        </p:attrNameLst>
+                                      </p:cBhvr>
+                                      <p:to>
+                                        <p:strVal val="visible"/>
+                                      </p:to>
+                                    </p:set>
+                                    <p:anim calcmode="lin" valueType="num">
+                                      <p:cBhvr>
+                                        <p:cTn id="12" dur="500" fill="hold"/>
+                                        <p:tgtEl>
+                                          <p:spTgt spid="1026"/>
+                                        </p:tgtEl>
+                                        <p:attrNameLst>
+                                          <p:attrName>ppt_w</p:attrName>
+                                        </p:attrNameLst>
+                                      </p:cBhvr>
+                                      <p:tavLst>
+                                        <p:tav tm="0">
+                                          <p:val>
+                                            <p:fltVal val="0"/>
+                                          </p:val>
+                                        </p:tav>
+                                        <p:tav tm="100000">
+                                          <p:val>
+                                            <p:strVal val="#ppt_w"/>
+                                          </p:val>
+                                        </p:tav>
+                                      </p:tavLst>
+                                    </p:anim>
+                                    <p:anim calcmode="lin" valueType="num">
+                                      <p:cBhvr>
+                                        <p:cTn id="13" dur="500" fill="hold"/>
+                                        <p:tgtEl>
+                                          <p:spTgt spid="1026"/>
+                                        </p:tgtEl>
+                                        <p:attrNameLst>
+                                          <p:attrName>ppt_h</p:attrName>
+                                        </p:attrNameLst>
+                                      </p:cBhvr>
+                                      <p:tavLst>
+                                        <p:tav tm="0">
+                                          <p:val>
+                                            <p:fltVal val="0"/>
+                                          </p:val>
+                                        </p:tav>
+                                        <p:tav tm="100000">
+                                          <p:val>
+                                            <p:strVal val="#ppt_h"/>
+                                          </p:val>
+                                        </p:tav>
+                                      </p:tavLst>
+                                    </p:anim>
+                                    <p:animEffect transition="in" filter="fade">
+                                      <p:cBhvr>
+                                        <p:cTn id="14" dur="500"/>
+                                        <p:tgtEl>
+                                          <p:spTgt spid="1026"/>
+                                        </p:tgtEl>
+                                      </p:cBhvr>
+                                    </p:animEffect>
+                                  </p:childTnLst>
+                                </p:cTn>
+                              </p:par>
+                            </p:childTnLst>
+                          </p:cTn>
+                        </p:par>
+                      </p:childTnLst>
+                    </p:cTn>
+                  </p:par>
+                  <p:par>
+                    <p:cTn id="15" fill="hold">
+                      <p:stCondLst>
+                        <p:cond delay="indefinite"/>
+                      </p:stCondLst>
+                      <p:childTnLst>
+                        <p:par>
+                          <p:cTn id="16" fill="hold">
+                            <p:stCondLst>
+                              <p:cond delay="0"/>
+                            </p:stCondLst>
+                            <p:childTnLst>
+                              <p:par>
+                                <p:cTn id="17" presetID="53" presetClass="entr" presetSubtype="16" fill="hold" nodeType="clickEffect">
+                                  <p:stCondLst>
+                                    <p:cond delay="0"/>
+                                  </p:stCondLst>
+                                  <p:childTnLst>
+                                    <p:set>
+                                      <p:cBhvr>
+                                        <p:cTn id="18" dur="1" fill="hold">
+                                          <p:stCondLst>
+                                            <p:cond delay="0"/>
+                                          </p:stCondLst>
+                                        </p:cTn>
+                                        <p:tgtEl>
+                                          <p:spTgt spid="1027"/>
+                                        </p:tgtEl>
+                                        <p:attrNameLst>
+                                          <p:attrName>style.visibility</p:attrName>
+                                        </p:attrNameLst>
+                                      </p:cBhvr>
+                                      <p:to>
+                                        <p:strVal val="visible"/>
+                                      </p:to>
+                                    </p:set>
+                                    <p:anim calcmode="lin" valueType="num">
+                                      <p:cBhvr>
+                                        <p:cTn id="19" dur="500" fill="hold"/>
+                                        <p:tgtEl>
+                                          <p:spTgt spid="1027"/>
+                                        </p:tgtEl>
+                                        <p:attrNameLst>
+                                          <p:attrName>ppt_w</p:attrName>
+                                        </p:attrNameLst>
+                                      </p:cBhvr>
+                                      <p:tavLst>
+                                        <p:tav tm="0">
+                                          <p:val>
+                                            <p:fltVal val="0"/>
+                                          </p:val>
+                                        </p:tav>
+                                        <p:tav tm="100000">
+                                          <p:val>
+                                            <p:strVal val="#ppt_w"/>
+                                          </p:val>
+                                        </p:tav>
+                                      </p:tavLst>
+                                    </p:anim>
+                                    <p:anim calcmode="lin" valueType="num">
+                                      <p:cBhvr>
+                                        <p:cTn id="20" dur="500" fill="hold"/>
+                                        <p:tgtEl>
+                                          <p:spTgt spid="1027"/>
+                                        </p:tgtEl>
+                                        <p:attrNameLst>
+                                          <p:attrName>ppt_h</p:attrName>
+                                        </p:attrNameLst>
+                                      </p:cBhvr>
+                                      <p:tavLst>
+                                        <p:tav tm="0">
+                                          <p:val>
+                                            <p:fltVal val="0"/>
+                                          </p:val>
+                                        </p:tav>
+                                        <p:tav tm="100000">
+                                          <p:val>
+                                            <p:strVal val="#ppt_h"/>
+                                          </p:val>
+                                        </p:tav>
+                                      </p:tavLst>
+                                    </p:anim>
+                                    <p:animEffect transition="in" filter="fade">
+                                      <p:cBhvr>
+                                        <p:cTn id="21" dur="500"/>
+                                        <p:tgtEl>
+                                          <p:spTgt spid="1027"/>
+                                        </p:tgtEl>
+                                      </p:cBhvr>
+                                    </p:animEffect>
+                                  </p:childTnLst>
+                                </p:cTn>
+                              </p:par>
+                            </p:childTnLst>
+                          </p:cTn>
+                        </p:par>
+                      </p:childTnLst>
+                    </p:cTn>
+                  </p:par>
+                </p:childTnLst>
+              </p:cTn>
+              <p:prevCondLst>
+                <p:cond evt="onPrev" delay="0">
+                  <p:tgtEl>
+                    <p:sldTgt/>
+                  </p:tgtEl>
+                </p:cond>
+              </p:prevCondLst>
+              <p:nextCondLst>
+                <p:cond evt="onNext" delay="0">
+                  <p:tgtEl>
+                    <p:sldTgt/>
+                  </p:tgtEl>
+                </p:cond>
+              </p:nextCondLst>
+            </p:seq>
+          </p:childTnLst>
+        </p:cTn>
+      </p:par>
+    </p:tnLst>
+  </p:timing>
+</p:sld>
+</file>
+
+<file path=ppt/slides/slide47.xml><?xml version="1.0" encoding="utf-8"?>
+<p:sld xmlns:a="http://schemas.openxmlformats.org/drawingml/2006/main" xmlns:r="http://schemas.openxmlformats.org/officeDocument/2006/relationships" xmlns:p="http://schemas.openxmlformats.org/presentationml/2006/main">
+  <p:cSld>
+    <p:spTree>
+      <p:nvGrpSpPr>
+        <p:cNvPr id="1" name=""/>
+        <p:cNvGrpSpPr/>
+        <p:nvPr/>
+      </p:nvGrpSpPr>
+      <p:grpSpPr>
+        <a:xfrm>
+          <a:off x="0" y="0"/>
+          <a:ext cx="0" cy="0"/>
+          <a:chOff x="0" y="0"/>
+          <a:chExt cx="0" cy="0"/>
+        </a:xfrm>
+      </p:grpSpPr>
+      <p:sp>
+        <p:nvSpPr>
+          <p:cNvPr id="5" name="TextBox 4"/>
+          <p:cNvSpPr txBox="1"/>
+          <p:nvPr/>
+        </p:nvSpPr>
+        <p:spPr>
+          <a:xfrm>
+            <a:off x="683568" y="908720"/>
+            <a:ext cx="7776864" cy="646331"/>
+          </a:xfrm>
+          <a:prstGeom prst="rect">
+            <a:avLst/>
+          </a:prstGeom>
+          <a:noFill/>
+        </p:spPr>
+        <p:txBody>
+          <a:bodyPr wrap="square" rtlCol="0">
+            <a:spAutoFit/>
+          </a:bodyPr>
+          <a:lstStyle/>
+          <a:p>
+            <a:pPr>
+              <a:lnSpc>
+                <a:spcPct val="200000"/>
+              </a:lnSpc>
+            </a:pPr>
+            <a:r>
+              <a:rPr lang="en-US" altLang="zh-CN" b="1" smtClean="0">
+                <a:solidFill>
+                  <a:schemeClr val="accent5">
+                    <a:lumMod val="50000"/>
+                  </a:schemeClr>
+                </a:solidFill>
+                <a:latin typeface="微软雅黑" pitchFamily="34" charset="-122"/>
+                <a:ea typeface="微软雅黑" pitchFamily="34" charset="-122"/>
+              </a:rPr>
+              <a:t>NumPy</a:t>
+            </a:r>
+            <a:r>
+              <a:rPr lang="zh-CN" altLang="en-US" b="1" smtClean="0">
+                <a:solidFill>
+                  <a:schemeClr val="accent5">
+                    <a:lumMod val="50000"/>
+                  </a:schemeClr>
+                </a:solidFill>
+                <a:latin typeface="微软雅黑" pitchFamily="34" charset="-122"/>
+                <a:ea typeface="微软雅黑" pitchFamily="34" charset="-122"/>
+              </a:rPr>
+              <a:t>数组操作</a:t>
+            </a:r>
+            <a:r>
+              <a:rPr lang="en-US" altLang="zh-CN" b="1" smtClean="0">
+                <a:solidFill>
+                  <a:schemeClr val="accent5">
+                    <a:lumMod val="50000"/>
+                  </a:schemeClr>
+                </a:solidFill>
+                <a:latin typeface="微软雅黑" pitchFamily="34" charset="-122"/>
+                <a:ea typeface="微软雅黑" pitchFamily="34" charset="-122"/>
+              </a:rPr>
+              <a:t>—</a:t>
+            </a:r>
+            <a:r>
+              <a:rPr lang="zh-CN" altLang="en-US" b="1" smtClean="0">
+                <a:solidFill>
+                  <a:schemeClr val="accent5">
+                    <a:lumMod val="50000"/>
+                  </a:schemeClr>
+                </a:solidFill>
+                <a:latin typeface="微软雅黑" pitchFamily="34" charset="-122"/>
+                <a:ea typeface="微软雅黑" pitchFamily="34" charset="-122"/>
+              </a:rPr>
+              <a:t>数组的添加与删除</a:t>
+            </a:r>
+            <a:r>
+              <a:rPr lang="en-US" altLang="zh-CN" b="1" smtClean="0">
+                <a:solidFill>
+                  <a:schemeClr val="accent5">
+                    <a:lumMod val="50000"/>
+                  </a:schemeClr>
+                </a:solidFill>
+                <a:latin typeface="微软雅黑" pitchFamily="34" charset="-122"/>
+                <a:ea typeface="微软雅黑" pitchFamily="34" charset="-122"/>
+              </a:rPr>
+              <a:t>—</a:t>
+            </a:r>
+            <a:r>
+              <a:rPr lang="zh-CN" altLang="en-US" b="1" smtClean="0">
+                <a:solidFill>
+                  <a:schemeClr val="accent5">
+                    <a:lumMod val="50000"/>
+                  </a:schemeClr>
+                </a:solidFill>
+                <a:latin typeface="微软雅黑" pitchFamily="34" charset="-122"/>
+                <a:ea typeface="微软雅黑" pitchFamily="34" charset="-122"/>
+              </a:rPr>
+              <a:t>例</a:t>
+            </a:r>
+            <a:r>
+              <a:rPr lang="en-US" altLang="zh-CN" b="1" smtClean="0">
+                <a:solidFill>
+                  <a:schemeClr val="accent5">
+                    <a:lumMod val="50000"/>
+                  </a:schemeClr>
+                </a:solidFill>
+                <a:latin typeface="微软雅黑" pitchFamily="34" charset="-122"/>
+                <a:ea typeface="微软雅黑" pitchFamily="34" charset="-122"/>
+              </a:rPr>
+              <a:t>—</a:t>
+            </a:r>
+            <a:r>
+              <a:rPr lang="zh-CN" altLang="en-US" b="1" smtClean="0">
+                <a:solidFill>
+                  <a:schemeClr val="accent5">
+                    <a:lumMod val="50000"/>
+                  </a:schemeClr>
+                </a:solidFill>
+                <a:latin typeface="微软雅黑" pitchFamily="34" charset="-122"/>
+                <a:ea typeface="微软雅黑" pitchFamily="34" charset="-122"/>
+              </a:rPr>
+              <a:t>续</a:t>
+            </a:r>
+            <a:endParaRPr lang="en-US" altLang="zh-CN" b="1" smtClean="0">
+              <a:solidFill>
+                <a:schemeClr val="accent5">
+                  <a:lumMod val="50000"/>
+                </a:schemeClr>
+              </a:solidFill>
+              <a:latin typeface="微软雅黑" pitchFamily="34" charset="-122"/>
+              <a:ea typeface="微软雅黑" pitchFamily="34" charset="-122"/>
+            </a:endParaRPr>
+          </a:p>
+        </p:txBody>
+      </p:sp>
+      <p:pic>
+        <p:nvPicPr>
+          <p:cNvPr id="2050" name="Picture 2"/>
+          <p:cNvPicPr>
+            <a:picLocks noChangeAspect="1" noChangeArrowheads="1"/>
+          </p:cNvPicPr>
+          <p:nvPr/>
+        </p:nvPicPr>
+        <p:blipFill>
+          <a:blip r:embed="rId3">
+            <a:extLst>
+              <a:ext uri="{28A0092B-C50C-407E-A947-70E740481C1C}">
+                <a14:useLocalDpi xmlns:a14="http://schemas.microsoft.com/office/drawing/2010/main" val="0"/>
+              </a:ext>
+            </a:extLst>
+          </a:blip>
+          <a:srcRect/>
+          <a:stretch>
+            <a:fillRect/>
+          </a:stretch>
+        </p:blipFill>
+        <p:spPr bwMode="auto">
+          <a:xfrm>
+            <a:off x="4860032" y="1772816"/>
+            <a:ext cx="1296144" cy="1398156"/>
+          </a:xfrm>
+          <a:prstGeom prst="rect">
+            <a:avLst/>
+          </a:prstGeom>
+          <a:noFill/>
+          <a:ln>
+            <a:noFill/>
+          </a:ln>
+          <a:effectLst/>
+          <a:extLst>
+            <a:ext uri="{909E8E84-426E-40DD-AFC4-6F175D3DCCD1}">
+              <a14:hiddenFill xmlns:a14="http://schemas.microsoft.com/office/drawing/2010/main">
+                <a:solidFill>
+                  <a:schemeClr val="accent1"/>
+                </a:solidFill>
+              </a14:hiddenFill>
+            </a:ext>
+            <a:ext uri="{91240B29-F687-4F45-9708-019B960494DF}">
+              <a14:hiddenLine xmlns:a14="http://schemas.microsoft.com/office/drawing/2010/main" w="9525">
+                <a:solidFill>
+                  <a:schemeClr val="tx1"/>
+                </a:solidFill>
+                <a:miter lim="800000"/>
+                <a:headEnd/>
+                <a:tailEnd/>
+              </a14:hiddenLine>
+            </a:ext>
+            <a:ext uri="{AF507438-7753-43E0-B8FC-AC1667EBCBE1}">
+              <a14:hiddenEffects xmlns:a14="http://schemas.microsoft.com/office/drawing/2010/main">
+                <a:effectLst>
+                  <a:outerShdw dist="35921" dir="2700000" algn="ctr" rotWithShape="0">
+                    <a:schemeClr val="bg2"/>
+                  </a:outerShdw>
+                </a:effectLst>
+              </a14:hiddenEffects>
+            </a:ext>
+          </a:extLst>
+        </p:spPr>
+      </p:pic>
+      <p:pic>
+        <p:nvPicPr>
+          <p:cNvPr id="2051" name="Picture 3"/>
+          <p:cNvPicPr>
+            <a:picLocks noChangeAspect="1" noChangeArrowheads="1"/>
+          </p:cNvPicPr>
+          <p:nvPr/>
+        </p:nvPicPr>
+        <p:blipFill>
+          <a:blip r:embed="rId4">
+            <a:extLst>
+              <a:ext uri="{28A0092B-C50C-407E-A947-70E740481C1C}">
+                <a14:useLocalDpi xmlns:a14="http://schemas.microsoft.com/office/drawing/2010/main" val="0"/>
+              </a:ext>
+            </a:extLst>
+          </a:blip>
+          <a:srcRect/>
+          <a:stretch>
+            <a:fillRect/>
+          </a:stretch>
+        </p:blipFill>
+        <p:spPr bwMode="auto">
+          <a:xfrm>
+            <a:off x="2464787" y="1772816"/>
+            <a:ext cx="2107213" cy="2315915"/>
+          </a:xfrm>
+          <a:prstGeom prst="rect">
+            <a:avLst/>
+          </a:prstGeom>
+          <a:noFill/>
+          <a:ln>
+            <a:noFill/>
+          </a:ln>
+          <a:effectLst/>
+          <a:extLst>
+            <a:ext uri="{909E8E84-426E-40DD-AFC4-6F175D3DCCD1}">
+              <a14:hiddenFill xmlns:a14="http://schemas.microsoft.com/office/drawing/2010/main">
+                <a:solidFill>
+                  <a:schemeClr val="accent1"/>
+                </a:solidFill>
+              </a14:hiddenFill>
+            </a:ext>
+            <a:ext uri="{91240B29-F687-4F45-9708-019B960494DF}">
+              <a14:hiddenLine xmlns:a14="http://schemas.microsoft.com/office/drawing/2010/main" w="9525">
+                <a:solidFill>
+                  <a:schemeClr val="tx1"/>
+                </a:solidFill>
+                <a:miter lim="800000"/>
+                <a:headEnd/>
+                <a:tailEnd/>
+              </a14:hiddenLine>
+            </a:ext>
+            <a:ext uri="{AF507438-7753-43E0-B8FC-AC1667EBCBE1}">
+              <a14:hiddenEffects xmlns:a14="http://schemas.microsoft.com/office/drawing/2010/main">
+                <a:effectLst>
+                  <a:outerShdw dist="35921" dir="2700000" algn="ctr" rotWithShape="0">
+                    <a:schemeClr val="bg2"/>
+                  </a:outerShdw>
+                </a:effectLst>
+              </a14:hiddenEffects>
+            </a:ext>
+          </a:extLst>
+        </p:spPr>
+      </p:pic>
+    </p:spTree>
+    <p:extLst>
+      <p:ext uri="{BB962C8B-B14F-4D97-AF65-F5344CB8AC3E}">
+        <p14:creationId xmlns:p14="http://schemas.microsoft.com/office/powerpoint/2010/main" val="4004221790"/>
+      </p:ext>
+    </p:extLst>
+  </p:cSld>
+  <p:clrMapOvr>
+    <a:masterClrMapping/>
+  </p:clrMapOvr>
+  <p:timing>
+    <p:tnLst>
+      <p:par>
+        <p:cTn id="1" dur="indefinite" restart="never" nodeType="tmRoot">
+          <p:childTnLst>
+            <p:seq concurrent="1" nextAc="seek">
+              <p:cTn id="2" dur="indefinite" nodeType="mainSeq">
+                <p:childTnLst>
+                  <p:par>
+                    <p:cTn id="3" fill="hold">
+                      <p:stCondLst>
+                        <p:cond delay="indefinite"/>
+                      </p:stCondLst>
+                      <p:childTnLst>
+                        <p:par>
+                          <p:cTn id="4" fill="hold">
+                            <p:stCondLst>
+                              <p:cond delay="0"/>
+                            </p:stCondLst>
+                            <p:childTnLst>
+                              <p:par>
+                                <p:cTn id="5" presetID="14" presetClass="entr" presetSubtype="10" fill="hold" nodeType="clickEffect">
+                                  <p:stCondLst>
+                                    <p:cond delay="0"/>
+                                  </p:stCondLst>
+                                  <p:childTnLst>
+                                    <p:set>
+                                      <p:cBhvr>
+                                        <p:cTn id="6" dur="1" fill="hold">
+                                          <p:stCondLst>
+                                            <p:cond delay="0"/>
+                                          </p:stCondLst>
+                                        </p:cTn>
+                                        <p:tgtEl>
+                                          <p:spTgt spid="5">
+                                            <p:txEl>
+                                              <p:pRg st="0" end="0"/>
+                                            </p:txEl>
+                                          </p:spTgt>
+                                        </p:tgtEl>
+                                        <p:attrNameLst>
+                                          <p:attrName>style.visibility</p:attrName>
+                                        </p:attrNameLst>
+                                      </p:cBhvr>
+                                      <p:to>
+                                        <p:strVal val="visible"/>
+                                      </p:to>
+                                    </p:set>
+                                    <p:animEffect transition="in" filter="randombar(horizontal)">
+                                      <p:cBhvr>
+                                        <p:cTn id="7" dur="500"/>
+                                        <p:tgtEl>
+                                          <p:spTgt spid="5">
+                                            <p:txEl>
+                                              <p:pRg st="0" end="0"/>
+                                            </p:txEl>
+                                          </p:spTgt>
+                                        </p:tgtEl>
+                                      </p:cBhvr>
+                                    </p:animEffect>
+                                  </p:childTnLst>
+                                </p:cTn>
+                              </p:par>
+                            </p:childTnLst>
+                          </p:cTn>
+                        </p:par>
+                      </p:childTnLst>
+                    </p:cTn>
+                  </p:par>
+                  <p:par>
+                    <p:cTn id="8" fill="hold">
+                      <p:stCondLst>
+                        <p:cond delay="indefinite"/>
+                      </p:stCondLst>
+                      <p:childTnLst>
+                        <p:par>
+                          <p:cTn id="9" fill="hold">
+                            <p:stCondLst>
+                              <p:cond delay="0"/>
+                            </p:stCondLst>
+                            <p:childTnLst>
+                              <p:par>
+                                <p:cTn id="10" presetID="53" presetClass="entr" presetSubtype="16" fill="hold" nodeType="clickEffect">
+                                  <p:stCondLst>
+                                    <p:cond delay="0"/>
+                                  </p:stCondLst>
+                                  <p:childTnLst>
+                                    <p:set>
+                                      <p:cBhvr>
+                                        <p:cTn id="11" dur="1" fill="hold">
+                                          <p:stCondLst>
+                                            <p:cond delay="0"/>
+                                          </p:stCondLst>
+                                        </p:cTn>
+                                        <p:tgtEl>
+                                          <p:spTgt spid="2051"/>
+                                        </p:tgtEl>
+                                        <p:attrNameLst>
+                                          <p:attrName>style.visibility</p:attrName>
+                                        </p:attrNameLst>
+                                      </p:cBhvr>
+                                      <p:to>
+                                        <p:strVal val="visible"/>
+                                      </p:to>
+                                    </p:set>
+                                    <p:anim calcmode="lin" valueType="num">
+                                      <p:cBhvr>
+                                        <p:cTn id="12" dur="500" fill="hold"/>
+                                        <p:tgtEl>
+                                          <p:spTgt spid="2051"/>
+                                        </p:tgtEl>
+                                        <p:attrNameLst>
+                                          <p:attrName>ppt_w</p:attrName>
+                                        </p:attrNameLst>
+                                      </p:cBhvr>
+                                      <p:tavLst>
+                                        <p:tav tm="0">
+                                          <p:val>
+                                            <p:fltVal val="0"/>
+                                          </p:val>
+                                        </p:tav>
+                                        <p:tav tm="100000">
+                                          <p:val>
+                                            <p:strVal val="#ppt_w"/>
+                                          </p:val>
+                                        </p:tav>
+                                      </p:tavLst>
+                                    </p:anim>
+                                    <p:anim calcmode="lin" valueType="num">
+                                      <p:cBhvr>
+                                        <p:cTn id="13" dur="500" fill="hold"/>
+                                        <p:tgtEl>
+                                          <p:spTgt spid="2051"/>
+                                        </p:tgtEl>
+                                        <p:attrNameLst>
+                                          <p:attrName>ppt_h</p:attrName>
+                                        </p:attrNameLst>
+                                      </p:cBhvr>
+                                      <p:tavLst>
+                                        <p:tav tm="0">
+                                          <p:val>
+                                            <p:fltVal val="0"/>
+                                          </p:val>
+                                        </p:tav>
+                                        <p:tav tm="100000">
+                                          <p:val>
+                                            <p:strVal val="#ppt_h"/>
+                                          </p:val>
+                                        </p:tav>
+                                      </p:tavLst>
+                                    </p:anim>
+                                    <p:animEffect transition="in" filter="fade">
+                                      <p:cBhvr>
+                                        <p:cTn id="14" dur="500"/>
+                                        <p:tgtEl>
+                                          <p:spTgt spid="2051"/>
+                                        </p:tgtEl>
+                                      </p:cBhvr>
+                                    </p:animEffect>
+                                  </p:childTnLst>
+                                </p:cTn>
+                              </p:par>
+                            </p:childTnLst>
+                          </p:cTn>
+                        </p:par>
+                      </p:childTnLst>
+                    </p:cTn>
+                  </p:par>
+                  <p:par>
+                    <p:cTn id="15" fill="hold">
+                      <p:stCondLst>
+                        <p:cond delay="indefinite"/>
+                      </p:stCondLst>
+                      <p:childTnLst>
+                        <p:par>
+                          <p:cTn id="16" fill="hold">
+                            <p:stCondLst>
+                              <p:cond delay="0"/>
+                            </p:stCondLst>
+                            <p:childTnLst>
+                              <p:par>
+                                <p:cTn id="17" presetID="53" presetClass="entr" presetSubtype="16" fill="hold" nodeType="clickEffect">
+                                  <p:stCondLst>
+                                    <p:cond delay="0"/>
+                                  </p:stCondLst>
+                                  <p:childTnLst>
+                                    <p:set>
+                                      <p:cBhvr>
+                                        <p:cTn id="18" dur="1" fill="hold">
+                                          <p:stCondLst>
+                                            <p:cond delay="0"/>
+                                          </p:stCondLst>
+                                        </p:cTn>
+                                        <p:tgtEl>
+                                          <p:spTgt spid="2050"/>
+                                        </p:tgtEl>
+                                        <p:attrNameLst>
+                                          <p:attrName>style.visibility</p:attrName>
+                                        </p:attrNameLst>
+                                      </p:cBhvr>
+                                      <p:to>
+                                        <p:strVal val="visible"/>
+                                      </p:to>
+                                    </p:set>
+                                    <p:anim calcmode="lin" valueType="num">
+                                      <p:cBhvr>
+                                        <p:cTn id="19" dur="500" fill="hold"/>
+                                        <p:tgtEl>
+                                          <p:spTgt spid="2050"/>
+                                        </p:tgtEl>
+                                        <p:attrNameLst>
+                                          <p:attrName>ppt_w</p:attrName>
+                                        </p:attrNameLst>
+                                      </p:cBhvr>
+                                      <p:tavLst>
+                                        <p:tav tm="0">
+                                          <p:val>
+                                            <p:fltVal val="0"/>
+                                          </p:val>
+                                        </p:tav>
+                                        <p:tav tm="100000">
+                                          <p:val>
+                                            <p:strVal val="#ppt_w"/>
+                                          </p:val>
+                                        </p:tav>
+                                      </p:tavLst>
+                                    </p:anim>
+                                    <p:anim calcmode="lin" valueType="num">
+                                      <p:cBhvr>
+                                        <p:cTn id="20" dur="500" fill="hold"/>
+                                        <p:tgtEl>
+                                          <p:spTgt spid="2050"/>
+                                        </p:tgtEl>
+                                        <p:attrNameLst>
+                                          <p:attrName>ppt_h</p:attrName>
+                                        </p:attrNameLst>
+                                      </p:cBhvr>
+                                      <p:tavLst>
+                                        <p:tav tm="0">
+                                          <p:val>
+                                            <p:fltVal val="0"/>
+                                          </p:val>
+                                        </p:tav>
+                                        <p:tav tm="100000">
+                                          <p:val>
+                                            <p:strVal val="#ppt_h"/>
+                                          </p:val>
+                                        </p:tav>
+                                      </p:tavLst>
+                                    </p:anim>
+                                    <p:animEffect transition="in" filter="fade">
+                                      <p:cBhvr>
+                                        <p:cTn id="21" dur="500"/>
+                                        <p:tgtEl>
+                                          <p:spTgt spid="2050"/>
+                                        </p:tgtEl>
+                                      </p:cBhvr>
+                                    </p:animEffect>
+                                  </p:childTnLst>
+                                </p:cTn>
+                              </p:par>
+                            </p:childTnLst>
+                          </p:cTn>
+                        </p:par>
+                      </p:childTnLst>
+                    </p:cTn>
+                  </p:par>
+                </p:childTnLst>
+              </p:cTn>
+              <p:prevCondLst>
+                <p:cond evt="onPrev" delay="0">
+                  <p:tgtEl>
+                    <p:sldTgt/>
+                  </p:tgtEl>
+                </p:cond>
+              </p:prevCondLst>
+              <p:nextCondLst>
+                <p:cond evt="onNext" delay="0">
+                  <p:tgtEl>
+                    <p:sldTgt/>
+                  </p:tgtEl>
+                </p:cond>
+              </p:nextCondLst>
+            </p:seq>
+          </p:childTnLst>
+        </p:cTn>
+      </p:par>
+    </p:tnLst>
+  </p:timing>
+</p:sld>
+</file>
+
+<file path=ppt/slides/slide48.xml><?xml version="1.0" encoding="utf-8"?>
 <p:sld xmlns:a="http://schemas.openxmlformats.org/drawingml/2006/main" xmlns:r="http://schemas.openxmlformats.org/officeDocument/2006/relationships" xmlns:p="http://schemas.openxmlformats.org/presentationml/2006/main">
   <p:cSld>
     <p:spTree>
